--- a/Presentation/final_project_presentation.pptx
+++ b/Presentation/final_project_presentation.pptx
@@ -5,10 +5,10 @@
     <p:sldMasterId id="2147483648" r:id="rId4"/>
   </p:sldMasterIdLst>
   <p:notesMasterIdLst>
-    <p:notesMasterId r:id="rId28"/>
+    <p:notesMasterId r:id="rId30"/>
   </p:notesMasterIdLst>
   <p:handoutMasterIdLst>
-    <p:handoutMasterId r:id="rId29"/>
+    <p:handoutMasterId r:id="rId31"/>
   </p:handoutMasterIdLst>
   <p:sldIdLst>
     <p:sldId id="256" r:id="rId5"/>
@@ -24,16 +24,18 @@
     <p:sldId id="284" r:id="rId15"/>
     <p:sldId id="285" r:id="rId16"/>
     <p:sldId id="286" r:id="rId17"/>
-    <p:sldId id="263" r:id="rId18"/>
-    <p:sldId id="268" r:id="rId19"/>
-    <p:sldId id="269" r:id="rId20"/>
-    <p:sldId id="270" r:id="rId21"/>
-    <p:sldId id="271" r:id="rId22"/>
-    <p:sldId id="272" r:id="rId23"/>
-    <p:sldId id="273" r:id="rId24"/>
-    <p:sldId id="274" r:id="rId25"/>
-    <p:sldId id="275" r:id="rId26"/>
-    <p:sldId id="276" r:id="rId27"/>
+    <p:sldId id="287" r:id="rId18"/>
+    <p:sldId id="288" r:id="rId19"/>
+    <p:sldId id="263" r:id="rId20"/>
+    <p:sldId id="268" r:id="rId21"/>
+    <p:sldId id="269" r:id="rId22"/>
+    <p:sldId id="270" r:id="rId23"/>
+    <p:sldId id="271" r:id="rId24"/>
+    <p:sldId id="272" r:id="rId25"/>
+    <p:sldId id="273" r:id="rId26"/>
+    <p:sldId id="274" r:id="rId27"/>
+    <p:sldId id="275" r:id="rId28"/>
+    <p:sldId id="276" r:id="rId29"/>
   </p:sldIdLst>
   <p:sldSz cx="12192000" cy="6858000"/>
   <p:notesSz cx="6858000" cy="9144000"/>
@@ -8644,7 +8646,7 @@
 </p:notes>
 </file>
 
-<file path=ppt/notesSlides/notesSlide2.xml><?xml version="1.0" encoding="utf-8"?>
+<file path=ppt/notesSlides/notesSlide10.xml><?xml version="1.0" encoding="utf-8"?>
 <p:notes xmlns:a="http://schemas.openxmlformats.org/drawingml/2006/main" xmlns:r="http://schemas.openxmlformats.org/officeDocument/2006/relationships" xmlns:p="http://schemas.openxmlformats.org/presentationml/2006/main">
   <p:cSld>
     <p:spTree>
@@ -8690,23 +8692,7 @@
           <a:p>
             <a:r>
               <a:rPr lang="en-GB" dirty="0"/>
-              <a:t>All of these trend upwards over time. Massive jump in visiting friends and family 2016 – 2017 of </a:t>
-            </a:r>
-            <a:r>
-              <a:rPr lang="en-GB" dirty="0" err="1"/>
-              <a:t>apporx</a:t>
-            </a:r>
-            <a:r>
-              <a:rPr lang="en-GB" dirty="0"/>
-              <a:t> 1 billion! Look at </a:t>
-            </a:r>
-            <a:r>
-              <a:rPr lang="en-GB" dirty="0" err="1"/>
-              <a:t>unsummarised</a:t>
-            </a:r>
-            <a:r>
-              <a:rPr lang="en-GB" dirty="0"/>
-              <a:t> data, ideally by region to see where this occurred.</a:t>
+              <a:t>Flipped this round and done visits first.</a:t>
             </a:r>
           </a:p>
         </p:txBody>
@@ -8728,7 +8714,7 @@
           <a:p>
             <a:fld id="{798C5307-140F-447F-BCBA-BB92E3A2906B}" type="slidenum">
               <a:rPr lang="en-US" smtClean="0"/>
-              <a:t>5</a:t>
+              <a:t>15</a:t>
             </a:fld>
             <a:endParaRPr lang="en-US" dirty="0"/>
           </a:p>
@@ -8737,7 +8723,7 @@
     </p:spTree>
     <p:extLst>
       <p:ext uri="{BB962C8B-B14F-4D97-AF65-F5344CB8AC3E}">
-        <p14:creationId xmlns:p14="http://schemas.microsoft.com/office/powerpoint/2010/main" val="185117941"/>
+        <p14:creationId xmlns:p14="http://schemas.microsoft.com/office/powerpoint/2010/main" val="1598997502"/>
       </p:ext>
     </p:extLst>
   </p:cSld>
@@ -8747,577 +8733,7 @@
 </p:notes>
 </file>
 
-<file path=ppt/notesSlides/notesSlide3.xml><?xml version="1.0" encoding="utf-8"?>
-<p:notes xmlns:a="http://schemas.openxmlformats.org/drawingml/2006/main" xmlns:r="http://schemas.openxmlformats.org/officeDocument/2006/relationships" xmlns:p="http://schemas.openxmlformats.org/presentationml/2006/main">
-  <p:cSld>
-    <p:spTree>
-      <p:nvGrpSpPr>
-        <p:cNvPr id="1" name=""/>
-        <p:cNvGrpSpPr/>
-        <p:nvPr/>
-      </p:nvGrpSpPr>
-      <p:grpSpPr>
-        <a:xfrm>
-          <a:off x="0" y="0"/>
-          <a:ext cx="0" cy="0"/>
-          <a:chOff x="0" y="0"/>
-          <a:chExt cx="0" cy="0"/>
-        </a:xfrm>
-      </p:grpSpPr>
-      <p:sp>
-        <p:nvSpPr>
-          <p:cNvPr id="2" name="Slide Image Placeholder 1"/>
-          <p:cNvSpPr>
-            <a:spLocks noGrp="1" noRot="1" noChangeAspect="1"/>
-          </p:cNvSpPr>
-          <p:nvPr>
-            <p:ph type="sldImg"/>
-          </p:nvPr>
-        </p:nvSpPr>
-        <p:spPr/>
-      </p:sp>
-      <p:sp>
-        <p:nvSpPr>
-          <p:cNvPr id="3" name="Notes Placeholder 2"/>
-          <p:cNvSpPr>
-            <a:spLocks noGrp="1"/>
-          </p:cNvSpPr>
-          <p:nvPr>
-            <p:ph type="body" idx="1"/>
-          </p:nvPr>
-        </p:nvSpPr>
-        <p:spPr/>
-        <p:txBody>
-          <a:bodyPr/>
-          <a:lstStyle/>
-          <a:p>
-            <a:r>
-              <a:rPr lang="en-GB" dirty="0"/>
-              <a:t>All of these trend upwards over time</a:t>
-            </a:r>
-          </a:p>
-          <a:p>
-            <a:r>
-              <a:rPr lang="en-GB" dirty="0"/>
-              <a:t>Visits on all but nights out at bars are going up over time so the increase </a:t>
-            </a:r>
-            <a:r>
-              <a:rPr lang="en-GB" dirty="0" err="1"/>
-              <a:t>expensiture</a:t>
-            </a:r>
-            <a:r>
-              <a:rPr lang="en-GB" dirty="0"/>
-              <a:t> we saw cant all be associated with inflation. Big drop (10m!) in Outdoor </a:t>
-            </a:r>
-            <a:r>
-              <a:rPr lang="en-GB" dirty="0" err="1"/>
-              <a:t>leaisure</a:t>
-            </a:r>
-            <a:r>
-              <a:rPr lang="en-GB" dirty="0"/>
-              <a:t> activities 2017-2018 despite was the UK’s warmest summer since 2006,</a:t>
-            </a:r>
-          </a:p>
-          <a:p>
-            <a:r>
-              <a:rPr lang="en-GB" dirty="0"/>
-              <a:t>the driest since 2003 and the sunniest since 1995.Was it too nice a summer? Look at non - summarised data would be good.</a:t>
-            </a:r>
-          </a:p>
-        </p:txBody>
-      </p:sp>
-      <p:sp>
-        <p:nvSpPr>
-          <p:cNvPr id="4" name="Slide Number Placeholder 3"/>
-          <p:cNvSpPr>
-            <a:spLocks noGrp="1"/>
-          </p:cNvSpPr>
-          <p:nvPr>
-            <p:ph type="sldNum" sz="quarter" idx="5"/>
-          </p:nvPr>
-        </p:nvSpPr>
-        <p:spPr/>
-        <p:txBody>
-          <a:bodyPr/>
-          <a:lstStyle/>
-          <a:p>
-            <a:fld id="{798C5307-140F-447F-BCBA-BB92E3A2906B}" type="slidenum">
-              <a:rPr lang="en-US" smtClean="0"/>
-              <a:t>7</a:t>
-            </a:fld>
-            <a:endParaRPr lang="en-US" dirty="0"/>
-          </a:p>
-        </p:txBody>
-      </p:sp>
-    </p:spTree>
-    <p:extLst>
-      <p:ext uri="{BB962C8B-B14F-4D97-AF65-F5344CB8AC3E}">
-        <p14:creationId xmlns:p14="http://schemas.microsoft.com/office/powerpoint/2010/main" val="817912987"/>
-      </p:ext>
-    </p:extLst>
-  </p:cSld>
-  <p:clrMapOvr>
-    <a:masterClrMapping/>
-  </p:clrMapOvr>
-</p:notes>
-</file>
-
-<file path=ppt/notesSlides/notesSlide4.xml><?xml version="1.0" encoding="utf-8"?>
-<p:notes xmlns:a="http://schemas.openxmlformats.org/drawingml/2006/main" xmlns:r="http://schemas.openxmlformats.org/officeDocument/2006/relationships" xmlns:p="http://schemas.openxmlformats.org/presentationml/2006/main">
-  <p:cSld>
-    <p:spTree>
-      <p:nvGrpSpPr>
-        <p:cNvPr id="1" name=""/>
-        <p:cNvGrpSpPr/>
-        <p:nvPr/>
-      </p:nvGrpSpPr>
-      <p:grpSpPr>
-        <a:xfrm>
-          <a:off x="0" y="0"/>
-          <a:ext cx="0" cy="0"/>
-          <a:chOff x="0" y="0"/>
-          <a:chExt cx="0" cy="0"/>
-        </a:xfrm>
-      </p:grpSpPr>
-      <p:sp>
-        <p:nvSpPr>
-          <p:cNvPr id="2" name="Slide Image Placeholder 1"/>
-          <p:cNvSpPr>
-            <a:spLocks noGrp="1" noRot="1" noChangeAspect="1"/>
-          </p:cNvSpPr>
-          <p:nvPr>
-            <p:ph type="sldImg"/>
-          </p:nvPr>
-        </p:nvSpPr>
-        <p:spPr/>
-      </p:sp>
-      <p:sp>
-        <p:nvSpPr>
-          <p:cNvPr id="3" name="Notes Placeholder 2"/>
-          <p:cNvSpPr>
-            <a:spLocks noGrp="1"/>
-          </p:cNvSpPr>
-          <p:nvPr>
-            <p:ph type="body" idx="1"/>
-          </p:nvPr>
-        </p:nvSpPr>
-        <p:spPr/>
-        <p:txBody>
-          <a:bodyPr/>
-          <a:lstStyle/>
-          <a:p>
-            <a:r>
-              <a:rPr lang="en-GB" dirty="0"/>
-              <a:t>Flipped this round and done visits first.</a:t>
-            </a:r>
-          </a:p>
-        </p:txBody>
-      </p:sp>
-      <p:sp>
-        <p:nvSpPr>
-          <p:cNvPr id="4" name="Slide Number Placeholder 3"/>
-          <p:cNvSpPr>
-            <a:spLocks noGrp="1"/>
-          </p:cNvSpPr>
-          <p:nvPr>
-            <p:ph type="sldNum" sz="quarter" idx="5"/>
-          </p:nvPr>
-        </p:nvSpPr>
-        <p:spPr/>
-        <p:txBody>
-          <a:bodyPr/>
-          <a:lstStyle/>
-          <a:p>
-            <a:fld id="{798C5307-140F-447F-BCBA-BB92E3A2906B}" type="slidenum">
-              <a:rPr lang="en-US" smtClean="0"/>
-              <a:t>8</a:t>
-            </a:fld>
-            <a:endParaRPr lang="en-US" dirty="0"/>
-          </a:p>
-        </p:txBody>
-      </p:sp>
-    </p:spTree>
-    <p:extLst>
-      <p:ext uri="{BB962C8B-B14F-4D97-AF65-F5344CB8AC3E}">
-        <p14:creationId xmlns:p14="http://schemas.microsoft.com/office/powerpoint/2010/main" val="4041522624"/>
-      </p:ext>
-    </p:extLst>
-  </p:cSld>
-  <p:clrMapOvr>
-    <a:masterClrMapping/>
-  </p:clrMapOvr>
-</p:notes>
-</file>
-
-<file path=ppt/notesSlides/notesSlide5.xml><?xml version="1.0" encoding="utf-8"?>
-<p:notes xmlns:a="http://schemas.openxmlformats.org/drawingml/2006/main" xmlns:r="http://schemas.openxmlformats.org/officeDocument/2006/relationships" xmlns:p="http://schemas.openxmlformats.org/presentationml/2006/main">
-  <p:cSld>
-    <p:spTree>
-      <p:nvGrpSpPr>
-        <p:cNvPr id="1" name=""/>
-        <p:cNvGrpSpPr/>
-        <p:nvPr/>
-      </p:nvGrpSpPr>
-      <p:grpSpPr>
-        <a:xfrm>
-          <a:off x="0" y="0"/>
-          <a:ext cx="0" cy="0"/>
-          <a:chOff x="0" y="0"/>
-          <a:chExt cx="0" cy="0"/>
-        </a:xfrm>
-      </p:grpSpPr>
-      <p:sp>
-        <p:nvSpPr>
-          <p:cNvPr id="2" name="Slide Image Placeholder 1"/>
-          <p:cNvSpPr>
-            <a:spLocks noGrp="1" noRot="1" noChangeAspect="1"/>
-          </p:cNvSpPr>
-          <p:nvPr>
-            <p:ph type="sldImg"/>
-          </p:nvPr>
-        </p:nvSpPr>
-        <p:spPr/>
-      </p:sp>
-      <p:sp>
-        <p:nvSpPr>
-          <p:cNvPr id="3" name="Notes Placeholder 2"/>
-          <p:cNvSpPr>
-            <a:spLocks noGrp="1"/>
-          </p:cNvSpPr>
-          <p:nvPr>
-            <p:ph type="body" idx="1"/>
-          </p:nvPr>
-        </p:nvSpPr>
-        <p:spPr/>
-        <p:txBody>
-          <a:bodyPr/>
-          <a:lstStyle/>
-          <a:p>
-            <a:r>
-              <a:rPr lang="en-GB" b="0" i="0" u="none" strike="noStrike" dirty="0">
-                <a:solidFill>
-                  <a:srgbClr val="0645AD"/>
-                </a:solidFill>
-                <a:effectLst/>
-                <a:latin typeface="Arial" panose="020B0604020202020204" pitchFamily="34" charset="0"/>
-                <a:hlinkClick r:id="rId3" tooltip="Rough Guides"/>
-              </a:rPr>
-              <a:t>Rough Guides</a:t>
-            </a:r>
-            <a:r>
-              <a:rPr lang="en-GB" b="0" i="0" dirty="0">
-                <a:solidFill>
-                  <a:srgbClr val="202122"/>
-                </a:solidFill>
-                <a:effectLst/>
-                <a:latin typeface="Arial" panose="020B0604020202020204" pitchFamily="34" charset="0"/>
-              </a:rPr>
-              <a:t> names Scotland as the world's most beautiful country in 2017 – could this be a reason for the increase in city visits? Nearly a 10m increase? Worth a further look at non summarised data</a:t>
-            </a:r>
-          </a:p>
-          <a:p>
-            <a:endParaRPr lang="en-GB" dirty="0"/>
-          </a:p>
-        </p:txBody>
-      </p:sp>
-      <p:sp>
-        <p:nvSpPr>
-          <p:cNvPr id="4" name="Slide Number Placeholder 3"/>
-          <p:cNvSpPr>
-            <a:spLocks noGrp="1"/>
-          </p:cNvSpPr>
-          <p:nvPr>
-            <p:ph type="sldNum" sz="quarter" idx="5"/>
-          </p:nvPr>
-        </p:nvSpPr>
-        <p:spPr/>
-        <p:txBody>
-          <a:bodyPr/>
-          <a:lstStyle/>
-          <a:p>
-            <a:fld id="{798C5307-140F-447F-BCBA-BB92E3A2906B}" type="slidenum">
-              <a:rPr lang="en-US" smtClean="0"/>
-              <a:t>10</a:t>
-            </a:fld>
-            <a:endParaRPr lang="en-US" dirty="0"/>
-          </a:p>
-        </p:txBody>
-      </p:sp>
-    </p:spTree>
-    <p:extLst>
-      <p:ext uri="{BB962C8B-B14F-4D97-AF65-F5344CB8AC3E}">
-        <p14:creationId xmlns:p14="http://schemas.microsoft.com/office/powerpoint/2010/main" val="3053291020"/>
-      </p:ext>
-    </p:extLst>
-  </p:cSld>
-  <p:clrMapOvr>
-    <a:masterClrMapping/>
-  </p:clrMapOvr>
-</p:notes>
-</file>
-
-<file path=ppt/notesSlides/notesSlide6.xml><?xml version="1.0" encoding="utf-8"?>
-<p:notes xmlns:a="http://schemas.openxmlformats.org/drawingml/2006/main" xmlns:r="http://schemas.openxmlformats.org/officeDocument/2006/relationships" xmlns:p="http://schemas.openxmlformats.org/presentationml/2006/main">
-  <p:cSld>
-    <p:spTree>
-      <p:nvGrpSpPr>
-        <p:cNvPr id="1" name=""/>
-        <p:cNvGrpSpPr/>
-        <p:nvPr/>
-      </p:nvGrpSpPr>
-      <p:grpSpPr>
-        <a:xfrm>
-          <a:off x="0" y="0"/>
-          <a:ext cx="0" cy="0"/>
-          <a:chOff x="0" y="0"/>
-          <a:chExt cx="0" cy="0"/>
-        </a:xfrm>
-      </p:grpSpPr>
-      <p:sp>
-        <p:nvSpPr>
-          <p:cNvPr id="2" name="Slide Image Placeholder 1"/>
-          <p:cNvSpPr>
-            <a:spLocks noGrp="1" noRot="1" noChangeAspect="1"/>
-          </p:cNvSpPr>
-          <p:nvPr>
-            <p:ph type="sldImg"/>
-          </p:nvPr>
-        </p:nvSpPr>
-        <p:spPr/>
-      </p:sp>
-      <p:sp>
-        <p:nvSpPr>
-          <p:cNvPr id="3" name="Notes Placeholder 2"/>
-          <p:cNvSpPr>
-            <a:spLocks noGrp="1"/>
-          </p:cNvSpPr>
-          <p:nvPr>
-            <p:ph type="body" idx="1"/>
-          </p:nvPr>
-        </p:nvSpPr>
-        <p:spPr/>
-        <p:txBody>
-          <a:bodyPr/>
-          <a:lstStyle/>
-          <a:p>
-            <a:r>
-              <a:rPr lang="en-GB" dirty="0"/>
-              <a:t>Flipped this round and done visits first.</a:t>
-            </a:r>
-          </a:p>
-        </p:txBody>
-      </p:sp>
-      <p:sp>
-        <p:nvSpPr>
-          <p:cNvPr id="4" name="Slide Number Placeholder 3"/>
-          <p:cNvSpPr>
-            <a:spLocks noGrp="1"/>
-          </p:cNvSpPr>
-          <p:nvPr>
-            <p:ph type="sldNum" sz="quarter" idx="5"/>
-          </p:nvPr>
-        </p:nvSpPr>
-        <p:spPr/>
-        <p:txBody>
-          <a:bodyPr/>
-          <a:lstStyle/>
-          <a:p>
-            <a:fld id="{798C5307-140F-447F-BCBA-BB92E3A2906B}" type="slidenum">
-              <a:rPr lang="en-US" smtClean="0"/>
-              <a:t>11</a:t>
-            </a:fld>
-            <a:endParaRPr lang="en-US" dirty="0"/>
-          </a:p>
-        </p:txBody>
-      </p:sp>
-    </p:spTree>
-    <p:extLst>
-      <p:ext uri="{BB962C8B-B14F-4D97-AF65-F5344CB8AC3E}">
-        <p14:creationId xmlns:p14="http://schemas.microsoft.com/office/powerpoint/2010/main" val="3472897843"/>
-      </p:ext>
-    </p:extLst>
-  </p:cSld>
-  <p:clrMapOvr>
-    <a:masterClrMapping/>
-  </p:clrMapOvr>
-</p:notes>
-</file>
-
-<file path=ppt/notesSlides/notesSlide7.xml><?xml version="1.0" encoding="utf-8"?>
-<p:notes xmlns:a="http://schemas.openxmlformats.org/drawingml/2006/main" xmlns:r="http://schemas.openxmlformats.org/officeDocument/2006/relationships" xmlns:p="http://schemas.openxmlformats.org/presentationml/2006/main">
-  <p:cSld>
-    <p:spTree>
-      <p:nvGrpSpPr>
-        <p:cNvPr id="1" name=""/>
-        <p:cNvGrpSpPr/>
-        <p:nvPr/>
-      </p:nvGrpSpPr>
-      <p:grpSpPr>
-        <a:xfrm>
-          <a:off x="0" y="0"/>
-          <a:ext cx="0" cy="0"/>
-          <a:chOff x="0" y="0"/>
-          <a:chExt cx="0" cy="0"/>
-        </a:xfrm>
-      </p:grpSpPr>
-      <p:sp>
-        <p:nvSpPr>
-          <p:cNvPr id="2" name="Slide Image Placeholder 1"/>
-          <p:cNvSpPr>
-            <a:spLocks noGrp="1" noRot="1" noChangeAspect="1"/>
-          </p:cNvSpPr>
-          <p:nvPr>
-            <p:ph type="sldImg"/>
-          </p:nvPr>
-        </p:nvSpPr>
-        <p:spPr/>
-      </p:sp>
-      <p:sp>
-        <p:nvSpPr>
-          <p:cNvPr id="3" name="Notes Placeholder 2"/>
-          <p:cNvSpPr>
-            <a:spLocks noGrp="1"/>
-          </p:cNvSpPr>
-          <p:nvPr>
-            <p:ph type="body" idx="1"/>
-          </p:nvPr>
-        </p:nvSpPr>
-        <p:spPr/>
-        <p:txBody>
-          <a:bodyPr/>
-          <a:lstStyle/>
-          <a:p>
-            <a:r>
-              <a:rPr lang="en-GB" dirty="0"/>
-              <a:t>Flipped this round and done visits first.</a:t>
-            </a:r>
-          </a:p>
-        </p:txBody>
-      </p:sp>
-      <p:sp>
-        <p:nvSpPr>
-          <p:cNvPr id="4" name="Slide Number Placeholder 3"/>
-          <p:cNvSpPr>
-            <a:spLocks noGrp="1"/>
-          </p:cNvSpPr>
-          <p:nvPr>
-            <p:ph type="sldNum" sz="quarter" idx="5"/>
-          </p:nvPr>
-        </p:nvSpPr>
-        <p:spPr/>
-        <p:txBody>
-          <a:bodyPr/>
-          <a:lstStyle/>
-          <a:p>
-            <a:fld id="{798C5307-140F-447F-BCBA-BB92E3A2906B}" type="slidenum">
-              <a:rPr lang="en-US" smtClean="0"/>
-              <a:t>12</a:t>
-            </a:fld>
-            <a:endParaRPr lang="en-US" dirty="0"/>
-          </a:p>
-        </p:txBody>
-      </p:sp>
-    </p:spTree>
-    <p:extLst>
-      <p:ext uri="{BB962C8B-B14F-4D97-AF65-F5344CB8AC3E}">
-        <p14:creationId xmlns:p14="http://schemas.microsoft.com/office/powerpoint/2010/main" val="1774610018"/>
-      </p:ext>
-    </p:extLst>
-  </p:cSld>
-  <p:clrMapOvr>
-    <a:masterClrMapping/>
-  </p:clrMapOvr>
-</p:notes>
-</file>
-
-<file path=ppt/notesSlides/notesSlide8.xml><?xml version="1.0" encoding="utf-8"?>
-<p:notes xmlns:a="http://schemas.openxmlformats.org/drawingml/2006/main" xmlns:r="http://schemas.openxmlformats.org/officeDocument/2006/relationships" xmlns:p="http://schemas.openxmlformats.org/presentationml/2006/main">
-  <p:cSld>
-    <p:spTree>
-      <p:nvGrpSpPr>
-        <p:cNvPr id="1" name=""/>
-        <p:cNvGrpSpPr/>
-        <p:nvPr/>
-      </p:nvGrpSpPr>
-      <p:grpSpPr>
-        <a:xfrm>
-          <a:off x="0" y="0"/>
-          <a:ext cx="0" cy="0"/>
-          <a:chOff x="0" y="0"/>
-          <a:chExt cx="0" cy="0"/>
-        </a:xfrm>
-      </p:grpSpPr>
-      <p:sp>
-        <p:nvSpPr>
-          <p:cNvPr id="2" name="Slide Image Placeholder 1"/>
-          <p:cNvSpPr>
-            <a:spLocks noGrp="1" noRot="1" noChangeAspect="1"/>
-          </p:cNvSpPr>
-          <p:nvPr>
-            <p:ph type="sldImg"/>
-          </p:nvPr>
-        </p:nvSpPr>
-        <p:spPr/>
-      </p:sp>
-      <p:sp>
-        <p:nvSpPr>
-          <p:cNvPr id="3" name="Notes Placeholder 2"/>
-          <p:cNvSpPr>
-            <a:spLocks noGrp="1"/>
-          </p:cNvSpPr>
-          <p:nvPr>
-            <p:ph type="body" idx="1"/>
-          </p:nvPr>
-        </p:nvSpPr>
-        <p:spPr/>
-        <p:txBody>
-          <a:bodyPr/>
-          <a:lstStyle/>
-          <a:p>
-            <a:r>
-              <a:rPr lang="en-GB" dirty="0"/>
-              <a:t>Flipped this round and done visits first.</a:t>
-            </a:r>
-          </a:p>
-        </p:txBody>
-      </p:sp>
-      <p:sp>
-        <p:nvSpPr>
-          <p:cNvPr id="4" name="Slide Number Placeholder 3"/>
-          <p:cNvSpPr>
-            <a:spLocks noGrp="1"/>
-          </p:cNvSpPr>
-          <p:nvPr>
-            <p:ph type="sldNum" sz="quarter" idx="5"/>
-          </p:nvPr>
-        </p:nvSpPr>
-        <p:spPr/>
-        <p:txBody>
-          <a:bodyPr/>
-          <a:lstStyle/>
-          <a:p>
-            <a:fld id="{798C5307-140F-447F-BCBA-BB92E3A2906B}" type="slidenum">
-              <a:rPr lang="en-US" smtClean="0"/>
-              <a:t>13</a:t>
-            </a:fld>
-            <a:endParaRPr lang="en-US" dirty="0"/>
-          </a:p>
-        </p:txBody>
-      </p:sp>
-    </p:spTree>
-    <p:extLst>
-      <p:ext uri="{BB962C8B-B14F-4D97-AF65-F5344CB8AC3E}">
-        <p14:creationId xmlns:p14="http://schemas.microsoft.com/office/powerpoint/2010/main" val="1567159087"/>
-      </p:ext>
-    </p:extLst>
-  </p:cSld>
-  <p:clrMapOvr>
-    <a:masterClrMapping/>
-  </p:clrMapOvr>
-</p:notes>
-</file>
-
-<file path=ppt/notesSlides/notesSlide9.xml><?xml version="1.0" encoding="utf-8"?>
+<file path=ppt/notesSlides/notesSlide11.xml><?xml version="1.0" encoding="utf-8"?>
 <p:notes xmlns:a="http://schemas.openxmlformats.org/drawingml/2006/main" xmlns:r="http://schemas.openxmlformats.org/officeDocument/2006/relationships" xmlns:p="http://schemas.openxmlformats.org/presentationml/2006/main">
   <p:cSld>
     <p:spTree>
@@ -9429,7 +8845,7 @@
                 <a:tabLst/>
                 <a:defRPr/>
               </a:pPr>
-              <a:t>14</a:t>
+              <a:t>16</a:t>
             </a:fld>
             <a:endParaRPr kumimoji="0" lang="en-US" sz="1200" b="0" i="0" u="none" strike="noStrike" kern="1200" cap="none" spc="0" normalizeH="0" baseline="0" noProof="0" dirty="0">
               <a:ln>
@@ -9452,6 +8868,772 @@
     <p:extLst>
       <p:ext uri="{BB962C8B-B14F-4D97-AF65-F5344CB8AC3E}">
         <p14:creationId xmlns:p14="http://schemas.microsoft.com/office/powerpoint/2010/main" val="533555847"/>
+      </p:ext>
+    </p:extLst>
+  </p:cSld>
+  <p:clrMapOvr>
+    <a:masterClrMapping/>
+  </p:clrMapOvr>
+</p:notes>
+</file>
+
+<file path=ppt/notesSlides/notesSlide2.xml><?xml version="1.0" encoding="utf-8"?>
+<p:notes xmlns:a="http://schemas.openxmlformats.org/drawingml/2006/main" xmlns:r="http://schemas.openxmlformats.org/officeDocument/2006/relationships" xmlns:p="http://schemas.openxmlformats.org/presentationml/2006/main">
+  <p:cSld>
+    <p:spTree>
+      <p:nvGrpSpPr>
+        <p:cNvPr id="1" name=""/>
+        <p:cNvGrpSpPr/>
+        <p:nvPr/>
+      </p:nvGrpSpPr>
+      <p:grpSpPr>
+        <a:xfrm>
+          <a:off x="0" y="0"/>
+          <a:ext cx="0" cy="0"/>
+          <a:chOff x="0" y="0"/>
+          <a:chExt cx="0" cy="0"/>
+        </a:xfrm>
+      </p:grpSpPr>
+      <p:sp>
+        <p:nvSpPr>
+          <p:cNvPr id="2" name="Slide Image Placeholder 1"/>
+          <p:cNvSpPr>
+            <a:spLocks noGrp="1" noRot="1" noChangeAspect="1"/>
+          </p:cNvSpPr>
+          <p:nvPr>
+            <p:ph type="sldImg"/>
+          </p:nvPr>
+        </p:nvSpPr>
+        <p:spPr/>
+      </p:sp>
+      <p:sp>
+        <p:nvSpPr>
+          <p:cNvPr id="3" name="Notes Placeholder 2"/>
+          <p:cNvSpPr>
+            <a:spLocks noGrp="1"/>
+          </p:cNvSpPr>
+          <p:nvPr>
+            <p:ph type="body" idx="1"/>
+          </p:nvPr>
+        </p:nvSpPr>
+        <p:spPr/>
+        <p:txBody>
+          <a:bodyPr/>
+          <a:lstStyle/>
+          <a:p>
+            <a:r>
+              <a:rPr lang="en-GB" dirty="0"/>
+              <a:t>All of these trend upwards over time. Massive jump in visiting friends and family 2016 – 2017 of </a:t>
+            </a:r>
+            <a:r>
+              <a:rPr lang="en-GB" dirty="0" err="1"/>
+              <a:t>approx</a:t>
+            </a:r>
+            <a:r>
+              <a:rPr lang="en-GB" dirty="0"/>
+              <a:t> 1 billion! Look at </a:t>
+            </a:r>
+            <a:r>
+              <a:rPr lang="en-GB" dirty="0" err="1"/>
+              <a:t>unsummarised</a:t>
+            </a:r>
+            <a:r>
+              <a:rPr lang="en-GB" dirty="0"/>
+              <a:t> data, ideally by region to see where this occurred.</a:t>
+            </a:r>
+          </a:p>
+        </p:txBody>
+      </p:sp>
+      <p:sp>
+        <p:nvSpPr>
+          <p:cNvPr id="4" name="Slide Number Placeholder 3"/>
+          <p:cNvSpPr>
+            <a:spLocks noGrp="1"/>
+          </p:cNvSpPr>
+          <p:nvPr>
+            <p:ph type="sldNum" sz="quarter" idx="5"/>
+          </p:nvPr>
+        </p:nvSpPr>
+        <p:spPr/>
+        <p:txBody>
+          <a:bodyPr/>
+          <a:lstStyle/>
+          <a:p>
+            <a:fld id="{798C5307-140F-447F-BCBA-BB92E3A2906B}" type="slidenum">
+              <a:rPr lang="en-US" smtClean="0"/>
+              <a:t>5</a:t>
+            </a:fld>
+            <a:endParaRPr lang="en-US" dirty="0"/>
+          </a:p>
+        </p:txBody>
+      </p:sp>
+    </p:spTree>
+    <p:extLst>
+      <p:ext uri="{BB962C8B-B14F-4D97-AF65-F5344CB8AC3E}">
+        <p14:creationId xmlns:p14="http://schemas.microsoft.com/office/powerpoint/2010/main" val="185117941"/>
+      </p:ext>
+    </p:extLst>
+  </p:cSld>
+  <p:clrMapOvr>
+    <a:masterClrMapping/>
+  </p:clrMapOvr>
+</p:notes>
+</file>
+
+<file path=ppt/notesSlides/notesSlide3.xml><?xml version="1.0" encoding="utf-8"?>
+<p:notes xmlns:a="http://schemas.openxmlformats.org/drawingml/2006/main" xmlns:r="http://schemas.openxmlformats.org/officeDocument/2006/relationships" xmlns:p="http://schemas.openxmlformats.org/presentationml/2006/main">
+  <p:cSld>
+    <p:spTree>
+      <p:nvGrpSpPr>
+        <p:cNvPr id="1" name=""/>
+        <p:cNvGrpSpPr/>
+        <p:nvPr/>
+      </p:nvGrpSpPr>
+      <p:grpSpPr>
+        <a:xfrm>
+          <a:off x="0" y="0"/>
+          <a:ext cx="0" cy="0"/>
+          <a:chOff x="0" y="0"/>
+          <a:chExt cx="0" cy="0"/>
+        </a:xfrm>
+      </p:grpSpPr>
+      <p:sp>
+        <p:nvSpPr>
+          <p:cNvPr id="2" name="Slide Image Placeholder 1"/>
+          <p:cNvSpPr>
+            <a:spLocks noGrp="1" noRot="1" noChangeAspect="1"/>
+          </p:cNvSpPr>
+          <p:nvPr>
+            <p:ph type="sldImg"/>
+          </p:nvPr>
+        </p:nvSpPr>
+        <p:spPr/>
+      </p:sp>
+      <p:sp>
+        <p:nvSpPr>
+          <p:cNvPr id="3" name="Notes Placeholder 2"/>
+          <p:cNvSpPr>
+            <a:spLocks noGrp="1"/>
+          </p:cNvSpPr>
+          <p:nvPr>
+            <p:ph type="body" idx="1"/>
+          </p:nvPr>
+        </p:nvSpPr>
+        <p:spPr/>
+        <p:txBody>
+          <a:bodyPr/>
+          <a:lstStyle/>
+          <a:p>
+            <a:r>
+              <a:rPr lang="en-GB" dirty="0"/>
+              <a:t>All of these trend upwards over time</a:t>
+            </a:r>
+          </a:p>
+          <a:p>
+            <a:r>
+              <a:rPr lang="en-GB" dirty="0"/>
+              <a:t>Visits on all but nights out at bars are going up over time so the increase </a:t>
+            </a:r>
+            <a:r>
+              <a:rPr lang="en-GB" dirty="0" err="1"/>
+              <a:t>expensiture</a:t>
+            </a:r>
+            <a:r>
+              <a:rPr lang="en-GB" dirty="0"/>
+              <a:t> we saw cant all be associated with inflation. Big drop (10m!) in Outdoor </a:t>
+            </a:r>
+            <a:r>
+              <a:rPr lang="en-GB" dirty="0" err="1"/>
+              <a:t>leaisure</a:t>
+            </a:r>
+            <a:r>
+              <a:rPr lang="en-GB" dirty="0"/>
+              <a:t> activities 2017-2018 despite was the UK’s warmest summer since 2006,</a:t>
+            </a:r>
+          </a:p>
+          <a:p>
+            <a:r>
+              <a:rPr lang="en-GB" dirty="0"/>
+              <a:t>the driest since 2003 and the sunniest since 1995.Was it too nice a summer? Look at non - summarised data would be good.</a:t>
+            </a:r>
+          </a:p>
+        </p:txBody>
+      </p:sp>
+      <p:sp>
+        <p:nvSpPr>
+          <p:cNvPr id="4" name="Slide Number Placeholder 3"/>
+          <p:cNvSpPr>
+            <a:spLocks noGrp="1"/>
+          </p:cNvSpPr>
+          <p:nvPr>
+            <p:ph type="sldNum" sz="quarter" idx="5"/>
+          </p:nvPr>
+        </p:nvSpPr>
+        <p:spPr/>
+        <p:txBody>
+          <a:bodyPr/>
+          <a:lstStyle/>
+          <a:p>
+            <a:fld id="{798C5307-140F-447F-BCBA-BB92E3A2906B}" type="slidenum">
+              <a:rPr lang="en-US" smtClean="0"/>
+              <a:t>7</a:t>
+            </a:fld>
+            <a:endParaRPr lang="en-US" dirty="0"/>
+          </a:p>
+        </p:txBody>
+      </p:sp>
+    </p:spTree>
+    <p:extLst>
+      <p:ext uri="{BB962C8B-B14F-4D97-AF65-F5344CB8AC3E}">
+        <p14:creationId xmlns:p14="http://schemas.microsoft.com/office/powerpoint/2010/main" val="817912987"/>
+      </p:ext>
+    </p:extLst>
+  </p:cSld>
+  <p:clrMapOvr>
+    <a:masterClrMapping/>
+  </p:clrMapOvr>
+</p:notes>
+</file>
+
+<file path=ppt/notesSlides/notesSlide4.xml><?xml version="1.0" encoding="utf-8"?>
+<p:notes xmlns:a="http://schemas.openxmlformats.org/drawingml/2006/main" xmlns:r="http://schemas.openxmlformats.org/officeDocument/2006/relationships" xmlns:p="http://schemas.openxmlformats.org/presentationml/2006/main">
+  <p:cSld>
+    <p:spTree>
+      <p:nvGrpSpPr>
+        <p:cNvPr id="1" name=""/>
+        <p:cNvGrpSpPr/>
+        <p:nvPr/>
+      </p:nvGrpSpPr>
+      <p:grpSpPr>
+        <a:xfrm>
+          <a:off x="0" y="0"/>
+          <a:ext cx="0" cy="0"/>
+          <a:chOff x="0" y="0"/>
+          <a:chExt cx="0" cy="0"/>
+        </a:xfrm>
+      </p:grpSpPr>
+      <p:sp>
+        <p:nvSpPr>
+          <p:cNvPr id="2" name="Slide Image Placeholder 1"/>
+          <p:cNvSpPr>
+            <a:spLocks noGrp="1" noRot="1" noChangeAspect="1"/>
+          </p:cNvSpPr>
+          <p:nvPr>
+            <p:ph type="sldImg"/>
+          </p:nvPr>
+        </p:nvSpPr>
+        <p:spPr/>
+      </p:sp>
+      <p:sp>
+        <p:nvSpPr>
+          <p:cNvPr id="3" name="Notes Placeholder 2"/>
+          <p:cNvSpPr>
+            <a:spLocks noGrp="1"/>
+          </p:cNvSpPr>
+          <p:nvPr>
+            <p:ph type="body" idx="1"/>
+          </p:nvPr>
+        </p:nvSpPr>
+        <p:spPr/>
+        <p:txBody>
+          <a:bodyPr/>
+          <a:lstStyle/>
+          <a:p>
+            <a:r>
+              <a:rPr lang="en-GB" dirty="0"/>
+              <a:t>Flipped this round and done visits first.</a:t>
+            </a:r>
+          </a:p>
+        </p:txBody>
+      </p:sp>
+      <p:sp>
+        <p:nvSpPr>
+          <p:cNvPr id="4" name="Slide Number Placeholder 3"/>
+          <p:cNvSpPr>
+            <a:spLocks noGrp="1"/>
+          </p:cNvSpPr>
+          <p:nvPr>
+            <p:ph type="sldNum" sz="quarter" idx="5"/>
+          </p:nvPr>
+        </p:nvSpPr>
+        <p:spPr/>
+        <p:txBody>
+          <a:bodyPr/>
+          <a:lstStyle/>
+          <a:p>
+            <a:fld id="{798C5307-140F-447F-BCBA-BB92E3A2906B}" type="slidenum">
+              <a:rPr lang="en-US" smtClean="0"/>
+              <a:t>8</a:t>
+            </a:fld>
+            <a:endParaRPr lang="en-US" dirty="0"/>
+          </a:p>
+        </p:txBody>
+      </p:sp>
+    </p:spTree>
+    <p:extLst>
+      <p:ext uri="{BB962C8B-B14F-4D97-AF65-F5344CB8AC3E}">
+        <p14:creationId xmlns:p14="http://schemas.microsoft.com/office/powerpoint/2010/main" val="4041522624"/>
+      </p:ext>
+    </p:extLst>
+  </p:cSld>
+  <p:clrMapOvr>
+    <a:masterClrMapping/>
+  </p:clrMapOvr>
+</p:notes>
+</file>
+
+<file path=ppt/notesSlides/notesSlide5.xml><?xml version="1.0" encoding="utf-8"?>
+<p:notes xmlns:a="http://schemas.openxmlformats.org/drawingml/2006/main" xmlns:r="http://schemas.openxmlformats.org/officeDocument/2006/relationships" xmlns:p="http://schemas.openxmlformats.org/presentationml/2006/main">
+  <p:cSld>
+    <p:spTree>
+      <p:nvGrpSpPr>
+        <p:cNvPr id="1" name=""/>
+        <p:cNvGrpSpPr/>
+        <p:nvPr/>
+      </p:nvGrpSpPr>
+      <p:grpSpPr>
+        <a:xfrm>
+          <a:off x="0" y="0"/>
+          <a:ext cx="0" cy="0"/>
+          <a:chOff x="0" y="0"/>
+          <a:chExt cx="0" cy="0"/>
+        </a:xfrm>
+      </p:grpSpPr>
+      <p:sp>
+        <p:nvSpPr>
+          <p:cNvPr id="2" name="Slide Image Placeholder 1"/>
+          <p:cNvSpPr>
+            <a:spLocks noGrp="1" noRot="1" noChangeAspect="1"/>
+          </p:cNvSpPr>
+          <p:nvPr>
+            <p:ph type="sldImg"/>
+          </p:nvPr>
+        </p:nvSpPr>
+        <p:spPr/>
+      </p:sp>
+      <p:sp>
+        <p:nvSpPr>
+          <p:cNvPr id="3" name="Notes Placeholder 2"/>
+          <p:cNvSpPr>
+            <a:spLocks noGrp="1"/>
+          </p:cNvSpPr>
+          <p:nvPr>
+            <p:ph type="body" idx="1"/>
+          </p:nvPr>
+        </p:nvSpPr>
+        <p:spPr/>
+        <p:txBody>
+          <a:bodyPr/>
+          <a:lstStyle/>
+          <a:p>
+            <a:r>
+              <a:rPr lang="en-GB" b="0" i="0" u="none" strike="noStrike" dirty="0">
+                <a:solidFill>
+                  <a:srgbClr val="0645AD"/>
+                </a:solidFill>
+                <a:effectLst/>
+                <a:latin typeface="Arial" panose="020B0604020202020204" pitchFamily="34" charset="0"/>
+                <a:hlinkClick r:id="rId3" tooltip="Rough Guides"/>
+              </a:rPr>
+              <a:t>Rough Guides</a:t>
+            </a:r>
+            <a:r>
+              <a:rPr lang="en-GB" b="0" i="0" dirty="0">
+                <a:solidFill>
+                  <a:srgbClr val="202122"/>
+                </a:solidFill>
+                <a:effectLst/>
+                <a:latin typeface="Arial" panose="020B0604020202020204" pitchFamily="34" charset="0"/>
+              </a:rPr>
+              <a:t> names Scotland as the world's most beautiful country in 2017 – could this be a reason for the increase in city visits? Nearly a 10m increase? Worth a further look at non summarised data</a:t>
+            </a:r>
+          </a:p>
+          <a:p>
+            <a:endParaRPr lang="en-GB" dirty="0"/>
+          </a:p>
+        </p:txBody>
+      </p:sp>
+      <p:sp>
+        <p:nvSpPr>
+          <p:cNvPr id="4" name="Slide Number Placeholder 3"/>
+          <p:cNvSpPr>
+            <a:spLocks noGrp="1"/>
+          </p:cNvSpPr>
+          <p:nvPr>
+            <p:ph type="sldNum" sz="quarter" idx="5"/>
+          </p:nvPr>
+        </p:nvSpPr>
+        <p:spPr/>
+        <p:txBody>
+          <a:bodyPr/>
+          <a:lstStyle/>
+          <a:p>
+            <a:fld id="{798C5307-140F-447F-BCBA-BB92E3A2906B}" type="slidenum">
+              <a:rPr lang="en-US" smtClean="0"/>
+              <a:t>10</a:t>
+            </a:fld>
+            <a:endParaRPr lang="en-US" dirty="0"/>
+          </a:p>
+        </p:txBody>
+      </p:sp>
+    </p:spTree>
+    <p:extLst>
+      <p:ext uri="{BB962C8B-B14F-4D97-AF65-F5344CB8AC3E}">
+        <p14:creationId xmlns:p14="http://schemas.microsoft.com/office/powerpoint/2010/main" val="3053291020"/>
+      </p:ext>
+    </p:extLst>
+  </p:cSld>
+  <p:clrMapOvr>
+    <a:masterClrMapping/>
+  </p:clrMapOvr>
+</p:notes>
+</file>
+
+<file path=ppt/notesSlides/notesSlide6.xml><?xml version="1.0" encoding="utf-8"?>
+<p:notes xmlns:a="http://schemas.openxmlformats.org/drawingml/2006/main" xmlns:r="http://schemas.openxmlformats.org/officeDocument/2006/relationships" xmlns:p="http://schemas.openxmlformats.org/presentationml/2006/main">
+  <p:cSld>
+    <p:spTree>
+      <p:nvGrpSpPr>
+        <p:cNvPr id="1" name=""/>
+        <p:cNvGrpSpPr/>
+        <p:nvPr/>
+      </p:nvGrpSpPr>
+      <p:grpSpPr>
+        <a:xfrm>
+          <a:off x="0" y="0"/>
+          <a:ext cx="0" cy="0"/>
+          <a:chOff x="0" y="0"/>
+          <a:chExt cx="0" cy="0"/>
+        </a:xfrm>
+      </p:grpSpPr>
+      <p:sp>
+        <p:nvSpPr>
+          <p:cNvPr id="2" name="Slide Image Placeholder 1"/>
+          <p:cNvSpPr>
+            <a:spLocks noGrp="1" noRot="1" noChangeAspect="1"/>
+          </p:cNvSpPr>
+          <p:nvPr>
+            <p:ph type="sldImg"/>
+          </p:nvPr>
+        </p:nvSpPr>
+        <p:spPr/>
+      </p:sp>
+      <p:sp>
+        <p:nvSpPr>
+          <p:cNvPr id="3" name="Notes Placeholder 2"/>
+          <p:cNvSpPr>
+            <a:spLocks noGrp="1"/>
+          </p:cNvSpPr>
+          <p:nvPr>
+            <p:ph type="body" idx="1"/>
+          </p:nvPr>
+        </p:nvSpPr>
+        <p:spPr/>
+        <p:txBody>
+          <a:bodyPr/>
+          <a:lstStyle/>
+          <a:p>
+            <a:r>
+              <a:rPr lang="en-GB" dirty="0"/>
+              <a:t>Flipped this round and done visits first.</a:t>
+            </a:r>
+          </a:p>
+        </p:txBody>
+      </p:sp>
+      <p:sp>
+        <p:nvSpPr>
+          <p:cNvPr id="4" name="Slide Number Placeholder 3"/>
+          <p:cNvSpPr>
+            <a:spLocks noGrp="1"/>
+          </p:cNvSpPr>
+          <p:nvPr>
+            <p:ph type="sldNum" sz="quarter" idx="5"/>
+          </p:nvPr>
+        </p:nvSpPr>
+        <p:spPr/>
+        <p:txBody>
+          <a:bodyPr/>
+          <a:lstStyle/>
+          <a:p>
+            <a:fld id="{798C5307-140F-447F-BCBA-BB92E3A2906B}" type="slidenum">
+              <a:rPr lang="en-US" smtClean="0"/>
+              <a:t>11</a:t>
+            </a:fld>
+            <a:endParaRPr lang="en-US" dirty="0"/>
+          </a:p>
+        </p:txBody>
+      </p:sp>
+    </p:spTree>
+    <p:extLst>
+      <p:ext uri="{BB962C8B-B14F-4D97-AF65-F5344CB8AC3E}">
+        <p14:creationId xmlns:p14="http://schemas.microsoft.com/office/powerpoint/2010/main" val="3472897843"/>
+      </p:ext>
+    </p:extLst>
+  </p:cSld>
+  <p:clrMapOvr>
+    <a:masterClrMapping/>
+  </p:clrMapOvr>
+</p:notes>
+</file>
+
+<file path=ppt/notesSlides/notesSlide7.xml><?xml version="1.0" encoding="utf-8"?>
+<p:notes xmlns:a="http://schemas.openxmlformats.org/drawingml/2006/main" xmlns:r="http://schemas.openxmlformats.org/officeDocument/2006/relationships" xmlns:p="http://schemas.openxmlformats.org/presentationml/2006/main">
+  <p:cSld>
+    <p:spTree>
+      <p:nvGrpSpPr>
+        <p:cNvPr id="1" name=""/>
+        <p:cNvGrpSpPr/>
+        <p:nvPr/>
+      </p:nvGrpSpPr>
+      <p:grpSpPr>
+        <a:xfrm>
+          <a:off x="0" y="0"/>
+          <a:ext cx="0" cy="0"/>
+          <a:chOff x="0" y="0"/>
+          <a:chExt cx="0" cy="0"/>
+        </a:xfrm>
+      </p:grpSpPr>
+      <p:sp>
+        <p:nvSpPr>
+          <p:cNvPr id="2" name="Slide Image Placeholder 1"/>
+          <p:cNvSpPr>
+            <a:spLocks noGrp="1" noRot="1" noChangeAspect="1"/>
+          </p:cNvSpPr>
+          <p:nvPr>
+            <p:ph type="sldImg"/>
+          </p:nvPr>
+        </p:nvSpPr>
+        <p:spPr/>
+      </p:sp>
+      <p:sp>
+        <p:nvSpPr>
+          <p:cNvPr id="3" name="Notes Placeholder 2"/>
+          <p:cNvSpPr>
+            <a:spLocks noGrp="1"/>
+          </p:cNvSpPr>
+          <p:nvPr>
+            <p:ph type="body" idx="1"/>
+          </p:nvPr>
+        </p:nvSpPr>
+        <p:spPr/>
+        <p:txBody>
+          <a:bodyPr/>
+          <a:lstStyle/>
+          <a:p>
+            <a:r>
+              <a:rPr lang="en-GB" dirty="0"/>
+              <a:t>Flipped this round and done visits first.</a:t>
+            </a:r>
+          </a:p>
+        </p:txBody>
+      </p:sp>
+      <p:sp>
+        <p:nvSpPr>
+          <p:cNvPr id="4" name="Slide Number Placeholder 3"/>
+          <p:cNvSpPr>
+            <a:spLocks noGrp="1"/>
+          </p:cNvSpPr>
+          <p:nvPr>
+            <p:ph type="sldNum" sz="quarter" idx="5"/>
+          </p:nvPr>
+        </p:nvSpPr>
+        <p:spPr/>
+        <p:txBody>
+          <a:bodyPr/>
+          <a:lstStyle/>
+          <a:p>
+            <a:fld id="{798C5307-140F-447F-BCBA-BB92E3A2906B}" type="slidenum">
+              <a:rPr lang="en-US" smtClean="0"/>
+              <a:t>12</a:t>
+            </a:fld>
+            <a:endParaRPr lang="en-US" dirty="0"/>
+          </a:p>
+        </p:txBody>
+      </p:sp>
+    </p:spTree>
+    <p:extLst>
+      <p:ext uri="{BB962C8B-B14F-4D97-AF65-F5344CB8AC3E}">
+        <p14:creationId xmlns:p14="http://schemas.microsoft.com/office/powerpoint/2010/main" val="1774610018"/>
+      </p:ext>
+    </p:extLst>
+  </p:cSld>
+  <p:clrMapOvr>
+    <a:masterClrMapping/>
+  </p:clrMapOvr>
+</p:notes>
+</file>
+
+<file path=ppt/notesSlides/notesSlide8.xml><?xml version="1.0" encoding="utf-8"?>
+<p:notes xmlns:a="http://schemas.openxmlformats.org/drawingml/2006/main" xmlns:r="http://schemas.openxmlformats.org/officeDocument/2006/relationships" xmlns:p="http://schemas.openxmlformats.org/presentationml/2006/main">
+  <p:cSld>
+    <p:spTree>
+      <p:nvGrpSpPr>
+        <p:cNvPr id="1" name=""/>
+        <p:cNvGrpSpPr/>
+        <p:nvPr/>
+      </p:nvGrpSpPr>
+      <p:grpSpPr>
+        <a:xfrm>
+          <a:off x="0" y="0"/>
+          <a:ext cx="0" cy="0"/>
+          <a:chOff x="0" y="0"/>
+          <a:chExt cx="0" cy="0"/>
+        </a:xfrm>
+      </p:grpSpPr>
+      <p:sp>
+        <p:nvSpPr>
+          <p:cNvPr id="2" name="Slide Image Placeholder 1"/>
+          <p:cNvSpPr>
+            <a:spLocks noGrp="1" noRot="1" noChangeAspect="1"/>
+          </p:cNvSpPr>
+          <p:nvPr>
+            <p:ph type="sldImg"/>
+          </p:nvPr>
+        </p:nvSpPr>
+        <p:spPr/>
+      </p:sp>
+      <p:sp>
+        <p:nvSpPr>
+          <p:cNvPr id="3" name="Notes Placeholder 2"/>
+          <p:cNvSpPr>
+            <a:spLocks noGrp="1"/>
+          </p:cNvSpPr>
+          <p:nvPr>
+            <p:ph type="body" idx="1"/>
+          </p:nvPr>
+        </p:nvSpPr>
+        <p:spPr/>
+        <p:txBody>
+          <a:bodyPr/>
+          <a:lstStyle/>
+          <a:p>
+            <a:r>
+              <a:rPr lang="en-GB" dirty="0"/>
+              <a:t>Have not posted number of visits. These are roughly equal between England and Scotland</a:t>
+            </a:r>
+          </a:p>
+          <a:p>
+            <a:r>
+              <a:rPr lang="en-GB" dirty="0"/>
+              <a:t>English stay longer and spend more</a:t>
+            </a:r>
+          </a:p>
+        </p:txBody>
+      </p:sp>
+      <p:sp>
+        <p:nvSpPr>
+          <p:cNvPr id="4" name="Slide Number Placeholder 3"/>
+          <p:cNvSpPr>
+            <a:spLocks noGrp="1"/>
+          </p:cNvSpPr>
+          <p:nvPr>
+            <p:ph type="sldNum" sz="quarter" idx="5"/>
+          </p:nvPr>
+        </p:nvSpPr>
+        <p:spPr/>
+        <p:txBody>
+          <a:bodyPr/>
+          <a:lstStyle/>
+          <a:p>
+            <a:fld id="{798C5307-140F-447F-BCBA-BB92E3A2906B}" type="slidenum">
+              <a:rPr lang="en-US" smtClean="0"/>
+              <a:t>13</a:t>
+            </a:fld>
+            <a:endParaRPr lang="en-US" dirty="0"/>
+          </a:p>
+        </p:txBody>
+      </p:sp>
+    </p:spTree>
+    <p:extLst>
+      <p:ext uri="{BB962C8B-B14F-4D97-AF65-F5344CB8AC3E}">
+        <p14:creationId xmlns:p14="http://schemas.microsoft.com/office/powerpoint/2010/main" val="1567159087"/>
+      </p:ext>
+    </p:extLst>
+  </p:cSld>
+  <p:clrMapOvr>
+    <a:masterClrMapping/>
+  </p:clrMapOvr>
+</p:notes>
+</file>
+
+<file path=ppt/notesSlides/notesSlide9.xml><?xml version="1.0" encoding="utf-8"?>
+<p:notes xmlns:a="http://schemas.openxmlformats.org/drawingml/2006/main" xmlns:r="http://schemas.openxmlformats.org/officeDocument/2006/relationships" xmlns:p="http://schemas.openxmlformats.org/presentationml/2006/main">
+  <p:cSld>
+    <p:spTree>
+      <p:nvGrpSpPr>
+        <p:cNvPr id="1" name=""/>
+        <p:cNvGrpSpPr/>
+        <p:nvPr/>
+      </p:nvGrpSpPr>
+      <p:grpSpPr>
+        <a:xfrm>
+          <a:off x="0" y="0"/>
+          <a:ext cx="0" cy="0"/>
+          <a:chOff x="0" y="0"/>
+          <a:chExt cx="0" cy="0"/>
+        </a:xfrm>
+      </p:grpSpPr>
+      <p:sp>
+        <p:nvSpPr>
+          <p:cNvPr id="2" name="Slide Image Placeholder 1"/>
+          <p:cNvSpPr>
+            <a:spLocks noGrp="1" noRot="1" noChangeAspect="1"/>
+          </p:cNvSpPr>
+          <p:nvPr>
+            <p:ph type="sldImg"/>
+          </p:nvPr>
+        </p:nvSpPr>
+        <p:spPr/>
+      </p:sp>
+      <p:sp>
+        <p:nvSpPr>
+          <p:cNvPr id="3" name="Notes Placeholder 2"/>
+          <p:cNvSpPr>
+            <a:spLocks noGrp="1"/>
+          </p:cNvSpPr>
+          <p:nvPr>
+            <p:ph type="body" idx="1"/>
+          </p:nvPr>
+        </p:nvSpPr>
+        <p:spPr/>
+        <p:txBody>
+          <a:bodyPr/>
+          <a:lstStyle/>
+          <a:p>
+            <a:r>
+              <a:rPr lang="en-GB" dirty="0"/>
+              <a:t>Flipped this round and done visits first.</a:t>
+            </a:r>
+          </a:p>
+        </p:txBody>
+      </p:sp>
+      <p:sp>
+        <p:nvSpPr>
+          <p:cNvPr id="4" name="Slide Number Placeholder 3"/>
+          <p:cNvSpPr>
+            <a:spLocks noGrp="1"/>
+          </p:cNvSpPr>
+          <p:nvPr>
+            <p:ph type="sldNum" sz="quarter" idx="5"/>
+          </p:nvPr>
+        </p:nvSpPr>
+        <p:spPr/>
+        <p:txBody>
+          <a:bodyPr/>
+          <a:lstStyle/>
+          <a:p>
+            <a:fld id="{798C5307-140F-447F-BCBA-BB92E3A2906B}" type="slidenum">
+              <a:rPr lang="en-US" smtClean="0"/>
+              <a:t>14</a:t>
+            </a:fld>
+            <a:endParaRPr lang="en-US" dirty="0"/>
+          </a:p>
+        </p:txBody>
+      </p:sp>
+    </p:spTree>
+    <p:extLst>
+      <p:ext uri="{BB962C8B-B14F-4D97-AF65-F5344CB8AC3E}">
+        <p14:creationId xmlns:p14="http://schemas.microsoft.com/office/powerpoint/2010/main" val="1037635188"/>
       </p:ext>
     </p:extLst>
   </p:cSld>
@@ -16225,36 +16407,6 @@
           </a:prstGeom>
         </p:spPr>
       </p:pic>
-      <p:pic>
-        <p:nvPicPr>
-          <p:cNvPr id="14" name="Picture 13">
-            <a:extLst>
-              <a:ext uri="{FF2B5EF4-FFF2-40B4-BE49-F238E27FC236}">
-                <a16:creationId xmlns:a16="http://schemas.microsoft.com/office/drawing/2014/main" id="{E10FD572-BBA2-5A6C-6639-7AE5C07F7C81}"/>
-              </a:ext>
-            </a:extLst>
-          </p:cNvPr>
-          <p:cNvPicPr>
-            <a:picLocks noChangeAspect="1"/>
-          </p:cNvPicPr>
-          <p:nvPr/>
-        </p:nvPicPr>
-        <p:blipFill>
-          <a:blip r:embed="rId4"/>
-          <a:stretch>
-            <a:fillRect/>
-          </a:stretch>
-        </p:blipFill>
-        <p:spPr>
-          <a:xfrm>
-            <a:off x="5223591" y="1252067"/>
-            <a:ext cx="6968410" cy="4661506"/>
-          </a:xfrm>
-          <a:prstGeom prst="rect">
-            <a:avLst/>
-          </a:prstGeom>
-        </p:spPr>
-      </p:pic>
       <p:sp>
         <p:nvSpPr>
           <p:cNvPr id="15" name="Flowchart: Connector 14">
@@ -16309,6 +16461,36 @@
       </p:sp>
       <p:pic>
         <p:nvPicPr>
+          <p:cNvPr id="4" name="Picture 3">
+            <a:extLst>
+              <a:ext uri="{FF2B5EF4-FFF2-40B4-BE49-F238E27FC236}">
+                <a16:creationId xmlns:a16="http://schemas.microsoft.com/office/drawing/2014/main" id="{E0FD247A-C18B-7097-203B-C0CE48A15944}"/>
+              </a:ext>
+            </a:extLst>
+          </p:cNvPr>
+          <p:cNvPicPr>
+            <a:picLocks noChangeAspect="1"/>
+          </p:cNvPicPr>
+          <p:nvPr/>
+        </p:nvPicPr>
+        <p:blipFill>
+          <a:blip r:embed="rId4"/>
+          <a:stretch>
+            <a:fillRect/>
+          </a:stretch>
+        </p:blipFill>
+        <p:spPr>
+          <a:xfrm>
+            <a:off x="5214894" y="1246859"/>
+            <a:ext cx="6838310" cy="4666714"/>
+          </a:xfrm>
+          <a:prstGeom prst="rect">
+            <a:avLst/>
+          </a:prstGeom>
+        </p:spPr>
+      </p:pic>
+      <p:pic>
+        <p:nvPicPr>
           <p:cNvPr id="16" name="Picture 15">
             <a:extLst>
               <a:ext uri="{FF2B5EF4-FFF2-40B4-BE49-F238E27FC236}">
@@ -16329,7 +16511,7 @@
         </p:blipFill>
         <p:spPr>
           <a:xfrm>
-            <a:off x="7740694" y="1405783"/>
+            <a:off x="7731997" y="1245589"/>
             <a:ext cx="1767993" cy="1450974"/>
           </a:xfrm>
           <a:prstGeom prst="rect">
@@ -16791,7 +16973,13 @@
           <a:p>
             <a:r>
               <a:rPr lang="en-GB" dirty="0"/>
-              <a:t>Placeholder for another transport graph?</a:t>
+              <a:t>Car is King</a:t>
+            </a:r>
+          </a:p>
+          <a:p>
+            <a:r>
+              <a:rPr lang="en-GB" dirty="0"/>
+              <a:t>Little yearly variation</a:t>
             </a:r>
           </a:p>
         </p:txBody>
@@ -16997,6 +17185,36 @@
           </a:p>
         </p:txBody>
       </p:sp>
+      <p:pic>
+        <p:nvPicPr>
+          <p:cNvPr id="9" name="Picture 8">
+            <a:extLst>
+              <a:ext uri="{FF2B5EF4-FFF2-40B4-BE49-F238E27FC236}">
+                <a16:creationId xmlns:a16="http://schemas.microsoft.com/office/drawing/2014/main" id="{C05FE6C7-D87F-D2BC-BFD7-8AB1E8F828A7}"/>
+              </a:ext>
+            </a:extLst>
+          </p:cNvPr>
+          <p:cNvPicPr>
+            <a:picLocks noChangeAspect="1"/>
+          </p:cNvPicPr>
+          <p:nvPr/>
+        </p:nvPicPr>
+        <p:blipFill>
+          <a:blip r:embed="rId3"/>
+          <a:stretch>
+            <a:fillRect/>
+          </a:stretch>
+        </p:blipFill>
+        <p:spPr>
+          <a:xfrm>
+            <a:off x="4004660" y="1190078"/>
+            <a:ext cx="8036919" cy="4963069"/>
+          </a:xfrm>
+          <a:prstGeom prst="rect">
+            <a:avLst/>
+          </a:prstGeom>
+        </p:spPr>
+      </p:pic>
     </p:spTree>
     <p:extLst>
       <p:ext uri="{BB962C8B-B14F-4D97-AF65-F5344CB8AC3E}">
@@ -17062,57 +17280,6 @@
             <a:r>
               <a:rPr lang="en-GB" sz="2400" dirty="0"/>
               <a:t>, what insights can we gain? </a:t>
-            </a:r>
-          </a:p>
-        </p:txBody>
-      </p:sp>
-      <p:sp>
-        <p:nvSpPr>
-          <p:cNvPr id="10" name="Text Placeholder 9">
-            <a:extLst>
-              <a:ext uri="{FF2B5EF4-FFF2-40B4-BE49-F238E27FC236}">
-                <a16:creationId xmlns:a16="http://schemas.microsoft.com/office/drawing/2014/main" id="{B28232F7-7CAA-896A-742C-2332190C00A0}"/>
-              </a:ext>
-            </a:extLst>
-          </p:cNvPr>
-          <p:cNvSpPr>
-            <a:spLocks noGrp="1"/>
-          </p:cNvSpPr>
-          <p:nvPr>
-            <p:ph type="body" sz="quarter" idx="17"/>
-          </p:nvPr>
-        </p:nvSpPr>
-        <p:spPr>
-          <a:xfrm>
-            <a:off x="512775" y="2027238"/>
-            <a:ext cx="4142338" cy="3979545"/>
-          </a:xfrm>
-        </p:spPr>
-        <p:txBody>
-          <a:bodyPr/>
-          <a:lstStyle/>
-          <a:p>
-            <a:r>
-              <a:rPr lang="en-GB" dirty="0"/>
-              <a:t>2019 Tourism Visits by Transport Type</a:t>
-            </a:r>
-          </a:p>
-          <a:p>
-            <a:r>
-              <a:rPr lang="en-GB" dirty="0"/>
-              <a:t>Car massively predominant means of transport – 2/3 of all visits.</a:t>
-            </a:r>
-          </a:p>
-          <a:p>
-            <a:r>
-              <a:rPr lang="en-GB" dirty="0"/>
-              <a:t>Don’t need to worry about remote sites!</a:t>
-            </a:r>
-          </a:p>
-          <a:p>
-            <a:r>
-              <a:rPr lang="en-GB" dirty="0"/>
-              <a:t>Grouped “Other” category includes planes, ferries, tube, bike, tram etc.</a:t>
             </a:r>
           </a:p>
         </p:txBody>
@@ -17277,51 +17444,12 @@
           </a:p>
         </p:txBody>
       </p:sp>
-      <p:sp>
-        <p:nvSpPr>
-          <p:cNvPr id="8" name="Text Placeholder 7">
-            <a:extLst>
-              <a:ext uri="{FF2B5EF4-FFF2-40B4-BE49-F238E27FC236}">
-                <a16:creationId xmlns:a16="http://schemas.microsoft.com/office/drawing/2014/main" id="{D7FE465C-939D-A626-C43A-B1152679D798}"/>
-              </a:ext>
-            </a:extLst>
-          </p:cNvPr>
-          <p:cNvSpPr>
-            <a:spLocks noGrp="1"/>
-          </p:cNvSpPr>
-          <p:nvPr>
-            <p:ph type="body" sz="quarter" idx="14"/>
-          </p:nvPr>
-        </p:nvSpPr>
-        <p:spPr>
-          <a:xfrm>
-            <a:off x="512774" y="1477540"/>
-            <a:ext cx="3491886" cy="597604"/>
-          </a:xfrm>
-        </p:spPr>
-        <p:txBody>
-          <a:bodyPr/>
-          <a:lstStyle/>
-          <a:p>
-            <a:r>
-              <a:rPr lang="en-GB" dirty="0">
-                <a:solidFill>
-                  <a:schemeClr val="bg2">
-                    <a:lumMod val="50000"/>
-                  </a:schemeClr>
-                </a:solidFill>
-              </a:rPr>
-              <a:t>Tourist Transport</a:t>
-            </a:r>
-          </a:p>
-        </p:txBody>
-      </p:sp>
       <p:pic>
         <p:nvPicPr>
-          <p:cNvPr id="4" name="Picture 3">
-            <a:extLst>
-              <a:ext uri="{FF2B5EF4-FFF2-40B4-BE49-F238E27FC236}">
-                <a16:creationId xmlns:a16="http://schemas.microsoft.com/office/drawing/2014/main" id="{B1D6FCF6-3314-3F98-ADF2-07D18D53E618}"/>
+          <p:cNvPr id="15" name="Picture 14">
+            <a:extLst>
+              <a:ext uri="{FF2B5EF4-FFF2-40B4-BE49-F238E27FC236}">
+                <a16:creationId xmlns:a16="http://schemas.microsoft.com/office/drawing/2014/main" id="{45EA83AC-487E-AA3B-CAA5-5901282CCF29}"/>
               </a:ext>
             </a:extLst>
           </p:cNvPr>
@@ -17338,8 +17466,38 @@
         </p:blipFill>
         <p:spPr>
           <a:xfrm>
-            <a:off x="4609629" y="1168670"/>
-            <a:ext cx="7161661" cy="5051826"/>
+            <a:off x="201169" y="1285082"/>
+            <a:ext cx="6490576" cy="4907900"/>
+          </a:xfrm>
+          <a:prstGeom prst="rect">
+            <a:avLst/>
+          </a:prstGeom>
+        </p:spPr>
+      </p:pic>
+      <p:pic>
+        <p:nvPicPr>
+          <p:cNvPr id="16" name="Picture 15">
+            <a:extLst>
+              <a:ext uri="{FF2B5EF4-FFF2-40B4-BE49-F238E27FC236}">
+                <a16:creationId xmlns:a16="http://schemas.microsoft.com/office/drawing/2014/main" id="{5A85A560-57AD-76F5-F45D-FC9970465EE0}"/>
+              </a:ext>
+            </a:extLst>
+          </p:cNvPr>
+          <p:cNvPicPr>
+            <a:picLocks noChangeAspect="1"/>
+          </p:cNvPicPr>
+          <p:nvPr/>
+        </p:nvPicPr>
+        <p:blipFill>
+          <a:blip r:embed="rId4"/>
+          <a:stretch>
+            <a:fillRect/>
+          </a:stretch>
+        </p:blipFill>
+        <p:spPr>
+          <a:xfrm>
+            <a:off x="5455373" y="1285082"/>
+            <a:ext cx="6437765" cy="4907900"/>
           </a:xfrm>
           <a:prstGeom prst="rect">
             <a:avLst/>
@@ -17378,10 +17536,10 @@
       </p:grpSpPr>
       <p:sp>
         <p:nvSpPr>
-          <p:cNvPr id="10" name="Title 9">
-            <a:extLst>
-              <a:ext uri="{FF2B5EF4-FFF2-40B4-BE49-F238E27FC236}">
-                <a16:creationId xmlns:a16="http://schemas.microsoft.com/office/drawing/2014/main" id="{21C5EA2A-10BF-4B5E-ACC8-8A766A0949A6}"/>
+          <p:cNvPr id="7" name="Title 6">
+            <a:extLst>
+              <a:ext uri="{FF2B5EF4-FFF2-40B4-BE49-F238E27FC236}">
+                <a16:creationId xmlns:a16="http://schemas.microsoft.com/office/drawing/2014/main" id="{CDA38B78-9BCA-02A5-CC2C-6473F5145906}"/>
               </a:ext>
             </a:extLst>
           </p:cNvPr>
@@ -17393,13 +17551,75 @@
           </p:nvPr>
         </p:nvSpPr>
         <p:spPr/>
+        <p:txBody>
+          <a:bodyPr>
+            <a:noAutofit/>
+          </a:bodyPr>
+          <a:lstStyle/>
+          <a:p>
+            <a:pPr algn="ctr"/>
+            <a:r>
+              <a:rPr lang="en-GB" sz="2400" dirty="0"/>
+              <a:t>6. When looking at </a:t>
+            </a:r>
+            <a:r>
+              <a:rPr lang="en-GB" sz="2400" b="1" dirty="0"/>
+              <a:t>regional tourism</a:t>
+            </a:r>
+            <a:r>
+              <a:rPr lang="en-GB" sz="2400" dirty="0"/>
+              <a:t>, what insights can we gain? </a:t>
+            </a:r>
+          </a:p>
+        </p:txBody>
+      </p:sp>
+      <p:sp>
+        <p:nvSpPr>
+          <p:cNvPr id="10" name="Text Placeholder 9">
+            <a:extLst>
+              <a:ext uri="{FF2B5EF4-FFF2-40B4-BE49-F238E27FC236}">
+                <a16:creationId xmlns:a16="http://schemas.microsoft.com/office/drawing/2014/main" id="{B28232F7-7CAA-896A-742C-2332190C00A0}"/>
+              </a:ext>
+            </a:extLst>
+          </p:cNvPr>
+          <p:cNvSpPr>
+            <a:spLocks noGrp="1"/>
+          </p:cNvSpPr>
+          <p:nvPr>
+            <p:ph type="body" sz="quarter" idx="17"/>
+          </p:nvPr>
+        </p:nvSpPr>
+        <p:spPr>
+          <a:xfrm>
+            <a:off x="512775" y="2027238"/>
+            <a:ext cx="4142338" cy="3979545"/>
+          </a:xfrm>
+        </p:spPr>
         <p:txBody>
           <a:bodyPr/>
           <a:lstStyle/>
           <a:p>
             <a:r>
-              <a:rPr lang="en-US" dirty="0"/>
-              <a:t>Topic one</a:t>
+              <a:rPr lang="en-GB" dirty="0"/>
+              <a:t>Largely skewed towards Cities of Edinburgh and Glasgow</a:t>
+            </a:r>
+          </a:p>
+          <a:p>
+            <a:r>
+              <a:rPr lang="en-GB" dirty="0"/>
+              <a:t>Highland and Argyll largely rural areas also popular</a:t>
+            </a:r>
+          </a:p>
+          <a:p>
+            <a:r>
+              <a:rPr lang="en-GB" dirty="0"/>
+              <a:t>Some regions especially East Ren and East Dumbarton almost zero visits.</a:t>
+            </a:r>
+          </a:p>
+          <a:p>
+            <a:r>
+              <a:rPr lang="en-GB" dirty="0"/>
+              <a:t>Expenditure almost a mirror image of this graph</a:t>
             </a:r>
           </a:p>
         </p:txBody>
@@ -17409,7 +17629,7 @@
           <p:cNvPr id="3" name="Footer Placeholder 2">
             <a:extLst>
               <a:ext uri="{FF2B5EF4-FFF2-40B4-BE49-F238E27FC236}">
-                <a16:creationId xmlns:a16="http://schemas.microsoft.com/office/drawing/2014/main" id="{E5932065-5BEE-4D45-A3A1-6F0559B48650}"/>
+                <a16:creationId xmlns:a16="http://schemas.microsoft.com/office/drawing/2014/main" id="{EECC0E9B-6686-4AA4-E450-60D48C23437A}"/>
               </a:ext>
             </a:extLst>
           </p:cNvPr>
@@ -17425,9 +17645,11 @@
           <a:bodyPr/>
           <a:lstStyle/>
           <a:p>
-            <a:pPr lvl="0"/>
-            <a:r>
-              <a:rPr lang="en-US" noProof="0" dirty="0"/>
+            <a:pPr>
+              <a:defRPr/>
+            </a:pPr>
+            <a:r>
+              <a:rPr lang="en-US" dirty="0"/>
               <a:t>Presentation title</a:t>
             </a:r>
           </a:p>
@@ -17435,10 +17657,10 @@
       </p:sp>
       <p:sp>
         <p:nvSpPr>
-          <p:cNvPr id="12" name="Subtitle 11">
-            <a:extLst>
-              <a:ext uri="{FF2B5EF4-FFF2-40B4-BE49-F238E27FC236}">
-                <a16:creationId xmlns:a16="http://schemas.microsoft.com/office/drawing/2014/main" id="{AEAC0465-1751-47C8-9200-CF24EEB5E133}"/>
+          <p:cNvPr id="5" name="Date Placeholder 4">
+            <a:extLst>
+              <a:ext uri="{FF2B5EF4-FFF2-40B4-BE49-F238E27FC236}">
+                <a16:creationId xmlns:a16="http://schemas.microsoft.com/office/drawing/2014/main" id="{BE2095D8-C0A2-D1C3-012E-23A2CCF5FD5B}"/>
               </a:ext>
             </a:extLst>
           </p:cNvPr>
@@ -17446,7 +17668,7 @@
             <a:spLocks noGrp="1"/>
           </p:cNvSpPr>
           <p:nvPr>
-            <p:ph sz="quarter" idx="14"/>
+            <p:ph type="dt" sz="half" idx="10"/>
           </p:nvPr>
         </p:nvSpPr>
         <p:spPr/>
@@ -17454,19 +17676,31 @@
           <a:bodyPr/>
           <a:lstStyle/>
           <a:p>
-            <a:r>
-              <a:rPr lang="en-US" dirty="0"/>
-              <a:t>Subtitle</a:t>
-            </a:r>
-          </a:p>
-        </p:txBody>
-      </p:sp>
-      <p:sp>
-        <p:nvSpPr>
-          <p:cNvPr id="2" name="Date Placeholder 1">
-            <a:extLst>
-              <a:ext uri="{FF2B5EF4-FFF2-40B4-BE49-F238E27FC236}">
-                <a16:creationId xmlns:a16="http://schemas.microsoft.com/office/drawing/2014/main" id="{B8D2C1D6-521E-4B36-BBF3-F3613BE0A718}"/>
+            <a:pPr>
+              <a:defRPr/>
+            </a:pPr>
+            <a:r>
+              <a:rPr lang="en-US">
+                <a:solidFill>
+                  <a:prstClr val="black"/>
+                </a:solidFill>
+              </a:rPr>
+              <a:t>20XX</a:t>
+            </a:r>
+            <a:endParaRPr lang="en-US" dirty="0">
+              <a:solidFill>
+                <a:prstClr val="black"/>
+              </a:solidFill>
+            </a:endParaRPr>
+          </a:p>
+        </p:txBody>
+      </p:sp>
+      <p:sp>
+        <p:nvSpPr>
+          <p:cNvPr id="6" name="Slide Number Placeholder 5">
+            <a:extLst>
+              <a:ext uri="{FF2B5EF4-FFF2-40B4-BE49-F238E27FC236}">
+                <a16:creationId xmlns:a16="http://schemas.microsoft.com/office/drawing/2014/main" id="{594C54A4-7E70-3852-8F24-591084F197BA}"/>
               </a:ext>
             </a:extLst>
           </p:cNvPr>
@@ -17474,7 +17708,7 @@
             <a:spLocks noGrp="1"/>
           </p:cNvSpPr>
           <p:nvPr>
-            <p:ph type="dt" sz="half" idx="10"/>
+            <p:ph type="sldNum" sz="quarter" idx="12"/>
           </p:nvPr>
         </p:nvSpPr>
         <p:spPr/>
@@ -17482,150 +17716,149 @@
           <a:bodyPr/>
           <a:lstStyle/>
           <a:p>
-            <a:r>
-              <a:rPr lang="en-US" dirty="0"/>
-              <a:t>20XX</a:t>
-            </a:r>
-          </a:p>
-        </p:txBody>
-      </p:sp>
-      <p:sp>
-        <p:nvSpPr>
-          <p:cNvPr id="4" name="Slide Number Placeholder 3">
-            <a:extLst>
-              <a:ext uri="{FF2B5EF4-FFF2-40B4-BE49-F238E27FC236}">
-                <a16:creationId xmlns:a16="http://schemas.microsoft.com/office/drawing/2014/main" id="{7CCC3E1D-B7F8-47F6-A352-B757462BBBA7}"/>
-              </a:ext>
-            </a:extLst>
-          </p:cNvPr>
-          <p:cNvSpPr>
-            <a:spLocks noGrp="1"/>
-          </p:cNvSpPr>
-          <p:nvPr>
-            <p:ph type="sldNum" sz="quarter" idx="12"/>
-          </p:nvPr>
-        </p:nvSpPr>
-        <p:spPr/>
-        <p:txBody>
-          <a:bodyPr/>
-          <a:lstStyle/>
-          <a:p>
-            <a:pPr lvl="0"/>
-            <a:fld id="{2722F022-211C-4882-844C-086FEA6806AA}" type="slidenum">
-              <a:rPr lang="en-US" noProof="0" smtClean="0"/>
-              <a:pPr lvl="0"/>
+            <a:pPr marL="0" marR="0" lvl="0" indent="0" algn="r" defTabSz="914400" rtl="0" eaLnBrk="1" fontAlgn="auto" latinLnBrk="0" hangingPunct="1">
+              <a:lnSpc>
+                <a:spcPct val="100000"/>
+              </a:lnSpc>
+              <a:spcBef>
+                <a:spcPts val="0"/>
+              </a:spcBef>
+              <a:spcAft>
+                <a:spcPts val="0"/>
+              </a:spcAft>
+              <a:buClrTx/>
+              <a:buSzTx/>
+              <a:buFontTx/>
+              <a:buNone/>
+              <a:tabLst/>
+              <a:defRPr/>
+            </a:pPr>
+            <a:fld id="{06B786C7-B8F9-4072-AAAA-17258464D730}" type="slidenum">
+              <a:rPr kumimoji="0" lang="en-US" sz="1050" b="0" i="0" u="none" strike="noStrike" kern="1200" cap="none" spc="0" normalizeH="0" baseline="0" noProof="0" smtClean="0">
+                <a:ln>
+                  <a:noFill/>
+                </a:ln>
+                <a:solidFill>
+                  <a:prstClr val="black"/>
+                </a:solidFill>
+                <a:effectLst/>
+                <a:uLnTx/>
+                <a:uFillTx/>
+                <a:latin typeface="Avenir Next LT Pro"/>
+                <a:ea typeface="+mn-ea"/>
+                <a:cs typeface="+mn-cs"/>
+              </a:rPr>
+              <a:pPr marL="0" marR="0" lvl="0" indent="0" algn="r" defTabSz="914400" rtl="0" eaLnBrk="1" fontAlgn="auto" latinLnBrk="0" hangingPunct="1">
+                <a:lnSpc>
+                  <a:spcPct val="100000"/>
+                </a:lnSpc>
+                <a:spcBef>
+                  <a:spcPts val="0"/>
+                </a:spcBef>
+                <a:spcAft>
+                  <a:spcPts val="0"/>
+                </a:spcAft>
+                <a:buClrTx/>
+                <a:buSzTx/>
+                <a:buFontTx/>
+                <a:buNone/>
+                <a:tabLst/>
+                <a:defRPr/>
+              </a:pPr>
               <a:t>14</a:t>
             </a:fld>
-            <a:endParaRPr lang="en-US" noProof="0" dirty="0"/>
+            <a:endParaRPr kumimoji="0" lang="en-US" sz="1050" b="0" i="0" u="none" strike="noStrike" kern="1200" cap="none" spc="0" normalizeH="0" baseline="0" noProof="0" dirty="0">
+              <a:ln>
+                <a:noFill/>
+              </a:ln>
+              <a:solidFill>
+                <a:prstClr val="black"/>
+              </a:solidFill>
+              <a:effectLst/>
+              <a:uLnTx/>
+              <a:uFillTx/>
+              <a:latin typeface="Avenir Next LT Pro"/>
+              <a:ea typeface="+mn-ea"/>
+              <a:cs typeface="+mn-cs"/>
+            </a:endParaRPr>
+          </a:p>
+        </p:txBody>
+      </p:sp>
+      <p:sp>
+        <p:nvSpPr>
+          <p:cNvPr id="8" name="Text Placeholder 7">
+            <a:extLst>
+              <a:ext uri="{FF2B5EF4-FFF2-40B4-BE49-F238E27FC236}">
+                <a16:creationId xmlns:a16="http://schemas.microsoft.com/office/drawing/2014/main" id="{D7FE465C-939D-A626-C43A-B1152679D798}"/>
+              </a:ext>
+            </a:extLst>
+          </p:cNvPr>
+          <p:cNvSpPr>
+            <a:spLocks noGrp="1"/>
+          </p:cNvSpPr>
+          <p:nvPr>
+            <p:ph type="body" sz="quarter" idx="14"/>
+          </p:nvPr>
+        </p:nvSpPr>
+        <p:spPr>
+          <a:xfrm>
+            <a:off x="512774" y="1477540"/>
+            <a:ext cx="3491886" cy="597604"/>
+          </a:xfrm>
+        </p:spPr>
+        <p:txBody>
+          <a:bodyPr>
+            <a:normAutofit fontScale="92500"/>
+          </a:bodyPr>
+          <a:lstStyle/>
+          <a:p>
+            <a:r>
+              <a:rPr lang="en-GB" dirty="0">
+                <a:solidFill>
+                  <a:schemeClr val="bg2">
+                    <a:lumMod val="50000"/>
+                  </a:schemeClr>
+                </a:solidFill>
+              </a:rPr>
+              <a:t>Tourist Visits by Region</a:t>
+            </a:r>
           </a:p>
         </p:txBody>
       </p:sp>
       <p:pic>
         <p:nvPicPr>
-          <p:cNvPr id="26" name="Picture Placeholder 25" descr="A person standing on a rock">
-            <a:extLst>
-              <a:ext uri="{FF2B5EF4-FFF2-40B4-BE49-F238E27FC236}">
-                <a16:creationId xmlns:a16="http://schemas.microsoft.com/office/drawing/2014/main" id="{5A11C124-E818-45E0-9F70-7F0C271DDC71}"/>
+          <p:cNvPr id="2" name="Picture 1">
+            <a:extLst>
+              <a:ext uri="{FF2B5EF4-FFF2-40B4-BE49-F238E27FC236}">
+                <a16:creationId xmlns:a16="http://schemas.microsoft.com/office/drawing/2014/main" id="{C0CD3681-476C-D3D3-18E6-FE377D831AF8}"/>
               </a:ext>
             </a:extLst>
           </p:cNvPr>
           <p:cNvPicPr>
-            <a:picLocks noGrp="1" noChangeAspect="1"/>
+            <a:picLocks noChangeAspect="1"/>
           </p:cNvPicPr>
-          <p:nvPr>
-            <p:ph type="pic" sz="quarter" idx="4294967295"/>
-          </p:nvPr>
+          <p:nvPr/>
         </p:nvPicPr>
-        <p:blipFill rotWithShape="1">
-          <a:blip r:embed="rId3">
-            <a:extLst>
-              <a:ext uri="{28A0092B-C50C-407E-A947-70E740481C1C}">
-                <a14:useLocalDpi xmlns:a14="http://schemas.microsoft.com/office/drawing/2010/main" val="0"/>
-              </a:ext>
-            </a:extLst>
-          </a:blip>
-          <a:srcRect/>
-          <a:stretch/>
+        <p:blipFill>
+          <a:blip r:embed="rId3"/>
+          <a:stretch>
+            <a:fillRect/>
+          </a:stretch>
         </p:blipFill>
         <p:spPr>
           <a:xfrm>
-            <a:off x="0" y="4533900"/>
-            <a:ext cx="7086600" cy="2324100"/>
+            <a:off x="4655113" y="1217221"/>
+            <a:ext cx="7374799" cy="5070763"/>
           </a:xfrm>
-        </p:spPr>
-      </p:pic>
-      <p:pic>
-        <p:nvPicPr>
-          <p:cNvPr id="18" name="Picture Placeholder 17" descr="A picture containing outdoor, person, mountain">
-            <a:extLst>
-              <a:ext uri="{FF2B5EF4-FFF2-40B4-BE49-F238E27FC236}">
-                <a16:creationId xmlns:a16="http://schemas.microsoft.com/office/drawing/2014/main" id="{17AE28DB-6A67-4368-B973-0AF9753460B7}"/>
-              </a:ext>
-            </a:extLst>
-          </p:cNvPr>
-          <p:cNvPicPr>
-            <a:picLocks noGrp="1" noChangeAspect="1"/>
-          </p:cNvPicPr>
-          <p:nvPr>
-            <p:ph type="pic" sz="quarter" idx="4294967295"/>
-          </p:nvPr>
-        </p:nvPicPr>
-        <p:blipFill rotWithShape="1">
-          <a:blip r:embed="rId4">
-            <a:extLst>
-              <a:ext uri="{28A0092B-C50C-407E-A947-70E740481C1C}">
-                <a14:useLocalDpi xmlns:a14="http://schemas.microsoft.com/office/drawing/2010/main" val="0"/>
-              </a:ext>
-            </a:extLst>
-          </a:blip>
-          <a:srcRect/>
-          <a:stretch/>
-        </p:blipFill>
-        <p:spPr>
-          <a:xfrm>
-            <a:off x="7086600" y="0"/>
-            <a:ext cx="5105400" cy="4533900"/>
-          </a:xfrm>
-        </p:spPr>
-      </p:pic>
-      <p:pic>
-        <p:nvPicPr>
-          <p:cNvPr id="22" name="Picture Placeholder 21" descr="A picture containing nature, outdoor, snow, mountain">
-            <a:extLst>
-              <a:ext uri="{FF2B5EF4-FFF2-40B4-BE49-F238E27FC236}">
-                <a16:creationId xmlns:a16="http://schemas.microsoft.com/office/drawing/2014/main" id="{8A37E149-B64A-42E8-BB3A-1FD622CE5C95}"/>
-              </a:ext>
-            </a:extLst>
-          </p:cNvPr>
-          <p:cNvPicPr>
-            <a:picLocks noGrp="1" noChangeAspect="1"/>
-          </p:cNvPicPr>
-          <p:nvPr>
-            <p:ph type="pic" sz="quarter" idx="4294967295"/>
-          </p:nvPr>
-        </p:nvPicPr>
-        <p:blipFill rotWithShape="1">
-          <a:blip r:embed="rId5">
-            <a:extLst>
-              <a:ext uri="{28A0092B-C50C-407E-A947-70E740481C1C}">
-                <a14:useLocalDpi xmlns:a14="http://schemas.microsoft.com/office/drawing/2010/main" val="0"/>
-              </a:ext>
-            </a:extLst>
-          </a:blip>
-          <a:srcRect/>
-          <a:stretch/>
-        </p:blipFill>
-        <p:spPr>
-          <a:xfrm>
-            <a:off x="7086600" y="4533900"/>
-            <a:ext cx="5105400" cy="2324100"/>
-          </a:xfrm>
+          <a:prstGeom prst="rect">
+            <a:avLst/>
+          </a:prstGeom>
         </p:spPr>
       </p:pic>
     </p:spTree>
     <p:extLst>
       <p:ext uri="{BB962C8B-B14F-4D97-AF65-F5344CB8AC3E}">
-        <p14:creationId xmlns:p14="http://schemas.microsoft.com/office/powerpoint/2010/main" val="2826028905"/>
+        <p14:creationId xmlns:p14="http://schemas.microsoft.com/office/powerpoint/2010/main" val="2817233036"/>
       </p:ext>
     </p:extLst>
   </p:cSld>
@@ -17654,6 +17887,635 @@
       </p:grpSpPr>
       <p:sp>
         <p:nvSpPr>
+          <p:cNvPr id="7" name="Title 6">
+            <a:extLst>
+              <a:ext uri="{FF2B5EF4-FFF2-40B4-BE49-F238E27FC236}">
+                <a16:creationId xmlns:a16="http://schemas.microsoft.com/office/drawing/2014/main" id="{CDA38B78-9BCA-02A5-CC2C-6473F5145906}"/>
+              </a:ext>
+            </a:extLst>
+          </p:cNvPr>
+          <p:cNvSpPr>
+            <a:spLocks noGrp="1"/>
+          </p:cNvSpPr>
+          <p:nvPr>
+            <p:ph type="title"/>
+          </p:nvPr>
+        </p:nvSpPr>
+        <p:spPr/>
+        <p:txBody>
+          <a:bodyPr>
+            <a:noAutofit/>
+          </a:bodyPr>
+          <a:lstStyle/>
+          <a:p>
+            <a:pPr algn="ctr"/>
+            <a:r>
+              <a:rPr lang="en-GB" sz="2400" dirty="0"/>
+              <a:t>6. When looking at </a:t>
+            </a:r>
+            <a:r>
+              <a:rPr lang="en-GB" sz="2400" b="1" dirty="0"/>
+              <a:t>regional tourism</a:t>
+            </a:r>
+            <a:r>
+              <a:rPr lang="en-GB" sz="2400" dirty="0"/>
+              <a:t>, what insights can we gain? </a:t>
+            </a:r>
+          </a:p>
+        </p:txBody>
+      </p:sp>
+      <p:sp>
+        <p:nvSpPr>
+          <p:cNvPr id="10" name="Text Placeholder 9">
+            <a:extLst>
+              <a:ext uri="{FF2B5EF4-FFF2-40B4-BE49-F238E27FC236}">
+                <a16:creationId xmlns:a16="http://schemas.microsoft.com/office/drawing/2014/main" id="{B28232F7-7CAA-896A-742C-2332190C00A0}"/>
+              </a:ext>
+            </a:extLst>
+          </p:cNvPr>
+          <p:cNvSpPr>
+            <a:spLocks noGrp="1"/>
+          </p:cNvSpPr>
+          <p:nvPr>
+            <p:ph type="body" sz="quarter" idx="17"/>
+          </p:nvPr>
+        </p:nvSpPr>
+        <p:spPr>
+          <a:xfrm>
+            <a:off x="512775" y="2027238"/>
+            <a:ext cx="4142338" cy="3979545"/>
+          </a:xfrm>
+        </p:spPr>
+        <p:txBody>
+          <a:bodyPr/>
+          <a:lstStyle/>
+          <a:p>
+            <a:r>
+              <a:rPr lang="en-GB" dirty="0"/>
+              <a:t>For nights stayed, Highland overtakes the cities, Argyll and Bute also moves up</a:t>
+            </a:r>
+          </a:p>
+          <a:p>
+            <a:r>
+              <a:rPr lang="en-GB" dirty="0"/>
+              <a:t>Seems more remote areas invite </a:t>
+            </a:r>
+            <a:r>
+              <a:rPr lang="en-GB" dirty="0" err="1"/>
+              <a:t>longers</a:t>
+            </a:r>
+            <a:r>
+              <a:rPr lang="en-GB" dirty="0"/>
+              <a:t> stays from visitors.</a:t>
+            </a:r>
+          </a:p>
+          <a:p>
+            <a:r>
+              <a:rPr lang="en-GB" dirty="0"/>
+              <a:t>Some regions especially East Ren and East Dumbarton almost zero nights stayed.</a:t>
+            </a:r>
+          </a:p>
+        </p:txBody>
+      </p:sp>
+      <p:sp>
+        <p:nvSpPr>
+          <p:cNvPr id="3" name="Footer Placeholder 2">
+            <a:extLst>
+              <a:ext uri="{FF2B5EF4-FFF2-40B4-BE49-F238E27FC236}">
+                <a16:creationId xmlns:a16="http://schemas.microsoft.com/office/drawing/2014/main" id="{EECC0E9B-6686-4AA4-E450-60D48C23437A}"/>
+              </a:ext>
+            </a:extLst>
+          </p:cNvPr>
+          <p:cNvSpPr>
+            <a:spLocks noGrp="1"/>
+          </p:cNvSpPr>
+          <p:nvPr>
+            <p:ph type="ftr" sz="quarter" idx="11"/>
+          </p:nvPr>
+        </p:nvSpPr>
+        <p:spPr/>
+        <p:txBody>
+          <a:bodyPr/>
+          <a:lstStyle/>
+          <a:p>
+            <a:pPr>
+              <a:defRPr/>
+            </a:pPr>
+            <a:r>
+              <a:rPr lang="en-US" dirty="0"/>
+              <a:t>Presentation title</a:t>
+            </a:r>
+          </a:p>
+        </p:txBody>
+      </p:sp>
+      <p:sp>
+        <p:nvSpPr>
+          <p:cNvPr id="5" name="Date Placeholder 4">
+            <a:extLst>
+              <a:ext uri="{FF2B5EF4-FFF2-40B4-BE49-F238E27FC236}">
+                <a16:creationId xmlns:a16="http://schemas.microsoft.com/office/drawing/2014/main" id="{BE2095D8-C0A2-D1C3-012E-23A2CCF5FD5B}"/>
+              </a:ext>
+            </a:extLst>
+          </p:cNvPr>
+          <p:cNvSpPr>
+            <a:spLocks noGrp="1"/>
+          </p:cNvSpPr>
+          <p:nvPr>
+            <p:ph type="dt" sz="half" idx="10"/>
+          </p:nvPr>
+        </p:nvSpPr>
+        <p:spPr/>
+        <p:txBody>
+          <a:bodyPr/>
+          <a:lstStyle/>
+          <a:p>
+            <a:pPr>
+              <a:defRPr/>
+            </a:pPr>
+            <a:r>
+              <a:rPr lang="en-US">
+                <a:solidFill>
+                  <a:prstClr val="black"/>
+                </a:solidFill>
+              </a:rPr>
+              <a:t>20XX</a:t>
+            </a:r>
+            <a:endParaRPr lang="en-US" dirty="0">
+              <a:solidFill>
+                <a:prstClr val="black"/>
+              </a:solidFill>
+            </a:endParaRPr>
+          </a:p>
+        </p:txBody>
+      </p:sp>
+      <p:sp>
+        <p:nvSpPr>
+          <p:cNvPr id="6" name="Slide Number Placeholder 5">
+            <a:extLst>
+              <a:ext uri="{FF2B5EF4-FFF2-40B4-BE49-F238E27FC236}">
+                <a16:creationId xmlns:a16="http://schemas.microsoft.com/office/drawing/2014/main" id="{594C54A4-7E70-3852-8F24-591084F197BA}"/>
+              </a:ext>
+            </a:extLst>
+          </p:cNvPr>
+          <p:cNvSpPr>
+            <a:spLocks noGrp="1"/>
+          </p:cNvSpPr>
+          <p:nvPr>
+            <p:ph type="sldNum" sz="quarter" idx="12"/>
+          </p:nvPr>
+        </p:nvSpPr>
+        <p:spPr/>
+        <p:txBody>
+          <a:bodyPr/>
+          <a:lstStyle/>
+          <a:p>
+            <a:pPr marL="0" marR="0" lvl="0" indent="0" algn="r" defTabSz="914400" rtl="0" eaLnBrk="1" fontAlgn="auto" latinLnBrk="0" hangingPunct="1">
+              <a:lnSpc>
+                <a:spcPct val="100000"/>
+              </a:lnSpc>
+              <a:spcBef>
+                <a:spcPts val="0"/>
+              </a:spcBef>
+              <a:spcAft>
+                <a:spcPts val="0"/>
+              </a:spcAft>
+              <a:buClrTx/>
+              <a:buSzTx/>
+              <a:buFontTx/>
+              <a:buNone/>
+              <a:tabLst/>
+              <a:defRPr/>
+            </a:pPr>
+            <a:fld id="{06B786C7-B8F9-4072-AAAA-17258464D730}" type="slidenum">
+              <a:rPr kumimoji="0" lang="en-US" sz="1050" b="0" i="0" u="none" strike="noStrike" kern="1200" cap="none" spc="0" normalizeH="0" baseline="0" noProof="0" smtClean="0">
+                <a:ln>
+                  <a:noFill/>
+                </a:ln>
+                <a:solidFill>
+                  <a:prstClr val="black"/>
+                </a:solidFill>
+                <a:effectLst/>
+                <a:uLnTx/>
+                <a:uFillTx/>
+                <a:latin typeface="Avenir Next LT Pro"/>
+                <a:ea typeface="+mn-ea"/>
+                <a:cs typeface="+mn-cs"/>
+              </a:rPr>
+              <a:pPr marL="0" marR="0" lvl="0" indent="0" algn="r" defTabSz="914400" rtl="0" eaLnBrk="1" fontAlgn="auto" latinLnBrk="0" hangingPunct="1">
+                <a:lnSpc>
+                  <a:spcPct val="100000"/>
+                </a:lnSpc>
+                <a:spcBef>
+                  <a:spcPts val="0"/>
+                </a:spcBef>
+                <a:spcAft>
+                  <a:spcPts val="0"/>
+                </a:spcAft>
+                <a:buClrTx/>
+                <a:buSzTx/>
+                <a:buFontTx/>
+                <a:buNone/>
+                <a:tabLst/>
+                <a:defRPr/>
+              </a:pPr>
+              <a:t>15</a:t>
+            </a:fld>
+            <a:endParaRPr kumimoji="0" lang="en-US" sz="1050" b="0" i="0" u="none" strike="noStrike" kern="1200" cap="none" spc="0" normalizeH="0" baseline="0" noProof="0" dirty="0">
+              <a:ln>
+                <a:noFill/>
+              </a:ln>
+              <a:solidFill>
+                <a:prstClr val="black"/>
+              </a:solidFill>
+              <a:effectLst/>
+              <a:uLnTx/>
+              <a:uFillTx/>
+              <a:latin typeface="Avenir Next LT Pro"/>
+              <a:ea typeface="+mn-ea"/>
+              <a:cs typeface="+mn-cs"/>
+            </a:endParaRPr>
+          </a:p>
+        </p:txBody>
+      </p:sp>
+      <p:sp>
+        <p:nvSpPr>
+          <p:cNvPr id="8" name="Text Placeholder 7">
+            <a:extLst>
+              <a:ext uri="{FF2B5EF4-FFF2-40B4-BE49-F238E27FC236}">
+                <a16:creationId xmlns:a16="http://schemas.microsoft.com/office/drawing/2014/main" id="{D7FE465C-939D-A626-C43A-B1152679D798}"/>
+              </a:ext>
+            </a:extLst>
+          </p:cNvPr>
+          <p:cNvSpPr>
+            <a:spLocks noGrp="1"/>
+          </p:cNvSpPr>
+          <p:nvPr>
+            <p:ph type="body" sz="quarter" idx="14"/>
+          </p:nvPr>
+        </p:nvSpPr>
+        <p:spPr>
+          <a:xfrm>
+            <a:off x="512774" y="1477540"/>
+            <a:ext cx="3491886" cy="597604"/>
+          </a:xfrm>
+        </p:spPr>
+        <p:txBody>
+          <a:bodyPr>
+            <a:normAutofit fontScale="92500"/>
+          </a:bodyPr>
+          <a:lstStyle/>
+          <a:p>
+            <a:r>
+              <a:rPr lang="en-GB" dirty="0">
+                <a:solidFill>
+                  <a:schemeClr val="bg2">
+                    <a:lumMod val="50000"/>
+                  </a:schemeClr>
+                </a:solidFill>
+              </a:rPr>
+              <a:t>Tourist Nights by Region</a:t>
+            </a:r>
+          </a:p>
+        </p:txBody>
+      </p:sp>
+      <p:pic>
+        <p:nvPicPr>
+          <p:cNvPr id="4" name="Picture 3">
+            <a:extLst>
+              <a:ext uri="{FF2B5EF4-FFF2-40B4-BE49-F238E27FC236}">
+                <a16:creationId xmlns:a16="http://schemas.microsoft.com/office/drawing/2014/main" id="{1F8C96EC-3BD5-FB20-5887-A88AF79E723B}"/>
+              </a:ext>
+            </a:extLst>
+          </p:cNvPr>
+          <p:cNvPicPr>
+            <a:picLocks noChangeAspect="1"/>
+          </p:cNvPicPr>
+          <p:nvPr/>
+        </p:nvPicPr>
+        <p:blipFill>
+          <a:blip r:embed="rId3"/>
+          <a:stretch>
+            <a:fillRect/>
+          </a:stretch>
+        </p:blipFill>
+        <p:spPr>
+          <a:xfrm>
+            <a:off x="4727317" y="1243518"/>
+            <a:ext cx="7269611" cy="5068217"/>
+          </a:xfrm>
+          <a:prstGeom prst="rect">
+            <a:avLst/>
+          </a:prstGeom>
+        </p:spPr>
+      </p:pic>
+    </p:spTree>
+    <p:extLst>
+      <p:ext uri="{BB962C8B-B14F-4D97-AF65-F5344CB8AC3E}">
+        <p14:creationId xmlns:p14="http://schemas.microsoft.com/office/powerpoint/2010/main" val="3980320322"/>
+      </p:ext>
+    </p:extLst>
+  </p:cSld>
+  <p:clrMapOvr>
+    <a:masterClrMapping/>
+  </p:clrMapOvr>
+</p:sld>
+</file>
+
+<file path=ppt/slides/slide16.xml><?xml version="1.0" encoding="utf-8"?>
+<p:sld xmlns:a="http://schemas.openxmlformats.org/drawingml/2006/main" xmlns:r="http://schemas.openxmlformats.org/officeDocument/2006/relationships" xmlns:p="http://schemas.openxmlformats.org/presentationml/2006/main">
+  <p:cSld>
+    <p:spTree>
+      <p:nvGrpSpPr>
+        <p:cNvPr id="1" name=""/>
+        <p:cNvGrpSpPr/>
+        <p:nvPr/>
+      </p:nvGrpSpPr>
+      <p:grpSpPr>
+        <a:xfrm>
+          <a:off x="0" y="0"/>
+          <a:ext cx="0" cy="0"/>
+          <a:chOff x="0" y="0"/>
+          <a:chExt cx="0" cy="0"/>
+        </a:xfrm>
+      </p:grpSpPr>
+      <p:sp>
+        <p:nvSpPr>
+          <p:cNvPr id="10" name="Title 9">
+            <a:extLst>
+              <a:ext uri="{FF2B5EF4-FFF2-40B4-BE49-F238E27FC236}">
+                <a16:creationId xmlns:a16="http://schemas.microsoft.com/office/drawing/2014/main" id="{21C5EA2A-10BF-4B5E-ACC8-8A766A0949A6}"/>
+              </a:ext>
+            </a:extLst>
+          </p:cNvPr>
+          <p:cNvSpPr>
+            <a:spLocks noGrp="1"/>
+          </p:cNvSpPr>
+          <p:nvPr>
+            <p:ph type="title"/>
+          </p:nvPr>
+        </p:nvSpPr>
+        <p:spPr/>
+        <p:txBody>
+          <a:bodyPr/>
+          <a:lstStyle/>
+          <a:p>
+            <a:r>
+              <a:rPr lang="en-US" dirty="0"/>
+              <a:t>Topic one</a:t>
+            </a:r>
+          </a:p>
+        </p:txBody>
+      </p:sp>
+      <p:sp>
+        <p:nvSpPr>
+          <p:cNvPr id="3" name="Footer Placeholder 2">
+            <a:extLst>
+              <a:ext uri="{FF2B5EF4-FFF2-40B4-BE49-F238E27FC236}">
+                <a16:creationId xmlns:a16="http://schemas.microsoft.com/office/drawing/2014/main" id="{E5932065-5BEE-4D45-A3A1-6F0559B48650}"/>
+              </a:ext>
+            </a:extLst>
+          </p:cNvPr>
+          <p:cNvSpPr>
+            <a:spLocks noGrp="1"/>
+          </p:cNvSpPr>
+          <p:nvPr>
+            <p:ph type="ftr" sz="quarter" idx="11"/>
+          </p:nvPr>
+        </p:nvSpPr>
+        <p:spPr/>
+        <p:txBody>
+          <a:bodyPr/>
+          <a:lstStyle/>
+          <a:p>
+            <a:pPr lvl="0"/>
+            <a:r>
+              <a:rPr lang="en-US" noProof="0" dirty="0"/>
+              <a:t>Presentation title</a:t>
+            </a:r>
+          </a:p>
+        </p:txBody>
+      </p:sp>
+      <p:sp>
+        <p:nvSpPr>
+          <p:cNvPr id="12" name="Subtitle 11">
+            <a:extLst>
+              <a:ext uri="{FF2B5EF4-FFF2-40B4-BE49-F238E27FC236}">
+                <a16:creationId xmlns:a16="http://schemas.microsoft.com/office/drawing/2014/main" id="{AEAC0465-1751-47C8-9200-CF24EEB5E133}"/>
+              </a:ext>
+            </a:extLst>
+          </p:cNvPr>
+          <p:cNvSpPr>
+            <a:spLocks noGrp="1"/>
+          </p:cNvSpPr>
+          <p:nvPr>
+            <p:ph sz="quarter" idx="14"/>
+          </p:nvPr>
+        </p:nvSpPr>
+        <p:spPr/>
+        <p:txBody>
+          <a:bodyPr/>
+          <a:lstStyle/>
+          <a:p>
+            <a:r>
+              <a:rPr lang="en-US" dirty="0"/>
+              <a:t>Subtitle</a:t>
+            </a:r>
+          </a:p>
+        </p:txBody>
+      </p:sp>
+      <p:sp>
+        <p:nvSpPr>
+          <p:cNvPr id="2" name="Date Placeholder 1">
+            <a:extLst>
+              <a:ext uri="{FF2B5EF4-FFF2-40B4-BE49-F238E27FC236}">
+                <a16:creationId xmlns:a16="http://schemas.microsoft.com/office/drawing/2014/main" id="{B8D2C1D6-521E-4B36-BBF3-F3613BE0A718}"/>
+              </a:ext>
+            </a:extLst>
+          </p:cNvPr>
+          <p:cNvSpPr>
+            <a:spLocks noGrp="1"/>
+          </p:cNvSpPr>
+          <p:nvPr>
+            <p:ph type="dt" sz="half" idx="10"/>
+          </p:nvPr>
+        </p:nvSpPr>
+        <p:spPr/>
+        <p:txBody>
+          <a:bodyPr/>
+          <a:lstStyle/>
+          <a:p>
+            <a:r>
+              <a:rPr lang="en-US" dirty="0"/>
+              <a:t>20XX</a:t>
+            </a:r>
+          </a:p>
+        </p:txBody>
+      </p:sp>
+      <p:sp>
+        <p:nvSpPr>
+          <p:cNvPr id="4" name="Slide Number Placeholder 3">
+            <a:extLst>
+              <a:ext uri="{FF2B5EF4-FFF2-40B4-BE49-F238E27FC236}">
+                <a16:creationId xmlns:a16="http://schemas.microsoft.com/office/drawing/2014/main" id="{7CCC3E1D-B7F8-47F6-A352-B757462BBBA7}"/>
+              </a:ext>
+            </a:extLst>
+          </p:cNvPr>
+          <p:cNvSpPr>
+            <a:spLocks noGrp="1"/>
+          </p:cNvSpPr>
+          <p:nvPr>
+            <p:ph type="sldNum" sz="quarter" idx="12"/>
+          </p:nvPr>
+        </p:nvSpPr>
+        <p:spPr/>
+        <p:txBody>
+          <a:bodyPr/>
+          <a:lstStyle/>
+          <a:p>
+            <a:pPr lvl="0"/>
+            <a:fld id="{2722F022-211C-4882-844C-086FEA6806AA}" type="slidenum">
+              <a:rPr lang="en-US" noProof="0" smtClean="0"/>
+              <a:pPr lvl="0"/>
+              <a:t>16</a:t>
+            </a:fld>
+            <a:endParaRPr lang="en-US" noProof="0" dirty="0"/>
+          </a:p>
+        </p:txBody>
+      </p:sp>
+      <p:pic>
+        <p:nvPicPr>
+          <p:cNvPr id="26" name="Picture Placeholder 25" descr="A person standing on a rock">
+            <a:extLst>
+              <a:ext uri="{FF2B5EF4-FFF2-40B4-BE49-F238E27FC236}">
+                <a16:creationId xmlns:a16="http://schemas.microsoft.com/office/drawing/2014/main" id="{5A11C124-E818-45E0-9F70-7F0C271DDC71}"/>
+              </a:ext>
+            </a:extLst>
+          </p:cNvPr>
+          <p:cNvPicPr>
+            <a:picLocks noGrp="1" noChangeAspect="1"/>
+          </p:cNvPicPr>
+          <p:nvPr>
+            <p:ph type="pic" sz="quarter" idx="4294967295"/>
+          </p:nvPr>
+        </p:nvPicPr>
+        <p:blipFill rotWithShape="1">
+          <a:blip r:embed="rId3">
+            <a:extLst>
+              <a:ext uri="{28A0092B-C50C-407E-A947-70E740481C1C}">
+                <a14:useLocalDpi xmlns:a14="http://schemas.microsoft.com/office/drawing/2010/main" val="0"/>
+              </a:ext>
+            </a:extLst>
+          </a:blip>
+          <a:srcRect/>
+          <a:stretch/>
+        </p:blipFill>
+        <p:spPr>
+          <a:xfrm>
+            <a:off x="0" y="4533900"/>
+            <a:ext cx="7086600" cy="2324100"/>
+          </a:xfrm>
+        </p:spPr>
+      </p:pic>
+      <p:pic>
+        <p:nvPicPr>
+          <p:cNvPr id="18" name="Picture Placeholder 17" descr="A picture containing outdoor, person, mountain">
+            <a:extLst>
+              <a:ext uri="{FF2B5EF4-FFF2-40B4-BE49-F238E27FC236}">
+                <a16:creationId xmlns:a16="http://schemas.microsoft.com/office/drawing/2014/main" id="{17AE28DB-6A67-4368-B973-0AF9753460B7}"/>
+              </a:ext>
+            </a:extLst>
+          </p:cNvPr>
+          <p:cNvPicPr>
+            <a:picLocks noGrp="1" noChangeAspect="1"/>
+          </p:cNvPicPr>
+          <p:nvPr>
+            <p:ph type="pic" sz="quarter" idx="4294967295"/>
+          </p:nvPr>
+        </p:nvPicPr>
+        <p:blipFill rotWithShape="1">
+          <a:blip r:embed="rId4">
+            <a:extLst>
+              <a:ext uri="{28A0092B-C50C-407E-A947-70E740481C1C}">
+                <a14:useLocalDpi xmlns:a14="http://schemas.microsoft.com/office/drawing/2010/main" val="0"/>
+              </a:ext>
+            </a:extLst>
+          </a:blip>
+          <a:srcRect/>
+          <a:stretch/>
+        </p:blipFill>
+        <p:spPr>
+          <a:xfrm>
+            <a:off x="7086600" y="0"/>
+            <a:ext cx="5105400" cy="4533900"/>
+          </a:xfrm>
+        </p:spPr>
+      </p:pic>
+      <p:pic>
+        <p:nvPicPr>
+          <p:cNvPr id="22" name="Picture Placeholder 21" descr="A picture containing nature, outdoor, snow, mountain">
+            <a:extLst>
+              <a:ext uri="{FF2B5EF4-FFF2-40B4-BE49-F238E27FC236}">
+                <a16:creationId xmlns:a16="http://schemas.microsoft.com/office/drawing/2014/main" id="{8A37E149-B64A-42E8-BB3A-1FD622CE5C95}"/>
+              </a:ext>
+            </a:extLst>
+          </p:cNvPr>
+          <p:cNvPicPr>
+            <a:picLocks noGrp="1" noChangeAspect="1"/>
+          </p:cNvPicPr>
+          <p:nvPr>
+            <p:ph type="pic" sz="quarter" idx="4294967295"/>
+          </p:nvPr>
+        </p:nvPicPr>
+        <p:blipFill rotWithShape="1">
+          <a:blip r:embed="rId5">
+            <a:extLst>
+              <a:ext uri="{28A0092B-C50C-407E-A947-70E740481C1C}">
+                <a14:useLocalDpi xmlns:a14="http://schemas.microsoft.com/office/drawing/2010/main" val="0"/>
+              </a:ext>
+            </a:extLst>
+          </a:blip>
+          <a:srcRect/>
+          <a:stretch/>
+        </p:blipFill>
+        <p:spPr>
+          <a:xfrm>
+            <a:off x="7086600" y="4533900"/>
+            <a:ext cx="5105400" cy="2324100"/>
+          </a:xfrm>
+        </p:spPr>
+      </p:pic>
+    </p:spTree>
+    <p:extLst>
+      <p:ext uri="{BB962C8B-B14F-4D97-AF65-F5344CB8AC3E}">
+        <p14:creationId xmlns:p14="http://schemas.microsoft.com/office/powerpoint/2010/main" val="2826028905"/>
+      </p:ext>
+    </p:extLst>
+  </p:cSld>
+  <p:clrMapOvr>
+    <a:masterClrMapping/>
+  </p:clrMapOvr>
+</p:sld>
+</file>
+
+<file path=ppt/slides/slide17.xml><?xml version="1.0" encoding="utf-8"?>
+<p:sld xmlns:a="http://schemas.openxmlformats.org/drawingml/2006/main" xmlns:r="http://schemas.openxmlformats.org/officeDocument/2006/relationships" xmlns:p="http://schemas.openxmlformats.org/presentationml/2006/main">
+  <p:cSld>
+    <p:spTree>
+      <p:nvGrpSpPr>
+        <p:cNvPr id="1" name=""/>
+        <p:cNvGrpSpPr/>
+        <p:nvPr/>
+      </p:nvGrpSpPr>
+      <p:grpSpPr>
+        <a:xfrm>
+          <a:off x="0" y="0"/>
+          <a:ext cx="0" cy="0"/>
+          <a:chOff x="0" y="0"/>
+          <a:chExt cx="0" cy="0"/>
+        </a:xfrm>
+      </p:grpSpPr>
+      <p:sp>
+        <p:nvSpPr>
           <p:cNvPr id="34" name="Title 33">
             <a:extLst>
               <a:ext uri="{FF2B5EF4-FFF2-40B4-BE49-F238E27FC236}">
@@ -17816,7 +18678,7 @@
             <a:fld id="{06B786C7-B8F9-4072-AAAA-17258464D730}" type="slidenum">
               <a:rPr lang="en-US" noProof="0" smtClean="0"/>
               <a:pPr lvl="0"/>
-              <a:t>15</a:t>
+              <a:t>17</a:t>
             </a:fld>
             <a:endParaRPr lang="en-US" noProof="0" dirty="0"/>
           </a:p>
@@ -17835,7 +18697,7 @@
 </p:sld>
 </file>
 
-<file path=ppt/slides/slide16.xml><?xml version="1.0" encoding="utf-8"?>
+<file path=ppt/slides/slide18.xml><?xml version="1.0" encoding="utf-8"?>
 <p:sld xmlns:a="http://schemas.openxmlformats.org/drawingml/2006/main" xmlns:r="http://schemas.openxmlformats.org/officeDocument/2006/relationships" xmlns:p="http://schemas.openxmlformats.org/presentationml/2006/main">
   <p:cSld>
     <p:spTree>
@@ -18471,7 +19333,7 @@
             <a:fld id="{06B786C7-B8F9-4072-AAAA-17258464D730}" type="slidenum">
               <a:rPr lang="en-US" noProof="0" smtClean="0"/>
               <a:pPr lvl="0"/>
-              <a:t>16</a:t>
+              <a:t>18</a:t>
             </a:fld>
             <a:endParaRPr lang="en-US" noProof="0" dirty="0"/>
           </a:p>
@@ -18481,453 +19343,6 @@
     <p:extLst>
       <p:ext uri="{BB962C8B-B14F-4D97-AF65-F5344CB8AC3E}">
         <p14:creationId xmlns:p14="http://schemas.microsoft.com/office/powerpoint/2010/main" val="434641259"/>
-      </p:ext>
-    </p:extLst>
-  </p:cSld>
-  <p:clrMapOvr>
-    <a:masterClrMapping/>
-  </p:clrMapOvr>
-</p:sld>
-</file>
-
-<file path=ppt/slides/slide17.xml><?xml version="1.0" encoding="utf-8"?>
-<p:sld xmlns:a="http://schemas.openxmlformats.org/drawingml/2006/main" xmlns:r="http://schemas.openxmlformats.org/officeDocument/2006/relationships" xmlns:p="http://schemas.openxmlformats.org/presentationml/2006/main">
-  <p:cSld>
-    <p:spTree>
-      <p:nvGrpSpPr>
-        <p:cNvPr id="1" name=""/>
-        <p:cNvGrpSpPr/>
-        <p:nvPr/>
-      </p:nvGrpSpPr>
-      <p:grpSpPr>
-        <a:xfrm>
-          <a:off x="0" y="0"/>
-          <a:ext cx="0" cy="0"/>
-          <a:chOff x="0" y="0"/>
-          <a:chExt cx="0" cy="0"/>
-        </a:xfrm>
-      </p:grpSpPr>
-      <p:pic>
-        <p:nvPicPr>
-          <p:cNvPr id="14" name="Picture Placeholder 13" descr="A picture containing sky, outdoor, mountain, tent">
-            <a:extLst>
-              <a:ext uri="{FF2B5EF4-FFF2-40B4-BE49-F238E27FC236}">
-                <a16:creationId xmlns:a16="http://schemas.microsoft.com/office/drawing/2014/main" id="{284A1AA7-2E90-4B15-88DA-97825B64484E}"/>
-              </a:ext>
-            </a:extLst>
-          </p:cNvPr>
-          <p:cNvPicPr>
-            <a:picLocks noGrp="1" noChangeAspect="1"/>
-          </p:cNvPicPr>
-          <p:nvPr>
-            <p:ph type="pic" sz="quarter" idx="13"/>
-          </p:nvPr>
-        </p:nvPicPr>
-        <p:blipFill rotWithShape="1">
-          <a:blip r:embed="rId2">
-            <a:extLst>
-              <a:ext uri="{28A0092B-C50C-407E-A947-70E740481C1C}">
-                <a14:useLocalDpi xmlns:a14="http://schemas.microsoft.com/office/drawing/2010/main" val="0"/>
-              </a:ext>
-            </a:extLst>
-          </a:blip>
-          <a:srcRect/>
-          <a:stretch/>
-        </p:blipFill>
-        <p:spPr>
-          <a:xfrm>
-            <a:off x="-2" y="0"/>
-            <a:ext cx="12192000" cy="6858000"/>
-          </a:xfrm>
-        </p:spPr>
-      </p:pic>
-      <p:sp>
-        <p:nvSpPr>
-          <p:cNvPr id="3" name="Title 2">
-            <a:extLst>
-              <a:ext uri="{FF2B5EF4-FFF2-40B4-BE49-F238E27FC236}">
-                <a16:creationId xmlns:a16="http://schemas.microsoft.com/office/drawing/2014/main" id="{8AC7AC30-1251-40E1-9808-1FB902C4C199}"/>
-              </a:ext>
-            </a:extLst>
-          </p:cNvPr>
-          <p:cNvSpPr>
-            <a:spLocks noGrp="1"/>
-          </p:cNvSpPr>
-          <p:nvPr>
-            <p:ph type="ctrTitle"/>
-          </p:nvPr>
-        </p:nvSpPr>
-        <p:spPr>
-          <a:xfrm>
-            <a:off x="1177636" y="-2"/>
-            <a:ext cx="11014364" cy="4100947"/>
-          </a:xfrm>
-        </p:spPr>
-        <p:txBody>
-          <a:bodyPr>
-            <a:normAutofit/>
-          </a:bodyPr>
-          <a:lstStyle/>
-          <a:p>
-            <a:r>
-              <a:rPr lang="en-US" dirty="0"/>
-              <a:t>The way to get</a:t>
-            </a:r>
-            <a:br>
-              <a:rPr lang="en-US" dirty="0"/>
-            </a:br>
-            <a:r>
-              <a:rPr lang="en-US" dirty="0"/>
-              <a:t>started is to quit  talking and begin doing.</a:t>
-            </a:r>
-          </a:p>
-        </p:txBody>
-      </p:sp>
-      <p:sp>
-        <p:nvSpPr>
-          <p:cNvPr id="4" name="Subtitle 3">
-            <a:extLst>
-              <a:ext uri="{FF2B5EF4-FFF2-40B4-BE49-F238E27FC236}">
-                <a16:creationId xmlns:a16="http://schemas.microsoft.com/office/drawing/2014/main" id="{4154B60C-7CE6-4829-87C0-7B4B3E16851E}"/>
-              </a:ext>
-            </a:extLst>
-          </p:cNvPr>
-          <p:cNvSpPr>
-            <a:spLocks noGrp="1"/>
-          </p:cNvSpPr>
-          <p:nvPr>
-            <p:ph type="subTitle" idx="1"/>
-          </p:nvPr>
-        </p:nvSpPr>
-        <p:spPr>
-          <a:xfrm>
-            <a:off x="3241963" y="4089656"/>
-            <a:ext cx="8950035" cy="2796566"/>
-          </a:xfrm>
-        </p:spPr>
-        <p:txBody>
-          <a:bodyPr>
-            <a:normAutofit/>
-          </a:bodyPr>
-          <a:lstStyle/>
-          <a:p>
-            <a:r>
-              <a:rPr lang="en-US" dirty="0"/>
-              <a:t>Walt Disney</a:t>
-            </a:r>
-          </a:p>
-        </p:txBody>
-      </p:sp>
-      <p:sp>
-        <p:nvSpPr>
-          <p:cNvPr id="27" name="Footer Placeholder 26">
-            <a:extLst>
-              <a:ext uri="{FF2B5EF4-FFF2-40B4-BE49-F238E27FC236}">
-                <a16:creationId xmlns:a16="http://schemas.microsoft.com/office/drawing/2014/main" id="{292399BD-BD2E-4306-802E-64A79BA9774A}"/>
-              </a:ext>
-            </a:extLst>
-          </p:cNvPr>
-          <p:cNvSpPr>
-            <a:spLocks noGrp="1"/>
-          </p:cNvSpPr>
-          <p:nvPr>
-            <p:ph type="ftr" sz="quarter" idx="11"/>
-          </p:nvPr>
-        </p:nvSpPr>
-        <p:spPr>
-          <a:xfrm>
-            <a:off x="201168" y="6356350"/>
-            <a:ext cx="4837176" cy="365125"/>
-          </a:xfrm>
-        </p:spPr>
-        <p:txBody>
-          <a:bodyPr/>
-          <a:lstStyle/>
-          <a:p>
-            <a:pPr lvl="0"/>
-            <a:r>
-              <a:rPr lang="en-US" noProof="0" dirty="0"/>
-              <a:t>Presentation title</a:t>
-            </a:r>
-          </a:p>
-        </p:txBody>
-      </p:sp>
-      <p:sp>
-        <p:nvSpPr>
-          <p:cNvPr id="26" name="Date Placeholder 25">
-            <a:extLst>
-              <a:ext uri="{FF2B5EF4-FFF2-40B4-BE49-F238E27FC236}">
-                <a16:creationId xmlns:a16="http://schemas.microsoft.com/office/drawing/2014/main" id="{A98E8EB0-8988-42CF-80D1-7A2AB7D1F8AF}"/>
-              </a:ext>
-            </a:extLst>
-          </p:cNvPr>
-          <p:cNvSpPr>
-            <a:spLocks noGrp="1"/>
-          </p:cNvSpPr>
-          <p:nvPr>
-            <p:ph type="dt" sz="half" idx="10"/>
-          </p:nvPr>
-        </p:nvSpPr>
-        <p:spPr>
-          <a:xfrm>
-            <a:off x="7013448" y="6355080"/>
-            <a:ext cx="4352544" cy="365125"/>
-          </a:xfrm>
-        </p:spPr>
-        <p:txBody>
-          <a:bodyPr/>
-          <a:lstStyle/>
-          <a:p>
-            <a:pPr lvl="0"/>
-            <a:r>
-              <a:rPr lang="en-US" noProof="0" dirty="0"/>
-              <a:t>20XX</a:t>
-            </a:r>
-          </a:p>
-        </p:txBody>
-      </p:sp>
-      <p:sp>
-        <p:nvSpPr>
-          <p:cNvPr id="28" name="Slide Number Placeholder 27">
-            <a:extLst>
-              <a:ext uri="{FF2B5EF4-FFF2-40B4-BE49-F238E27FC236}">
-                <a16:creationId xmlns:a16="http://schemas.microsoft.com/office/drawing/2014/main" id="{F3FAC0BD-E5E7-4E36-B85D-0C1D0408A115}"/>
-              </a:ext>
-            </a:extLst>
-          </p:cNvPr>
-          <p:cNvSpPr>
-            <a:spLocks noGrp="1"/>
-          </p:cNvSpPr>
-          <p:nvPr>
-            <p:ph type="sldNum" sz="quarter" idx="12"/>
-          </p:nvPr>
-        </p:nvSpPr>
-        <p:spPr>
-          <a:xfrm>
-            <a:off x="11365992" y="6356350"/>
-            <a:ext cx="630936" cy="365125"/>
-          </a:xfrm>
-        </p:spPr>
-        <p:txBody>
-          <a:bodyPr/>
-          <a:lstStyle/>
-          <a:p>
-            <a:pPr lvl="0"/>
-            <a:fld id="{CD6D940D-6D44-4DF9-9322-B4B11F7EDCD0}" type="slidenum">
-              <a:rPr lang="en-US" noProof="0" smtClean="0"/>
-              <a:pPr lvl="0"/>
-              <a:t>17</a:t>
-            </a:fld>
-            <a:endParaRPr lang="en-US" noProof="0" dirty="0"/>
-          </a:p>
-        </p:txBody>
-      </p:sp>
-    </p:spTree>
-    <p:extLst>
-      <p:ext uri="{BB962C8B-B14F-4D97-AF65-F5344CB8AC3E}">
-        <p14:creationId xmlns:p14="http://schemas.microsoft.com/office/powerpoint/2010/main" val="3386475026"/>
-      </p:ext>
-    </p:extLst>
-  </p:cSld>
-  <p:clrMapOvr>
-    <a:masterClrMapping/>
-  </p:clrMapOvr>
-</p:sld>
-</file>
-
-<file path=ppt/slides/slide18.xml><?xml version="1.0" encoding="utf-8"?>
-<p:sld xmlns:a="http://schemas.openxmlformats.org/drawingml/2006/main" xmlns:r="http://schemas.openxmlformats.org/officeDocument/2006/relationships" xmlns:p="http://schemas.openxmlformats.org/presentationml/2006/main">
-  <p:cSld>
-    <p:spTree>
-      <p:nvGrpSpPr>
-        <p:cNvPr id="1" name=""/>
-        <p:cNvGrpSpPr/>
-        <p:nvPr/>
-      </p:nvGrpSpPr>
-      <p:grpSpPr>
-        <a:xfrm>
-          <a:off x="0" y="0"/>
-          <a:ext cx="0" cy="0"/>
-          <a:chOff x="0" y="0"/>
-          <a:chExt cx="0" cy="0"/>
-        </a:xfrm>
-      </p:grpSpPr>
-      <p:sp>
-        <p:nvSpPr>
-          <p:cNvPr id="22" name="Title 21">
-            <a:extLst>
-              <a:ext uri="{FF2B5EF4-FFF2-40B4-BE49-F238E27FC236}">
-                <a16:creationId xmlns:a16="http://schemas.microsoft.com/office/drawing/2014/main" id="{CBCA8D9B-86A6-46D0-8939-576472F48528}"/>
-              </a:ext>
-            </a:extLst>
-          </p:cNvPr>
-          <p:cNvSpPr>
-            <a:spLocks noGrp="1"/>
-          </p:cNvSpPr>
-          <p:nvPr>
-            <p:ph type="title"/>
-          </p:nvPr>
-        </p:nvSpPr>
-        <p:spPr>
-          <a:xfrm>
-            <a:off x="1002983" y="194783"/>
-            <a:ext cx="9421177" cy="769493"/>
-          </a:xfrm>
-        </p:spPr>
-        <p:txBody>
-          <a:bodyPr>
-            <a:normAutofit fontScale="90000"/>
-          </a:bodyPr>
-          <a:lstStyle/>
-          <a:p>
-            <a:r>
-              <a:rPr lang="en-US" dirty="0"/>
-              <a:t>Team</a:t>
-            </a:r>
-          </a:p>
-        </p:txBody>
-      </p:sp>
-      <p:graphicFrame>
-        <p:nvGraphicFramePr>
-          <p:cNvPr id="12" name="Content Placeholder 2">
-            <a:extLst>
-              <a:ext uri="{FF2B5EF4-FFF2-40B4-BE49-F238E27FC236}">
-                <a16:creationId xmlns:a16="http://schemas.microsoft.com/office/drawing/2014/main" id="{B92EBB33-86ED-44CD-B655-52737F569C50}"/>
-              </a:ext>
-              <a:ext uri="{C183D7F6-B498-43B3-948B-1728B52AA6E4}">
-                <adec:decorative xmlns:adec="http://schemas.microsoft.com/office/drawing/2017/decorative" val="1"/>
-              </a:ext>
-            </a:extLst>
-          </p:cNvPr>
-          <p:cNvGraphicFramePr>
-            <a:graphicFrameLocks noGrp="1"/>
-          </p:cNvGraphicFramePr>
-          <p:nvPr>
-            <p:ph sz="quarter" idx="14"/>
-            <p:extLst>
-              <p:ext uri="{D42A27DB-BD31-4B8C-83A1-F6EECF244321}">
-                <p14:modId xmlns:p14="http://schemas.microsoft.com/office/powerpoint/2010/main" val="2108788491"/>
-              </p:ext>
-            </p:extLst>
-          </p:nvPr>
-        </p:nvGraphicFramePr>
-        <p:xfrm>
-          <a:off x="931863" y="1695450"/>
-          <a:ext cx="10328275" cy="4314825"/>
-        </p:xfrm>
-        <a:graphic>
-          <a:graphicData uri="http://schemas.openxmlformats.org/drawingml/2006/diagram">
-            <dgm:relIds xmlns:dgm="http://schemas.openxmlformats.org/drawingml/2006/diagram" xmlns:r="http://schemas.openxmlformats.org/officeDocument/2006/relationships" r:dm="rId2" r:lo="rId3" r:qs="rId4" r:cs="rId5"/>
-          </a:graphicData>
-        </a:graphic>
-      </p:graphicFrame>
-      <p:sp>
-        <p:nvSpPr>
-          <p:cNvPr id="4" name="Footer Placeholder 3">
-            <a:extLst>
-              <a:ext uri="{FF2B5EF4-FFF2-40B4-BE49-F238E27FC236}">
-                <a16:creationId xmlns:a16="http://schemas.microsoft.com/office/drawing/2014/main" id="{1BA44D22-2C67-436D-AB47-1C91A69B29EE}"/>
-              </a:ext>
-            </a:extLst>
-          </p:cNvPr>
-          <p:cNvSpPr>
-            <a:spLocks noGrp="1"/>
-          </p:cNvSpPr>
-          <p:nvPr>
-            <p:ph type="ftr" sz="quarter" idx="11"/>
-          </p:nvPr>
-        </p:nvSpPr>
-        <p:spPr>
-          <a:xfrm>
-            <a:off x="201168" y="6356350"/>
-            <a:ext cx="4837176" cy="365125"/>
-          </a:xfrm>
-        </p:spPr>
-        <p:txBody>
-          <a:bodyPr/>
-          <a:lstStyle/>
-          <a:p>
-            <a:r>
-              <a:rPr lang="en-US" dirty="0"/>
-              <a:t>Presentation title</a:t>
-            </a:r>
-          </a:p>
-        </p:txBody>
-      </p:sp>
-      <p:sp>
-        <p:nvSpPr>
-          <p:cNvPr id="3" name="Date Placeholder 2">
-            <a:extLst>
-              <a:ext uri="{FF2B5EF4-FFF2-40B4-BE49-F238E27FC236}">
-                <a16:creationId xmlns:a16="http://schemas.microsoft.com/office/drawing/2014/main" id="{1167B644-3955-44BD-8140-FD5AD6294F09}"/>
-              </a:ext>
-            </a:extLst>
-          </p:cNvPr>
-          <p:cNvSpPr>
-            <a:spLocks noGrp="1"/>
-          </p:cNvSpPr>
-          <p:nvPr>
-            <p:ph type="dt" sz="half" idx="10"/>
-          </p:nvPr>
-        </p:nvSpPr>
-        <p:spPr>
-          <a:xfrm>
-            <a:off x="7013448" y="6355080"/>
-            <a:ext cx="4352544" cy="365125"/>
-          </a:xfrm>
-        </p:spPr>
-        <p:txBody>
-          <a:bodyPr/>
-          <a:lstStyle/>
-          <a:p>
-            <a:pPr lvl="0"/>
-            <a:r>
-              <a:rPr lang="en-US" noProof="0" dirty="0"/>
-              <a:t>20XX</a:t>
-            </a:r>
-          </a:p>
-        </p:txBody>
-      </p:sp>
-      <p:sp>
-        <p:nvSpPr>
-          <p:cNvPr id="5" name="Slide Number Placeholder 4">
-            <a:extLst>
-              <a:ext uri="{FF2B5EF4-FFF2-40B4-BE49-F238E27FC236}">
-                <a16:creationId xmlns:a16="http://schemas.microsoft.com/office/drawing/2014/main" id="{E673DB5F-1A43-441F-953F-DA8BBE7299D4}"/>
-              </a:ext>
-            </a:extLst>
-          </p:cNvPr>
-          <p:cNvSpPr>
-            <a:spLocks noGrp="1"/>
-          </p:cNvSpPr>
-          <p:nvPr>
-            <p:ph type="sldNum" sz="quarter" idx="12"/>
-          </p:nvPr>
-        </p:nvSpPr>
-        <p:spPr>
-          <a:xfrm>
-            <a:off x="11365992" y="6356350"/>
-            <a:ext cx="630936" cy="365125"/>
-          </a:xfrm>
-        </p:spPr>
-        <p:txBody>
-          <a:bodyPr/>
-          <a:lstStyle/>
-          <a:p>
-            <a:pPr lvl="0"/>
-            <a:fld id="{06B786C7-B8F9-4072-AAAA-17258464D730}" type="slidenum">
-              <a:rPr lang="en-US" noProof="0" smtClean="0"/>
-              <a:pPr lvl="0"/>
-              <a:t>18</a:t>
-            </a:fld>
-            <a:endParaRPr lang="en-US" noProof="0" dirty="0"/>
-          </a:p>
-        </p:txBody>
-      </p:sp>
-    </p:spTree>
-    <p:extLst>
-      <p:ext uri="{BB962C8B-B14F-4D97-AF65-F5344CB8AC3E}">
-        <p14:creationId xmlns:p14="http://schemas.microsoft.com/office/powerpoint/2010/main" val="2605548233"/>
       </p:ext>
     </p:extLst>
   </p:cSld>
@@ -18954,81 +19369,123 @@
           <a:chExt cx="0" cy="0"/>
         </a:xfrm>
       </p:grpSpPr>
-      <p:sp>
-        <p:nvSpPr>
-          <p:cNvPr id="25" name="Title 24">
-            <a:extLst>
-              <a:ext uri="{FF2B5EF4-FFF2-40B4-BE49-F238E27FC236}">
-                <a16:creationId xmlns:a16="http://schemas.microsoft.com/office/drawing/2014/main" id="{330F6403-11BB-440A-81D1-11DAFA7ABF5D}"/>
-              </a:ext>
-            </a:extLst>
-          </p:cNvPr>
-          <p:cNvSpPr>
-            <a:spLocks noGrp="1"/>
-          </p:cNvSpPr>
-          <p:nvPr>
-            <p:ph type="title"/>
-          </p:nvPr>
-        </p:nvSpPr>
+      <p:pic>
+        <p:nvPicPr>
+          <p:cNvPr id="14" name="Picture Placeholder 13" descr="A picture containing sky, outdoor, mountain, tent">
+            <a:extLst>
+              <a:ext uri="{FF2B5EF4-FFF2-40B4-BE49-F238E27FC236}">
+                <a16:creationId xmlns:a16="http://schemas.microsoft.com/office/drawing/2014/main" id="{284A1AA7-2E90-4B15-88DA-97825B64484E}"/>
+              </a:ext>
+            </a:extLst>
+          </p:cNvPr>
+          <p:cNvPicPr>
+            <a:picLocks noGrp="1" noChangeAspect="1"/>
+          </p:cNvPicPr>
+          <p:nvPr>
+            <p:ph type="pic" sz="quarter" idx="13"/>
+          </p:nvPr>
+        </p:nvPicPr>
+        <p:blipFill rotWithShape="1">
+          <a:blip r:embed="rId2">
+            <a:extLst>
+              <a:ext uri="{28A0092B-C50C-407E-A947-70E740481C1C}">
+                <a14:useLocalDpi xmlns:a14="http://schemas.microsoft.com/office/drawing/2010/main" val="0"/>
+              </a:ext>
+            </a:extLst>
+          </a:blip>
+          <a:srcRect/>
+          <a:stretch/>
+        </p:blipFill>
         <p:spPr>
           <a:xfrm>
-            <a:off x="1000759" y="194783"/>
-            <a:ext cx="10022841" cy="760892"/>
+            <a:off x="-2" y="0"/>
+            <a:ext cx="12192000" cy="6858000"/>
           </a:xfrm>
         </p:spPr>
+      </p:pic>
+      <p:sp>
+        <p:nvSpPr>
+          <p:cNvPr id="3" name="Title 2">
+            <a:extLst>
+              <a:ext uri="{FF2B5EF4-FFF2-40B4-BE49-F238E27FC236}">
+                <a16:creationId xmlns:a16="http://schemas.microsoft.com/office/drawing/2014/main" id="{8AC7AC30-1251-40E1-9808-1FB902C4C199}"/>
+              </a:ext>
+            </a:extLst>
+          </p:cNvPr>
+          <p:cNvSpPr>
+            <a:spLocks noGrp="1"/>
+          </p:cNvSpPr>
+          <p:nvPr>
+            <p:ph type="ctrTitle"/>
+          </p:nvPr>
+        </p:nvSpPr>
+        <p:spPr>
+          <a:xfrm>
+            <a:off x="1177636" y="-2"/>
+            <a:ext cx="11014364" cy="4100947"/>
+          </a:xfrm>
+        </p:spPr>
         <p:txBody>
           <a:bodyPr>
-            <a:normAutofit fontScale="90000"/>
+            <a:normAutofit/>
           </a:bodyPr>
           <a:lstStyle/>
           <a:p>
             <a:r>
               <a:rPr lang="en-US" dirty="0"/>
-              <a:t>Timeline</a:t>
-            </a:r>
-          </a:p>
-        </p:txBody>
-      </p:sp>
-      <p:graphicFrame>
-        <p:nvGraphicFramePr>
-          <p:cNvPr id="20" name="Content Placeholder 3">
-            <a:extLst>
-              <a:ext uri="{FF2B5EF4-FFF2-40B4-BE49-F238E27FC236}">
-                <a16:creationId xmlns:a16="http://schemas.microsoft.com/office/drawing/2014/main" id="{76386ECC-44D1-4D37-AF78-36503EACC84D}"/>
-              </a:ext>
-              <a:ext uri="{C183D7F6-B498-43B3-948B-1728B52AA6E4}">
-                <adec:decorative xmlns:adec="http://schemas.microsoft.com/office/drawing/2017/decorative" val="1"/>
-              </a:ext>
-            </a:extLst>
-          </p:cNvPr>
-          <p:cNvGraphicFramePr>
-            <a:graphicFrameLocks noGrp="1"/>
-          </p:cNvGraphicFramePr>
-          <p:nvPr>
-            <p:ph sz="quarter" idx="14"/>
-            <p:extLst>
-              <p:ext uri="{D42A27DB-BD31-4B8C-83A1-F6EECF244321}">
-                <p14:modId xmlns:p14="http://schemas.microsoft.com/office/powerpoint/2010/main" val="229255033"/>
-              </p:ext>
-            </p:extLst>
-          </p:nvPr>
-        </p:nvGraphicFramePr>
-        <p:xfrm>
-          <a:off x="646113" y="1560513"/>
-          <a:ext cx="10899775" cy="4341812"/>
-        </p:xfrm>
-        <a:graphic>
-          <a:graphicData uri="http://schemas.openxmlformats.org/drawingml/2006/diagram">
-            <dgm:relIds xmlns:dgm="http://schemas.openxmlformats.org/drawingml/2006/diagram" xmlns:r="http://schemas.openxmlformats.org/officeDocument/2006/relationships" r:dm="rId2" r:lo="rId3" r:qs="rId4" r:cs="rId5"/>
-          </a:graphicData>
-        </a:graphic>
-      </p:graphicFrame>
-      <p:sp>
-        <p:nvSpPr>
-          <p:cNvPr id="4" name="Footer Placeholder 3">
-            <a:extLst>
-              <a:ext uri="{FF2B5EF4-FFF2-40B4-BE49-F238E27FC236}">
-                <a16:creationId xmlns:a16="http://schemas.microsoft.com/office/drawing/2014/main" id="{1C63F48C-BFC1-4227-8BB0-C06C473D6F55}"/>
+              <a:t>The way to get</a:t>
+            </a:r>
+            <a:br>
+              <a:rPr lang="en-US" dirty="0"/>
+            </a:br>
+            <a:r>
+              <a:rPr lang="en-US" dirty="0"/>
+              <a:t>started is to quit  talking and begin doing.</a:t>
+            </a:r>
+          </a:p>
+        </p:txBody>
+      </p:sp>
+      <p:sp>
+        <p:nvSpPr>
+          <p:cNvPr id="4" name="Subtitle 3">
+            <a:extLst>
+              <a:ext uri="{FF2B5EF4-FFF2-40B4-BE49-F238E27FC236}">
+                <a16:creationId xmlns:a16="http://schemas.microsoft.com/office/drawing/2014/main" id="{4154B60C-7CE6-4829-87C0-7B4B3E16851E}"/>
+              </a:ext>
+            </a:extLst>
+          </p:cNvPr>
+          <p:cNvSpPr>
+            <a:spLocks noGrp="1"/>
+          </p:cNvSpPr>
+          <p:nvPr>
+            <p:ph type="subTitle" idx="1"/>
+          </p:nvPr>
+        </p:nvSpPr>
+        <p:spPr>
+          <a:xfrm>
+            <a:off x="3241963" y="4089656"/>
+            <a:ext cx="8950035" cy="2796566"/>
+          </a:xfrm>
+        </p:spPr>
+        <p:txBody>
+          <a:bodyPr>
+            <a:normAutofit/>
+          </a:bodyPr>
+          <a:lstStyle/>
+          <a:p>
+            <a:r>
+              <a:rPr lang="en-US" dirty="0"/>
+              <a:t>Walt Disney</a:t>
+            </a:r>
+          </a:p>
+        </p:txBody>
+      </p:sp>
+      <p:sp>
+        <p:nvSpPr>
+          <p:cNvPr id="27" name="Footer Placeholder 26">
+            <a:extLst>
+              <a:ext uri="{FF2B5EF4-FFF2-40B4-BE49-F238E27FC236}">
+                <a16:creationId xmlns:a16="http://schemas.microsoft.com/office/drawing/2014/main" id="{292399BD-BD2E-4306-802E-64A79BA9774A}"/>
               </a:ext>
             </a:extLst>
           </p:cNvPr>
@@ -19049,8 +19506,9 @@
           <a:bodyPr/>
           <a:lstStyle/>
           <a:p>
-            <a:r>
-              <a:rPr lang="en-US" dirty="0"/>
+            <a:pPr lvl="0"/>
+            <a:r>
+              <a:rPr lang="en-US" noProof="0" dirty="0"/>
               <a:t>Presentation title</a:t>
             </a:r>
           </a:p>
@@ -19058,10 +19516,10 @@
       </p:sp>
       <p:sp>
         <p:nvSpPr>
-          <p:cNvPr id="3" name="Date Placeholder 2">
-            <a:extLst>
-              <a:ext uri="{FF2B5EF4-FFF2-40B4-BE49-F238E27FC236}">
-                <a16:creationId xmlns:a16="http://schemas.microsoft.com/office/drawing/2014/main" id="{1E532E67-6C01-41FF-AA5B-AEEE3DFA51CB}"/>
+          <p:cNvPr id="26" name="Date Placeholder 25">
+            <a:extLst>
+              <a:ext uri="{FF2B5EF4-FFF2-40B4-BE49-F238E27FC236}">
+                <a16:creationId xmlns:a16="http://schemas.microsoft.com/office/drawing/2014/main" id="{A98E8EB0-8988-42CF-80D1-7A2AB7D1F8AF}"/>
               </a:ext>
             </a:extLst>
           </p:cNvPr>
@@ -19092,10 +19550,10 @@
       </p:sp>
       <p:sp>
         <p:nvSpPr>
-          <p:cNvPr id="5" name="Slide Number Placeholder 4">
-            <a:extLst>
-              <a:ext uri="{FF2B5EF4-FFF2-40B4-BE49-F238E27FC236}">
-                <a16:creationId xmlns:a16="http://schemas.microsoft.com/office/drawing/2014/main" id="{AA33C4C9-9778-4A59-9001-6EC6F52349CA}"/>
+          <p:cNvPr id="28" name="Slide Number Placeholder 27">
+            <a:extLst>
+              <a:ext uri="{FF2B5EF4-FFF2-40B4-BE49-F238E27FC236}">
+                <a16:creationId xmlns:a16="http://schemas.microsoft.com/office/drawing/2014/main" id="{F3FAC0BD-E5E7-4E36-B85D-0C1D0408A115}"/>
               </a:ext>
             </a:extLst>
           </p:cNvPr>
@@ -19117,7 +19575,7 @@
           <a:lstStyle/>
           <a:p>
             <a:pPr lvl="0"/>
-            <a:fld id="{06B786C7-B8F9-4072-AAAA-17258464D730}" type="slidenum">
+            <a:fld id="{CD6D940D-6D44-4DF9-9322-B4B11F7EDCD0}" type="slidenum">
               <a:rPr lang="en-US" noProof="0" smtClean="0"/>
               <a:pPr lvl="0"/>
               <a:t>19</a:t>
@@ -19129,7 +19587,7 @@
     </p:spTree>
     <p:extLst>
       <p:ext uri="{BB962C8B-B14F-4D97-AF65-F5344CB8AC3E}">
-        <p14:creationId xmlns:p14="http://schemas.microsoft.com/office/powerpoint/2010/main" val="973145793"/>
+        <p14:creationId xmlns:p14="http://schemas.microsoft.com/office/powerpoint/2010/main" val="3386475026"/>
       </p:ext>
     </p:extLst>
   </p:cSld>
@@ -19394,10 +19852,10 @@
       </p:grpSpPr>
       <p:sp>
         <p:nvSpPr>
-          <p:cNvPr id="33" name="Title 32">
-            <a:extLst>
-              <a:ext uri="{FF2B5EF4-FFF2-40B4-BE49-F238E27FC236}">
-                <a16:creationId xmlns:a16="http://schemas.microsoft.com/office/drawing/2014/main" id="{2D22322F-E79D-4BEF-8038-DE2C8F5CCA40}"/>
+          <p:cNvPr id="22" name="Title 21">
+            <a:extLst>
+              <a:ext uri="{FF2B5EF4-FFF2-40B4-BE49-F238E27FC236}">
+                <a16:creationId xmlns:a16="http://schemas.microsoft.com/office/drawing/2014/main" id="{CBCA8D9B-86A6-46D0-8939-576472F48528}"/>
               </a:ext>
             </a:extLst>
           </p:cNvPr>
@@ -19410,8 +19868,8 @@
         </p:nvSpPr>
         <p:spPr>
           <a:xfrm>
-            <a:off x="1249680" y="190500"/>
-            <a:ext cx="10036292" cy="773776"/>
+            <a:off x="1002983" y="194783"/>
+            <a:ext cx="9421177" cy="769493"/>
           </a:xfrm>
         </p:spPr>
         <p:txBody>
@@ -19422,167 +19880,51 @@
           <a:p>
             <a:r>
               <a:rPr lang="en-US" dirty="0"/>
-              <a:t>Content</a:t>
-            </a:r>
-          </a:p>
-        </p:txBody>
-      </p:sp>
-      <p:sp>
-        <p:nvSpPr>
-          <p:cNvPr id="14" name="Text Placeholder 13">
-            <a:extLst>
-              <a:ext uri="{FF2B5EF4-FFF2-40B4-BE49-F238E27FC236}">
-                <a16:creationId xmlns:a16="http://schemas.microsoft.com/office/drawing/2014/main" id="{61A6601B-A3E2-47A2-B731-4FE03C43E2B0}"/>
-              </a:ext>
-            </a:extLst>
-          </p:cNvPr>
-          <p:cNvSpPr>
-            <a:spLocks noGrp="1"/>
-          </p:cNvSpPr>
-          <p:nvPr>
-            <p:ph type="body" sz="quarter" idx="14"/>
-          </p:nvPr>
-        </p:nvSpPr>
-        <p:spPr>
-          <a:xfrm>
-            <a:off x="1209243" y="1764139"/>
-            <a:ext cx="4756714" cy="597604"/>
-          </a:xfrm>
-        </p:spPr>
-        <p:txBody>
-          <a:bodyPr/>
-          <a:lstStyle/>
-          <a:p>
-            <a:r>
-              <a:rPr lang="en-US" dirty="0"/>
-              <a:t>Subtitle</a:t>
-            </a:r>
-          </a:p>
-        </p:txBody>
-      </p:sp>
-      <p:sp>
-        <p:nvSpPr>
-          <p:cNvPr id="13" name="Content Placeholder 12">
-            <a:extLst>
-              <a:ext uri="{FF2B5EF4-FFF2-40B4-BE49-F238E27FC236}">
-                <a16:creationId xmlns:a16="http://schemas.microsoft.com/office/drawing/2014/main" id="{ABAEE544-8FB3-4E56-91A9-A6964539DCB7}"/>
-              </a:ext>
-            </a:extLst>
-          </p:cNvPr>
-          <p:cNvSpPr>
-            <a:spLocks noGrp="1"/>
-          </p:cNvSpPr>
-          <p:nvPr>
-            <p:ph type="body" sz="quarter" idx="17"/>
-          </p:nvPr>
-        </p:nvSpPr>
-        <p:spPr>
-          <a:xfrm>
-            <a:off x="1209243" y="2374900"/>
-            <a:ext cx="4756714" cy="3365500"/>
-          </a:xfrm>
-        </p:spPr>
-        <p:txBody>
-          <a:bodyPr/>
-          <a:lstStyle/>
-          <a:p>
-            <a:r>
-              <a:rPr lang="en-US" dirty="0"/>
-              <a:t>Add text, images, art, and videos. </a:t>
-            </a:r>
-          </a:p>
-          <a:p>
-            <a:r>
-              <a:rPr lang="en-US" dirty="0"/>
-              <a:t>Add transitions, animations, and motion. </a:t>
-            </a:r>
-          </a:p>
-          <a:p>
-            <a:r>
-              <a:rPr lang="en-US" dirty="0"/>
-              <a:t>Save to OneDrive, to get to your presentations from your computer, tablet, or phone. </a:t>
-            </a:r>
-          </a:p>
-        </p:txBody>
-      </p:sp>
-      <p:sp>
-        <p:nvSpPr>
-          <p:cNvPr id="16" name="Text Placeholder 15">
-            <a:extLst>
-              <a:ext uri="{FF2B5EF4-FFF2-40B4-BE49-F238E27FC236}">
-                <a16:creationId xmlns:a16="http://schemas.microsoft.com/office/drawing/2014/main" id="{1ADD5DF7-575E-4C10-815E-CDBBFAB583BF}"/>
-              </a:ext>
-            </a:extLst>
-          </p:cNvPr>
-          <p:cNvSpPr>
-            <a:spLocks noGrp="1"/>
-          </p:cNvSpPr>
-          <p:nvPr>
-            <p:ph type="body" sz="quarter" idx="16"/>
-          </p:nvPr>
-        </p:nvSpPr>
-        <p:spPr>
-          <a:xfrm>
-            <a:off x="6257467" y="1764031"/>
-            <a:ext cx="4756714" cy="597604"/>
-          </a:xfrm>
-        </p:spPr>
-        <p:txBody>
-          <a:bodyPr/>
-          <a:lstStyle/>
-          <a:p>
-            <a:r>
-              <a:rPr lang="en-US" dirty="0"/>
-              <a:t>Subtitle</a:t>
-            </a:r>
-          </a:p>
-        </p:txBody>
-      </p:sp>
-      <p:sp>
-        <p:nvSpPr>
-          <p:cNvPr id="15" name="Content Placeholder 14">
-            <a:extLst>
-              <a:ext uri="{FF2B5EF4-FFF2-40B4-BE49-F238E27FC236}">
-                <a16:creationId xmlns:a16="http://schemas.microsoft.com/office/drawing/2014/main" id="{A13BE1C0-386B-47CB-BDCE-A24D9918AEEF}"/>
-              </a:ext>
-            </a:extLst>
-          </p:cNvPr>
-          <p:cNvSpPr>
-            <a:spLocks noGrp="1"/>
-          </p:cNvSpPr>
-          <p:nvPr>
-            <p:ph type="body" sz="quarter" idx="18"/>
-          </p:nvPr>
-        </p:nvSpPr>
-        <p:spPr>
-          <a:xfrm>
-            <a:off x="6257467" y="2374900"/>
-            <a:ext cx="4756714" cy="3365500"/>
-          </a:xfrm>
-        </p:spPr>
-        <p:txBody>
-          <a:bodyPr/>
-          <a:lstStyle/>
-          <a:p>
-            <a:r>
-              <a:rPr lang="en-US" dirty="0"/>
-              <a:t>Open the Design Ideas pane for instant slide makeovers. </a:t>
-            </a:r>
-          </a:p>
-          <a:p>
-            <a:r>
-              <a:rPr lang="en-US" dirty="0"/>
-              <a:t>When we have design ideas, we’ll show them to you right there. </a:t>
-            </a:r>
-          </a:p>
-        </p:txBody>
-      </p:sp>
-      <p:sp>
-        <p:nvSpPr>
-          <p:cNvPr id="7" name="Footer Placeholder 6">
-            <a:extLst>
-              <a:ext uri="{FF2B5EF4-FFF2-40B4-BE49-F238E27FC236}">
-                <a16:creationId xmlns:a16="http://schemas.microsoft.com/office/drawing/2014/main" id="{C4A3939E-B573-4FB2-AD69-18C1A75F947B}"/>
+              <a:t>Team</a:t>
+            </a:r>
+          </a:p>
+        </p:txBody>
+      </p:sp>
+      <p:graphicFrame>
+        <p:nvGraphicFramePr>
+          <p:cNvPr id="12" name="Content Placeholder 2">
+            <a:extLst>
+              <a:ext uri="{FF2B5EF4-FFF2-40B4-BE49-F238E27FC236}">
+                <a16:creationId xmlns:a16="http://schemas.microsoft.com/office/drawing/2014/main" id="{B92EBB33-86ED-44CD-B655-52737F569C50}"/>
+              </a:ext>
+              <a:ext uri="{C183D7F6-B498-43B3-948B-1728B52AA6E4}">
+                <adec:decorative xmlns:adec="http://schemas.microsoft.com/office/drawing/2017/decorative" val="1"/>
+              </a:ext>
+            </a:extLst>
+          </p:cNvPr>
+          <p:cNvGraphicFramePr>
+            <a:graphicFrameLocks noGrp="1"/>
+          </p:cNvGraphicFramePr>
+          <p:nvPr>
+            <p:ph sz="quarter" idx="14"/>
+            <p:extLst>
+              <p:ext uri="{D42A27DB-BD31-4B8C-83A1-F6EECF244321}">
+                <p14:modId xmlns:p14="http://schemas.microsoft.com/office/powerpoint/2010/main" val="2108788491"/>
+              </p:ext>
+            </p:extLst>
+          </p:nvPr>
+        </p:nvGraphicFramePr>
+        <p:xfrm>
+          <a:off x="931863" y="1695450"/>
+          <a:ext cx="10328275" cy="4314825"/>
+        </p:xfrm>
+        <a:graphic>
+          <a:graphicData uri="http://schemas.openxmlformats.org/drawingml/2006/diagram">
+            <dgm:relIds xmlns:dgm="http://schemas.openxmlformats.org/drawingml/2006/diagram" xmlns:r="http://schemas.openxmlformats.org/officeDocument/2006/relationships" r:dm="rId2" r:lo="rId3" r:qs="rId4" r:cs="rId5"/>
+          </a:graphicData>
+        </a:graphic>
+      </p:graphicFrame>
+      <p:sp>
+        <p:nvSpPr>
+          <p:cNvPr id="4" name="Footer Placeholder 3">
+            <a:extLst>
+              <a:ext uri="{FF2B5EF4-FFF2-40B4-BE49-F238E27FC236}">
+                <a16:creationId xmlns:a16="http://schemas.microsoft.com/office/drawing/2014/main" id="{1BA44D22-2C67-436D-AB47-1C91A69B29EE}"/>
               </a:ext>
             </a:extLst>
           </p:cNvPr>
@@ -19603,9 +19945,8 @@
           <a:bodyPr/>
           <a:lstStyle/>
           <a:p>
-            <a:pPr lvl="0"/>
-            <a:r>
-              <a:rPr lang="en-US" noProof="0" dirty="0"/>
+            <a:r>
+              <a:rPr lang="en-US" dirty="0"/>
               <a:t>Presentation title</a:t>
             </a:r>
           </a:p>
@@ -19613,10 +19954,10 @@
       </p:sp>
       <p:sp>
         <p:nvSpPr>
-          <p:cNvPr id="6" name="Date Placeholder 5">
-            <a:extLst>
-              <a:ext uri="{FF2B5EF4-FFF2-40B4-BE49-F238E27FC236}">
-                <a16:creationId xmlns:a16="http://schemas.microsoft.com/office/drawing/2014/main" id="{6EF65B39-4112-473E-B203-73AC0F564D47}"/>
+          <p:cNvPr id="3" name="Date Placeholder 2">
+            <a:extLst>
+              <a:ext uri="{FF2B5EF4-FFF2-40B4-BE49-F238E27FC236}">
+                <a16:creationId xmlns:a16="http://schemas.microsoft.com/office/drawing/2014/main" id="{1167B644-3955-44BD-8140-FD5AD6294F09}"/>
               </a:ext>
             </a:extLst>
           </p:cNvPr>
@@ -19647,10 +19988,10 @@
       </p:sp>
       <p:sp>
         <p:nvSpPr>
-          <p:cNvPr id="8" name="Slide Number Placeholder 7">
-            <a:extLst>
-              <a:ext uri="{FF2B5EF4-FFF2-40B4-BE49-F238E27FC236}">
-                <a16:creationId xmlns:a16="http://schemas.microsoft.com/office/drawing/2014/main" id="{99800B7A-B486-4409-9EDD-0A7B9628EDE8}"/>
+          <p:cNvPr id="5" name="Slide Number Placeholder 4">
+            <a:extLst>
+              <a:ext uri="{FF2B5EF4-FFF2-40B4-BE49-F238E27FC236}">
+                <a16:creationId xmlns:a16="http://schemas.microsoft.com/office/drawing/2014/main" id="{E673DB5F-1A43-441F-953F-DA8BBE7299D4}"/>
               </a:ext>
             </a:extLst>
           </p:cNvPr>
@@ -19684,7 +20025,7 @@
     </p:spTree>
     <p:extLst>
       <p:ext uri="{BB962C8B-B14F-4D97-AF65-F5344CB8AC3E}">
-        <p14:creationId xmlns:p14="http://schemas.microsoft.com/office/powerpoint/2010/main" val="2805428833"/>
+        <p14:creationId xmlns:p14="http://schemas.microsoft.com/office/powerpoint/2010/main" val="2605548233"/>
       </p:ext>
     </p:extLst>
   </p:cSld>
@@ -19713,10 +20054,10 @@
       </p:grpSpPr>
       <p:sp>
         <p:nvSpPr>
-          <p:cNvPr id="41" name="Title 40">
-            <a:extLst>
-              <a:ext uri="{FF2B5EF4-FFF2-40B4-BE49-F238E27FC236}">
-                <a16:creationId xmlns:a16="http://schemas.microsoft.com/office/drawing/2014/main" id="{0622F47C-D986-4C50-BD14-2C1E537C27FB}"/>
+          <p:cNvPr id="25" name="Title 24">
+            <a:extLst>
+              <a:ext uri="{FF2B5EF4-FFF2-40B4-BE49-F238E27FC236}">
+                <a16:creationId xmlns:a16="http://schemas.microsoft.com/office/drawing/2014/main" id="{330F6403-11BB-440A-81D1-11DAFA7ABF5D}"/>
               </a:ext>
             </a:extLst>
           </p:cNvPr>
@@ -19729,8 +20070,8 @@
         </p:nvSpPr>
         <p:spPr>
           <a:xfrm>
-            <a:off x="1879600" y="183988"/>
-            <a:ext cx="9406372" cy="803380"/>
+            <a:off x="1000759" y="194783"/>
+            <a:ext cx="10022841" cy="760892"/>
           </a:xfrm>
         </p:spPr>
         <p:txBody>
@@ -19740,250 +20081,52 @@
           <a:lstStyle/>
           <a:p>
             <a:r>
-              <a:rPr lang="en-US"/>
-              <a:t>Additional content</a:t>
-            </a:r>
-            <a:endParaRPr lang="en-US" dirty="0"/>
-          </a:p>
-        </p:txBody>
-      </p:sp>
-      <p:sp>
-        <p:nvSpPr>
-          <p:cNvPr id="12" name="Text Placeholder 11">
-            <a:extLst>
-              <a:ext uri="{FF2B5EF4-FFF2-40B4-BE49-F238E27FC236}">
-                <a16:creationId xmlns:a16="http://schemas.microsoft.com/office/drawing/2014/main" id="{D05AC8F8-F459-42EB-AA23-F556AEDD721A}"/>
-              </a:ext>
-            </a:extLst>
-          </p:cNvPr>
-          <p:cNvSpPr>
-            <a:spLocks noGrp="1"/>
-          </p:cNvSpPr>
-          <p:nvPr>
-            <p:ph type="body" sz="quarter" idx="14"/>
-          </p:nvPr>
-        </p:nvSpPr>
-        <p:spPr>
-          <a:xfrm>
-            <a:off x="851300" y="1764193"/>
-            <a:ext cx="3327366" cy="597604"/>
-          </a:xfrm>
-        </p:spPr>
-        <p:txBody>
-          <a:bodyPr/>
-          <a:lstStyle/>
-          <a:p>
-            <a:r>
               <a:rPr lang="en-US" dirty="0"/>
-              <a:t>Subtitle</a:t>
-            </a:r>
-          </a:p>
-        </p:txBody>
-      </p:sp>
-      <p:sp>
-        <p:nvSpPr>
-          <p:cNvPr id="11" name="Content Placeholder 10">
-            <a:extLst>
-              <a:ext uri="{FF2B5EF4-FFF2-40B4-BE49-F238E27FC236}">
-                <a16:creationId xmlns:a16="http://schemas.microsoft.com/office/drawing/2014/main" id="{DFFE8322-74A2-43C3-B71A-8DD6B2DC0DF8}"/>
-              </a:ext>
-            </a:extLst>
-          </p:cNvPr>
-          <p:cNvSpPr>
-            <a:spLocks noGrp="1"/>
-          </p:cNvSpPr>
-          <p:nvPr>
-            <p:ph type="body" sz="quarter" idx="19"/>
-          </p:nvPr>
-        </p:nvSpPr>
-        <p:spPr>
-          <a:xfrm>
-            <a:off x="851193" y="2374899"/>
-            <a:ext cx="3327366" cy="3485573"/>
-          </a:xfrm>
-        </p:spPr>
-        <p:txBody>
-          <a:bodyPr>
-            <a:normAutofit/>
-          </a:bodyPr>
-          <a:lstStyle/>
-          <a:p>
-            <a:pPr lvl="0"/>
-            <a:r>
-              <a:rPr lang="en-US" dirty="0"/>
-              <a:t>Add text, images, art, and videos. </a:t>
-            </a:r>
-          </a:p>
-          <a:p>
-            <a:pPr lvl="0"/>
-            <a:r>
-              <a:rPr lang="en-US" dirty="0"/>
-              <a:t>Add transitions, animations, and motion. </a:t>
-            </a:r>
-          </a:p>
-          <a:p>
-            <a:pPr lvl="0"/>
-            <a:r>
-              <a:rPr lang="en-US" dirty="0"/>
-              <a:t>Save to OneDrive, to get to your presentations from your computer, tablet, or phone. </a:t>
-            </a:r>
-          </a:p>
-        </p:txBody>
-      </p:sp>
-      <p:sp>
-        <p:nvSpPr>
-          <p:cNvPr id="16" name="Text Placeholder 15">
-            <a:extLst>
-              <a:ext uri="{FF2B5EF4-FFF2-40B4-BE49-F238E27FC236}">
-                <a16:creationId xmlns:a16="http://schemas.microsoft.com/office/drawing/2014/main" id="{88417E53-E35C-4BA6-B238-61D2C004A237}"/>
-              </a:ext>
-            </a:extLst>
-          </p:cNvPr>
-          <p:cNvSpPr>
-            <a:spLocks noGrp="1"/>
-          </p:cNvSpPr>
-          <p:nvPr>
-            <p:ph type="body" sz="quarter" idx="18"/>
-          </p:nvPr>
-        </p:nvSpPr>
-        <p:spPr>
-          <a:xfrm>
-            <a:off x="4432317" y="1764193"/>
-            <a:ext cx="3327366" cy="597604"/>
-          </a:xfrm>
-        </p:spPr>
-        <p:txBody>
-          <a:bodyPr/>
-          <a:lstStyle/>
-          <a:p>
-            <a:r>
-              <a:rPr lang="en-US" dirty="0"/>
-              <a:t>Subtitle</a:t>
-            </a:r>
-          </a:p>
-        </p:txBody>
-      </p:sp>
-      <p:sp>
-        <p:nvSpPr>
-          <p:cNvPr id="13" name="Content Placeholder 12">
-            <a:extLst>
-              <a:ext uri="{FF2B5EF4-FFF2-40B4-BE49-F238E27FC236}">
-                <a16:creationId xmlns:a16="http://schemas.microsoft.com/office/drawing/2014/main" id="{32AA922F-7FCE-49A0-92E0-60263B0E006A}"/>
-              </a:ext>
-            </a:extLst>
-          </p:cNvPr>
-          <p:cNvSpPr>
-            <a:spLocks noGrp="1"/>
-          </p:cNvSpPr>
-          <p:nvPr>
-            <p:ph type="body" sz="quarter" idx="20"/>
-          </p:nvPr>
-        </p:nvSpPr>
-        <p:spPr>
-          <a:xfrm>
-            <a:off x="4432317" y="2374899"/>
-            <a:ext cx="3327366" cy="3485573"/>
-          </a:xfrm>
-        </p:spPr>
-        <p:txBody>
-          <a:bodyPr>
-            <a:normAutofit/>
-          </a:bodyPr>
-          <a:lstStyle/>
-          <a:p>
-            <a:r>
-              <a:rPr lang="en-US" dirty="0"/>
-              <a:t>This PowerPoint theme uses its own unique set of colors, fonts, and effects to create the overall look and feel of these slides. </a:t>
-            </a:r>
-          </a:p>
-          <a:p>
-            <a:r>
-              <a:rPr lang="en-US" dirty="0"/>
-              <a:t>PowerPoint has tons of themes to give your presentation just the right personality. </a:t>
-            </a:r>
-          </a:p>
-        </p:txBody>
-      </p:sp>
-      <p:sp>
-        <p:nvSpPr>
-          <p:cNvPr id="14" name="Text Placeholder 13">
-            <a:extLst>
-              <a:ext uri="{FF2B5EF4-FFF2-40B4-BE49-F238E27FC236}">
-                <a16:creationId xmlns:a16="http://schemas.microsoft.com/office/drawing/2014/main" id="{94D68F73-4FB1-4145-BF89-FE36142E5100}"/>
-              </a:ext>
-            </a:extLst>
-          </p:cNvPr>
-          <p:cNvSpPr>
-            <a:spLocks noGrp="1"/>
-          </p:cNvSpPr>
-          <p:nvPr>
-            <p:ph type="body" sz="quarter" idx="16"/>
-          </p:nvPr>
-        </p:nvSpPr>
-        <p:spPr>
-          <a:xfrm>
-            <a:off x="8025393" y="1764193"/>
-            <a:ext cx="3327366" cy="597604"/>
-          </a:xfrm>
-        </p:spPr>
-        <p:txBody>
-          <a:bodyPr/>
-          <a:lstStyle/>
-          <a:p>
-            <a:r>
-              <a:rPr lang="en-US" dirty="0"/>
-              <a:t>Subtitle</a:t>
-            </a:r>
-          </a:p>
-        </p:txBody>
-      </p:sp>
-      <p:sp>
-        <p:nvSpPr>
-          <p:cNvPr id="15" name="Content Placeholder 14">
-            <a:extLst>
-              <a:ext uri="{FF2B5EF4-FFF2-40B4-BE49-F238E27FC236}">
-                <a16:creationId xmlns:a16="http://schemas.microsoft.com/office/drawing/2014/main" id="{967F3EB6-BBF7-400D-831B-2949763446D0}"/>
-              </a:ext>
-            </a:extLst>
-          </p:cNvPr>
-          <p:cNvSpPr>
-            <a:spLocks noGrp="1"/>
-          </p:cNvSpPr>
-          <p:nvPr>
-            <p:ph type="body" sz="quarter" idx="21"/>
-          </p:nvPr>
-        </p:nvSpPr>
-        <p:spPr>
-          <a:xfrm>
-            <a:off x="8025393" y="2374899"/>
-            <a:ext cx="3327366" cy="3485573"/>
-          </a:xfrm>
-        </p:spPr>
-        <p:txBody>
-          <a:bodyPr>
-            <a:normAutofit/>
-          </a:bodyPr>
-          <a:lstStyle/>
-          <a:p>
-            <a:r>
-              <a:rPr lang="en-US" dirty="0"/>
-              <a:t>Open the Design Ideas pane for instant slide makeovers. </a:t>
-            </a:r>
-          </a:p>
-          <a:p>
-            <a:r>
-              <a:rPr lang="en-US" dirty="0"/>
-              <a:t>When we have design ideas, we’ll show them to you right there.</a:t>
-            </a:r>
-          </a:p>
-        </p:txBody>
-      </p:sp>
-      <p:sp>
-        <p:nvSpPr>
-          <p:cNvPr id="2" name="Footer Placeholder 1">
-            <a:extLst>
-              <a:ext uri="{FF2B5EF4-FFF2-40B4-BE49-F238E27FC236}">
-                <a16:creationId xmlns:a16="http://schemas.microsoft.com/office/drawing/2014/main" id="{2C20C49D-5E38-4E7C-A240-4B2D015F3AC7}"/>
+              <a:t>Timeline</a:t>
+            </a:r>
+          </a:p>
+        </p:txBody>
+      </p:sp>
+      <p:graphicFrame>
+        <p:nvGraphicFramePr>
+          <p:cNvPr id="20" name="Content Placeholder 3">
+            <a:extLst>
+              <a:ext uri="{FF2B5EF4-FFF2-40B4-BE49-F238E27FC236}">
+                <a16:creationId xmlns:a16="http://schemas.microsoft.com/office/drawing/2014/main" id="{76386ECC-44D1-4D37-AF78-36503EACC84D}"/>
+              </a:ext>
+              <a:ext uri="{C183D7F6-B498-43B3-948B-1728B52AA6E4}">
+                <adec:decorative xmlns:adec="http://schemas.microsoft.com/office/drawing/2017/decorative" val="1"/>
+              </a:ext>
+            </a:extLst>
+          </p:cNvPr>
+          <p:cNvGraphicFramePr>
+            <a:graphicFrameLocks noGrp="1"/>
+          </p:cNvGraphicFramePr>
+          <p:nvPr>
+            <p:ph sz="quarter" idx="14"/>
+            <p:extLst>
+              <p:ext uri="{D42A27DB-BD31-4B8C-83A1-F6EECF244321}">
+                <p14:modId xmlns:p14="http://schemas.microsoft.com/office/powerpoint/2010/main" val="229255033"/>
+              </p:ext>
+            </p:extLst>
+          </p:nvPr>
+        </p:nvGraphicFramePr>
+        <p:xfrm>
+          <a:off x="646113" y="1560513"/>
+          <a:ext cx="10899775" cy="4341812"/>
+        </p:xfrm>
+        <a:graphic>
+          <a:graphicData uri="http://schemas.openxmlformats.org/drawingml/2006/diagram">
+            <dgm:relIds xmlns:dgm="http://schemas.openxmlformats.org/drawingml/2006/diagram" xmlns:r="http://schemas.openxmlformats.org/officeDocument/2006/relationships" r:dm="rId2" r:lo="rId3" r:qs="rId4" r:cs="rId5"/>
+          </a:graphicData>
+        </a:graphic>
+      </p:graphicFrame>
+      <p:sp>
+        <p:nvSpPr>
+          <p:cNvPr id="4" name="Footer Placeholder 3">
+            <a:extLst>
+              <a:ext uri="{FF2B5EF4-FFF2-40B4-BE49-F238E27FC236}">
+                <a16:creationId xmlns:a16="http://schemas.microsoft.com/office/drawing/2014/main" id="{1C63F48C-BFC1-4227-8BB0-C06C473D6F55}"/>
               </a:ext>
             </a:extLst>
           </p:cNvPr>
@@ -20004,9 +20147,8 @@
           <a:bodyPr/>
           <a:lstStyle/>
           <a:p>
-            <a:pPr lvl="0"/>
-            <a:r>
-              <a:rPr lang="en-US" noProof="0" dirty="0"/>
+            <a:r>
+              <a:rPr lang="en-US" dirty="0"/>
               <a:t>Presentation title</a:t>
             </a:r>
           </a:p>
@@ -20017,7 +20159,7 @@
           <p:cNvPr id="3" name="Date Placeholder 2">
             <a:extLst>
               <a:ext uri="{FF2B5EF4-FFF2-40B4-BE49-F238E27FC236}">
-                <a16:creationId xmlns:a16="http://schemas.microsoft.com/office/drawing/2014/main" id="{9CE6D34A-9686-45B2-97D0-AD20167B2D54}"/>
+                <a16:creationId xmlns:a16="http://schemas.microsoft.com/office/drawing/2014/main" id="{1E532E67-6C01-41FF-AA5B-AEEE3DFA51CB}"/>
               </a:ext>
             </a:extLst>
           </p:cNvPr>
@@ -20048,10 +20190,10 @@
       </p:sp>
       <p:sp>
         <p:nvSpPr>
-          <p:cNvPr id="4" name="Slide Number Placeholder 3">
-            <a:extLst>
-              <a:ext uri="{FF2B5EF4-FFF2-40B4-BE49-F238E27FC236}">
-                <a16:creationId xmlns:a16="http://schemas.microsoft.com/office/drawing/2014/main" id="{AC0EC6D8-4D66-4B16-AD3F-2850D613518A}"/>
+          <p:cNvPr id="5" name="Slide Number Placeholder 4">
+            <a:extLst>
+              <a:ext uri="{FF2B5EF4-FFF2-40B4-BE49-F238E27FC236}">
+                <a16:creationId xmlns:a16="http://schemas.microsoft.com/office/drawing/2014/main" id="{AA33C4C9-9778-4A59-9001-6EC6F52349CA}"/>
               </a:ext>
             </a:extLst>
           </p:cNvPr>
@@ -20085,7 +20227,7 @@
     </p:spTree>
     <p:extLst>
       <p:ext uri="{BB962C8B-B14F-4D97-AF65-F5344CB8AC3E}">
-        <p14:creationId xmlns:p14="http://schemas.microsoft.com/office/powerpoint/2010/main" val="338249949"/>
+        <p14:creationId xmlns:p14="http://schemas.microsoft.com/office/powerpoint/2010/main" val="973145793"/>
       </p:ext>
     </p:extLst>
   </p:cSld>
@@ -20114,10 +20256,10 @@
       </p:grpSpPr>
       <p:sp>
         <p:nvSpPr>
-          <p:cNvPr id="9" name="Title 8">
-            <a:extLst>
-              <a:ext uri="{FF2B5EF4-FFF2-40B4-BE49-F238E27FC236}">
-                <a16:creationId xmlns:a16="http://schemas.microsoft.com/office/drawing/2014/main" id="{9A92E93D-8BFB-4A21-A47E-78B6DCA21146}"/>
+          <p:cNvPr id="33" name="Title 32">
+            <a:extLst>
+              <a:ext uri="{FF2B5EF4-FFF2-40B4-BE49-F238E27FC236}">
+                <a16:creationId xmlns:a16="http://schemas.microsoft.com/office/drawing/2014/main" id="{2D22322F-E79D-4BEF-8038-DE2C8F5CCA40}"/>
               </a:ext>
             </a:extLst>
           </p:cNvPr>
@@ -20130,27 +20272,62 @@
         </p:nvSpPr>
         <p:spPr>
           <a:xfrm>
-            <a:off x="647698" y="484494"/>
-            <a:ext cx="5800867" cy="1569493"/>
+            <a:off x="1249680" y="190500"/>
+            <a:ext cx="10036292" cy="773776"/>
           </a:xfrm>
         </p:spPr>
         <p:txBody>
+          <a:bodyPr>
+            <a:normAutofit fontScale="90000"/>
+          </a:bodyPr>
+          <a:lstStyle/>
+          <a:p>
+            <a:r>
+              <a:rPr lang="en-US" dirty="0"/>
+              <a:t>Content</a:t>
+            </a:r>
+          </a:p>
+        </p:txBody>
+      </p:sp>
+      <p:sp>
+        <p:nvSpPr>
+          <p:cNvPr id="14" name="Text Placeholder 13">
+            <a:extLst>
+              <a:ext uri="{FF2B5EF4-FFF2-40B4-BE49-F238E27FC236}">
+                <a16:creationId xmlns:a16="http://schemas.microsoft.com/office/drawing/2014/main" id="{61A6601B-A3E2-47A2-B731-4FE03C43E2B0}"/>
+              </a:ext>
+            </a:extLst>
+          </p:cNvPr>
+          <p:cNvSpPr>
+            <a:spLocks noGrp="1"/>
+          </p:cNvSpPr>
+          <p:nvPr>
+            <p:ph type="body" sz="quarter" idx="14"/>
+          </p:nvPr>
+        </p:nvSpPr>
+        <p:spPr>
+          <a:xfrm>
+            <a:off x="1209243" y="1764139"/>
+            <a:ext cx="4756714" cy="597604"/>
+          </a:xfrm>
+        </p:spPr>
+        <p:txBody>
           <a:bodyPr/>
           <a:lstStyle/>
           <a:p>
             <a:r>
               <a:rPr lang="en-US" dirty="0"/>
-              <a:t>Summary</a:t>
-            </a:r>
-          </a:p>
-        </p:txBody>
-      </p:sp>
-      <p:sp>
-        <p:nvSpPr>
-          <p:cNvPr id="10" name="Content Placeholder 9">
-            <a:extLst>
-              <a:ext uri="{FF2B5EF4-FFF2-40B4-BE49-F238E27FC236}">
-                <a16:creationId xmlns:a16="http://schemas.microsoft.com/office/drawing/2014/main" id="{C69C1BDB-253B-4642-94A7-F84048E562F7}"/>
+              <a:t>Subtitle</a:t>
+            </a:r>
+          </a:p>
+        </p:txBody>
+      </p:sp>
+      <p:sp>
+        <p:nvSpPr>
+          <p:cNvPr id="13" name="Content Placeholder 12">
+            <a:extLst>
+              <a:ext uri="{FF2B5EF4-FFF2-40B4-BE49-F238E27FC236}">
+                <a16:creationId xmlns:a16="http://schemas.microsoft.com/office/drawing/2014/main" id="{ABAEE544-8FB3-4E56-91A9-A6964539DCB7}"/>
               </a:ext>
             </a:extLst>
           </p:cNvPr>
@@ -20158,13 +20335,13 @@
             <a:spLocks noGrp="1"/>
           </p:cNvSpPr>
           <p:nvPr>
-            <p:ph idx="1"/>
+            <p:ph type="body" sz="quarter" idx="17"/>
           </p:nvPr>
         </p:nvSpPr>
         <p:spPr>
           <a:xfrm>
-            <a:off x="647702" y="2156346"/>
-            <a:ext cx="5800866" cy="3963937"/>
+            <a:off x="1209243" y="2374900"/>
+            <a:ext cx="4756714" cy="3365500"/>
           </a:xfrm>
         </p:spPr>
         <p:txBody>
@@ -20173,17 +20350,29 @@
           <a:p>
             <a:r>
               <a:rPr lang="en-US" dirty="0"/>
-              <a:t>With PowerPoint, you can create presentations and share your work with others, wherever they are. Type the text you want here to get started. You can also add images, art, and videos on this template. Save to OneDrive and access your presentations from your computer, tablet, or phone. </a:t>
-            </a:r>
-          </a:p>
-        </p:txBody>
-      </p:sp>
-      <p:sp>
-        <p:nvSpPr>
-          <p:cNvPr id="16" name="Footer Placeholder 15">
-            <a:extLst>
-              <a:ext uri="{FF2B5EF4-FFF2-40B4-BE49-F238E27FC236}">
-                <a16:creationId xmlns:a16="http://schemas.microsoft.com/office/drawing/2014/main" id="{C394FA6A-80EA-46C1-8A4C-B4D8E90A7BCE}"/>
+              <a:t>Add text, images, art, and videos. </a:t>
+            </a:r>
+          </a:p>
+          <a:p>
+            <a:r>
+              <a:rPr lang="en-US" dirty="0"/>
+              <a:t>Add transitions, animations, and motion. </a:t>
+            </a:r>
+          </a:p>
+          <a:p>
+            <a:r>
+              <a:rPr lang="en-US" dirty="0"/>
+              <a:t>Save to OneDrive, to get to your presentations from your computer, tablet, or phone. </a:t>
+            </a:r>
+          </a:p>
+        </p:txBody>
+      </p:sp>
+      <p:sp>
+        <p:nvSpPr>
+          <p:cNvPr id="16" name="Text Placeholder 15">
+            <a:extLst>
+              <a:ext uri="{FF2B5EF4-FFF2-40B4-BE49-F238E27FC236}">
+                <a16:creationId xmlns:a16="http://schemas.microsoft.com/office/drawing/2014/main" id="{1ADD5DF7-575E-4C10-815E-CDBBFAB583BF}"/>
               </a:ext>
             </a:extLst>
           </p:cNvPr>
@@ -20191,19 +20380,91 @@
             <a:spLocks noGrp="1"/>
           </p:cNvSpPr>
           <p:nvPr>
-            <p:ph type="ftr" sz="quarter" idx="11"/>
+            <p:ph type="body" sz="quarter" idx="16"/>
           </p:nvPr>
         </p:nvSpPr>
         <p:spPr>
           <a:xfrm>
-            <a:off x="199277" y="6356350"/>
-            <a:ext cx="3877423" cy="365125"/>
+            <a:off x="6257467" y="1764031"/>
+            <a:ext cx="4756714" cy="597604"/>
           </a:xfrm>
         </p:spPr>
         <p:txBody>
           <a:bodyPr/>
           <a:lstStyle/>
           <a:p>
+            <a:r>
+              <a:rPr lang="en-US" dirty="0"/>
+              <a:t>Subtitle</a:t>
+            </a:r>
+          </a:p>
+        </p:txBody>
+      </p:sp>
+      <p:sp>
+        <p:nvSpPr>
+          <p:cNvPr id="15" name="Content Placeholder 14">
+            <a:extLst>
+              <a:ext uri="{FF2B5EF4-FFF2-40B4-BE49-F238E27FC236}">
+                <a16:creationId xmlns:a16="http://schemas.microsoft.com/office/drawing/2014/main" id="{A13BE1C0-386B-47CB-BDCE-A24D9918AEEF}"/>
+              </a:ext>
+            </a:extLst>
+          </p:cNvPr>
+          <p:cNvSpPr>
+            <a:spLocks noGrp="1"/>
+          </p:cNvSpPr>
+          <p:nvPr>
+            <p:ph type="body" sz="quarter" idx="18"/>
+          </p:nvPr>
+        </p:nvSpPr>
+        <p:spPr>
+          <a:xfrm>
+            <a:off x="6257467" y="2374900"/>
+            <a:ext cx="4756714" cy="3365500"/>
+          </a:xfrm>
+        </p:spPr>
+        <p:txBody>
+          <a:bodyPr/>
+          <a:lstStyle/>
+          <a:p>
+            <a:r>
+              <a:rPr lang="en-US" dirty="0"/>
+              <a:t>Open the Design Ideas pane for instant slide makeovers. </a:t>
+            </a:r>
+          </a:p>
+          <a:p>
+            <a:r>
+              <a:rPr lang="en-US" dirty="0"/>
+              <a:t>When we have design ideas, we’ll show them to you right there. </a:t>
+            </a:r>
+          </a:p>
+        </p:txBody>
+      </p:sp>
+      <p:sp>
+        <p:nvSpPr>
+          <p:cNvPr id="7" name="Footer Placeholder 6">
+            <a:extLst>
+              <a:ext uri="{FF2B5EF4-FFF2-40B4-BE49-F238E27FC236}">
+                <a16:creationId xmlns:a16="http://schemas.microsoft.com/office/drawing/2014/main" id="{C4A3939E-B573-4FB2-AD69-18C1A75F947B}"/>
+              </a:ext>
+            </a:extLst>
+          </p:cNvPr>
+          <p:cNvSpPr>
+            <a:spLocks noGrp="1"/>
+          </p:cNvSpPr>
+          <p:nvPr>
+            <p:ph type="ftr" sz="quarter" idx="11"/>
+          </p:nvPr>
+        </p:nvSpPr>
+        <p:spPr>
+          <a:xfrm>
+            <a:off x="201168" y="6356350"/>
+            <a:ext cx="4837176" cy="365125"/>
+          </a:xfrm>
+        </p:spPr>
+        <p:txBody>
+          <a:bodyPr/>
+          <a:lstStyle/>
+          <a:p>
             <a:pPr lvl="0"/>
             <a:r>
               <a:rPr lang="en-US" noProof="0" dirty="0"/>
@@ -20212,148 +20473,12 @@
           </a:p>
         </p:txBody>
       </p:sp>
-      <p:pic>
-        <p:nvPicPr>
-          <p:cNvPr id="23" name="Picture Placeholder 22" descr="A picture containing mountain, outdoor, sky, rock, tent">
-            <a:extLst>
-              <a:ext uri="{FF2B5EF4-FFF2-40B4-BE49-F238E27FC236}">
-                <a16:creationId xmlns:a16="http://schemas.microsoft.com/office/drawing/2014/main" id="{37330047-BDCE-48AE-A7A5-A6A79A7D2923}"/>
-              </a:ext>
-            </a:extLst>
-          </p:cNvPr>
-          <p:cNvPicPr>
-            <a:picLocks noGrp="1" noChangeAspect="1"/>
-          </p:cNvPicPr>
-          <p:nvPr>
-            <p:ph type="pic" sz="quarter" idx="13"/>
-          </p:nvPr>
-        </p:nvPicPr>
-        <p:blipFill rotWithShape="1">
-          <a:blip r:embed="rId2" cstate="screen">
-            <a:extLst>
-              <a:ext uri="{28A0092B-C50C-407E-A947-70E740481C1C}">
-                <a14:useLocalDpi xmlns:a14="http://schemas.microsoft.com/office/drawing/2010/main" val="0"/>
-              </a:ext>
-            </a:extLst>
-          </a:blip>
-          <a:srcRect/>
-          <a:stretch/>
-        </p:blipFill>
-        <p:spPr>
-          <a:xfrm>
-            <a:off x="6700838" y="665163"/>
-            <a:ext cx="2214562" cy="2513012"/>
-          </a:xfrm>
-        </p:spPr>
-      </p:pic>
-      <p:pic>
-        <p:nvPicPr>
-          <p:cNvPr id="53" name="Picture Placeholder 52" descr="A picture containing mountain, sky, snow, outdoor">
-            <a:extLst>
-              <a:ext uri="{FF2B5EF4-FFF2-40B4-BE49-F238E27FC236}">
-                <a16:creationId xmlns:a16="http://schemas.microsoft.com/office/drawing/2014/main" id="{9AFE6654-29BC-4F7D-9F69-C78DCCF2A7AC}"/>
-              </a:ext>
-            </a:extLst>
-          </p:cNvPr>
-          <p:cNvPicPr>
-            <a:picLocks noGrp="1" noChangeAspect="1"/>
-          </p:cNvPicPr>
-          <p:nvPr>
-            <p:ph type="pic" sz="quarter" idx="14"/>
-          </p:nvPr>
-        </p:nvPicPr>
-        <p:blipFill rotWithShape="1">
-          <a:blip r:embed="rId3" cstate="screen">
-            <a:extLst>
-              <a:ext uri="{28A0092B-C50C-407E-A947-70E740481C1C}">
-                <a14:useLocalDpi xmlns:a14="http://schemas.microsoft.com/office/drawing/2010/main" val="0"/>
-              </a:ext>
-            </a:extLst>
-          </a:blip>
-          <a:srcRect/>
-          <a:stretch/>
-        </p:blipFill>
-        <p:spPr>
-          <a:xfrm>
-            <a:off x="9329737" y="665579"/>
-            <a:ext cx="2214562" cy="2513012"/>
-          </a:xfrm>
-        </p:spPr>
-      </p:pic>
-      <p:pic>
-        <p:nvPicPr>
-          <p:cNvPr id="19" name="Picture Placeholder 18" descr="A picture containing outdoor, mountain, sky, nature">
-            <a:extLst>
-              <a:ext uri="{FF2B5EF4-FFF2-40B4-BE49-F238E27FC236}">
-                <a16:creationId xmlns:a16="http://schemas.microsoft.com/office/drawing/2014/main" id="{AA7C515C-968D-4E0E-AE9F-2B4791B73F84}"/>
-              </a:ext>
-            </a:extLst>
-          </p:cNvPr>
-          <p:cNvPicPr>
-            <a:picLocks noGrp="1" noChangeAspect="1"/>
-          </p:cNvPicPr>
-          <p:nvPr>
-            <p:ph type="pic" sz="quarter" idx="15"/>
-          </p:nvPr>
-        </p:nvPicPr>
-        <p:blipFill rotWithShape="1">
-          <a:blip r:embed="rId4" cstate="screen">
-            <a:extLst>
-              <a:ext uri="{28A0092B-C50C-407E-A947-70E740481C1C}">
-                <a14:useLocalDpi xmlns:a14="http://schemas.microsoft.com/office/drawing/2010/main" val="0"/>
-              </a:ext>
-            </a:extLst>
-          </a:blip>
-          <a:srcRect/>
-          <a:stretch/>
-        </p:blipFill>
-        <p:spPr>
-          <a:xfrm>
-            <a:off x="6700854" y="3607271"/>
-            <a:ext cx="2214562" cy="2513012"/>
-          </a:xfrm>
-        </p:spPr>
-      </p:pic>
-      <p:pic>
-        <p:nvPicPr>
-          <p:cNvPr id="25" name="Picture Placeholder 24" descr="A picture containing nature, outdoor, mountain, night sky">
-            <a:extLst>
-              <a:ext uri="{FF2B5EF4-FFF2-40B4-BE49-F238E27FC236}">
-                <a16:creationId xmlns:a16="http://schemas.microsoft.com/office/drawing/2014/main" id="{74AF03B6-7ED2-47DC-A5B8-3F7DB422CEA5}"/>
-              </a:ext>
-            </a:extLst>
-          </p:cNvPr>
-          <p:cNvPicPr>
-            <a:picLocks noGrp="1" noChangeAspect="1"/>
-          </p:cNvPicPr>
-          <p:nvPr>
-            <p:ph type="pic" sz="quarter" idx="16"/>
-          </p:nvPr>
-        </p:nvPicPr>
-        <p:blipFill rotWithShape="1">
-          <a:blip r:embed="rId5" cstate="screen">
-            <a:extLst>
-              <a:ext uri="{28A0092B-C50C-407E-A947-70E740481C1C}">
-                <a14:useLocalDpi xmlns:a14="http://schemas.microsoft.com/office/drawing/2010/main" val="0"/>
-              </a:ext>
-            </a:extLst>
-          </a:blip>
-          <a:srcRect/>
-          <a:stretch/>
-        </p:blipFill>
-        <p:spPr>
-          <a:xfrm>
-            <a:off x="9324845" y="3607271"/>
-            <a:ext cx="2214562" cy="2513012"/>
-          </a:xfrm>
-        </p:spPr>
-      </p:pic>
-      <p:sp>
-        <p:nvSpPr>
-          <p:cNvPr id="15" name="Date Placeholder 14">
-            <a:extLst>
-              <a:ext uri="{FF2B5EF4-FFF2-40B4-BE49-F238E27FC236}">
-                <a16:creationId xmlns:a16="http://schemas.microsoft.com/office/drawing/2014/main" id="{1AEB8108-A042-4614-9BE5-EA75E8653D79}"/>
+      <p:sp>
+        <p:nvSpPr>
+          <p:cNvPr id="6" name="Date Placeholder 5">
+            <a:extLst>
+              <a:ext uri="{FF2B5EF4-FFF2-40B4-BE49-F238E27FC236}">
+                <a16:creationId xmlns:a16="http://schemas.microsoft.com/office/drawing/2014/main" id="{6EF65B39-4112-473E-B203-73AC0F564D47}"/>
               </a:ext>
             </a:extLst>
           </p:cNvPr>
@@ -20384,10 +20509,10 @@
       </p:sp>
       <p:sp>
         <p:nvSpPr>
-          <p:cNvPr id="17" name="Slide Number Placeholder 16">
-            <a:extLst>
-              <a:ext uri="{FF2B5EF4-FFF2-40B4-BE49-F238E27FC236}">
-                <a16:creationId xmlns:a16="http://schemas.microsoft.com/office/drawing/2014/main" id="{3F88522D-FC32-4BD0-B916-ED439025B734}"/>
+          <p:cNvPr id="8" name="Slide Number Placeholder 7">
+            <a:extLst>
+              <a:ext uri="{FF2B5EF4-FFF2-40B4-BE49-F238E27FC236}">
+                <a16:creationId xmlns:a16="http://schemas.microsoft.com/office/drawing/2014/main" id="{99800B7A-B486-4409-9EDD-0A7B9628EDE8}"/>
               </a:ext>
             </a:extLst>
           </p:cNvPr>
@@ -20409,7 +20534,7 @@
           <a:lstStyle/>
           <a:p>
             <a:pPr lvl="0"/>
-            <a:fld id="{D39F39FF-F5CB-4ACA-9B46-4CCF89ECA75F}" type="slidenum">
+            <a:fld id="{06B786C7-B8F9-4072-AAAA-17258464D730}" type="slidenum">
               <a:rPr lang="en-US" noProof="0" smtClean="0"/>
               <a:pPr lvl="0"/>
               <a:t>22</a:t>
@@ -20421,7 +20546,7 @@
     </p:spTree>
     <p:extLst>
       <p:ext uri="{BB962C8B-B14F-4D97-AF65-F5344CB8AC3E}">
-        <p14:creationId xmlns:p14="http://schemas.microsoft.com/office/powerpoint/2010/main" val="4039808263"/>
+        <p14:creationId xmlns:p14="http://schemas.microsoft.com/office/powerpoint/2010/main" val="2805428833"/>
       </p:ext>
     </p:extLst>
   </p:cSld>
@@ -20450,6 +20575,743 @@
       </p:grpSpPr>
       <p:sp>
         <p:nvSpPr>
+          <p:cNvPr id="41" name="Title 40">
+            <a:extLst>
+              <a:ext uri="{FF2B5EF4-FFF2-40B4-BE49-F238E27FC236}">
+                <a16:creationId xmlns:a16="http://schemas.microsoft.com/office/drawing/2014/main" id="{0622F47C-D986-4C50-BD14-2C1E537C27FB}"/>
+              </a:ext>
+            </a:extLst>
+          </p:cNvPr>
+          <p:cNvSpPr>
+            <a:spLocks noGrp="1"/>
+          </p:cNvSpPr>
+          <p:nvPr>
+            <p:ph type="title"/>
+          </p:nvPr>
+        </p:nvSpPr>
+        <p:spPr>
+          <a:xfrm>
+            <a:off x="1879600" y="183988"/>
+            <a:ext cx="9406372" cy="803380"/>
+          </a:xfrm>
+        </p:spPr>
+        <p:txBody>
+          <a:bodyPr>
+            <a:normAutofit fontScale="90000"/>
+          </a:bodyPr>
+          <a:lstStyle/>
+          <a:p>
+            <a:r>
+              <a:rPr lang="en-US"/>
+              <a:t>Additional content</a:t>
+            </a:r>
+            <a:endParaRPr lang="en-US" dirty="0"/>
+          </a:p>
+        </p:txBody>
+      </p:sp>
+      <p:sp>
+        <p:nvSpPr>
+          <p:cNvPr id="12" name="Text Placeholder 11">
+            <a:extLst>
+              <a:ext uri="{FF2B5EF4-FFF2-40B4-BE49-F238E27FC236}">
+                <a16:creationId xmlns:a16="http://schemas.microsoft.com/office/drawing/2014/main" id="{D05AC8F8-F459-42EB-AA23-F556AEDD721A}"/>
+              </a:ext>
+            </a:extLst>
+          </p:cNvPr>
+          <p:cNvSpPr>
+            <a:spLocks noGrp="1"/>
+          </p:cNvSpPr>
+          <p:nvPr>
+            <p:ph type="body" sz="quarter" idx="14"/>
+          </p:nvPr>
+        </p:nvSpPr>
+        <p:spPr>
+          <a:xfrm>
+            <a:off x="851300" y="1764193"/>
+            <a:ext cx="3327366" cy="597604"/>
+          </a:xfrm>
+        </p:spPr>
+        <p:txBody>
+          <a:bodyPr/>
+          <a:lstStyle/>
+          <a:p>
+            <a:r>
+              <a:rPr lang="en-US" dirty="0"/>
+              <a:t>Subtitle</a:t>
+            </a:r>
+          </a:p>
+        </p:txBody>
+      </p:sp>
+      <p:sp>
+        <p:nvSpPr>
+          <p:cNvPr id="11" name="Content Placeholder 10">
+            <a:extLst>
+              <a:ext uri="{FF2B5EF4-FFF2-40B4-BE49-F238E27FC236}">
+                <a16:creationId xmlns:a16="http://schemas.microsoft.com/office/drawing/2014/main" id="{DFFE8322-74A2-43C3-B71A-8DD6B2DC0DF8}"/>
+              </a:ext>
+            </a:extLst>
+          </p:cNvPr>
+          <p:cNvSpPr>
+            <a:spLocks noGrp="1"/>
+          </p:cNvSpPr>
+          <p:nvPr>
+            <p:ph type="body" sz="quarter" idx="19"/>
+          </p:nvPr>
+        </p:nvSpPr>
+        <p:spPr>
+          <a:xfrm>
+            <a:off x="851193" y="2374899"/>
+            <a:ext cx="3327366" cy="3485573"/>
+          </a:xfrm>
+        </p:spPr>
+        <p:txBody>
+          <a:bodyPr>
+            <a:normAutofit/>
+          </a:bodyPr>
+          <a:lstStyle/>
+          <a:p>
+            <a:pPr lvl="0"/>
+            <a:r>
+              <a:rPr lang="en-US" dirty="0"/>
+              <a:t>Add text, images, art, and videos. </a:t>
+            </a:r>
+          </a:p>
+          <a:p>
+            <a:pPr lvl="0"/>
+            <a:r>
+              <a:rPr lang="en-US" dirty="0"/>
+              <a:t>Add transitions, animations, and motion. </a:t>
+            </a:r>
+          </a:p>
+          <a:p>
+            <a:pPr lvl="0"/>
+            <a:r>
+              <a:rPr lang="en-US" dirty="0"/>
+              <a:t>Save to OneDrive, to get to your presentations from your computer, tablet, or phone. </a:t>
+            </a:r>
+          </a:p>
+        </p:txBody>
+      </p:sp>
+      <p:sp>
+        <p:nvSpPr>
+          <p:cNvPr id="16" name="Text Placeholder 15">
+            <a:extLst>
+              <a:ext uri="{FF2B5EF4-FFF2-40B4-BE49-F238E27FC236}">
+                <a16:creationId xmlns:a16="http://schemas.microsoft.com/office/drawing/2014/main" id="{88417E53-E35C-4BA6-B238-61D2C004A237}"/>
+              </a:ext>
+            </a:extLst>
+          </p:cNvPr>
+          <p:cNvSpPr>
+            <a:spLocks noGrp="1"/>
+          </p:cNvSpPr>
+          <p:nvPr>
+            <p:ph type="body" sz="quarter" idx="18"/>
+          </p:nvPr>
+        </p:nvSpPr>
+        <p:spPr>
+          <a:xfrm>
+            <a:off x="4432317" y="1764193"/>
+            <a:ext cx="3327366" cy="597604"/>
+          </a:xfrm>
+        </p:spPr>
+        <p:txBody>
+          <a:bodyPr/>
+          <a:lstStyle/>
+          <a:p>
+            <a:r>
+              <a:rPr lang="en-US" dirty="0"/>
+              <a:t>Subtitle</a:t>
+            </a:r>
+          </a:p>
+        </p:txBody>
+      </p:sp>
+      <p:sp>
+        <p:nvSpPr>
+          <p:cNvPr id="13" name="Content Placeholder 12">
+            <a:extLst>
+              <a:ext uri="{FF2B5EF4-FFF2-40B4-BE49-F238E27FC236}">
+                <a16:creationId xmlns:a16="http://schemas.microsoft.com/office/drawing/2014/main" id="{32AA922F-7FCE-49A0-92E0-60263B0E006A}"/>
+              </a:ext>
+            </a:extLst>
+          </p:cNvPr>
+          <p:cNvSpPr>
+            <a:spLocks noGrp="1"/>
+          </p:cNvSpPr>
+          <p:nvPr>
+            <p:ph type="body" sz="quarter" idx="20"/>
+          </p:nvPr>
+        </p:nvSpPr>
+        <p:spPr>
+          <a:xfrm>
+            <a:off x="4432317" y="2374899"/>
+            <a:ext cx="3327366" cy="3485573"/>
+          </a:xfrm>
+        </p:spPr>
+        <p:txBody>
+          <a:bodyPr>
+            <a:normAutofit/>
+          </a:bodyPr>
+          <a:lstStyle/>
+          <a:p>
+            <a:r>
+              <a:rPr lang="en-US" dirty="0"/>
+              <a:t>This PowerPoint theme uses its own unique set of colors, fonts, and effects to create the overall look and feel of these slides. </a:t>
+            </a:r>
+          </a:p>
+          <a:p>
+            <a:r>
+              <a:rPr lang="en-US" dirty="0"/>
+              <a:t>PowerPoint has tons of themes to give your presentation just the right personality. </a:t>
+            </a:r>
+          </a:p>
+        </p:txBody>
+      </p:sp>
+      <p:sp>
+        <p:nvSpPr>
+          <p:cNvPr id="14" name="Text Placeholder 13">
+            <a:extLst>
+              <a:ext uri="{FF2B5EF4-FFF2-40B4-BE49-F238E27FC236}">
+                <a16:creationId xmlns:a16="http://schemas.microsoft.com/office/drawing/2014/main" id="{94D68F73-4FB1-4145-BF89-FE36142E5100}"/>
+              </a:ext>
+            </a:extLst>
+          </p:cNvPr>
+          <p:cNvSpPr>
+            <a:spLocks noGrp="1"/>
+          </p:cNvSpPr>
+          <p:nvPr>
+            <p:ph type="body" sz="quarter" idx="16"/>
+          </p:nvPr>
+        </p:nvSpPr>
+        <p:spPr>
+          <a:xfrm>
+            <a:off x="8025393" y="1764193"/>
+            <a:ext cx="3327366" cy="597604"/>
+          </a:xfrm>
+        </p:spPr>
+        <p:txBody>
+          <a:bodyPr/>
+          <a:lstStyle/>
+          <a:p>
+            <a:r>
+              <a:rPr lang="en-US" dirty="0"/>
+              <a:t>Subtitle</a:t>
+            </a:r>
+          </a:p>
+        </p:txBody>
+      </p:sp>
+      <p:sp>
+        <p:nvSpPr>
+          <p:cNvPr id="15" name="Content Placeholder 14">
+            <a:extLst>
+              <a:ext uri="{FF2B5EF4-FFF2-40B4-BE49-F238E27FC236}">
+                <a16:creationId xmlns:a16="http://schemas.microsoft.com/office/drawing/2014/main" id="{967F3EB6-BBF7-400D-831B-2949763446D0}"/>
+              </a:ext>
+            </a:extLst>
+          </p:cNvPr>
+          <p:cNvSpPr>
+            <a:spLocks noGrp="1"/>
+          </p:cNvSpPr>
+          <p:nvPr>
+            <p:ph type="body" sz="quarter" idx="21"/>
+          </p:nvPr>
+        </p:nvSpPr>
+        <p:spPr>
+          <a:xfrm>
+            <a:off x="8025393" y="2374899"/>
+            <a:ext cx="3327366" cy="3485573"/>
+          </a:xfrm>
+        </p:spPr>
+        <p:txBody>
+          <a:bodyPr>
+            <a:normAutofit/>
+          </a:bodyPr>
+          <a:lstStyle/>
+          <a:p>
+            <a:r>
+              <a:rPr lang="en-US" dirty="0"/>
+              <a:t>Open the Design Ideas pane for instant slide makeovers. </a:t>
+            </a:r>
+          </a:p>
+          <a:p>
+            <a:r>
+              <a:rPr lang="en-US" dirty="0"/>
+              <a:t>When we have design ideas, we’ll show them to you right there.</a:t>
+            </a:r>
+          </a:p>
+        </p:txBody>
+      </p:sp>
+      <p:sp>
+        <p:nvSpPr>
+          <p:cNvPr id="2" name="Footer Placeholder 1">
+            <a:extLst>
+              <a:ext uri="{FF2B5EF4-FFF2-40B4-BE49-F238E27FC236}">
+                <a16:creationId xmlns:a16="http://schemas.microsoft.com/office/drawing/2014/main" id="{2C20C49D-5E38-4E7C-A240-4B2D015F3AC7}"/>
+              </a:ext>
+            </a:extLst>
+          </p:cNvPr>
+          <p:cNvSpPr>
+            <a:spLocks noGrp="1"/>
+          </p:cNvSpPr>
+          <p:nvPr>
+            <p:ph type="ftr" sz="quarter" idx="11"/>
+          </p:nvPr>
+        </p:nvSpPr>
+        <p:spPr>
+          <a:xfrm>
+            <a:off x="201168" y="6356350"/>
+            <a:ext cx="4837176" cy="365125"/>
+          </a:xfrm>
+        </p:spPr>
+        <p:txBody>
+          <a:bodyPr/>
+          <a:lstStyle/>
+          <a:p>
+            <a:pPr lvl="0"/>
+            <a:r>
+              <a:rPr lang="en-US" noProof="0" dirty="0"/>
+              <a:t>Presentation title</a:t>
+            </a:r>
+          </a:p>
+        </p:txBody>
+      </p:sp>
+      <p:sp>
+        <p:nvSpPr>
+          <p:cNvPr id="3" name="Date Placeholder 2">
+            <a:extLst>
+              <a:ext uri="{FF2B5EF4-FFF2-40B4-BE49-F238E27FC236}">
+                <a16:creationId xmlns:a16="http://schemas.microsoft.com/office/drawing/2014/main" id="{9CE6D34A-9686-45B2-97D0-AD20167B2D54}"/>
+              </a:ext>
+            </a:extLst>
+          </p:cNvPr>
+          <p:cNvSpPr>
+            <a:spLocks noGrp="1"/>
+          </p:cNvSpPr>
+          <p:nvPr>
+            <p:ph type="dt" sz="half" idx="10"/>
+          </p:nvPr>
+        </p:nvSpPr>
+        <p:spPr>
+          <a:xfrm>
+            <a:off x="7013448" y="6355080"/>
+            <a:ext cx="4352544" cy="365125"/>
+          </a:xfrm>
+        </p:spPr>
+        <p:txBody>
+          <a:bodyPr/>
+          <a:lstStyle/>
+          <a:p>
+            <a:pPr lvl="0"/>
+            <a:r>
+              <a:rPr lang="en-US" noProof="0" dirty="0"/>
+              <a:t>20XX</a:t>
+            </a:r>
+          </a:p>
+        </p:txBody>
+      </p:sp>
+      <p:sp>
+        <p:nvSpPr>
+          <p:cNvPr id="4" name="Slide Number Placeholder 3">
+            <a:extLst>
+              <a:ext uri="{FF2B5EF4-FFF2-40B4-BE49-F238E27FC236}">
+                <a16:creationId xmlns:a16="http://schemas.microsoft.com/office/drawing/2014/main" id="{AC0EC6D8-4D66-4B16-AD3F-2850D613518A}"/>
+              </a:ext>
+            </a:extLst>
+          </p:cNvPr>
+          <p:cNvSpPr>
+            <a:spLocks noGrp="1"/>
+          </p:cNvSpPr>
+          <p:nvPr>
+            <p:ph type="sldNum" sz="quarter" idx="12"/>
+          </p:nvPr>
+        </p:nvSpPr>
+        <p:spPr>
+          <a:xfrm>
+            <a:off x="11365992" y="6356350"/>
+            <a:ext cx="630936" cy="365125"/>
+          </a:xfrm>
+        </p:spPr>
+        <p:txBody>
+          <a:bodyPr/>
+          <a:lstStyle/>
+          <a:p>
+            <a:pPr lvl="0"/>
+            <a:fld id="{06B786C7-B8F9-4072-AAAA-17258464D730}" type="slidenum">
+              <a:rPr lang="en-US" noProof="0" smtClean="0"/>
+              <a:pPr lvl="0"/>
+              <a:t>23</a:t>
+            </a:fld>
+            <a:endParaRPr lang="en-US" noProof="0" dirty="0"/>
+          </a:p>
+        </p:txBody>
+      </p:sp>
+    </p:spTree>
+    <p:extLst>
+      <p:ext uri="{BB962C8B-B14F-4D97-AF65-F5344CB8AC3E}">
+        <p14:creationId xmlns:p14="http://schemas.microsoft.com/office/powerpoint/2010/main" val="338249949"/>
+      </p:ext>
+    </p:extLst>
+  </p:cSld>
+  <p:clrMapOvr>
+    <a:masterClrMapping/>
+  </p:clrMapOvr>
+</p:sld>
+</file>
+
+<file path=ppt/slides/slide24.xml><?xml version="1.0" encoding="utf-8"?>
+<p:sld xmlns:a="http://schemas.openxmlformats.org/drawingml/2006/main" xmlns:r="http://schemas.openxmlformats.org/officeDocument/2006/relationships" xmlns:p="http://schemas.openxmlformats.org/presentationml/2006/main">
+  <p:cSld>
+    <p:spTree>
+      <p:nvGrpSpPr>
+        <p:cNvPr id="1" name=""/>
+        <p:cNvGrpSpPr/>
+        <p:nvPr/>
+      </p:nvGrpSpPr>
+      <p:grpSpPr>
+        <a:xfrm>
+          <a:off x="0" y="0"/>
+          <a:ext cx="0" cy="0"/>
+          <a:chOff x="0" y="0"/>
+          <a:chExt cx="0" cy="0"/>
+        </a:xfrm>
+      </p:grpSpPr>
+      <p:sp>
+        <p:nvSpPr>
+          <p:cNvPr id="9" name="Title 8">
+            <a:extLst>
+              <a:ext uri="{FF2B5EF4-FFF2-40B4-BE49-F238E27FC236}">
+                <a16:creationId xmlns:a16="http://schemas.microsoft.com/office/drawing/2014/main" id="{9A92E93D-8BFB-4A21-A47E-78B6DCA21146}"/>
+              </a:ext>
+            </a:extLst>
+          </p:cNvPr>
+          <p:cNvSpPr>
+            <a:spLocks noGrp="1"/>
+          </p:cNvSpPr>
+          <p:nvPr>
+            <p:ph type="title"/>
+          </p:nvPr>
+        </p:nvSpPr>
+        <p:spPr>
+          <a:xfrm>
+            <a:off x="647698" y="484494"/>
+            <a:ext cx="5800867" cy="1569493"/>
+          </a:xfrm>
+        </p:spPr>
+        <p:txBody>
+          <a:bodyPr/>
+          <a:lstStyle/>
+          <a:p>
+            <a:r>
+              <a:rPr lang="en-US" dirty="0"/>
+              <a:t>Summary</a:t>
+            </a:r>
+          </a:p>
+        </p:txBody>
+      </p:sp>
+      <p:sp>
+        <p:nvSpPr>
+          <p:cNvPr id="10" name="Content Placeholder 9">
+            <a:extLst>
+              <a:ext uri="{FF2B5EF4-FFF2-40B4-BE49-F238E27FC236}">
+                <a16:creationId xmlns:a16="http://schemas.microsoft.com/office/drawing/2014/main" id="{C69C1BDB-253B-4642-94A7-F84048E562F7}"/>
+              </a:ext>
+            </a:extLst>
+          </p:cNvPr>
+          <p:cNvSpPr>
+            <a:spLocks noGrp="1"/>
+          </p:cNvSpPr>
+          <p:nvPr>
+            <p:ph idx="1"/>
+          </p:nvPr>
+        </p:nvSpPr>
+        <p:spPr>
+          <a:xfrm>
+            <a:off x="647702" y="2156346"/>
+            <a:ext cx="5800866" cy="3963937"/>
+          </a:xfrm>
+        </p:spPr>
+        <p:txBody>
+          <a:bodyPr/>
+          <a:lstStyle/>
+          <a:p>
+            <a:r>
+              <a:rPr lang="en-US" dirty="0"/>
+              <a:t>With PowerPoint, you can create presentations and share your work with others, wherever they are. Type the text you want here to get started. You can also add images, art, and videos on this template. Save to OneDrive and access your presentations from your computer, tablet, or phone. </a:t>
+            </a:r>
+          </a:p>
+        </p:txBody>
+      </p:sp>
+      <p:sp>
+        <p:nvSpPr>
+          <p:cNvPr id="16" name="Footer Placeholder 15">
+            <a:extLst>
+              <a:ext uri="{FF2B5EF4-FFF2-40B4-BE49-F238E27FC236}">
+                <a16:creationId xmlns:a16="http://schemas.microsoft.com/office/drawing/2014/main" id="{C394FA6A-80EA-46C1-8A4C-B4D8E90A7BCE}"/>
+              </a:ext>
+            </a:extLst>
+          </p:cNvPr>
+          <p:cNvSpPr>
+            <a:spLocks noGrp="1"/>
+          </p:cNvSpPr>
+          <p:nvPr>
+            <p:ph type="ftr" sz="quarter" idx="11"/>
+          </p:nvPr>
+        </p:nvSpPr>
+        <p:spPr>
+          <a:xfrm>
+            <a:off x="199277" y="6356350"/>
+            <a:ext cx="3877423" cy="365125"/>
+          </a:xfrm>
+        </p:spPr>
+        <p:txBody>
+          <a:bodyPr/>
+          <a:lstStyle/>
+          <a:p>
+            <a:pPr lvl="0"/>
+            <a:r>
+              <a:rPr lang="en-US" noProof="0" dirty="0"/>
+              <a:t>Presentation title</a:t>
+            </a:r>
+          </a:p>
+        </p:txBody>
+      </p:sp>
+      <p:pic>
+        <p:nvPicPr>
+          <p:cNvPr id="23" name="Picture Placeholder 22" descr="A picture containing mountain, outdoor, sky, rock, tent">
+            <a:extLst>
+              <a:ext uri="{FF2B5EF4-FFF2-40B4-BE49-F238E27FC236}">
+                <a16:creationId xmlns:a16="http://schemas.microsoft.com/office/drawing/2014/main" id="{37330047-BDCE-48AE-A7A5-A6A79A7D2923}"/>
+              </a:ext>
+            </a:extLst>
+          </p:cNvPr>
+          <p:cNvPicPr>
+            <a:picLocks noGrp="1" noChangeAspect="1"/>
+          </p:cNvPicPr>
+          <p:nvPr>
+            <p:ph type="pic" sz="quarter" idx="13"/>
+          </p:nvPr>
+        </p:nvPicPr>
+        <p:blipFill rotWithShape="1">
+          <a:blip r:embed="rId2" cstate="screen">
+            <a:extLst>
+              <a:ext uri="{28A0092B-C50C-407E-A947-70E740481C1C}">
+                <a14:useLocalDpi xmlns:a14="http://schemas.microsoft.com/office/drawing/2010/main" val="0"/>
+              </a:ext>
+            </a:extLst>
+          </a:blip>
+          <a:srcRect/>
+          <a:stretch/>
+        </p:blipFill>
+        <p:spPr>
+          <a:xfrm>
+            <a:off x="6700838" y="665163"/>
+            <a:ext cx="2214562" cy="2513012"/>
+          </a:xfrm>
+        </p:spPr>
+      </p:pic>
+      <p:pic>
+        <p:nvPicPr>
+          <p:cNvPr id="53" name="Picture Placeholder 52" descr="A picture containing mountain, sky, snow, outdoor">
+            <a:extLst>
+              <a:ext uri="{FF2B5EF4-FFF2-40B4-BE49-F238E27FC236}">
+                <a16:creationId xmlns:a16="http://schemas.microsoft.com/office/drawing/2014/main" id="{9AFE6654-29BC-4F7D-9F69-C78DCCF2A7AC}"/>
+              </a:ext>
+            </a:extLst>
+          </p:cNvPr>
+          <p:cNvPicPr>
+            <a:picLocks noGrp="1" noChangeAspect="1"/>
+          </p:cNvPicPr>
+          <p:nvPr>
+            <p:ph type="pic" sz="quarter" idx="14"/>
+          </p:nvPr>
+        </p:nvPicPr>
+        <p:blipFill rotWithShape="1">
+          <a:blip r:embed="rId3" cstate="screen">
+            <a:extLst>
+              <a:ext uri="{28A0092B-C50C-407E-A947-70E740481C1C}">
+                <a14:useLocalDpi xmlns:a14="http://schemas.microsoft.com/office/drawing/2010/main" val="0"/>
+              </a:ext>
+            </a:extLst>
+          </a:blip>
+          <a:srcRect/>
+          <a:stretch/>
+        </p:blipFill>
+        <p:spPr>
+          <a:xfrm>
+            <a:off x="9329737" y="665579"/>
+            <a:ext cx="2214562" cy="2513012"/>
+          </a:xfrm>
+        </p:spPr>
+      </p:pic>
+      <p:pic>
+        <p:nvPicPr>
+          <p:cNvPr id="19" name="Picture Placeholder 18" descr="A picture containing outdoor, mountain, sky, nature">
+            <a:extLst>
+              <a:ext uri="{FF2B5EF4-FFF2-40B4-BE49-F238E27FC236}">
+                <a16:creationId xmlns:a16="http://schemas.microsoft.com/office/drawing/2014/main" id="{AA7C515C-968D-4E0E-AE9F-2B4791B73F84}"/>
+              </a:ext>
+            </a:extLst>
+          </p:cNvPr>
+          <p:cNvPicPr>
+            <a:picLocks noGrp="1" noChangeAspect="1"/>
+          </p:cNvPicPr>
+          <p:nvPr>
+            <p:ph type="pic" sz="quarter" idx="15"/>
+          </p:nvPr>
+        </p:nvPicPr>
+        <p:blipFill rotWithShape="1">
+          <a:blip r:embed="rId4" cstate="screen">
+            <a:extLst>
+              <a:ext uri="{28A0092B-C50C-407E-A947-70E740481C1C}">
+                <a14:useLocalDpi xmlns:a14="http://schemas.microsoft.com/office/drawing/2010/main" val="0"/>
+              </a:ext>
+            </a:extLst>
+          </a:blip>
+          <a:srcRect/>
+          <a:stretch/>
+        </p:blipFill>
+        <p:spPr>
+          <a:xfrm>
+            <a:off x="6700854" y="3607271"/>
+            <a:ext cx="2214562" cy="2513012"/>
+          </a:xfrm>
+        </p:spPr>
+      </p:pic>
+      <p:pic>
+        <p:nvPicPr>
+          <p:cNvPr id="25" name="Picture Placeholder 24" descr="A picture containing nature, outdoor, mountain, night sky">
+            <a:extLst>
+              <a:ext uri="{FF2B5EF4-FFF2-40B4-BE49-F238E27FC236}">
+                <a16:creationId xmlns:a16="http://schemas.microsoft.com/office/drawing/2014/main" id="{74AF03B6-7ED2-47DC-A5B8-3F7DB422CEA5}"/>
+              </a:ext>
+            </a:extLst>
+          </p:cNvPr>
+          <p:cNvPicPr>
+            <a:picLocks noGrp="1" noChangeAspect="1"/>
+          </p:cNvPicPr>
+          <p:nvPr>
+            <p:ph type="pic" sz="quarter" idx="16"/>
+          </p:nvPr>
+        </p:nvPicPr>
+        <p:blipFill rotWithShape="1">
+          <a:blip r:embed="rId5" cstate="screen">
+            <a:extLst>
+              <a:ext uri="{28A0092B-C50C-407E-A947-70E740481C1C}">
+                <a14:useLocalDpi xmlns:a14="http://schemas.microsoft.com/office/drawing/2010/main" val="0"/>
+              </a:ext>
+            </a:extLst>
+          </a:blip>
+          <a:srcRect/>
+          <a:stretch/>
+        </p:blipFill>
+        <p:spPr>
+          <a:xfrm>
+            <a:off x="9324845" y="3607271"/>
+            <a:ext cx="2214562" cy="2513012"/>
+          </a:xfrm>
+        </p:spPr>
+      </p:pic>
+      <p:sp>
+        <p:nvSpPr>
+          <p:cNvPr id="15" name="Date Placeholder 14">
+            <a:extLst>
+              <a:ext uri="{FF2B5EF4-FFF2-40B4-BE49-F238E27FC236}">
+                <a16:creationId xmlns:a16="http://schemas.microsoft.com/office/drawing/2014/main" id="{1AEB8108-A042-4614-9BE5-EA75E8653D79}"/>
+              </a:ext>
+            </a:extLst>
+          </p:cNvPr>
+          <p:cNvSpPr>
+            <a:spLocks noGrp="1"/>
+          </p:cNvSpPr>
+          <p:nvPr>
+            <p:ph type="dt" sz="half" idx="10"/>
+          </p:nvPr>
+        </p:nvSpPr>
+        <p:spPr>
+          <a:xfrm>
+            <a:off x="7013448" y="6355080"/>
+            <a:ext cx="4352544" cy="365125"/>
+          </a:xfrm>
+        </p:spPr>
+        <p:txBody>
+          <a:bodyPr/>
+          <a:lstStyle/>
+          <a:p>
+            <a:pPr lvl="0"/>
+            <a:r>
+              <a:rPr lang="en-US" noProof="0" dirty="0"/>
+              <a:t>20XX</a:t>
+            </a:r>
+          </a:p>
+        </p:txBody>
+      </p:sp>
+      <p:sp>
+        <p:nvSpPr>
+          <p:cNvPr id="17" name="Slide Number Placeholder 16">
+            <a:extLst>
+              <a:ext uri="{FF2B5EF4-FFF2-40B4-BE49-F238E27FC236}">
+                <a16:creationId xmlns:a16="http://schemas.microsoft.com/office/drawing/2014/main" id="{3F88522D-FC32-4BD0-B916-ED439025B734}"/>
+              </a:ext>
+            </a:extLst>
+          </p:cNvPr>
+          <p:cNvSpPr>
+            <a:spLocks noGrp="1"/>
+          </p:cNvSpPr>
+          <p:nvPr>
+            <p:ph type="sldNum" sz="quarter" idx="12"/>
+          </p:nvPr>
+        </p:nvSpPr>
+        <p:spPr>
+          <a:xfrm>
+            <a:off x="11365992" y="6356350"/>
+            <a:ext cx="630936" cy="365125"/>
+          </a:xfrm>
+        </p:spPr>
+        <p:txBody>
+          <a:bodyPr/>
+          <a:lstStyle/>
+          <a:p>
+            <a:pPr lvl="0"/>
+            <a:fld id="{D39F39FF-F5CB-4ACA-9B46-4CCF89ECA75F}" type="slidenum">
+              <a:rPr lang="en-US" noProof="0" smtClean="0"/>
+              <a:pPr lvl="0"/>
+              <a:t>24</a:t>
+            </a:fld>
+            <a:endParaRPr lang="en-US" noProof="0" dirty="0"/>
+          </a:p>
+        </p:txBody>
+      </p:sp>
+    </p:spTree>
+    <p:extLst>
+      <p:ext uri="{BB962C8B-B14F-4D97-AF65-F5344CB8AC3E}">
+        <p14:creationId xmlns:p14="http://schemas.microsoft.com/office/powerpoint/2010/main" val="4039808263"/>
+      </p:ext>
+    </p:extLst>
+  </p:cSld>
+  <p:clrMapOvr>
+    <a:masterClrMapping/>
+  </p:clrMapOvr>
+</p:sld>
+</file>
+
+<file path=ppt/slides/slide25.xml><?xml version="1.0" encoding="utf-8"?>
+<p:sld xmlns:a="http://schemas.openxmlformats.org/drawingml/2006/main" xmlns:r="http://schemas.openxmlformats.org/officeDocument/2006/relationships" xmlns:p="http://schemas.openxmlformats.org/presentationml/2006/main">
+  <p:cSld>
+    <p:spTree>
+      <p:nvGrpSpPr>
+        <p:cNvPr id="1" name=""/>
+        <p:cNvGrpSpPr/>
+        <p:nvPr/>
+      </p:nvGrpSpPr>
+      <p:grpSpPr>
+        <a:xfrm>
+          <a:off x="0" y="0"/>
+          <a:ext cx="0" cy="0"/>
+          <a:chOff x="0" y="0"/>
+          <a:chExt cx="0" cy="0"/>
+        </a:xfrm>
+      </p:grpSpPr>
+      <p:sp>
+        <p:nvSpPr>
           <p:cNvPr id="32" name="Title 31">
             <a:extLst>
               <a:ext uri="{FF2B5EF4-FFF2-40B4-BE49-F238E27FC236}">
@@ -20698,7 +21560,7 @@
             <a:fld id="{D39F39FF-F5CB-4ACA-9B46-4CCF89ECA75F}" type="slidenum">
               <a:rPr lang="en-US" noProof="0" smtClean="0"/>
               <a:pPr lvl="0"/>
-              <a:t>23</a:t>
+              <a:t>25</a:t>
             </a:fld>
             <a:endParaRPr lang="en-US" noProof="0" dirty="0"/>
           </a:p>
@@ -24137,6 +24999,15 @@
 </file>
 
 <file path=customXml/item1.xml><?xml version="1.0" encoding="utf-8"?>
+<?mso-contentType ?>
+<FormTemplates xmlns="http://schemas.microsoft.com/sharepoint/v3/contenttype/forms">
+  <Display>DocumentLibraryForm</Display>
+  <Edit>DocumentLibraryForm</Edit>
+  <New>DocumentLibraryForm</New>
+</FormTemplates>
+</file>
+
+<file path=customXml/item2.xml><?xml version="1.0" encoding="utf-8"?>
 <p:properties xmlns:p="http://schemas.microsoft.com/office/2006/metadata/properties" xmlns:xsi="http://www.w3.org/2001/XMLSchema-instance" xmlns:pc="http://schemas.microsoft.com/office/infopath/2007/PartnerControls">
   <documentManagement>
     <Status xmlns="71af3243-3dd4-4a8d-8c0d-dd76da1f02a5">Not started</Status>
@@ -24153,15 +25024,6 @@
     <MediaServiceKeyPoints xmlns="71af3243-3dd4-4a8d-8c0d-dd76da1f02a5" xsi:nil="true"/>
   </documentManagement>
 </p:properties>
-</file>
-
-<file path=customXml/item2.xml><?xml version="1.0" encoding="utf-8"?>
-<?mso-contentType ?>
-<FormTemplates xmlns="http://schemas.microsoft.com/sharepoint/v3/contenttype/forms">
-  <Display>DocumentLibraryForm</Display>
-  <Edit>DocumentLibraryForm</Edit>
-  <New>DocumentLibraryForm</New>
-</FormTemplates>
 </file>
 
 <file path=customXml/item3.xml><?xml version="1.0" encoding="utf-8"?>
@@ -24441,6 +25303,14 @@
 </file>
 
 <file path=customXml/itemProps1.xml><?xml version="1.0" encoding="utf-8"?>
+<ds:datastoreItem xmlns:ds="http://schemas.openxmlformats.org/officeDocument/2006/customXml" ds:itemID="{A5CCB28C-7D26-4A36-9CFC-D739C28F3D18}">
+  <ds:schemaRefs>
+    <ds:schemaRef ds:uri="http://schemas.microsoft.com/sharepoint/v3/contenttype/forms"/>
+  </ds:schemaRefs>
+</ds:datastoreItem>
+</file>
+
+<file path=customXml/itemProps2.xml><?xml version="1.0" encoding="utf-8"?>
 <ds:datastoreItem xmlns:ds="http://schemas.openxmlformats.org/officeDocument/2006/customXml" ds:itemID="{08757C30-AE9A-4680-90EB-19D282EC2B7C}">
   <ds:schemaRefs>
     <ds:schemaRef ds:uri="http://schemas.microsoft.com/office/2006/metadata/properties"/>
@@ -24448,14 +25318,6 @@
     <ds:schemaRef ds:uri="71af3243-3dd4-4a8d-8c0d-dd76da1f02a5"/>
     <ds:schemaRef ds:uri="http://schemas.microsoft.com/sharepoint/v3"/>
     <ds:schemaRef ds:uri="230e9df3-be65-4c73-a93b-d1236ebd677e"/>
-  </ds:schemaRefs>
-</ds:datastoreItem>
-</file>
-
-<file path=customXml/itemProps2.xml><?xml version="1.0" encoding="utf-8"?>
-<ds:datastoreItem xmlns:ds="http://schemas.openxmlformats.org/officeDocument/2006/customXml" ds:itemID="{A5CCB28C-7D26-4A36-9CFC-D739C28F3D18}">
-  <ds:schemaRefs>
-    <ds:schemaRef ds:uri="http://schemas.microsoft.com/sharepoint/v3/contenttype/forms"/>
   </ds:schemaRefs>
 </ds:datastoreItem>
 </file>

--- a/Presentation/final_project_presentation.pptx
+++ b/Presentation/final_project_presentation.pptx
@@ -5,15 +5,15 @@
     <p:sldMasterId id="2147483648" r:id="rId4"/>
   </p:sldMasterIdLst>
   <p:notesMasterIdLst>
-    <p:notesMasterId r:id="rId30"/>
+    <p:notesMasterId r:id="rId35"/>
   </p:notesMasterIdLst>
   <p:handoutMasterIdLst>
-    <p:handoutMasterId r:id="rId31"/>
+    <p:handoutMasterId r:id="rId36"/>
   </p:handoutMasterIdLst>
   <p:sldIdLst>
     <p:sldId id="256" r:id="rId5"/>
     <p:sldId id="267" r:id="rId6"/>
-    <p:sldId id="266" r:id="rId7"/>
+    <p:sldId id="293" r:id="rId7"/>
     <p:sldId id="277" r:id="rId8"/>
     <p:sldId id="278" r:id="rId9"/>
     <p:sldId id="279" r:id="rId10"/>
@@ -26,16 +26,21 @@
     <p:sldId id="286" r:id="rId17"/>
     <p:sldId id="287" r:id="rId18"/>
     <p:sldId id="288" r:id="rId19"/>
-    <p:sldId id="263" r:id="rId20"/>
-    <p:sldId id="268" r:id="rId21"/>
-    <p:sldId id="269" r:id="rId22"/>
-    <p:sldId id="270" r:id="rId23"/>
-    <p:sldId id="271" r:id="rId24"/>
-    <p:sldId id="272" r:id="rId25"/>
-    <p:sldId id="273" r:id="rId26"/>
-    <p:sldId id="274" r:id="rId27"/>
-    <p:sldId id="275" r:id="rId28"/>
-    <p:sldId id="276" r:id="rId29"/>
+    <p:sldId id="289" r:id="rId20"/>
+    <p:sldId id="290" r:id="rId21"/>
+    <p:sldId id="291" r:id="rId22"/>
+    <p:sldId id="292" r:id="rId23"/>
+    <p:sldId id="266" r:id="rId24"/>
+    <p:sldId id="275" r:id="rId25"/>
+    <p:sldId id="263" r:id="rId26"/>
+    <p:sldId id="268" r:id="rId27"/>
+    <p:sldId id="269" r:id="rId28"/>
+    <p:sldId id="270" r:id="rId29"/>
+    <p:sldId id="271" r:id="rId30"/>
+    <p:sldId id="272" r:id="rId31"/>
+    <p:sldId id="273" r:id="rId32"/>
+    <p:sldId id="274" r:id="rId33"/>
+    <p:sldId id="276" r:id="rId34"/>
   </p:sldIdLst>
   <p:sldSz cx="12192000" cy="6858000"/>
   <p:notesSz cx="6858000" cy="9144000"/>
@@ -8038,7 +8043,7 @@
           <a:p>
             <a:fld id="{9410D272-305C-421E-A9EF-95D63D599B42}" type="datetimeFigureOut">
               <a:rPr lang="en-US" smtClean="0"/>
-              <a:t>10/10/2022</a:t>
+              <a:t>10/11/2022</a:t>
             </a:fld>
             <a:endParaRPr lang="en-US" dirty="0"/>
           </a:p>
@@ -8215,7 +8220,7 @@
           <a:p>
             <a:fld id="{05E16E63-7886-43BC-8DD4-4F14C3DD7360}" type="datetimeFigureOut">
               <a:rPr lang="en-US" smtClean="0"/>
-              <a:t>10/10/2022</a:t>
+              <a:t>10/11/2022</a:t>
             </a:fld>
             <a:endParaRPr lang="en-US" dirty="0"/>
           </a:p>
@@ -8545,7 +8550,136 @@
             </a:pPr>
             <a:r>
               <a:rPr lang="en-US" dirty="0"/>
-              <a:t>I will look at 1-7 individually. Question 8 regarding change over time will be dealt with in my answers to questions 1-7. Question 9 is more about modelling and will be dealt with last. An extra section on additional international data will be also discussed</a:t>
+              <a:t>Fairly large set of Business Questions hope I have enough time to do them justice.</a:t>
+            </a:r>
+          </a:p>
+          <a:p>
+            <a:pPr marL="0" marR="0" lvl="0" indent="0" algn="l" defTabSz="914400" rtl="0" eaLnBrk="1" fontAlgn="auto" latinLnBrk="0" hangingPunct="1">
+              <a:lnSpc>
+                <a:spcPct val="100000"/>
+              </a:lnSpc>
+              <a:spcBef>
+                <a:spcPts val="0"/>
+              </a:spcBef>
+              <a:spcAft>
+                <a:spcPts val="0"/>
+              </a:spcAft>
+              <a:buClrTx/>
+              <a:buSzTx/>
+              <a:buFontTx/>
+              <a:buNone/>
+              <a:tabLst/>
+              <a:defRPr/>
+            </a:pPr>
+            <a:endParaRPr lang="en-US" dirty="0"/>
+          </a:p>
+          <a:p>
+            <a:pPr marL="0" marR="0" lvl="0" indent="0" algn="l" defTabSz="914400" rtl="0" eaLnBrk="1" fontAlgn="auto" latinLnBrk="0" hangingPunct="1">
+              <a:lnSpc>
+                <a:spcPct val="100000"/>
+              </a:lnSpc>
+              <a:spcBef>
+                <a:spcPts val="0"/>
+              </a:spcBef>
+              <a:spcAft>
+                <a:spcPts val="0"/>
+              </a:spcAft>
+              <a:buClrTx/>
+              <a:buSzTx/>
+              <a:buFontTx/>
+              <a:buNone/>
+              <a:tabLst/>
+              <a:defRPr/>
+            </a:pPr>
+            <a:r>
+              <a:rPr lang="en-US" dirty="0"/>
+              <a:t>I will look at 1-7 individually. Question 8 regarding change over time will be dealt with in my answers to questions 1-7. </a:t>
+            </a:r>
+          </a:p>
+          <a:p>
+            <a:pPr marL="0" marR="0" lvl="0" indent="0" algn="l" defTabSz="914400" rtl="0" eaLnBrk="1" fontAlgn="auto" latinLnBrk="0" hangingPunct="1">
+              <a:lnSpc>
+                <a:spcPct val="100000"/>
+              </a:lnSpc>
+              <a:spcBef>
+                <a:spcPts val="0"/>
+              </a:spcBef>
+              <a:spcAft>
+                <a:spcPts val="0"/>
+              </a:spcAft>
+              <a:buClrTx/>
+              <a:buSzTx/>
+              <a:buFontTx/>
+              <a:buNone/>
+              <a:tabLst/>
+              <a:defRPr/>
+            </a:pPr>
+            <a:endParaRPr lang="en-US" dirty="0"/>
+          </a:p>
+          <a:p>
+            <a:pPr marL="0" marR="0" lvl="0" indent="0" algn="l" defTabSz="914400" rtl="0" eaLnBrk="1" fontAlgn="auto" latinLnBrk="0" hangingPunct="1">
+              <a:lnSpc>
+                <a:spcPct val="100000"/>
+              </a:lnSpc>
+              <a:spcBef>
+                <a:spcPts val="0"/>
+              </a:spcBef>
+              <a:spcAft>
+                <a:spcPts val="0"/>
+              </a:spcAft>
+              <a:buClrTx/>
+              <a:buSzTx/>
+              <a:buFontTx/>
+              <a:buNone/>
+              <a:tabLst/>
+              <a:defRPr/>
+            </a:pPr>
+            <a:r>
+              <a:rPr lang="en-US" dirty="0"/>
+              <a:t>Question 9 is more about modelling and will be dealt with last. An extra section on additional international data will be also discussed</a:t>
+            </a:r>
+          </a:p>
+          <a:p>
+            <a:pPr marL="0" marR="0" lvl="0" indent="0" algn="l" defTabSz="914400" rtl="0" eaLnBrk="1" fontAlgn="auto" latinLnBrk="0" hangingPunct="1">
+              <a:lnSpc>
+                <a:spcPct val="100000"/>
+              </a:lnSpc>
+              <a:spcBef>
+                <a:spcPts val="0"/>
+              </a:spcBef>
+              <a:spcAft>
+                <a:spcPts val="0"/>
+              </a:spcAft>
+              <a:buClrTx/>
+              <a:buSzTx/>
+              <a:buFontTx/>
+              <a:buNone/>
+              <a:tabLst/>
+              <a:defRPr/>
+            </a:pPr>
+            <a:endParaRPr lang="en-US" dirty="0"/>
+          </a:p>
+          <a:p>
+            <a:pPr marL="0" marR="0" lvl="0" indent="0" algn="l" defTabSz="914400" rtl="0" eaLnBrk="1" fontAlgn="auto" latinLnBrk="0" hangingPunct="1">
+              <a:lnSpc>
+                <a:spcPct val="100000"/>
+              </a:lnSpc>
+              <a:spcBef>
+                <a:spcPts val="0"/>
+              </a:spcBef>
+              <a:spcAft>
+                <a:spcPts val="0"/>
+              </a:spcAft>
+              <a:buClrTx/>
+              <a:buSzTx/>
+              <a:buFontTx/>
+              <a:buNone/>
+              <a:tabLst/>
+              <a:defRPr/>
+            </a:pPr>
+            <a:r>
+              <a:rPr lang="en-US" dirty="0"/>
+              <a:t>Quick note – Data is pre-summarized?</a:t>
             </a:r>
           </a:p>
         </p:txBody>
@@ -8636,7 +8770,7 @@
     </p:spTree>
     <p:extLst>
       <p:ext uri="{BB962C8B-B14F-4D97-AF65-F5344CB8AC3E}">
-        <p14:creationId xmlns:p14="http://schemas.microsoft.com/office/powerpoint/2010/main" val="704907707"/>
+        <p14:creationId xmlns:p14="http://schemas.microsoft.com/office/powerpoint/2010/main" val="2215225286"/>
       </p:ext>
     </p:extLst>
   </p:cSld>
@@ -8734,6 +8868,518 @@
 </file>
 
 <file path=ppt/notesSlides/notesSlide11.xml><?xml version="1.0" encoding="utf-8"?>
+<p:notes xmlns:a="http://schemas.openxmlformats.org/drawingml/2006/main" xmlns:r="http://schemas.openxmlformats.org/officeDocument/2006/relationships" xmlns:p="http://schemas.openxmlformats.org/presentationml/2006/main">
+  <p:cSld>
+    <p:spTree>
+      <p:nvGrpSpPr>
+        <p:cNvPr id="1" name=""/>
+        <p:cNvGrpSpPr/>
+        <p:nvPr/>
+      </p:nvGrpSpPr>
+      <p:grpSpPr>
+        <a:xfrm>
+          <a:off x="0" y="0"/>
+          <a:ext cx="0" cy="0"/>
+          <a:chOff x="0" y="0"/>
+          <a:chExt cx="0" cy="0"/>
+        </a:xfrm>
+      </p:grpSpPr>
+      <p:sp>
+        <p:nvSpPr>
+          <p:cNvPr id="2" name="Slide Image Placeholder 1"/>
+          <p:cNvSpPr>
+            <a:spLocks noGrp="1" noRot="1" noChangeAspect="1"/>
+          </p:cNvSpPr>
+          <p:nvPr>
+            <p:ph type="sldImg"/>
+          </p:nvPr>
+        </p:nvSpPr>
+        <p:spPr/>
+      </p:sp>
+      <p:sp>
+        <p:nvSpPr>
+          <p:cNvPr id="3" name="Notes Placeholder 2"/>
+          <p:cNvSpPr>
+            <a:spLocks noGrp="1"/>
+          </p:cNvSpPr>
+          <p:nvPr>
+            <p:ph type="body" idx="1"/>
+          </p:nvPr>
+        </p:nvSpPr>
+        <p:spPr/>
+        <p:txBody>
+          <a:bodyPr/>
+          <a:lstStyle/>
+          <a:p>
+            <a:r>
+              <a:rPr lang="en-GB" dirty="0"/>
+              <a:t>Flipped this round and done visits first.</a:t>
+            </a:r>
+          </a:p>
+        </p:txBody>
+      </p:sp>
+      <p:sp>
+        <p:nvSpPr>
+          <p:cNvPr id="4" name="Slide Number Placeholder 3"/>
+          <p:cNvSpPr>
+            <a:spLocks noGrp="1"/>
+          </p:cNvSpPr>
+          <p:nvPr>
+            <p:ph type="sldNum" sz="quarter" idx="5"/>
+          </p:nvPr>
+        </p:nvSpPr>
+        <p:spPr/>
+        <p:txBody>
+          <a:bodyPr/>
+          <a:lstStyle/>
+          <a:p>
+            <a:fld id="{798C5307-140F-447F-BCBA-BB92E3A2906B}" type="slidenum">
+              <a:rPr lang="en-US" smtClean="0"/>
+              <a:t>16</a:t>
+            </a:fld>
+            <a:endParaRPr lang="en-US" dirty="0"/>
+          </a:p>
+        </p:txBody>
+      </p:sp>
+    </p:spTree>
+    <p:extLst>
+      <p:ext uri="{BB962C8B-B14F-4D97-AF65-F5344CB8AC3E}">
+        <p14:creationId xmlns:p14="http://schemas.microsoft.com/office/powerpoint/2010/main" val="462393000"/>
+      </p:ext>
+    </p:extLst>
+  </p:cSld>
+  <p:clrMapOvr>
+    <a:masterClrMapping/>
+  </p:clrMapOvr>
+</p:notes>
+</file>
+
+<file path=ppt/notesSlides/notesSlide12.xml><?xml version="1.0" encoding="utf-8"?>
+<p:notes xmlns:a="http://schemas.openxmlformats.org/drawingml/2006/main" xmlns:r="http://schemas.openxmlformats.org/officeDocument/2006/relationships" xmlns:p="http://schemas.openxmlformats.org/presentationml/2006/main">
+  <p:cSld>
+    <p:spTree>
+      <p:nvGrpSpPr>
+        <p:cNvPr id="1" name=""/>
+        <p:cNvGrpSpPr/>
+        <p:nvPr/>
+      </p:nvGrpSpPr>
+      <p:grpSpPr>
+        <a:xfrm>
+          <a:off x="0" y="0"/>
+          <a:ext cx="0" cy="0"/>
+          <a:chOff x="0" y="0"/>
+          <a:chExt cx="0" cy="0"/>
+        </a:xfrm>
+      </p:grpSpPr>
+      <p:sp>
+        <p:nvSpPr>
+          <p:cNvPr id="2" name="Slide Image Placeholder 1"/>
+          <p:cNvSpPr>
+            <a:spLocks noGrp="1" noRot="1" noChangeAspect="1"/>
+          </p:cNvSpPr>
+          <p:nvPr>
+            <p:ph type="sldImg"/>
+          </p:nvPr>
+        </p:nvSpPr>
+        <p:spPr/>
+      </p:sp>
+      <p:sp>
+        <p:nvSpPr>
+          <p:cNvPr id="3" name="Notes Placeholder 2"/>
+          <p:cNvSpPr>
+            <a:spLocks noGrp="1"/>
+          </p:cNvSpPr>
+          <p:nvPr>
+            <p:ph type="body" idx="1"/>
+          </p:nvPr>
+        </p:nvSpPr>
+        <p:spPr/>
+        <p:txBody>
+          <a:bodyPr/>
+          <a:lstStyle/>
+          <a:p>
+            <a:r>
+              <a:rPr lang="en-GB" dirty="0"/>
+              <a:t>Flipped this round and done visits first.</a:t>
+            </a:r>
+          </a:p>
+        </p:txBody>
+      </p:sp>
+      <p:sp>
+        <p:nvSpPr>
+          <p:cNvPr id="4" name="Slide Number Placeholder 3"/>
+          <p:cNvSpPr>
+            <a:spLocks noGrp="1"/>
+          </p:cNvSpPr>
+          <p:nvPr>
+            <p:ph type="sldNum" sz="quarter" idx="5"/>
+          </p:nvPr>
+        </p:nvSpPr>
+        <p:spPr/>
+        <p:txBody>
+          <a:bodyPr/>
+          <a:lstStyle/>
+          <a:p>
+            <a:fld id="{798C5307-140F-447F-BCBA-BB92E3A2906B}" type="slidenum">
+              <a:rPr lang="en-US" smtClean="0"/>
+              <a:t>17</a:t>
+            </a:fld>
+            <a:endParaRPr lang="en-US" dirty="0"/>
+          </a:p>
+        </p:txBody>
+      </p:sp>
+    </p:spTree>
+    <p:extLst>
+      <p:ext uri="{BB962C8B-B14F-4D97-AF65-F5344CB8AC3E}">
+        <p14:creationId xmlns:p14="http://schemas.microsoft.com/office/powerpoint/2010/main" val="2900810829"/>
+      </p:ext>
+    </p:extLst>
+  </p:cSld>
+  <p:clrMapOvr>
+    <a:masterClrMapping/>
+  </p:clrMapOvr>
+</p:notes>
+</file>
+
+<file path=ppt/notesSlides/notesSlide13.xml><?xml version="1.0" encoding="utf-8"?>
+<p:notes xmlns:a="http://schemas.openxmlformats.org/drawingml/2006/main" xmlns:r="http://schemas.openxmlformats.org/officeDocument/2006/relationships" xmlns:p="http://schemas.openxmlformats.org/presentationml/2006/main">
+  <p:cSld>
+    <p:spTree>
+      <p:nvGrpSpPr>
+        <p:cNvPr id="1" name=""/>
+        <p:cNvGrpSpPr/>
+        <p:nvPr/>
+      </p:nvGrpSpPr>
+      <p:grpSpPr>
+        <a:xfrm>
+          <a:off x="0" y="0"/>
+          <a:ext cx="0" cy="0"/>
+          <a:chOff x="0" y="0"/>
+          <a:chExt cx="0" cy="0"/>
+        </a:xfrm>
+      </p:grpSpPr>
+      <p:sp>
+        <p:nvSpPr>
+          <p:cNvPr id="2" name="Slide Image Placeholder 1"/>
+          <p:cNvSpPr>
+            <a:spLocks noGrp="1" noRot="1" noChangeAspect="1"/>
+          </p:cNvSpPr>
+          <p:nvPr>
+            <p:ph type="sldImg"/>
+          </p:nvPr>
+        </p:nvSpPr>
+        <p:spPr/>
+      </p:sp>
+      <p:sp>
+        <p:nvSpPr>
+          <p:cNvPr id="3" name="Notes Placeholder 2"/>
+          <p:cNvSpPr>
+            <a:spLocks noGrp="1"/>
+          </p:cNvSpPr>
+          <p:nvPr>
+            <p:ph type="body" idx="1"/>
+          </p:nvPr>
+        </p:nvSpPr>
+        <p:spPr/>
+        <p:txBody>
+          <a:bodyPr/>
+          <a:lstStyle/>
+          <a:p>
+            <a:r>
+              <a:rPr lang="en-GB" dirty="0"/>
+              <a:t>Flipped this round and done visits first.</a:t>
+            </a:r>
+          </a:p>
+        </p:txBody>
+      </p:sp>
+      <p:sp>
+        <p:nvSpPr>
+          <p:cNvPr id="4" name="Slide Number Placeholder 3"/>
+          <p:cNvSpPr>
+            <a:spLocks noGrp="1"/>
+          </p:cNvSpPr>
+          <p:nvPr>
+            <p:ph type="sldNum" sz="quarter" idx="5"/>
+          </p:nvPr>
+        </p:nvSpPr>
+        <p:spPr/>
+        <p:txBody>
+          <a:bodyPr/>
+          <a:lstStyle/>
+          <a:p>
+            <a:fld id="{798C5307-140F-447F-BCBA-BB92E3A2906B}" type="slidenum">
+              <a:rPr lang="en-US" smtClean="0"/>
+              <a:t>18</a:t>
+            </a:fld>
+            <a:endParaRPr lang="en-US" dirty="0"/>
+          </a:p>
+        </p:txBody>
+      </p:sp>
+    </p:spTree>
+    <p:extLst>
+      <p:ext uri="{BB962C8B-B14F-4D97-AF65-F5344CB8AC3E}">
+        <p14:creationId xmlns:p14="http://schemas.microsoft.com/office/powerpoint/2010/main" val="433641963"/>
+      </p:ext>
+    </p:extLst>
+  </p:cSld>
+  <p:clrMapOvr>
+    <a:masterClrMapping/>
+  </p:clrMapOvr>
+</p:notes>
+</file>
+
+<file path=ppt/notesSlides/notesSlide14.xml><?xml version="1.0" encoding="utf-8"?>
+<p:notes xmlns:a="http://schemas.openxmlformats.org/drawingml/2006/main" xmlns:r="http://schemas.openxmlformats.org/officeDocument/2006/relationships" xmlns:p="http://schemas.openxmlformats.org/presentationml/2006/main">
+  <p:cSld>
+    <p:spTree>
+      <p:nvGrpSpPr>
+        <p:cNvPr id="1" name=""/>
+        <p:cNvGrpSpPr/>
+        <p:nvPr/>
+      </p:nvGrpSpPr>
+      <p:grpSpPr>
+        <a:xfrm>
+          <a:off x="0" y="0"/>
+          <a:ext cx="0" cy="0"/>
+          <a:chOff x="0" y="0"/>
+          <a:chExt cx="0" cy="0"/>
+        </a:xfrm>
+      </p:grpSpPr>
+      <p:sp>
+        <p:nvSpPr>
+          <p:cNvPr id="2" name="Slide Image Placeholder 1"/>
+          <p:cNvSpPr>
+            <a:spLocks noGrp="1" noRot="1" noChangeAspect="1"/>
+          </p:cNvSpPr>
+          <p:nvPr>
+            <p:ph type="sldImg"/>
+          </p:nvPr>
+        </p:nvSpPr>
+        <p:spPr/>
+      </p:sp>
+      <p:sp>
+        <p:nvSpPr>
+          <p:cNvPr id="3" name="Notes Placeholder 2"/>
+          <p:cNvSpPr>
+            <a:spLocks noGrp="1"/>
+          </p:cNvSpPr>
+          <p:nvPr>
+            <p:ph type="body" idx="1"/>
+          </p:nvPr>
+        </p:nvSpPr>
+        <p:spPr/>
+        <p:txBody>
+          <a:bodyPr/>
+          <a:lstStyle/>
+          <a:p>
+            <a:r>
+              <a:rPr lang="en-GB" dirty="0"/>
+              <a:t>Domestic tourism statistics by region and year. All figures come from the Great Britain Tourism Survey (GBTS) and represent 3-year annual averages due to small sample sizes on regional level.</a:t>
+            </a:r>
+          </a:p>
+        </p:txBody>
+      </p:sp>
+      <p:sp>
+        <p:nvSpPr>
+          <p:cNvPr id="4" name="Slide Number Placeholder 3"/>
+          <p:cNvSpPr>
+            <a:spLocks noGrp="1"/>
+          </p:cNvSpPr>
+          <p:nvPr>
+            <p:ph type="sldNum" sz="quarter" idx="5"/>
+          </p:nvPr>
+        </p:nvSpPr>
+        <p:spPr/>
+        <p:txBody>
+          <a:bodyPr/>
+          <a:lstStyle/>
+          <a:p>
+            <a:fld id="{798C5307-140F-447F-BCBA-BB92E3A2906B}" type="slidenum">
+              <a:rPr lang="en-US" smtClean="0"/>
+              <a:t>19</a:t>
+            </a:fld>
+            <a:endParaRPr lang="en-US" dirty="0"/>
+          </a:p>
+        </p:txBody>
+      </p:sp>
+    </p:spTree>
+    <p:extLst>
+      <p:ext uri="{BB962C8B-B14F-4D97-AF65-F5344CB8AC3E}">
+        <p14:creationId xmlns:p14="http://schemas.microsoft.com/office/powerpoint/2010/main" val="25372518"/>
+      </p:ext>
+    </p:extLst>
+  </p:cSld>
+  <p:clrMapOvr>
+    <a:masterClrMapping/>
+  </p:clrMapOvr>
+</p:notes>
+</file>
+
+<file path=ppt/notesSlides/notesSlide15.xml><?xml version="1.0" encoding="utf-8"?>
+<p:notes xmlns:a="http://schemas.openxmlformats.org/drawingml/2006/main" xmlns:r="http://schemas.openxmlformats.org/officeDocument/2006/relationships" xmlns:p="http://schemas.openxmlformats.org/presentationml/2006/main">
+  <p:cSld>
+    <p:spTree>
+      <p:nvGrpSpPr>
+        <p:cNvPr id="1" name=""/>
+        <p:cNvGrpSpPr/>
+        <p:nvPr/>
+      </p:nvGrpSpPr>
+      <p:grpSpPr>
+        <a:xfrm>
+          <a:off x="0" y="0"/>
+          <a:ext cx="0" cy="0"/>
+          <a:chOff x="0" y="0"/>
+          <a:chExt cx="0" cy="0"/>
+        </a:xfrm>
+      </p:grpSpPr>
+      <p:sp>
+        <p:nvSpPr>
+          <p:cNvPr id="2" name="Slide Image Placeholder 1"/>
+          <p:cNvSpPr>
+            <a:spLocks noGrp="1" noRot="1" noChangeAspect="1"/>
+          </p:cNvSpPr>
+          <p:nvPr>
+            <p:ph type="sldImg"/>
+          </p:nvPr>
+        </p:nvSpPr>
+        <p:spPr/>
+      </p:sp>
+      <p:sp>
+        <p:nvSpPr>
+          <p:cNvPr id="3" name="Notes Placeholder 2"/>
+          <p:cNvSpPr>
+            <a:spLocks noGrp="1"/>
+          </p:cNvSpPr>
+          <p:nvPr>
+            <p:ph type="body" idx="1"/>
+          </p:nvPr>
+        </p:nvSpPr>
+        <p:spPr/>
+        <p:txBody>
+          <a:bodyPr/>
+          <a:lstStyle/>
+          <a:p>
+            <a:pPr marL="0" marR="0" lvl="0" indent="0" algn="l" defTabSz="914400" rtl="0" eaLnBrk="1" fontAlgn="auto" latinLnBrk="0" hangingPunct="1">
+              <a:lnSpc>
+                <a:spcPct val="100000"/>
+              </a:lnSpc>
+              <a:spcBef>
+                <a:spcPts val="0"/>
+              </a:spcBef>
+              <a:spcAft>
+                <a:spcPts val="0"/>
+              </a:spcAft>
+              <a:buClrTx/>
+              <a:buSzTx/>
+              <a:buFontTx/>
+              <a:buNone/>
+              <a:tabLst/>
+              <a:defRPr/>
+            </a:pPr>
+            <a:r>
+              <a:rPr lang="en-US" dirty="0"/>
+              <a:t>I will look at 1-7 individually. Question 8 regarding change over time will be dealt with in my answers to questions 1-7. Question 9 is more about modelling and will be dealt with last. An extra section on additional international data will be also discussed</a:t>
+            </a:r>
+          </a:p>
+        </p:txBody>
+      </p:sp>
+      <p:sp>
+        <p:nvSpPr>
+          <p:cNvPr id="4" name="Slide Number Placeholder 3"/>
+          <p:cNvSpPr>
+            <a:spLocks noGrp="1"/>
+          </p:cNvSpPr>
+          <p:nvPr>
+            <p:ph type="sldNum" sz="quarter" idx="5"/>
+          </p:nvPr>
+        </p:nvSpPr>
+        <p:spPr/>
+        <p:txBody>
+          <a:bodyPr/>
+          <a:lstStyle/>
+          <a:p>
+            <a:pPr marL="0" marR="0" lvl="0" indent="0" algn="r" defTabSz="914400" rtl="0" eaLnBrk="1" fontAlgn="auto" latinLnBrk="0" hangingPunct="1">
+              <a:lnSpc>
+                <a:spcPct val="100000"/>
+              </a:lnSpc>
+              <a:spcBef>
+                <a:spcPts val="0"/>
+              </a:spcBef>
+              <a:spcAft>
+                <a:spcPts val="0"/>
+              </a:spcAft>
+              <a:buClrTx/>
+              <a:buSzTx/>
+              <a:buFontTx/>
+              <a:buNone/>
+              <a:tabLst/>
+              <a:defRPr/>
+            </a:pPr>
+            <a:fld id="{F129094F-44ED-46E6-A51E-52761DD3C888}" type="slidenum">
+              <a:rPr kumimoji="0" lang="en-US" sz="1200" b="0" i="0" u="none" strike="noStrike" kern="1200" cap="none" spc="0" normalizeH="0" baseline="0" noProof="0" smtClean="0">
+                <a:ln>
+                  <a:noFill/>
+                </a:ln>
+                <a:solidFill>
+                  <a:prstClr val="black"/>
+                </a:solidFill>
+                <a:effectLst/>
+                <a:uLnTx/>
+                <a:uFillTx/>
+                <a:latin typeface="Calibri" panose="020F0502020204030204"/>
+                <a:ea typeface="+mn-ea"/>
+                <a:cs typeface="+mn-cs"/>
+              </a:rPr>
+              <a:pPr marL="0" marR="0" lvl="0" indent="0" algn="r" defTabSz="914400" rtl="0" eaLnBrk="1" fontAlgn="auto" latinLnBrk="0" hangingPunct="1">
+                <a:lnSpc>
+                  <a:spcPct val="100000"/>
+                </a:lnSpc>
+                <a:spcBef>
+                  <a:spcPts val="0"/>
+                </a:spcBef>
+                <a:spcAft>
+                  <a:spcPts val="0"/>
+                </a:spcAft>
+                <a:buClrTx/>
+                <a:buSzTx/>
+                <a:buFontTx/>
+                <a:buNone/>
+                <a:tabLst/>
+                <a:defRPr/>
+              </a:pPr>
+              <a:t>20</a:t>
+            </a:fld>
+            <a:endParaRPr kumimoji="0" lang="en-US" sz="1200" b="0" i="0" u="none" strike="noStrike" kern="1200" cap="none" spc="0" normalizeH="0" baseline="0" noProof="0" dirty="0">
+              <a:ln>
+                <a:noFill/>
+              </a:ln>
+              <a:solidFill>
+                <a:prstClr val="black"/>
+              </a:solidFill>
+              <a:effectLst/>
+              <a:uLnTx/>
+              <a:uFillTx/>
+              <a:latin typeface="Calibri" panose="020F0502020204030204"/>
+              <a:ea typeface="+mn-ea"/>
+              <a:cs typeface="+mn-cs"/>
+            </a:endParaRPr>
+          </a:p>
+        </p:txBody>
+      </p:sp>
+    </p:spTree>
+    <p:extLst>
+      <p:ext uri="{BB962C8B-B14F-4D97-AF65-F5344CB8AC3E}">
+        <p14:creationId xmlns:p14="http://schemas.microsoft.com/office/powerpoint/2010/main" val="704907707"/>
+      </p:ext>
+    </p:extLst>
+  </p:cSld>
+  <p:clrMapOvr>
+    <a:masterClrMapping/>
+  </p:clrMapOvr>
+</p:notes>
+</file>
+
+<file path=ppt/notesSlides/notesSlide16.xml><?xml version="1.0" encoding="utf-8"?>
 <p:notes xmlns:a="http://schemas.openxmlformats.org/drawingml/2006/main" xmlns:r="http://schemas.openxmlformats.org/officeDocument/2006/relationships" xmlns:p="http://schemas.openxmlformats.org/presentationml/2006/main">
   <p:cSld>
     <p:spTree>
@@ -8845,7 +9491,7 @@
                 <a:tabLst/>
                 <a:defRPr/>
               </a:pPr>
-              <a:t>16</a:t>
+              <a:t>22</a:t>
             </a:fld>
             <a:endParaRPr kumimoji="0" lang="en-US" sz="1200" b="0" i="0" u="none" strike="noStrike" kern="1200" cap="none" spc="0" normalizeH="0" baseline="0" noProof="0" dirty="0">
               <a:ln>
@@ -16379,10 +17025,10 @@
       </p:sp>
       <p:pic>
         <p:nvPicPr>
-          <p:cNvPr id="13" name="Picture 12">
-            <a:extLst>
-              <a:ext uri="{FF2B5EF4-FFF2-40B4-BE49-F238E27FC236}">
-                <a16:creationId xmlns:a16="http://schemas.microsoft.com/office/drawing/2014/main" id="{E4F4B1DC-7DD6-6BCF-EDA8-FFF18FE009BF}"/>
+          <p:cNvPr id="2" name="Picture 1">
+            <a:extLst>
+              <a:ext uri="{FF2B5EF4-FFF2-40B4-BE49-F238E27FC236}">
+                <a16:creationId xmlns:a16="http://schemas.microsoft.com/office/drawing/2014/main" id="{36683141-890E-1BBA-C310-575505B2D61A}"/>
               </a:ext>
             </a:extLst>
           </p:cNvPr>
@@ -16399,8 +17045,8 @@
         </p:blipFill>
         <p:spPr>
           <a:xfrm>
-            <a:off x="138797" y="1246436"/>
-            <a:ext cx="6970341" cy="4667137"/>
+            <a:off x="138796" y="1246859"/>
+            <a:ext cx="7164529" cy="4666714"/>
           </a:xfrm>
           <a:prstGeom prst="rect">
             <a:avLst/>
@@ -16421,7 +17067,7 @@
         </p:nvSpPr>
         <p:spPr>
           <a:xfrm>
-            <a:off x="2672366" y="1246436"/>
+            <a:off x="2692010" y="1560766"/>
             <a:ext cx="1751527" cy="1438809"/>
           </a:xfrm>
           <a:prstGeom prst="flowChartConnector">
@@ -16461,10 +17107,10 @@
       </p:sp>
       <p:pic>
         <p:nvPicPr>
-          <p:cNvPr id="4" name="Picture 3">
-            <a:extLst>
-              <a:ext uri="{FF2B5EF4-FFF2-40B4-BE49-F238E27FC236}">
-                <a16:creationId xmlns:a16="http://schemas.microsoft.com/office/drawing/2014/main" id="{E0FD247A-C18B-7097-203B-C0CE48A15944}"/>
+          <p:cNvPr id="8" name="Picture 7">
+            <a:extLst>
+              <a:ext uri="{FF2B5EF4-FFF2-40B4-BE49-F238E27FC236}">
+                <a16:creationId xmlns:a16="http://schemas.microsoft.com/office/drawing/2014/main" id="{EFDABDA0-8409-9BEA-670A-5F87504004F8}"/>
               </a:ext>
             </a:extLst>
           </p:cNvPr>
@@ -16481,8 +17127,8 @@
         </p:blipFill>
         <p:spPr>
           <a:xfrm>
-            <a:off x="5214894" y="1246859"/>
-            <a:ext cx="6838310" cy="4666714"/>
+            <a:off x="5237081" y="1246859"/>
+            <a:ext cx="6816123" cy="4652919"/>
           </a:xfrm>
           <a:prstGeom prst="rect">
             <a:avLst/>
@@ -16511,7 +17157,7 @@
         </p:blipFill>
         <p:spPr>
           <a:xfrm>
-            <a:off x="7731997" y="1245589"/>
+            <a:off x="7648869" y="1554683"/>
             <a:ext cx="1767993" cy="1450974"/>
           </a:xfrm>
           <a:prstGeom prst="rect">
@@ -17958,15 +18604,7 @@
           <a:p>
             <a:r>
               <a:rPr lang="en-GB" dirty="0"/>
-              <a:t>Seems more remote areas invite </a:t>
-            </a:r>
-            <a:r>
-              <a:rPr lang="en-GB" dirty="0" err="1"/>
-              <a:t>longers</a:t>
-            </a:r>
-            <a:r>
-              <a:rPr lang="en-GB" dirty="0"/>
-              <a:t> stays from visitors.</a:t>
+              <a:t>Seems more remote areas invite longer stays from visitors.</a:t>
             </a:r>
           </a:p>
           <a:p>
@@ -18240,10 +18878,10 @@
       </p:grpSpPr>
       <p:sp>
         <p:nvSpPr>
-          <p:cNvPr id="10" name="Title 9">
-            <a:extLst>
-              <a:ext uri="{FF2B5EF4-FFF2-40B4-BE49-F238E27FC236}">
-                <a16:creationId xmlns:a16="http://schemas.microsoft.com/office/drawing/2014/main" id="{21C5EA2A-10BF-4B5E-ACC8-8A766A0949A6}"/>
+          <p:cNvPr id="7" name="Title 6">
+            <a:extLst>
+              <a:ext uri="{FF2B5EF4-FFF2-40B4-BE49-F238E27FC236}">
+                <a16:creationId xmlns:a16="http://schemas.microsoft.com/office/drawing/2014/main" id="{CDA38B78-9BCA-02A5-CC2C-6473F5145906}"/>
               </a:ext>
             </a:extLst>
           </p:cNvPr>
@@ -18255,13 +18893,63 @@
           </p:nvPr>
         </p:nvSpPr>
         <p:spPr/>
+        <p:txBody>
+          <a:bodyPr>
+            <a:noAutofit/>
+          </a:bodyPr>
+          <a:lstStyle/>
+          <a:p>
+            <a:pPr algn="ctr"/>
+            <a:r>
+              <a:rPr lang="en-GB" sz="2400" dirty="0"/>
+              <a:t>7. What type of </a:t>
+            </a:r>
+            <a:r>
+              <a:rPr lang="en-GB" sz="2400" b="1" dirty="0"/>
+              <a:t>accommodation</a:t>
+            </a:r>
+            <a:r>
+              <a:rPr lang="en-GB" sz="2400" dirty="0"/>
+              <a:t> is most popular? Is there a difference by location? </a:t>
+            </a:r>
+          </a:p>
+        </p:txBody>
+      </p:sp>
+      <p:sp>
+        <p:nvSpPr>
+          <p:cNvPr id="10" name="Text Placeholder 9">
+            <a:extLst>
+              <a:ext uri="{FF2B5EF4-FFF2-40B4-BE49-F238E27FC236}">
+                <a16:creationId xmlns:a16="http://schemas.microsoft.com/office/drawing/2014/main" id="{B28232F7-7CAA-896A-742C-2332190C00A0}"/>
+              </a:ext>
+            </a:extLst>
+          </p:cNvPr>
+          <p:cNvSpPr>
+            <a:spLocks noGrp="1"/>
+          </p:cNvSpPr>
+          <p:nvPr>
+            <p:ph type="body" sz="quarter" idx="17"/>
+          </p:nvPr>
+        </p:nvSpPr>
+        <p:spPr>
+          <a:xfrm>
+            <a:off x="512775" y="2027238"/>
+            <a:ext cx="4012310" cy="3979545"/>
+          </a:xfrm>
+        </p:spPr>
         <p:txBody>
           <a:bodyPr/>
           <a:lstStyle/>
           <a:p>
             <a:r>
-              <a:rPr lang="en-US" dirty="0"/>
-              <a:t>Topic one</a:t>
+              <a:rPr lang="en-GB" dirty="0"/>
+              <a:t>Hotels most popular accommodation across the board.</a:t>
+            </a:r>
+          </a:p>
+          <a:p>
+            <a:r>
+              <a:rPr lang="en-GB" dirty="0"/>
+              <a:t>Other types vary according to location, e.g. the more remote the more popular camping and caravanning. </a:t>
             </a:r>
           </a:p>
         </p:txBody>
@@ -18271,7 +18959,7 @@
           <p:cNvPr id="3" name="Footer Placeholder 2">
             <a:extLst>
               <a:ext uri="{FF2B5EF4-FFF2-40B4-BE49-F238E27FC236}">
-                <a16:creationId xmlns:a16="http://schemas.microsoft.com/office/drawing/2014/main" id="{E5932065-5BEE-4D45-A3A1-6F0559B48650}"/>
+                <a16:creationId xmlns:a16="http://schemas.microsoft.com/office/drawing/2014/main" id="{EECC0E9B-6686-4AA4-E450-60D48C23437A}"/>
               </a:ext>
             </a:extLst>
           </p:cNvPr>
@@ -18287,9 +18975,11 @@
           <a:bodyPr/>
           <a:lstStyle/>
           <a:p>
-            <a:pPr lvl="0"/>
-            <a:r>
-              <a:rPr lang="en-US" noProof="0" dirty="0"/>
+            <a:pPr>
+              <a:defRPr/>
+            </a:pPr>
+            <a:r>
+              <a:rPr lang="en-US" dirty="0"/>
               <a:t>Presentation title</a:t>
             </a:r>
           </a:p>
@@ -18297,18 +18987,18 @@
       </p:sp>
       <p:sp>
         <p:nvSpPr>
-          <p:cNvPr id="12" name="Subtitle 11">
-            <a:extLst>
-              <a:ext uri="{FF2B5EF4-FFF2-40B4-BE49-F238E27FC236}">
-                <a16:creationId xmlns:a16="http://schemas.microsoft.com/office/drawing/2014/main" id="{AEAC0465-1751-47C8-9200-CF24EEB5E133}"/>
-              </a:ext>
-            </a:extLst>
-          </p:cNvPr>
-          <p:cNvSpPr>
-            <a:spLocks noGrp="1"/>
-          </p:cNvSpPr>
-          <p:nvPr>
-            <p:ph sz="quarter" idx="14"/>
+          <p:cNvPr id="5" name="Date Placeholder 4">
+            <a:extLst>
+              <a:ext uri="{FF2B5EF4-FFF2-40B4-BE49-F238E27FC236}">
+                <a16:creationId xmlns:a16="http://schemas.microsoft.com/office/drawing/2014/main" id="{BE2095D8-C0A2-D1C3-012E-23A2CCF5FD5B}"/>
+              </a:ext>
+            </a:extLst>
+          </p:cNvPr>
+          <p:cNvSpPr>
+            <a:spLocks noGrp="1"/>
+          </p:cNvSpPr>
+          <p:nvPr>
+            <p:ph type="dt" sz="half" idx="10"/>
           </p:nvPr>
         </p:nvSpPr>
         <p:spPr/>
@@ -18316,27 +19006,39 @@
           <a:bodyPr/>
           <a:lstStyle/>
           <a:p>
-            <a:r>
-              <a:rPr lang="en-US" dirty="0"/>
-              <a:t>Subtitle</a:t>
-            </a:r>
-          </a:p>
-        </p:txBody>
-      </p:sp>
-      <p:sp>
-        <p:nvSpPr>
-          <p:cNvPr id="2" name="Date Placeholder 1">
-            <a:extLst>
-              <a:ext uri="{FF2B5EF4-FFF2-40B4-BE49-F238E27FC236}">
-                <a16:creationId xmlns:a16="http://schemas.microsoft.com/office/drawing/2014/main" id="{B8D2C1D6-521E-4B36-BBF3-F3613BE0A718}"/>
-              </a:ext>
-            </a:extLst>
-          </p:cNvPr>
-          <p:cNvSpPr>
-            <a:spLocks noGrp="1"/>
-          </p:cNvSpPr>
-          <p:nvPr>
-            <p:ph type="dt" sz="half" idx="10"/>
+            <a:pPr>
+              <a:defRPr/>
+            </a:pPr>
+            <a:r>
+              <a:rPr lang="en-US">
+                <a:solidFill>
+                  <a:prstClr val="black"/>
+                </a:solidFill>
+              </a:rPr>
+              <a:t>20XX</a:t>
+            </a:r>
+            <a:endParaRPr lang="en-US" dirty="0">
+              <a:solidFill>
+                <a:prstClr val="black"/>
+              </a:solidFill>
+            </a:endParaRPr>
+          </a:p>
+        </p:txBody>
+      </p:sp>
+      <p:sp>
+        <p:nvSpPr>
+          <p:cNvPr id="6" name="Slide Number Placeholder 5">
+            <a:extLst>
+              <a:ext uri="{FF2B5EF4-FFF2-40B4-BE49-F238E27FC236}">
+                <a16:creationId xmlns:a16="http://schemas.microsoft.com/office/drawing/2014/main" id="{594C54A4-7E70-3852-8F24-591084F197BA}"/>
+              </a:ext>
+            </a:extLst>
+          </p:cNvPr>
+          <p:cNvSpPr>
+            <a:spLocks noGrp="1"/>
+          </p:cNvSpPr>
+          <p:nvPr>
+            <p:ph type="sldNum" sz="quarter" idx="12"/>
           </p:nvPr>
         </p:nvSpPr>
         <p:spPr/>
@@ -18344,150 +19046,149 @@
           <a:bodyPr/>
           <a:lstStyle/>
           <a:p>
-            <a:r>
-              <a:rPr lang="en-US" dirty="0"/>
-              <a:t>20XX</a:t>
-            </a:r>
-          </a:p>
-        </p:txBody>
-      </p:sp>
-      <p:sp>
-        <p:nvSpPr>
-          <p:cNvPr id="4" name="Slide Number Placeholder 3">
-            <a:extLst>
-              <a:ext uri="{FF2B5EF4-FFF2-40B4-BE49-F238E27FC236}">
-                <a16:creationId xmlns:a16="http://schemas.microsoft.com/office/drawing/2014/main" id="{7CCC3E1D-B7F8-47F6-A352-B757462BBBA7}"/>
-              </a:ext>
-            </a:extLst>
-          </p:cNvPr>
-          <p:cNvSpPr>
-            <a:spLocks noGrp="1"/>
-          </p:cNvSpPr>
-          <p:nvPr>
-            <p:ph type="sldNum" sz="quarter" idx="12"/>
-          </p:nvPr>
-        </p:nvSpPr>
-        <p:spPr/>
-        <p:txBody>
-          <a:bodyPr/>
-          <a:lstStyle/>
-          <a:p>
-            <a:pPr lvl="0"/>
-            <a:fld id="{2722F022-211C-4882-844C-086FEA6806AA}" type="slidenum">
-              <a:rPr lang="en-US" noProof="0" smtClean="0"/>
-              <a:pPr lvl="0"/>
+            <a:pPr marL="0" marR="0" lvl="0" indent="0" algn="r" defTabSz="914400" rtl="0" eaLnBrk="1" fontAlgn="auto" latinLnBrk="0" hangingPunct="1">
+              <a:lnSpc>
+                <a:spcPct val="100000"/>
+              </a:lnSpc>
+              <a:spcBef>
+                <a:spcPts val="0"/>
+              </a:spcBef>
+              <a:spcAft>
+                <a:spcPts val="0"/>
+              </a:spcAft>
+              <a:buClrTx/>
+              <a:buSzTx/>
+              <a:buFontTx/>
+              <a:buNone/>
+              <a:tabLst/>
+              <a:defRPr/>
+            </a:pPr>
+            <a:fld id="{06B786C7-B8F9-4072-AAAA-17258464D730}" type="slidenum">
+              <a:rPr kumimoji="0" lang="en-US" sz="1050" b="0" i="0" u="none" strike="noStrike" kern="1200" cap="none" spc="0" normalizeH="0" baseline="0" noProof="0" smtClean="0">
+                <a:ln>
+                  <a:noFill/>
+                </a:ln>
+                <a:solidFill>
+                  <a:prstClr val="black"/>
+                </a:solidFill>
+                <a:effectLst/>
+                <a:uLnTx/>
+                <a:uFillTx/>
+                <a:latin typeface="Avenir Next LT Pro"/>
+                <a:ea typeface="+mn-ea"/>
+                <a:cs typeface="+mn-cs"/>
+              </a:rPr>
+              <a:pPr marL="0" marR="0" lvl="0" indent="0" algn="r" defTabSz="914400" rtl="0" eaLnBrk="1" fontAlgn="auto" latinLnBrk="0" hangingPunct="1">
+                <a:lnSpc>
+                  <a:spcPct val="100000"/>
+                </a:lnSpc>
+                <a:spcBef>
+                  <a:spcPts val="0"/>
+                </a:spcBef>
+                <a:spcAft>
+                  <a:spcPts val="0"/>
+                </a:spcAft>
+                <a:buClrTx/>
+                <a:buSzTx/>
+                <a:buFontTx/>
+                <a:buNone/>
+                <a:tabLst/>
+                <a:defRPr/>
+              </a:pPr>
               <a:t>16</a:t>
             </a:fld>
-            <a:endParaRPr lang="en-US" noProof="0" dirty="0"/>
+            <a:endParaRPr kumimoji="0" lang="en-US" sz="1050" b="0" i="0" u="none" strike="noStrike" kern="1200" cap="none" spc="0" normalizeH="0" baseline="0" noProof="0" dirty="0">
+              <a:ln>
+                <a:noFill/>
+              </a:ln>
+              <a:solidFill>
+                <a:prstClr val="black"/>
+              </a:solidFill>
+              <a:effectLst/>
+              <a:uLnTx/>
+              <a:uFillTx/>
+              <a:latin typeface="Avenir Next LT Pro"/>
+              <a:ea typeface="+mn-ea"/>
+              <a:cs typeface="+mn-cs"/>
+            </a:endParaRPr>
+          </a:p>
+        </p:txBody>
+      </p:sp>
+      <p:sp>
+        <p:nvSpPr>
+          <p:cNvPr id="8" name="Text Placeholder 7">
+            <a:extLst>
+              <a:ext uri="{FF2B5EF4-FFF2-40B4-BE49-F238E27FC236}">
+                <a16:creationId xmlns:a16="http://schemas.microsoft.com/office/drawing/2014/main" id="{D7FE465C-939D-A626-C43A-B1152679D798}"/>
+              </a:ext>
+            </a:extLst>
+          </p:cNvPr>
+          <p:cNvSpPr>
+            <a:spLocks noGrp="1"/>
+          </p:cNvSpPr>
+          <p:nvPr>
+            <p:ph type="body" sz="quarter" idx="14"/>
+          </p:nvPr>
+        </p:nvSpPr>
+        <p:spPr>
+          <a:xfrm>
+            <a:off x="512774" y="1477540"/>
+            <a:ext cx="3491886" cy="597604"/>
+          </a:xfrm>
+        </p:spPr>
+        <p:txBody>
+          <a:bodyPr>
+            <a:normAutofit fontScale="70000" lnSpcReduction="20000"/>
+          </a:bodyPr>
+          <a:lstStyle/>
+          <a:p>
+            <a:r>
+              <a:rPr lang="en-GB" dirty="0">
+                <a:solidFill>
+                  <a:schemeClr val="bg2">
+                    <a:lumMod val="50000"/>
+                  </a:schemeClr>
+                </a:solidFill>
+              </a:rPr>
+              <a:t>Accommodation by Location and Mean Occupancy</a:t>
+            </a:r>
           </a:p>
         </p:txBody>
       </p:sp>
       <p:pic>
         <p:nvPicPr>
-          <p:cNvPr id="26" name="Picture Placeholder 25" descr="A person standing on a rock">
-            <a:extLst>
-              <a:ext uri="{FF2B5EF4-FFF2-40B4-BE49-F238E27FC236}">
-                <a16:creationId xmlns:a16="http://schemas.microsoft.com/office/drawing/2014/main" id="{5A11C124-E818-45E0-9F70-7F0C271DDC71}"/>
+          <p:cNvPr id="11" name="Picture 10">
+            <a:extLst>
+              <a:ext uri="{FF2B5EF4-FFF2-40B4-BE49-F238E27FC236}">
+                <a16:creationId xmlns:a16="http://schemas.microsoft.com/office/drawing/2014/main" id="{6BE5F77D-9591-2A38-0D01-49A0CC3FFC05}"/>
               </a:ext>
             </a:extLst>
           </p:cNvPr>
           <p:cNvPicPr>
-            <a:picLocks noGrp="1" noChangeAspect="1"/>
+            <a:picLocks noChangeAspect="1"/>
           </p:cNvPicPr>
-          <p:nvPr>
-            <p:ph type="pic" sz="quarter" idx="4294967295"/>
-          </p:nvPr>
+          <p:nvPr/>
         </p:nvPicPr>
-        <p:blipFill rotWithShape="1">
-          <a:blip r:embed="rId3">
-            <a:extLst>
-              <a:ext uri="{28A0092B-C50C-407E-A947-70E740481C1C}">
-                <a14:useLocalDpi xmlns:a14="http://schemas.microsoft.com/office/drawing/2010/main" val="0"/>
-              </a:ext>
-            </a:extLst>
-          </a:blip>
-          <a:srcRect/>
-          <a:stretch/>
+        <p:blipFill>
+          <a:blip r:embed="rId3"/>
+          <a:stretch>
+            <a:fillRect/>
+          </a:stretch>
         </p:blipFill>
         <p:spPr>
           <a:xfrm>
-            <a:off x="0" y="4533900"/>
-            <a:ext cx="7086600" cy="2324100"/>
+            <a:off x="4531181" y="1187533"/>
+            <a:ext cx="7459651" cy="5305724"/>
           </a:xfrm>
-        </p:spPr>
-      </p:pic>
-      <p:pic>
-        <p:nvPicPr>
-          <p:cNvPr id="18" name="Picture Placeholder 17" descr="A picture containing outdoor, person, mountain">
-            <a:extLst>
-              <a:ext uri="{FF2B5EF4-FFF2-40B4-BE49-F238E27FC236}">
-                <a16:creationId xmlns:a16="http://schemas.microsoft.com/office/drawing/2014/main" id="{17AE28DB-6A67-4368-B973-0AF9753460B7}"/>
-              </a:ext>
-            </a:extLst>
-          </p:cNvPr>
-          <p:cNvPicPr>
-            <a:picLocks noGrp="1" noChangeAspect="1"/>
-          </p:cNvPicPr>
-          <p:nvPr>
-            <p:ph type="pic" sz="quarter" idx="4294967295"/>
-          </p:nvPr>
-        </p:nvPicPr>
-        <p:blipFill rotWithShape="1">
-          <a:blip r:embed="rId4">
-            <a:extLst>
-              <a:ext uri="{28A0092B-C50C-407E-A947-70E740481C1C}">
-                <a14:useLocalDpi xmlns:a14="http://schemas.microsoft.com/office/drawing/2010/main" val="0"/>
-              </a:ext>
-            </a:extLst>
-          </a:blip>
-          <a:srcRect/>
-          <a:stretch/>
-        </p:blipFill>
-        <p:spPr>
-          <a:xfrm>
-            <a:off x="7086600" y="0"/>
-            <a:ext cx="5105400" cy="4533900"/>
-          </a:xfrm>
-        </p:spPr>
-      </p:pic>
-      <p:pic>
-        <p:nvPicPr>
-          <p:cNvPr id="22" name="Picture Placeholder 21" descr="A picture containing nature, outdoor, snow, mountain">
-            <a:extLst>
-              <a:ext uri="{FF2B5EF4-FFF2-40B4-BE49-F238E27FC236}">
-                <a16:creationId xmlns:a16="http://schemas.microsoft.com/office/drawing/2014/main" id="{8A37E149-B64A-42E8-BB3A-1FD622CE5C95}"/>
-              </a:ext>
-            </a:extLst>
-          </p:cNvPr>
-          <p:cNvPicPr>
-            <a:picLocks noGrp="1" noChangeAspect="1"/>
-          </p:cNvPicPr>
-          <p:nvPr>
-            <p:ph type="pic" sz="quarter" idx="4294967295"/>
-          </p:nvPr>
-        </p:nvPicPr>
-        <p:blipFill rotWithShape="1">
-          <a:blip r:embed="rId5">
-            <a:extLst>
-              <a:ext uri="{28A0092B-C50C-407E-A947-70E740481C1C}">
-                <a14:useLocalDpi xmlns:a14="http://schemas.microsoft.com/office/drawing/2010/main" val="0"/>
-              </a:ext>
-            </a:extLst>
-          </a:blip>
-          <a:srcRect/>
-          <a:stretch/>
-        </p:blipFill>
-        <p:spPr>
-          <a:xfrm>
-            <a:off x="7086600" y="4533900"/>
-            <a:ext cx="5105400" cy="2324100"/>
-          </a:xfrm>
+          <a:prstGeom prst="rect">
+            <a:avLst/>
+          </a:prstGeom>
         </p:spPr>
       </p:pic>
     </p:spTree>
     <p:extLst>
       <p:ext uri="{BB962C8B-B14F-4D97-AF65-F5344CB8AC3E}">
-        <p14:creationId xmlns:p14="http://schemas.microsoft.com/office/powerpoint/2010/main" val="2826028905"/>
+        <p14:creationId xmlns:p14="http://schemas.microsoft.com/office/powerpoint/2010/main" val="1069393055"/>
       </p:ext>
     </p:extLst>
   </p:cSld>
@@ -18516,6 +19217,2122 @@
       </p:grpSpPr>
       <p:sp>
         <p:nvSpPr>
+          <p:cNvPr id="7" name="Title 6">
+            <a:extLst>
+              <a:ext uri="{FF2B5EF4-FFF2-40B4-BE49-F238E27FC236}">
+                <a16:creationId xmlns:a16="http://schemas.microsoft.com/office/drawing/2014/main" id="{CDA38B78-9BCA-02A5-CC2C-6473F5145906}"/>
+              </a:ext>
+            </a:extLst>
+          </p:cNvPr>
+          <p:cNvSpPr>
+            <a:spLocks noGrp="1"/>
+          </p:cNvSpPr>
+          <p:nvPr>
+            <p:ph type="title"/>
+          </p:nvPr>
+        </p:nvSpPr>
+        <p:spPr/>
+        <p:txBody>
+          <a:bodyPr>
+            <a:noAutofit/>
+          </a:bodyPr>
+          <a:lstStyle/>
+          <a:p>
+            <a:pPr algn="ctr"/>
+            <a:r>
+              <a:rPr lang="en-GB" sz="2400" dirty="0"/>
+              <a:t>7. What type of </a:t>
+            </a:r>
+            <a:r>
+              <a:rPr lang="en-GB" sz="2400" b="1" dirty="0"/>
+              <a:t>accommodation</a:t>
+            </a:r>
+            <a:r>
+              <a:rPr lang="en-GB" sz="2400" dirty="0"/>
+              <a:t> is most popular? Is there a difference by location? </a:t>
+            </a:r>
+          </a:p>
+        </p:txBody>
+      </p:sp>
+      <p:sp>
+        <p:nvSpPr>
+          <p:cNvPr id="10" name="Text Placeholder 9">
+            <a:extLst>
+              <a:ext uri="{FF2B5EF4-FFF2-40B4-BE49-F238E27FC236}">
+                <a16:creationId xmlns:a16="http://schemas.microsoft.com/office/drawing/2014/main" id="{B28232F7-7CAA-896A-742C-2332190C00A0}"/>
+              </a:ext>
+            </a:extLst>
+          </p:cNvPr>
+          <p:cNvSpPr>
+            <a:spLocks noGrp="1"/>
+          </p:cNvSpPr>
+          <p:nvPr>
+            <p:ph type="body" sz="quarter" idx="17"/>
+          </p:nvPr>
+        </p:nvSpPr>
+        <p:spPr>
+          <a:xfrm>
+            <a:off x="512775" y="2027238"/>
+            <a:ext cx="4012310" cy="3979545"/>
+          </a:xfrm>
+        </p:spPr>
+        <p:txBody>
+          <a:bodyPr/>
+          <a:lstStyle/>
+          <a:p>
+            <a:r>
+              <a:rPr lang="en-GB" dirty="0"/>
+              <a:t>Hotel mean occupancy rises with hotel size. </a:t>
+            </a:r>
+          </a:p>
+          <a:p>
+            <a:r>
+              <a:rPr lang="en-GB" dirty="0"/>
+              <a:t>Guest house and B&amp;B </a:t>
+            </a:r>
+            <a:r>
+              <a:rPr lang="en-GB" dirty="0" err="1"/>
+              <a:t>occupany</a:t>
+            </a:r>
+            <a:r>
+              <a:rPr lang="en-GB" dirty="0"/>
+              <a:t> follows same trend</a:t>
+            </a:r>
+          </a:p>
+        </p:txBody>
+      </p:sp>
+      <p:sp>
+        <p:nvSpPr>
+          <p:cNvPr id="3" name="Footer Placeholder 2">
+            <a:extLst>
+              <a:ext uri="{FF2B5EF4-FFF2-40B4-BE49-F238E27FC236}">
+                <a16:creationId xmlns:a16="http://schemas.microsoft.com/office/drawing/2014/main" id="{EECC0E9B-6686-4AA4-E450-60D48C23437A}"/>
+              </a:ext>
+            </a:extLst>
+          </p:cNvPr>
+          <p:cNvSpPr>
+            <a:spLocks noGrp="1"/>
+          </p:cNvSpPr>
+          <p:nvPr>
+            <p:ph type="ftr" sz="quarter" idx="11"/>
+          </p:nvPr>
+        </p:nvSpPr>
+        <p:spPr/>
+        <p:txBody>
+          <a:bodyPr/>
+          <a:lstStyle/>
+          <a:p>
+            <a:pPr>
+              <a:defRPr/>
+            </a:pPr>
+            <a:r>
+              <a:rPr lang="en-US" dirty="0"/>
+              <a:t>Presentation title</a:t>
+            </a:r>
+          </a:p>
+        </p:txBody>
+      </p:sp>
+      <p:sp>
+        <p:nvSpPr>
+          <p:cNvPr id="5" name="Date Placeholder 4">
+            <a:extLst>
+              <a:ext uri="{FF2B5EF4-FFF2-40B4-BE49-F238E27FC236}">
+                <a16:creationId xmlns:a16="http://schemas.microsoft.com/office/drawing/2014/main" id="{BE2095D8-C0A2-D1C3-012E-23A2CCF5FD5B}"/>
+              </a:ext>
+            </a:extLst>
+          </p:cNvPr>
+          <p:cNvSpPr>
+            <a:spLocks noGrp="1"/>
+          </p:cNvSpPr>
+          <p:nvPr>
+            <p:ph type="dt" sz="half" idx="10"/>
+          </p:nvPr>
+        </p:nvSpPr>
+        <p:spPr/>
+        <p:txBody>
+          <a:bodyPr/>
+          <a:lstStyle/>
+          <a:p>
+            <a:pPr>
+              <a:defRPr/>
+            </a:pPr>
+            <a:r>
+              <a:rPr lang="en-US">
+                <a:solidFill>
+                  <a:prstClr val="black"/>
+                </a:solidFill>
+              </a:rPr>
+              <a:t>20XX</a:t>
+            </a:r>
+            <a:endParaRPr lang="en-US" dirty="0">
+              <a:solidFill>
+                <a:prstClr val="black"/>
+              </a:solidFill>
+            </a:endParaRPr>
+          </a:p>
+        </p:txBody>
+      </p:sp>
+      <p:sp>
+        <p:nvSpPr>
+          <p:cNvPr id="6" name="Slide Number Placeholder 5">
+            <a:extLst>
+              <a:ext uri="{FF2B5EF4-FFF2-40B4-BE49-F238E27FC236}">
+                <a16:creationId xmlns:a16="http://schemas.microsoft.com/office/drawing/2014/main" id="{594C54A4-7E70-3852-8F24-591084F197BA}"/>
+              </a:ext>
+            </a:extLst>
+          </p:cNvPr>
+          <p:cNvSpPr>
+            <a:spLocks noGrp="1"/>
+          </p:cNvSpPr>
+          <p:nvPr>
+            <p:ph type="sldNum" sz="quarter" idx="12"/>
+          </p:nvPr>
+        </p:nvSpPr>
+        <p:spPr/>
+        <p:txBody>
+          <a:bodyPr/>
+          <a:lstStyle/>
+          <a:p>
+            <a:pPr marL="0" marR="0" lvl="0" indent="0" algn="r" defTabSz="914400" rtl="0" eaLnBrk="1" fontAlgn="auto" latinLnBrk="0" hangingPunct="1">
+              <a:lnSpc>
+                <a:spcPct val="100000"/>
+              </a:lnSpc>
+              <a:spcBef>
+                <a:spcPts val="0"/>
+              </a:spcBef>
+              <a:spcAft>
+                <a:spcPts val="0"/>
+              </a:spcAft>
+              <a:buClrTx/>
+              <a:buSzTx/>
+              <a:buFontTx/>
+              <a:buNone/>
+              <a:tabLst/>
+              <a:defRPr/>
+            </a:pPr>
+            <a:fld id="{06B786C7-B8F9-4072-AAAA-17258464D730}" type="slidenum">
+              <a:rPr kumimoji="0" lang="en-US" sz="1050" b="0" i="0" u="none" strike="noStrike" kern="1200" cap="none" spc="0" normalizeH="0" baseline="0" noProof="0" smtClean="0">
+                <a:ln>
+                  <a:noFill/>
+                </a:ln>
+                <a:solidFill>
+                  <a:prstClr val="black"/>
+                </a:solidFill>
+                <a:effectLst/>
+                <a:uLnTx/>
+                <a:uFillTx/>
+                <a:latin typeface="Avenir Next LT Pro"/>
+                <a:ea typeface="+mn-ea"/>
+                <a:cs typeface="+mn-cs"/>
+              </a:rPr>
+              <a:pPr marL="0" marR="0" lvl="0" indent="0" algn="r" defTabSz="914400" rtl="0" eaLnBrk="1" fontAlgn="auto" latinLnBrk="0" hangingPunct="1">
+                <a:lnSpc>
+                  <a:spcPct val="100000"/>
+                </a:lnSpc>
+                <a:spcBef>
+                  <a:spcPts val="0"/>
+                </a:spcBef>
+                <a:spcAft>
+                  <a:spcPts val="0"/>
+                </a:spcAft>
+                <a:buClrTx/>
+                <a:buSzTx/>
+                <a:buFontTx/>
+                <a:buNone/>
+                <a:tabLst/>
+                <a:defRPr/>
+              </a:pPr>
+              <a:t>17</a:t>
+            </a:fld>
+            <a:endParaRPr kumimoji="0" lang="en-US" sz="1050" b="0" i="0" u="none" strike="noStrike" kern="1200" cap="none" spc="0" normalizeH="0" baseline="0" noProof="0" dirty="0">
+              <a:ln>
+                <a:noFill/>
+              </a:ln>
+              <a:solidFill>
+                <a:prstClr val="black"/>
+              </a:solidFill>
+              <a:effectLst/>
+              <a:uLnTx/>
+              <a:uFillTx/>
+              <a:latin typeface="Avenir Next LT Pro"/>
+              <a:ea typeface="+mn-ea"/>
+              <a:cs typeface="+mn-cs"/>
+            </a:endParaRPr>
+          </a:p>
+        </p:txBody>
+      </p:sp>
+      <p:sp>
+        <p:nvSpPr>
+          <p:cNvPr id="8" name="Text Placeholder 7">
+            <a:extLst>
+              <a:ext uri="{FF2B5EF4-FFF2-40B4-BE49-F238E27FC236}">
+                <a16:creationId xmlns:a16="http://schemas.microsoft.com/office/drawing/2014/main" id="{D7FE465C-939D-A626-C43A-B1152679D798}"/>
+              </a:ext>
+            </a:extLst>
+          </p:cNvPr>
+          <p:cNvSpPr>
+            <a:spLocks noGrp="1"/>
+          </p:cNvSpPr>
+          <p:nvPr>
+            <p:ph type="body" sz="quarter" idx="14"/>
+          </p:nvPr>
+        </p:nvSpPr>
+        <p:spPr>
+          <a:xfrm>
+            <a:off x="512774" y="1477540"/>
+            <a:ext cx="3491886" cy="597604"/>
+          </a:xfrm>
+        </p:spPr>
+        <p:txBody>
+          <a:bodyPr>
+            <a:normAutofit fontScale="70000" lnSpcReduction="20000"/>
+          </a:bodyPr>
+          <a:lstStyle/>
+          <a:p>
+            <a:r>
+              <a:rPr lang="en-GB" dirty="0">
+                <a:solidFill>
+                  <a:schemeClr val="bg2">
+                    <a:lumMod val="50000"/>
+                  </a:schemeClr>
+                </a:solidFill>
+              </a:rPr>
+              <a:t>Accommodation by Location and Mean Occupancy</a:t>
+            </a:r>
+          </a:p>
+        </p:txBody>
+      </p:sp>
+      <p:pic>
+        <p:nvPicPr>
+          <p:cNvPr id="2" name="Picture 1">
+            <a:extLst>
+              <a:ext uri="{FF2B5EF4-FFF2-40B4-BE49-F238E27FC236}">
+                <a16:creationId xmlns:a16="http://schemas.microsoft.com/office/drawing/2014/main" id="{8116AED9-5F50-A84D-DB5F-0B0F7F867CE9}"/>
+              </a:ext>
+            </a:extLst>
+          </p:cNvPr>
+          <p:cNvPicPr>
+            <a:picLocks noChangeAspect="1"/>
+          </p:cNvPicPr>
+          <p:nvPr/>
+        </p:nvPicPr>
+        <p:blipFill>
+          <a:blip r:embed="rId3"/>
+          <a:stretch>
+            <a:fillRect/>
+          </a:stretch>
+        </p:blipFill>
+        <p:spPr>
+          <a:xfrm>
+            <a:off x="4453248" y="1249273"/>
+            <a:ext cx="7635834" cy="5171650"/>
+          </a:xfrm>
+          <a:prstGeom prst="rect">
+            <a:avLst/>
+          </a:prstGeom>
+        </p:spPr>
+      </p:pic>
+    </p:spTree>
+    <p:extLst>
+      <p:ext uri="{BB962C8B-B14F-4D97-AF65-F5344CB8AC3E}">
+        <p14:creationId xmlns:p14="http://schemas.microsoft.com/office/powerpoint/2010/main" val="2129817122"/>
+      </p:ext>
+    </p:extLst>
+  </p:cSld>
+  <p:clrMapOvr>
+    <a:masterClrMapping/>
+  </p:clrMapOvr>
+</p:sld>
+</file>
+
+<file path=ppt/slides/slide18.xml><?xml version="1.0" encoding="utf-8"?>
+<p:sld xmlns:a="http://schemas.openxmlformats.org/drawingml/2006/main" xmlns:r="http://schemas.openxmlformats.org/officeDocument/2006/relationships" xmlns:p="http://schemas.openxmlformats.org/presentationml/2006/main">
+  <p:cSld>
+    <p:spTree>
+      <p:nvGrpSpPr>
+        <p:cNvPr id="1" name=""/>
+        <p:cNvGrpSpPr/>
+        <p:nvPr/>
+      </p:nvGrpSpPr>
+      <p:grpSpPr>
+        <a:xfrm>
+          <a:off x="0" y="0"/>
+          <a:ext cx="0" cy="0"/>
+          <a:chOff x="0" y="0"/>
+          <a:chExt cx="0" cy="0"/>
+        </a:xfrm>
+      </p:grpSpPr>
+      <p:sp>
+        <p:nvSpPr>
+          <p:cNvPr id="7" name="Title 6">
+            <a:extLst>
+              <a:ext uri="{FF2B5EF4-FFF2-40B4-BE49-F238E27FC236}">
+                <a16:creationId xmlns:a16="http://schemas.microsoft.com/office/drawing/2014/main" id="{CDA38B78-9BCA-02A5-CC2C-6473F5145906}"/>
+              </a:ext>
+            </a:extLst>
+          </p:cNvPr>
+          <p:cNvSpPr>
+            <a:spLocks noGrp="1"/>
+          </p:cNvSpPr>
+          <p:nvPr>
+            <p:ph type="title"/>
+          </p:nvPr>
+        </p:nvSpPr>
+        <p:spPr/>
+        <p:txBody>
+          <a:bodyPr>
+            <a:noAutofit/>
+          </a:bodyPr>
+          <a:lstStyle/>
+          <a:p>
+            <a:pPr algn="ctr"/>
+            <a:r>
+              <a:rPr lang="en-GB" sz="2400" dirty="0"/>
+              <a:t>7. What type of </a:t>
+            </a:r>
+            <a:r>
+              <a:rPr lang="en-GB" sz="2400" b="1" dirty="0"/>
+              <a:t>accommodation</a:t>
+            </a:r>
+            <a:r>
+              <a:rPr lang="en-GB" sz="2400" dirty="0"/>
+              <a:t> is most popular? Is there a difference by location? </a:t>
+            </a:r>
+          </a:p>
+        </p:txBody>
+      </p:sp>
+      <p:sp>
+        <p:nvSpPr>
+          <p:cNvPr id="10" name="Text Placeholder 9">
+            <a:extLst>
+              <a:ext uri="{FF2B5EF4-FFF2-40B4-BE49-F238E27FC236}">
+                <a16:creationId xmlns:a16="http://schemas.microsoft.com/office/drawing/2014/main" id="{B28232F7-7CAA-896A-742C-2332190C00A0}"/>
+              </a:ext>
+            </a:extLst>
+          </p:cNvPr>
+          <p:cNvSpPr>
+            <a:spLocks noGrp="1"/>
+          </p:cNvSpPr>
+          <p:nvPr>
+            <p:ph type="body" sz="quarter" idx="17"/>
+          </p:nvPr>
+        </p:nvSpPr>
+        <p:spPr>
+          <a:xfrm>
+            <a:off x="512775" y="2027238"/>
+            <a:ext cx="4012310" cy="3979545"/>
+          </a:xfrm>
+        </p:spPr>
+        <p:txBody>
+          <a:bodyPr/>
+          <a:lstStyle/>
+          <a:p>
+            <a:endParaRPr lang="en-GB" dirty="0"/>
+          </a:p>
+        </p:txBody>
+      </p:sp>
+      <p:sp>
+        <p:nvSpPr>
+          <p:cNvPr id="3" name="Footer Placeholder 2">
+            <a:extLst>
+              <a:ext uri="{FF2B5EF4-FFF2-40B4-BE49-F238E27FC236}">
+                <a16:creationId xmlns:a16="http://schemas.microsoft.com/office/drawing/2014/main" id="{EECC0E9B-6686-4AA4-E450-60D48C23437A}"/>
+              </a:ext>
+            </a:extLst>
+          </p:cNvPr>
+          <p:cNvSpPr>
+            <a:spLocks noGrp="1"/>
+          </p:cNvSpPr>
+          <p:nvPr>
+            <p:ph type="ftr" sz="quarter" idx="11"/>
+          </p:nvPr>
+        </p:nvSpPr>
+        <p:spPr/>
+        <p:txBody>
+          <a:bodyPr/>
+          <a:lstStyle/>
+          <a:p>
+            <a:pPr>
+              <a:defRPr/>
+            </a:pPr>
+            <a:r>
+              <a:rPr lang="en-US" dirty="0"/>
+              <a:t>Presentation title</a:t>
+            </a:r>
+          </a:p>
+        </p:txBody>
+      </p:sp>
+      <p:sp>
+        <p:nvSpPr>
+          <p:cNvPr id="5" name="Date Placeholder 4">
+            <a:extLst>
+              <a:ext uri="{FF2B5EF4-FFF2-40B4-BE49-F238E27FC236}">
+                <a16:creationId xmlns:a16="http://schemas.microsoft.com/office/drawing/2014/main" id="{BE2095D8-C0A2-D1C3-012E-23A2CCF5FD5B}"/>
+              </a:ext>
+            </a:extLst>
+          </p:cNvPr>
+          <p:cNvSpPr>
+            <a:spLocks noGrp="1"/>
+          </p:cNvSpPr>
+          <p:nvPr>
+            <p:ph type="dt" sz="half" idx="10"/>
+          </p:nvPr>
+        </p:nvSpPr>
+        <p:spPr/>
+        <p:txBody>
+          <a:bodyPr/>
+          <a:lstStyle/>
+          <a:p>
+            <a:pPr>
+              <a:defRPr/>
+            </a:pPr>
+            <a:r>
+              <a:rPr lang="en-US">
+                <a:solidFill>
+                  <a:prstClr val="black"/>
+                </a:solidFill>
+              </a:rPr>
+              <a:t>20XX</a:t>
+            </a:r>
+            <a:endParaRPr lang="en-US" dirty="0">
+              <a:solidFill>
+                <a:prstClr val="black"/>
+              </a:solidFill>
+            </a:endParaRPr>
+          </a:p>
+        </p:txBody>
+      </p:sp>
+      <p:sp>
+        <p:nvSpPr>
+          <p:cNvPr id="6" name="Slide Number Placeholder 5">
+            <a:extLst>
+              <a:ext uri="{FF2B5EF4-FFF2-40B4-BE49-F238E27FC236}">
+                <a16:creationId xmlns:a16="http://schemas.microsoft.com/office/drawing/2014/main" id="{594C54A4-7E70-3852-8F24-591084F197BA}"/>
+              </a:ext>
+            </a:extLst>
+          </p:cNvPr>
+          <p:cNvSpPr>
+            <a:spLocks noGrp="1"/>
+          </p:cNvSpPr>
+          <p:nvPr>
+            <p:ph type="sldNum" sz="quarter" idx="12"/>
+          </p:nvPr>
+        </p:nvSpPr>
+        <p:spPr/>
+        <p:txBody>
+          <a:bodyPr/>
+          <a:lstStyle/>
+          <a:p>
+            <a:pPr marL="0" marR="0" lvl="0" indent="0" algn="r" defTabSz="914400" rtl="0" eaLnBrk="1" fontAlgn="auto" latinLnBrk="0" hangingPunct="1">
+              <a:lnSpc>
+                <a:spcPct val="100000"/>
+              </a:lnSpc>
+              <a:spcBef>
+                <a:spcPts val="0"/>
+              </a:spcBef>
+              <a:spcAft>
+                <a:spcPts val="0"/>
+              </a:spcAft>
+              <a:buClrTx/>
+              <a:buSzTx/>
+              <a:buFontTx/>
+              <a:buNone/>
+              <a:tabLst/>
+              <a:defRPr/>
+            </a:pPr>
+            <a:fld id="{06B786C7-B8F9-4072-AAAA-17258464D730}" type="slidenum">
+              <a:rPr kumimoji="0" lang="en-US" sz="1050" b="0" i="0" u="none" strike="noStrike" kern="1200" cap="none" spc="0" normalizeH="0" baseline="0" noProof="0" smtClean="0">
+                <a:ln>
+                  <a:noFill/>
+                </a:ln>
+                <a:solidFill>
+                  <a:prstClr val="black"/>
+                </a:solidFill>
+                <a:effectLst/>
+                <a:uLnTx/>
+                <a:uFillTx/>
+                <a:latin typeface="Avenir Next LT Pro"/>
+                <a:ea typeface="+mn-ea"/>
+                <a:cs typeface="+mn-cs"/>
+              </a:rPr>
+              <a:pPr marL="0" marR="0" lvl="0" indent="0" algn="r" defTabSz="914400" rtl="0" eaLnBrk="1" fontAlgn="auto" latinLnBrk="0" hangingPunct="1">
+                <a:lnSpc>
+                  <a:spcPct val="100000"/>
+                </a:lnSpc>
+                <a:spcBef>
+                  <a:spcPts val="0"/>
+                </a:spcBef>
+                <a:spcAft>
+                  <a:spcPts val="0"/>
+                </a:spcAft>
+                <a:buClrTx/>
+                <a:buSzTx/>
+                <a:buFontTx/>
+                <a:buNone/>
+                <a:tabLst/>
+                <a:defRPr/>
+              </a:pPr>
+              <a:t>18</a:t>
+            </a:fld>
+            <a:endParaRPr kumimoji="0" lang="en-US" sz="1050" b="0" i="0" u="none" strike="noStrike" kern="1200" cap="none" spc="0" normalizeH="0" baseline="0" noProof="0" dirty="0">
+              <a:ln>
+                <a:noFill/>
+              </a:ln>
+              <a:solidFill>
+                <a:prstClr val="black"/>
+              </a:solidFill>
+              <a:effectLst/>
+              <a:uLnTx/>
+              <a:uFillTx/>
+              <a:latin typeface="Avenir Next LT Pro"/>
+              <a:ea typeface="+mn-ea"/>
+              <a:cs typeface="+mn-cs"/>
+            </a:endParaRPr>
+          </a:p>
+        </p:txBody>
+      </p:sp>
+      <p:sp>
+        <p:nvSpPr>
+          <p:cNvPr id="8" name="Text Placeholder 7">
+            <a:extLst>
+              <a:ext uri="{FF2B5EF4-FFF2-40B4-BE49-F238E27FC236}">
+                <a16:creationId xmlns:a16="http://schemas.microsoft.com/office/drawing/2014/main" id="{D7FE465C-939D-A626-C43A-B1152679D798}"/>
+              </a:ext>
+            </a:extLst>
+          </p:cNvPr>
+          <p:cNvSpPr>
+            <a:spLocks noGrp="1"/>
+          </p:cNvSpPr>
+          <p:nvPr>
+            <p:ph type="body" sz="quarter" idx="14"/>
+          </p:nvPr>
+        </p:nvSpPr>
+        <p:spPr>
+          <a:xfrm>
+            <a:off x="512774" y="1477540"/>
+            <a:ext cx="3491886" cy="597604"/>
+          </a:xfrm>
+        </p:spPr>
+        <p:txBody>
+          <a:bodyPr>
+            <a:normAutofit fontScale="70000" lnSpcReduction="20000"/>
+          </a:bodyPr>
+          <a:lstStyle/>
+          <a:p>
+            <a:r>
+              <a:rPr lang="en-GB" dirty="0">
+                <a:solidFill>
+                  <a:schemeClr val="bg2">
+                    <a:lumMod val="50000"/>
+                  </a:schemeClr>
+                </a:solidFill>
+              </a:rPr>
+              <a:t>Accommodation by Location and Mean Occupancy</a:t>
+            </a:r>
+          </a:p>
+        </p:txBody>
+      </p:sp>
+      <p:pic>
+        <p:nvPicPr>
+          <p:cNvPr id="4" name="Picture 3">
+            <a:extLst>
+              <a:ext uri="{FF2B5EF4-FFF2-40B4-BE49-F238E27FC236}">
+                <a16:creationId xmlns:a16="http://schemas.microsoft.com/office/drawing/2014/main" id="{44E3130E-9272-C9AA-1137-A973EB5621B2}"/>
+              </a:ext>
+            </a:extLst>
+          </p:cNvPr>
+          <p:cNvPicPr>
+            <a:picLocks noChangeAspect="1"/>
+          </p:cNvPicPr>
+          <p:nvPr/>
+        </p:nvPicPr>
+        <p:blipFill>
+          <a:blip r:embed="rId3"/>
+          <a:stretch>
+            <a:fillRect/>
+          </a:stretch>
+        </p:blipFill>
+        <p:spPr>
+          <a:xfrm>
+            <a:off x="4441371" y="1199406"/>
+            <a:ext cx="7549461" cy="5258223"/>
+          </a:xfrm>
+          <a:prstGeom prst="rect">
+            <a:avLst/>
+          </a:prstGeom>
+        </p:spPr>
+      </p:pic>
+    </p:spTree>
+    <p:extLst>
+      <p:ext uri="{BB962C8B-B14F-4D97-AF65-F5344CB8AC3E}">
+        <p14:creationId xmlns:p14="http://schemas.microsoft.com/office/powerpoint/2010/main" val="3489612270"/>
+      </p:ext>
+    </p:extLst>
+  </p:cSld>
+  <p:clrMapOvr>
+    <a:masterClrMapping/>
+  </p:clrMapOvr>
+</p:sld>
+</file>
+
+<file path=ppt/slides/slide19.xml><?xml version="1.0" encoding="utf-8"?>
+<p:sld xmlns:a="http://schemas.openxmlformats.org/drawingml/2006/main" xmlns:r="http://schemas.openxmlformats.org/officeDocument/2006/relationships" xmlns:p="http://schemas.openxmlformats.org/presentationml/2006/main">
+  <p:cSld>
+    <p:spTree>
+      <p:nvGrpSpPr>
+        <p:cNvPr id="1" name=""/>
+        <p:cNvGrpSpPr/>
+        <p:nvPr/>
+      </p:nvGrpSpPr>
+      <p:grpSpPr>
+        <a:xfrm>
+          <a:off x="0" y="0"/>
+          <a:ext cx="0" cy="0"/>
+          <a:chOff x="0" y="0"/>
+          <a:chExt cx="0" cy="0"/>
+        </a:xfrm>
+      </p:grpSpPr>
+      <p:sp>
+        <p:nvSpPr>
+          <p:cNvPr id="7" name="Title 6">
+            <a:extLst>
+              <a:ext uri="{FF2B5EF4-FFF2-40B4-BE49-F238E27FC236}">
+                <a16:creationId xmlns:a16="http://schemas.microsoft.com/office/drawing/2014/main" id="{CDA38B78-9BCA-02A5-CC2C-6473F5145906}"/>
+              </a:ext>
+            </a:extLst>
+          </p:cNvPr>
+          <p:cNvSpPr>
+            <a:spLocks noGrp="1"/>
+          </p:cNvSpPr>
+          <p:nvPr>
+            <p:ph type="title"/>
+          </p:nvPr>
+        </p:nvSpPr>
+        <p:spPr/>
+        <p:txBody>
+          <a:bodyPr>
+            <a:noAutofit/>
+          </a:bodyPr>
+          <a:lstStyle/>
+          <a:p>
+            <a:pPr algn="ctr"/>
+            <a:r>
+              <a:rPr lang="en-GB" sz="2400" dirty="0"/>
+              <a:t>8. Additional International Data</a:t>
+            </a:r>
+          </a:p>
+        </p:txBody>
+      </p:sp>
+      <p:sp>
+        <p:nvSpPr>
+          <p:cNvPr id="10" name="Text Placeholder 9">
+            <a:extLst>
+              <a:ext uri="{FF2B5EF4-FFF2-40B4-BE49-F238E27FC236}">
+                <a16:creationId xmlns:a16="http://schemas.microsoft.com/office/drawing/2014/main" id="{B28232F7-7CAA-896A-742C-2332190C00A0}"/>
+              </a:ext>
+            </a:extLst>
+          </p:cNvPr>
+          <p:cNvSpPr>
+            <a:spLocks noGrp="1"/>
+          </p:cNvSpPr>
+          <p:nvPr>
+            <p:ph type="body" sz="quarter" idx="17"/>
+          </p:nvPr>
+        </p:nvSpPr>
+        <p:spPr>
+          <a:xfrm>
+            <a:off x="512775" y="2027238"/>
+            <a:ext cx="3922500" cy="3979545"/>
+          </a:xfrm>
+        </p:spPr>
+        <p:txBody>
+          <a:bodyPr/>
+          <a:lstStyle/>
+          <a:p>
+            <a:r>
+              <a:rPr lang="en-GB" dirty="0"/>
+              <a:t>American visits have more than doubled in 12 years!</a:t>
+            </a:r>
+          </a:p>
+          <a:p>
+            <a:r>
+              <a:rPr lang="en-GB" dirty="0"/>
+              <a:t>All other nationalities trending upwards but more slowly.</a:t>
+            </a:r>
+          </a:p>
+        </p:txBody>
+      </p:sp>
+      <p:sp>
+        <p:nvSpPr>
+          <p:cNvPr id="3" name="Footer Placeholder 2">
+            <a:extLst>
+              <a:ext uri="{FF2B5EF4-FFF2-40B4-BE49-F238E27FC236}">
+                <a16:creationId xmlns:a16="http://schemas.microsoft.com/office/drawing/2014/main" id="{EECC0E9B-6686-4AA4-E450-60D48C23437A}"/>
+              </a:ext>
+            </a:extLst>
+          </p:cNvPr>
+          <p:cNvSpPr>
+            <a:spLocks noGrp="1"/>
+          </p:cNvSpPr>
+          <p:nvPr>
+            <p:ph type="ftr" sz="quarter" idx="11"/>
+          </p:nvPr>
+        </p:nvSpPr>
+        <p:spPr/>
+        <p:txBody>
+          <a:bodyPr/>
+          <a:lstStyle/>
+          <a:p>
+            <a:pPr>
+              <a:defRPr/>
+            </a:pPr>
+            <a:r>
+              <a:rPr lang="en-US" dirty="0"/>
+              <a:t>Presentation title</a:t>
+            </a:r>
+          </a:p>
+        </p:txBody>
+      </p:sp>
+      <p:sp>
+        <p:nvSpPr>
+          <p:cNvPr id="5" name="Date Placeholder 4">
+            <a:extLst>
+              <a:ext uri="{FF2B5EF4-FFF2-40B4-BE49-F238E27FC236}">
+                <a16:creationId xmlns:a16="http://schemas.microsoft.com/office/drawing/2014/main" id="{BE2095D8-C0A2-D1C3-012E-23A2CCF5FD5B}"/>
+              </a:ext>
+            </a:extLst>
+          </p:cNvPr>
+          <p:cNvSpPr>
+            <a:spLocks noGrp="1"/>
+          </p:cNvSpPr>
+          <p:nvPr>
+            <p:ph type="dt" sz="half" idx="10"/>
+          </p:nvPr>
+        </p:nvSpPr>
+        <p:spPr/>
+        <p:txBody>
+          <a:bodyPr/>
+          <a:lstStyle/>
+          <a:p>
+            <a:pPr>
+              <a:defRPr/>
+            </a:pPr>
+            <a:r>
+              <a:rPr lang="en-US">
+                <a:solidFill>
+                  <a:prstClr val="black"/>
+                </a:solidFill>
+              </a:rPr>
+              <a:t>20XX</a:t>
+            </a:r>
+            <a:endParaRPr lang="en-US" dirty="0">
+              <a:solidFill>
+                <a:prstClr val="black"/>
+              </a:solidFill>
+            </a:endParaRPr>
+          </a:p>
+        </p:txBody>
+      </p:sp>
+      <p:sp>
+        <p:nvSpPr>
+          <p:cNvPr id="6" name="Slide Number Placeholder 5">
+            <a:extLst>
+              <a:ext uri="{FF2B5EF4-FFF2-40B4-BE49-F238E27FC236}">
+                <a16:creationId xmlns:a16="http://schemas.microsoft.com/office/drawing/2014/main" id="{594C54A4-7E70-3852-8F24-591084F197BA}"/>
+              </a:ext>
+            </a:extLst>
+          </p:cNvPr>
+          <p:cNvSpPr>
+            <a:spLocks noGrp="1"/>
+          </p:cNvSpPr>
+          <p:nvPr>
+            <p:ph type="sldNum" sz="quarter" idx="12"/>
+          </p:nvPr>
+        </p:nvSpPr>
+        <p:spPr/>
+        <p:txBody>
+          <a:bodyPr/>
+          <a:lstStyle/>
+          <a:p>
+            <a:pPr marL="0" marR="0" lvl="0" indent="0" algn="r" defTabSz="914400" rtl="0" eaLnBrk="1" fontAlgn="auto" latinLnBrk="0" hangingPunct="1">
+              <a:lnSpc>
+                <a:spcPct val="100000"/>
+              </a:lnSpc>
+              <a:spcBef>
+                <a:spcPts val="0"/>
+              </a:spcBef>
+              <a:spcAft>
+                <a:spcPts val="0"/>
+              </a:spcAft>
+              <a:buClrTx/>
+              <a:buSzTx/>
+              <a:buFontTx/>
+              <a:buNone/>
+              <a:tabLst/>
+              <a:defRPr/>
+            </a:pPr>
+            <a:fld id="{06B786C7-B8F9-4072-AAAA-17258464D730}" type="slidenum">
+              <a:rPr kumimoji="0" lang="en-US" sz="1050" b="0" i="0" u="none" strike="noStrike" kern="1200" cap="none" spc="0" normalizeH="0" baseline="0" noProof="0" smtClean="0">
+                <a:ln>
+                  <a:noFill/>
+                </a:ln>
+                <a:solidFill>
+                  <a:prstClr val="black"/>
+                </a:solidFill>
+                <a:effectLst/>
+                <a:uLnTx/>
+                <a:uFillTx/>
+                <a:latin typeface="Avenir Next LT Pro"/>
+                <a:ea typeface="+mn-ea"/>
+                <a:cs typeface="+mn-cs"/>
+              </a:rPr>
+              <a:pPr marL="0" marR="0" lvl="0" indent="0" algn="r" defTabSz="914400" rtl="0" eaLnBrk="1" fontAlgn="auto" latinLnBrk="0" hangingPunct="1">
+                <a:lnSpc>
+                  <a:spcPct val="100000"/>
+                </a:lnSpc>
+                <a:spcBef>
+                  <a:spcPts val="0"/>
+                </a:spcBef>
+                <a:spcAft>
+                  <a:spcPts val="0"/>
+                </a:spcAft>
+                <a:buClrTx/>
+                <a:buSzTx/>
+                <a:buFontTx/>
+                <a:buNone/>
+                <a:tabLst/>
+                <a:defRPr/>
+              </a:pPr>
+              <a:t>19</a:t>
+            </a:fld>
+            <a:endParaRPr kumimoji="0" lang="en-US" sz="1050" b="0" i="0" u="none" strike="noStrike" kern="1200" cap="none" spc="0" normalizeH="0" baseline="0" noProof="0" dirty="0">
+              <a:ln>
+                <a:noFill/>
+              </a:ln>
+              <a:solidFill>
+                <a:prstClr val="black"/>
+              </a:solidFill>
+              <a:effectLst/>
+              <a:uLnTx/>
+              <a:uFillTx/>
+              <a:latin typeface="Avenir Next LT Pro"/>
+              <a:ea typeface="+mn-ea"/>
+              <a:cs typeface="+mn-cs"/>
+            </a:endParaRPr>
+          </a:p>
+        </p:txBody>
+      </p:sp>
+      <p:sp>
+        <p:nvSpPr>
+          <p:cNvPr id="8" name="Text Placeholder 7">
+            <a:extLst>
+              <a:ext uri="{FF2B5EF4-FFF2-40B4-BE49-F238E27FC236}">
+                <a16:creationId xmlns:a16="http://schemas.microsoft.com/office/drawing/2014/main" id="{D7FE465C-939D-A626-C43A-B1152679D798}"/>
+              </a:ext>
+            </a:extLst>
+          </p:cNvPr>
+          <p:cNvSpPr>
+            <a:spLocks noGrp="1"/>
+          </p:cNvSpPr>
+          <p:nvPr>
+            <p:ph type="body" sz="quarter" idx="14"/>
+          </p:nvPr>
+        </p:nvSpPr>
+        <p:spPr>
+          <a:xfrm>
+            <a:off x="512774" y="1477540"/>
+            <a:ext cx="3491886" cy="597604"/>
+          </a:xfrm>
+        </p:spPr>
+        <p:txBody>
+          <a:bodyPr>
+            <a:normAutofit/>
+          </a:bodyPr>
+          <a:lstStyle/>
+          <a:p>
+            <a:r>
+              <a:rPr lang="en-GB" dirty="0">
+                <a:solidFill>
+                  <a:schemeClr val="bg2">
+                    <a:lumMod val="50000"/>
+                  </a:schemeClr>
+                </a:solidFill>
+              </a:rPr>
+              <a:t>International Visits</a:t>
+            </a:r>
+          </a:p>
+        </p:txBody>
+      </p:sp>
+      <p:pic>
+        <p:nvPicPr>
+          <p:cNvPr id="2" name="Picture 1">
+            <a:extLst>
+              <a:ext uri="{FF2B5EF4-FFF2-40B4-BE49-F238E27FC236}">
+                <a16:creationId xmlns:a16="http://schemas.microsoft.com/office/drawing/2014/main" id="{95E0D8F9-06D0-0909-1F36-15F0F77BEA65}"/>
+              </a:ext>
+            </a:extLst>
+          </p:cNvPr>
+          <p:cNvPicPr>
+            <a:picLocks noChangeAspect="1"/>
+          </p:cNvPicPr>
+          <p:nvPr/>
+        </p:nvPicPr>
+        <p:blipFill>
+          <a:blip r:embed="rId3"/>
+          <a:stretch>
+            <a:fillRect/>
+          </a:stretch>
+        </p:blipFill>
+        <p:spPr>
+          <a:xfrm>
+            <a:off x="4684816" y="1214815"/>
+            <a:ext cx="7382528" cy="4791968"/>
+          </a:xfrm>
+          <a:prstGeom prst="rect">
+            <a:avLst/>
+          </a:prstGeom>
+        </p:spPr>
+      </p:pic>
+    </p:spTree>
+    <p:extLst>
+      <p:ext uri="{BB962C8B-B14F-4D97-AF65-F5344CB8AC3E}">
+        <p14:creationId xmlns:p14="http://schemas.microsoft.com/office/powerpoint/2010/main" val="2827072745"/>
+      </p:ext>
+    </p:extLst>
+  </p:cSld>
+  <p:clrMapOvr>
+    <a:masterClrMapping/>
+  </p:clrMapOvr>
+</p:sld>
+</file>
+
+<file path=ppt/slides/slide2.xml><?xml version="1.0" encoding="utf-8"?>
+<p:sld xmlns:a="http://schemas.openxmlformats.org/drawingml/2006/main" xmlns:r="http://schemas.openxmlformats.org/officeDocument/2006/relationships" xmlns:p="http://schemas.openxmlformats.org/presentationml/2006/main">
+  <p:cSld>
+    <p:spTree>
+      <p:nvGrpSpPr>
+        <p:cNvPr id="1" name=""/>
+        <p:cNvGrpSpPr/>
+        <p:nvPr/>
+      </p:nvGrpSpPr>
+      <p:grpSpPr>
+        <a:xfrm>
+          <a:off x="0" y="0"/>
+          <a:ext cx="0" cy="0"/>
+          <a:chOff x="0" y="0"/>
+          <a:chExt cx="0" cy="0"/>
+        </a:xfrm>
+      </p:grpSpPr>
+      <p:sp>
+        <p:nvSpPr>
+          <p:cNvPr id="18" name="Title 17">
+            <a:extLst>
+              <a:ext uri="{FF2B5EF4-FFF2-40B4-BE49-F238E27FC236}">
+                <a16:creationId xmlns:a16="http://schemas.microsoft.com/office/drawing/2014/main" id="{9F2FEA60-F900-4C56-9486-48EA30926F6E}"/>
+              </a:ext>
+            </a:extLst>
+          </p:cNvPr>
+          <p:cNvSpPr>
+            <a:spLocks noGrp="1"/>
+          </p:cNvSpPr>
+          <p:nvPr>
+            <p:ph type="title"/>
+          </p:nvPr>
+        </p:nvSpPr>
+        <p:spPr>
+          <a:xfrm>
+            <a:off x="649045" y="365124"/>
+            <a:ext cx="9523655" cy="1501327"/>
+          </a:xfrm>
+        </p:spPr>
+        <p:txBody>
+          <a:bodyPr/>
+          <a:lstStyle/>
+          <a:p>
+            <a:r>
+              <a:rPr lang="en-US" dirty="0"/>
+              <a:t>Introduction</a:t>
+            </a:r>
+          </a:p>
+        </p:txBody>
+      </p:sp>
+      <p:pic>
+        <p:nvPicPr>
+          <p:cNvPr id="8" name="Picture Placeholder 7" descr="A picture containing mountain, sky, outdoor, nature">
+            <a:extLst>
+              <a:ext uri="{FF2B5EF4-FFF2-40B4-BE49-F238E27FC236}">
+                <a16:creationId xmlns:a16="http://schemas.microsoft.com/office/drawing/2014/main" id="{7B7F6341-D9BE-4D3C-92A1-37FAA11DE63C}"/>
+              </a:ext>
+            </a:extLst>
+          </p:cNvPr>
+          <p:cNvPicPr>
+            <a:picLocks noGrp="1" noChangeAspect="1"/>
+          </p:cNvPicPr>
+          <p:nvPr>
+            <p:ph type="pic" sz="quarter" idx="13"/>
+          </p:nvPr>
+        </p:nvPicPr>
+        <p:blipFill rotWithShape="1">
+          <a:blip r:embed="rId2" cstate="screen">
+            <a:extLst>
+              <a:ext uri="{28A0092B-C50C-407E-A947-70E740481C1C}">
+                <a14:useLocalDpi xmlns:a14="http://schemas.microsoft.com/office/drawing/2010/main" val="0"/>
+              </a:ext>
+            </a:extLst>
+          </a:blip>
+          <a:srcRect/>
+          <a:stretch/>
+        </p:blipFill>
+        <p:spPr>
+          <a:xfrm>
+            <a:off x="0" y="2286000"/>
+            <a:ext cx="3511296" cy="4572000"/>
+          </a:xfrm>
+        </p:spPr>
+      </p:pic>
+      <p:sp>
+        <p:nvSpPr>
+          <p:cNvPr id="3" name="Footer Placeholder 2">
+            <a:extLst>
+              <a:ext uri="{FF2B5EF4-FFF2-40B4-BE49-F238E27FC236}">
+                <a16:creationId xmlns:a16="http://schemas.microsoft.com/office/drawing/2014/main" id="{88BDA17F-F303-4811-96C4-AD8A09ABEC11}"/>
+              </a:ext>
+            </a:extLst>
+          </p:cNvPr>
+          <p:cNvSpPr>
+            <a:spLocks noGrp="1"/>
+          </p:cNvSpPr>
+          <p:nvPr>
+            <p:ph type="ftr" sz="quarter" idx="11"/>
+          </p:nvPr>
+        </p:nvSpPr>
+        <p:spPr>
+          <a:xfrm>
+            <a:off x="201168" y="6356350"/>
+            <a:ext cx="4837176" cy="365125"/>
+          </a:xfrm>
+        </p:spPr>
+        <p:txBody>
+          <a:bodyPr/>
+          <a:lstStyle/>
+          <a:p>
+            <a:r>
+              <a:rPr lang="en-US" dirty="0"/>
+              <a:t>Presentation title</a:t>
+            </a:r>
+          </a:p>
+        </p:txBody>
+      </p:sp>
+      <p:sp>
+        <p:nvSpPr>
+          <p:cNvPr id="19" name="Content Placeholder 18">
+            <a:extLst>
+              <a:ext uri="{FF2B5EF4-FFF2-40B4-BE49-F238E27FC236}">
+                <a16:creationId xmlns:a16="http://schemas.microsoft.com/office/drawing/2014/main" id="{AB6583FE-B653-4C01-9ADF-EC8514A0B5ED}"/>
+              </a:ext>
+            </a:extLst>
+          </p:cNvPr>
+          <p:cNvSpPr>
+            <a:spLocks noGrp="1"/>
+          </p:cNvSpPr>
+          <p:nvPr>
+            <p:ph idx="1"/>
+          </p:nvPr>
+        </p:nvSpPr>
+        <p:spPr>
+          <a:xfrm>
+            <a:off x="5819887" y="2899186"/>
+            <a:ext cx="5610113" cy="3284359"/>
+          </a:xfrm>
+        </p:spPr>
+        <p:txBody>
+          <a:bodyPr>
+            <a:normAutofit/>
+          </a:bodyPr>
+          <a:lstStyle/>
+          <a:p>
+            <a:r>
+              <a:rPr lang="en-GB" dirty="0"/>
+              <a:t>We would like gain more understanding about our tourism data for Scotland.</a:t>
+            </a:r>
+            <a:endParaRPr lang="en-US" dirty="0"/>
+          </a:p>
+        </p:txBody>
+      </p:sp>
+      <p:sp>
+        <p:nvSpPr>
+          <p:cNvPr id="4" name="Date Placeholder 3">
+            <a:extLst>
+              <a:ext uri="{FF2B5EF4-FFF2-40B4-BE49-F238E27FC236}">
+                <a16:creationId xmlns:a16="http://schemas.microsoft.com/office/drawing/2014/main" id="{F6D5CF6D-DC44-4734-988C-0AAA60D5F7E2}"/>
+              </a:ext>
+            </a:extLst>
+          </p:cNvPr>
+          <p:cNvSpPr>
+            <a:spLocks noGrp="1"/>
+          </p:cNvSpPr>
+          <p:nvPr>
+            <p:ph type="dt" sz="half" idx="10"/>
+          </p:nvPr>
+        </p:nvSpPr>
+        <p:spPr>
+          <a:xfrm>
+            <a:off x="7013448" y="6355080"/>
+            <a:ext cx="4352544" cy="365125"/>
+          </a:xfrm>
+        </p:spPr>
+        <p:txBody>
+          <a:bodyPr/>
+          <a:lstStyle/>
+          <a:p>
+            <a:pPr lvl="0"/>
+            <a:r>
+              <a:rPr lang="en-US" noProof="0" dirty="0"/>
+              <a:t>20XX</a:t>
+            </a:r>
+          </a:p>
+        </p:txBody>
+      </p:sp>
+      <p:sp>
+        <p:nvSpPr>
+          <p:cNvPr id="5" name="Slide Number Placeholder 4">
+            <a:extLst>
+              <a:ext uri="{FF2B5EF4-FFF2-40B4-BE49-F238E27FC236}">
+                <a16:creationId xmlns:a16="http://schemas.microsoft.com/office/drawing/2014/main" id="{3E08B9AF-847F-4250-A53B-82D9036A5EBF}"/>
+              </a:ext>
+            </a:extLst>
+          </p:cNvPr>
+          <p:cNvSpPr>
+            <a:spLocks noGrp="1"/>
+          </p:cNvSpPr>
+          <p:nvPr>
+            <p:ph type="sldNum" sz="quarter" idx="12"/>
+          </p:nvPr>
+        </p:nvSpPr>
+        <p:spPr>
+          <a:xfrm>
+            <a:off x="11365992" y="6356350"/>
+            <a:ext cx="630936" cy="365125"/>
+          </a:xfrm>
+        </p:spPr>
+        <p:txBody>
+          <a:bodyPr/>
+          <a:lstStyle/>
+          <a:p>
+            <a:pPr lvl="0"/>
+            <a:fld id="{244D815C-8BF3-4ECF-A945-A2A7C2983AF9}" type="slidenum">
+              <a:rPr lang="en-US" noProof="0" smtClean="0"/>
+              <a:pPr lvl="0"/>
+              <a:t>2</a:t>
+            </a:fld>
+            <a:endParaRPr lang="en-US" noProof="0" dirty="0"/>
+          </a:p>
+        </p:txBody>
+      </p:sp>
+    </p:spTree>
+    <p:extLst>
+      <p:ext uri="{BB962C8B-B14F-4D97-AF65-F5344CB8AC3E}">
+        <p14:creationId xmlns:p14="http://schemas.microsoft.com/office/powerpoint/2010/main" val="1074753820"/>
+      </p:ext>
+    </p:extLst>
+  </p:cSld>
+  <p:clrMapOvr>
+    <a:masterClrMapping/>
+  </p:clrMapOvr>
+</p:sld>
+</file>
+
+<file path=ppt/slides/slide20.xml><?xml version="1.0" encoding="utf-8"?>
+<p:sld xmlns:a="http://schemas.openxmlformats.org/drawingml/2006/main" xmlns:r="http://schemas.openxmlformats.org/officeDocument/2006/relationships" xmlns:p="http://schemas.openxmlformats.org/presentationml/2006/main">
+  <p:cSld>
+    <p:spTree>
+      <p:nvGrpSpPr>
+        <p:cNvPr id="1" name=""/>
+        <p:cNvGrpSpPr/>
+        <p:nvPr/>
+      </p:nvGrpSpPr>
+      <p:grpSpPr>
+        <a:xfrm>
+          <a:off x="0" y="0"/>
+          <a:ext cx="0" cy="0"/>
+          <a:chOff x="0" y="0"/>
+          <a:chExt cx="0" cy="0"/>
+        </a:xfrm>
+      </p:grpSpPr>
+      <p:sp>
+        <p:nvSpPr>
+          <p:cNvPr id="15" name="Title 14">
+            <a:extLst>
+              <a:ext uri="{FF2B5EF4-FFF2-40B4-BE49-F238E27FC236}">
+                <a16:creationId xmlns:a16="http://schemas.microsoft.com/office/drawing/2014/main" id="{8DED76B9-5273-4139-ACC9-B6E36ADE2385}"/>
+              </a:ext>
+            </a:extLst>
+          </p:cNvPr>
+          <p:cNvSpPr>
+            <a:spLocks noGrp="1"/>
+          </p:cNvSpPr>
+          <p:nvPr>
+            <p:ph type="title"/>
+          </p:nvPr>
+        </p:nvSpPr>
+        <p:spPr/>
+        <p:txBody>
+          <a:bodyPr>
+            <a:normAutofit/>
+          </a:bodyPr>
+          <a:lstStyle/>
+          <a:p>
+            <a:r>
+              <a:rPr lang="en-US" sz="2000" dirty="0"/>
+              <a:t>9. Modelling - </a:t>
+            </a:r>
+            <a:r>
+              <a:rPr lang="en-GB" sz="2000" dirty="0"/>
+              <a:t>Is there any way to</a:t>
+            </a:r>
+            <a:r>
+              <a:rPr lang="en-GB" sz="2000" b="1" dirty="0"/>
+              <a:t> predict </a:t>
+            </a:r>
+            <a:r>
+              <a:rPr lang="en-GB" sz="2000" dirty="0"/>
+              <a:t>spending and visits for Visit Scotland? </a:t>
+            </a:r>
+            <a:endParaRPr lang="en-US" sz="2000" dirty="0"/>
+          </a:p>
+        </p:txBody>
+      </p:sp>
+      <p:pic>
+        <p:nvPicPr>
+          <p:cNvPr id="5" name="Picture Placeholder 4" descr="A person standing on a rock">
+            <a:extLst>
+              <a:ext uri="{FF2B5EF4-FFF2-40B4-BE49-F238E27FC236}">
+                <a16:creationId xmlns:a16="http://schemas.microsoft.com/office/drawing/2014/main" id="{633DBDDF-94F3-4001-919E-B56D62CE7A09}"/>
+              </a:ext>
+            </a:extLst>
+          </p:cNvPr>
+          <p:cNvPicPr>
+            <a:picLocks noGrp="1" noChangeAspect="1"/>
+          </p:cNvPicPr>
+          <p:nvPr>
+            <p:ph sz="quarter" idx="14"/>
+          </p:nvPr>
+        </p:nvPicPr>
+        <p:blipFill rotWithShape="1">
+          <a:blip r:embed="rId3" cstate="screen">
+            <a:extLst>
+              <a:ext uri="{28A0092B-C50C-407E-A947-70E740481C1C}">
+                <a14:useLocalDpi xmlns:a14="http://schemas.microsoft.com/office/drawing/2010/main" val="0"/>
+              </a:ext>
+            </a:extLst>
+          </a:blip>
+          <a:stretch/>
+        </p:blipFill>
+        <p:spPr>
+          <a:xfrm>
+            <a:off x="0" y="1150457"/>
+            <a:ext cx="3243072" cy="2861311"/>
+          </a:xfrm>
+        </p:spPr>
+      </p:pic>
+      <p:sp>
+        <p:nvSpPr>
+          <p:cNvPr id="20" name="Footer Placeholder 19">
+            <a:extLst>
+              <a:ext uri="{FF2B5EF4-FFF2-40B4-BE49-F238E27FC236}">
+                <a16:creationId xmlns:a16="http://schemas.microsoft.com/office/drawing/2014/main" id="{6DB8AAF6-0D0C-4F4F-A10E-6A66E4A7BEC3}"/>
+              </a:ext>
+            </a:extLst>
+          </p:cNvPr>
+          <p:cNvSpPr>
+            <a:spLocks noGrp="1"/>
+          </p:cNvSpPr>
+          <p:nvPr>
+            <p:ph type="ftr" sz="quarter" idx="11"/>
+          </p:nvPr>
+        </p:nvSpPr>
+        <p:spPr/>
+        <p:txBody>
+          <a:bodyPr/>
+          <a:lstStyle/>
+          <a:p>
+            <a:r>
+              <a:rPr lang="en-US" dirty="0"/>
+              <a:t>Presentation title</a:t>
+            </a:r>
+          </a:p>
+        </p:txBody>
+      </p:sp>
+      <p:sp>
+        <p:nvSpPr>
+          <p:cNvPr id="19" name="Date Placeholder 18">
+            <a:extLst>
+              <a:ext uri="{FF2B5EF4-FFF2-40B4-BE49-F238E27FC236}">
+                <a16:creationId xmlns:a16="http://schemas.microsoft.com/office/drawing/2014/main" id="{CE93697D-BFA2-4D84-A860-BA620414419D}"/>
+              </a:ext>
+            </a:extLst>
+          </p:cNvPr>
+          <p:cNvSpPr>
+            <a:spLocks noGrp="1"/>
+          </p:cNvSpPr>
+          <p:nvPr>
+            <p:ph type="dt" sz="half" idx="10"/>
+          </p:nvPr>
+        </p:nvSpPr>
+        <p:spPr/>
+        <p:txBody>
+          <a:bodyPr/>
+          <a:lstStyle/>
+          <a:p>
+            <a:pPr lvl="0"/>
+            <a:r>
+              <a:rPr lang="en-US" noProof="0" dirty="0"/>
+              <a:t>20XX</a:t>
+            </a:r>
+          </a:p>
+        </p:txBody>
+      </p:sp>
+      <p:sp>
+        <p:nvSpPr>
+          <p:cNvPr id="21" name="Slide Number Placeholder 20">
+            <a:extLst>
+              <a:ext uri="{FF2B5EF4-FFF2-40B4-BE49-F238E27FC236}">
+                <a16:creationId xmlns:a16="http://schemas.microsoft.com/office/drawing/2014/main" id="{C19BFBA5-3E41-40F8-9EFB-9DF730F5B6E4}"/>
+              </a:ext>
+            </a:extLst>
+          </p:cNvPr>
+          <p:cNvSpPr>
+            <a:spLocks noGrp="1"/>
+          </p:cNvSpPr>
+          <p:nvPr>
+            <p:ph type="sldNum" sz="quarter" idx="12"/>
+          </p:nvPr>
+        </p:nvSpPr>
+        <p:spPr/>
+        <p:txBody>
+          <a:bodyPr/>
+          <a:lstStyle/>
+          <a:p>
+            <a:pPr lvl="0"/>
+            <a:fld id="{244D815C-8BF3-4ECF-A945-A2A7C2983AF9}" type="slidenum">
+              <a:rPr lang="en-US" noProof="0" smtClean="0"/>
+              <a:pPr lvl="0"/>
+              <a:t>20</a:t>
+            </a:fld>
+            <a:endParaRPr lang="en-US" noProof="0" dirty="0"/>
+          </a:p>
+        </p:txBody>
+      </p:sp>
+      <p:sp>
+        <p:nvSpPr>
+          <p:cNvPr id="18" name="Text Placeholder 17">
+            <a:extLst>
+              <a:ext uri="{FF2B5EF4-FFF2-40B4-BE49-F238E27FC236}">
+                <a16:creationId xmlns:a16="http://schemas.microsoft.com/office/drawing/2014/main" id="{87F2C169-25EA-4609-BC8A-BCA7C433EEE4}"/>
+              </a:ext>
+            </a:extLst>
+          </p:cNvPr>
+          <p:cNvSpPr>
+            <a:spLocks noGrp="1"/>
+          </p:cNvSpPr>
+          <p:nvPr>
+            <p:ph type="body" sz="quarter" idx="4294967295"/>
+          </p:nvPr>
+        </p:nvSpPr>
+        <p:spPr>
+          <a:xfrm>
+            <a:off x="3700273" y="1621536"/>
+            <a:ext cx="8491728" cy="4515739"/>
+          </a:xfrm>
+        </p:spPr>
+        <p:txBody>
+          <a:bodyPr>
+            <a:normAutofit/>
+          </a:bodyPr>
+          <a:lstStyle/>
+          <a:p>
+            <a:pPr marL="457200" indent="-457200">
+              <a:buFont typeface="+mj-lt"/>
+              <a:buAutoNum type="arabicPeriod"/>
+            </a:pPr>
+            <a:endParaRPr lang="en-US" dirty="0"/>
+          </a:p>
+        </p:txBody>
+      </p:sp>
+      <p:pic>
+        <p:nvPicPr>
+          <p:cNvPr id="7" name="Picture 6">
+            <a:extLst>
+              <a:ext uri="{FF2B5EF4-FFF2-40B4-BE49-F238E27FC236}">
+                <a16:creationId xmlns:a16="http://schemas.microsoft.com/office/drawing/2014/main" id="{879B7126-0742-B559-05F4-13DD322EED2B}"/>
+              </a:ext>
+            </a:extLst>
+          </p:cNvPr>
+          <p:cNvPicPr>
+            <a:picLocks noChangeAspect="1"/>
+          </p:cNvPicPr>
+          <p:nvPr/>
+        </p:nvPicPr>
+        <p:blipFill>
+          <a:blip r:embed="rId4"/>
+          <a:stretch>
+            <a:fillRect/>
+          </a:stretch>
+        </p:blipFill>
+        <p:spPr>
+          <a:xfrm>
+            <a:off x="0" y="4011768"/>
+            <a:ext cx="3243916" cy="2861311"/>
+          </a:xfrm>
+          <a:prstGeom prst="rect">
+            <a:avLst/>
+          </a:prstGeom>
+        </p:spPr>
+      </p:pic>
+    </p:spTree>
+    <p:extLst>
+      <p:ext uri="{BB962C8B-B14F-4D97-AF65-F5344CB8AC3E}">
+        <p14:creationId xmlns:p14="http://schemas.microsoft.com/office/powerpoint/2010/main" val="2106347884"/>
+      </p:ext>
+    </p:extLst>
+  </p:cSld>
+  <p:clrMapOvr>
+    <a:masterClrMapping/>
+  </p:clrMapOvr>
+</p:sld>
+</file>
+
+<file path=ppt/slides/slide21.xml><?xml version="1.0" encoding="utf-8"?>
+<p:sld xmlns:a="http://schemas.openxmlformats.org/drawingml/2006/main" xmlns:r="http://schemas.openxmlformats.org/officeDocument/2006/relationships" xmlns:p="http://schemas.openxmlformats.org/presentationml/2006/main">
+  <p:cSld>
+    <p:spTree>
+      <p:nvGrpSpPr>
+        <p:cNvPr id="1" name=""/>
+        <p:cNvGrpSpPr/>
+        <p:nvPr/>
+      </p:nvGrpSpPr>
+      <p:grpSpPr>
+        <a:xfrm>
+          <a:off x="0" y="0"/>
+          <a:ext cx="0" cy="0"/>
+          <a:chOff x="0" y="0"/>
+          <a:chExt cx="0" cy="0"/>
+        </a:xfrm>
+      </p:grpSpPr>
+      <p:sp>
+        <p:nvSpPr>
+          <p:cNvPr id="9" name="Title 8">
+            <a:extLst>
+              <a:ext uri="{FF2B5EF4-FFF2-40B4-BE49-F238E27FC236}">
+                <a16:creationId xmlns:a16="http://schemas.microsoft.com/office/drawing/2014/main" id="{9A92E93D-8BFB-4A21-A47E-78B6DCA21146}"/>
+              </a:ext>
+            </a:extLst>
+          </p:cNvPr>
+          <p:cNvSpPr>
+            <a:spLocks noGrp="1"/>
+          </p:cNvSpPr>
+          <p:nvPr>
+            <p:ph type="title"/>
+          </p:nvPr>
+        </p:nvSpPr>
+        <p:spPr>
+          <a:xfrm>
+            <a:off x="647698" y="484494"/>
+            <a:ext cx="5800867" cy="1569493"/>
+          </a:xfrm>
+        </p:spPr>
+        <p:txBody>
+          <a:bodyPr/>
+          <a:lstStyle/>
+          <a:p>
+            <a:r>
+              <a:rPr lang="en-US" dirty="0"/>
+              <a:t>Summary</a:t>
+            </a:r>
+          </a:p>
+        </p:txBody>
+      </p:sp>
+      <p:sp>
+        <p:nvSpPr>
+          <p:cNvPr id="10" name="Content Placeholder 9">
+            <a:extLst>
+              <a:ext uri="{FF2B5EF4-FFF2-40B4-BE49-F238E27FC236}">
+                <a16:creationId xmlns:a16="http://schemas.microsoft.com/office/drawing/2014/main" id="{C69C1BDB-253B-4642-94A7-F84048E562F7}"/>
+              </a:ext>
+            </a:extLst>
+          </p:cNvPr>
+          <p:cNvSpPr>
+            <a:spLocks noGrp="1"/>
+          </p:cNvSpPr>
+          <p:nvPr>
+            <p:ph idx="1"/>
+          </p:nvPr>
+        </p:nvSpPr>
+        <p:spPr>
+          <a:xfrm>
+            <a:off x="647702" y="2156346"/>
+            <a:ext cx="5800866" cy="3963937"/>
+          </a:xfrm>
+        </p:spPr>
+        <p:txBody>
+          <a:bodyPr/>
+          <a:lstStyle/>
+          <a:p>
+            <a:r>
+              <a:rPr lang="en-US" dirty="0"/>
+              <a:t>With PowerPoint, you can create presentations and share your work with others, wherever they are. Type the text you want here to get started. You can also add images, art, and videos on this template. Save to OneDrive and access your presentations from your computer, tablet, or phone. </a:t>
+            </a:r>
+          </a:p>
+        </p:txBody>
+      </p:sp>
+      <p:sp>
+        <p:nvSpPr>
+          <p:cNvPr id="16" name="Footer Placeholder 15">
+            <a:extLst>
+              <a:ext uri="{FF2B5EF4-FFF2-40B4-BE49-F238E27FC236}">
+                <a16:creationId xmlns:a16="http://schemas.microsoft.com/office/drawing/2014/main" id="{C394FA6A-80EA-46C1-8A4C-B4D8E90A7BCE}"/>
+              </a:ext>
+            </a:extLst>
+          </p:cNvPr>
+          <p:cNvSpPr>
+            <a:spLocks noGrp="1"/>
+          </p:cNvSpPr>
+          <p:nvPr>
+            <p:ph type="ftr" sz="quarter" idx="11"/>
+          </p:nvPr>
+        </p:nvSpPr>
+        <p:spPr>
+          <a:xfrm>
+            <a:off x="199277" y="6356350"/>
+            <a:ext cx="3877423" cy="365125"/>
+          </a:xfrm>
+        </p:spPr>
+        <p:txBody>
+          <a:bodyPr/>
+          <a:lstStyle/>
+          <a:p>
+            <a:pPr lvl="0"/>
+            <a:r>
+              <a:rPr lang="en-US" noProof="0" dirty="0"/>
+              <a:t>Presentation title</a:t>
+            </a:r>
+          </a:p>
+        </p:txBody>
+      </p:sp>
+      <p:pic>
+        <p:nvPicPr>
+          <p:cNvPr id="23" name="Picture Placeholder 22" descr="A picture containing mountain, outdoor, sky, rock, tent">
+            <a:extLst>
+              <a:ext uri="{FF2B5EF4-FFF2-40B4-BE49-F238E27FC236}">
+                <a16:creationId xmlns:a16="http://schemas.microsoft.com/office/drawing/2014/main" id="{37330047-BDCE-48AE-A7A5-A6A79A7D2923}"/>
+              </a:ext>
+            </a:extLst>
+          </p:cNvPr>
+          <p:cNvPicPr>
+            <a:picLocks noGrp="1" noChangeAspect="1"/>
+          </p:cNvPicPr>
+          <p:nvPr>
+            <p:ph type="pic" sz="quarter" idx="13"/>
+          </p:nvPr>
+        </p:nvPicPr>
+        <p:blipFill rotWithShape="1">
+          <a:blip r:embed="rId2" cstate="screen">
+            <a:extLst>
+              <a:ext uri="{28A0092B-C50C-407E-A947-70E740481C1C}">
+                <a14:useLocalDpi xmlns:a14="http://schemas.microsoft.com/office/drawing/2010/main" val="0"/>
+              </a:ext>
+            </a:extLst>
+          </a:blip>
+          <a:srcRect/>
+          <a:stretch/>
+        </p:blipFill>
+        <p:spPr>
+          <a:xfrm>
+            <a:off x="6700838" y="665163"/>
+            <a:ext cx="2214562" cy="2513012"/>
+          </a:xfrm>
+        </p:spPr>
+      </p:pic>
+      <p:pic>
+        <p:nvPicPr>
+          <p:cNvPr id="53" name="Picture Placeholder 52" descr="A picture containing mountain, sky, snow, outdoor">
+            <a:extLst>
+              <a:ext uri="{FF2B5EF4-FFF2-40B4-BE49-F238E27FC236}">
+                <a16:creationId xmlns:a16="http://schemas.microsoft.com/office/drawing/2014/main" id="{9AFE6654-29BC-4F7D-9F69-C78DCCF2A7AC}"/>
+              </a:ext>
+            </a:extLst>
+          </p:cNvPr>
+          <p:cNvPicPr>
+            <a:picLocks noGrp="1" noChangeAspect="1"/>
+          </p:cNvPicPr>
+          <p:nvPr>
+            <p:ph type="pic" sz="quarter" idx="14"/>
+          </p:nvPr>
+        </p:nvPicPr>
+        <p:blipFill rotWithShape="1">
+          <a:blip r:embed="rId3" cstate="screen">
+            <a:extLst>
+              <a:ext uri="{28A0092B-C50C-407E-A947-70E740481C1C}">
+                <a14:useLocalDpi xmlns:a14="http://schemas.microsoft.com/office/drawing/2010/main" val="0"/>
+              </a:ext>
+            </a:extLst>
+          </a:blip>
+          <a:srcRect/>
+          <a:stretch/>
+        </p:blipFill>
+        <p:spPr>
+          <a:xfrm>
+            <a:off x="9329737" y="665579"/>
+            <a:ext cx="2214562" cy="2513012"/>
+          </a:xfrm>
+        </p:spPr>
+      </p:pic>
+      <p:pic>
+        <p:nvPicPr>
+          <p:cNvPr id="19" name="Picture Placeholder 18" descr="A picture containing outdoor, mountain, sky, nature">
+            <a:extLst>
+              <a:ext uri="{FF2B5EF4-FFF2-40B4-BE49-F238E27FC236}">
+                <a16:creationId xmlns:a16="http://schemas.microsoft.com/office/drawing/2014/main" id="{AA7C515C-968D-4E0E-AE9F-2B4791B73F84}"/>
+              </a:ext>
+            </a:extLst>
+          </p:cNvPr>
+          <p:cNvPicPr>
+            <a:picLocks noGrp="1" noChangeAspect="1"/>
+          </p:cNvPicPr>
+          <p:nvPr>
+            <p:ph type="pic" sz="quarter" idx="15"/>
+          </p:nvPr>
+        </p:nvPicPr>
+        <p:blipFill rotWithShape="1">
+          <a:blip r:embed="rId4" cstate="screen">
+            <a:extLst>
+              <a:ext uri="{28A0092B-C50C-407E-A947-70E740481C1C}">
+                <a14:useLocalDpi xmlns:a14="http://schemas.microsoft.com/office/drawing/2010/main" val="0"/>
+              </a:ext>
+            </a:extLst>
+          </a:blip>
+          <a:srcRect/>
+          <a:stretch/>
+        </p:blipFill>
+        <p:spPr>
+          <a:xfrm>
+            <a:off x="6700854" y="3607271"/>
+            <a:ext cx="2214562" cy="2513012"/>
+          </a:xfrm>
+        </p:spPr>
+      </p:pic>
+      <p:pic>
+        <p:nvPicPr>
+          <p:cNvPr id="25" name="Picture Placeholder 24" descr="A picture containing nature, outdoor, mountain, night sky">
+            <a:extLst>
+              <a:ext uri="{FF2B5EF4-FFF2-40B4-BE49-F238E27FC236}">
+                <a16:creationId xmlns:a16="http://schemas.microsoft.com/office/drawing/2014/main" id="{74AF03B6-7ED2-47DC-A5B8-3F7DB422CEA5}"/>
+              </a:ext>
+            </a:extLst>
+          </p:cNvPr>
+          <p:cNvPicPr>
+            <a:picLocks noGrp="1" noChangeAspect="1"/>
+          </p:cNvPicPr>
+          <p:nvPr>
+            <p:ph type="pic" sz="quarter" idx="16"/>
+          </p:nvPr>
+        </p:nvPicPr>
+        <p:blipFill rotWithShape="1">
+          <a:blip r:embed="rId5" cstate="screen">
+            <a:extLst>
+              <a:ext uri="{28A0092B-C50C-407E-A947-70E740481C1C}">
+                <a14:useLocalDpi xmlns:a14="http://schemas.microsoft.com/office/drawing/2010/main" val="0"/>
+              </a:ext>
+            </a:extLst>
+          </a:blip>
+          <a:srcRect/>
+          <a:stretch/>
+        </p:blipFill>
+        <p:spPr>
+          <a:xfrm>
+            <a:off x="9324845" y="3607271"/>
+            <a:ext cx="2214562" cy="2513012"/>
+          </a:xfrm>
+        </p:spPr>
+      </p:pic>
+      <p:sp>
+        <p:nvSpPr>
+          <p:cNvPr id="15" name="Date Placeholder 14">
+            <a:extLst>
+              <a:ext uri="{FF2B5EF4-FFF2-40B4-BE49-F238E27FC236}">
+                <a16:creationId xmlns:a16="http://schemas.microsoft.com/office/drawing/2014/main" id="{1AEB8108-A042-4614-9BE5-EA75E8653D79}"/>
+              </a:ext>
+            </a:extLst>
+          </p:cNvPr>
+          <p:cNvSpPr>
+            <a:spLocks noGrp="1"/>
+          </p:cNvSpPr>
+          <p:nvPr>
+            <p:ph type="dt" sz="half" idx="10"/>
+          </p:nvPr>
+        </p:nvSpPr>
+        <p:spPr>
+          <a:xfrm>
+            <a:off x="7013448" y="6355080"/>
+            <a:ext cx="4352544" cy="365125"/>
+          </a:xfrm>
+        </p:spPr>
+        <p:txBody>
+          <a:bodyPr/>
+          <a:lstStyle/>
+          <a:p>
+            <a:pPr lvl="0"/>
+            <a:r>
+              <a:rPr lang="en-US" noProof="0" dirty="0"/>
+              <a:t>20XX</a:t>
+            </a:r>
+          </a:p>
+        </p:txBody>
+      </p:sp>
+      <p:sp>
+        <p:nvSpPr>
+          <p:cNvPr id="17" name="Slide Number Placeholder 16">
+            <a:extLst>
+              <a:ext uri="{FF2B5EF4-FFF2-40B4-BE49-F238E27FC236}">
+                <a16:creationId xmlns:a16="http://schemas.microsoft.com/office/drawing/2014/main" id="{3F88522D-FC32-4BD0-B916-ED439025B734}"/>
+              </a:ext>
+            </a:extLst>
+          </p:cNvPr>
+          <p:cNvSpPr>
+            <a:spLocks noGrp="1"/>
+          </p:cNvSpPr>
+          <p:nvPr>
+            <p:ph type="sldNum" sz="quarter" idx="12"/>
+          </p:nvPr>
+        </p:nvSpPr>
+        <p:spPr>
+          <a:xfrm>
+            <a:off x="11365992" y="6356350"/>
+            <a:ext cx="630936" cy="365125"/>
+          </a:xfrm>
+        </p:spPr>
+        <p:txBody>
+          <a:bodyPr/>
+          <a:lstStyle/>
+          <a:p>
+            <a:pPr lvl="0"/>
+            <a:fld id="{D39F39FF-F5CB-4ACA-9B46-4CCF89ECA75F}" type="slidenum">
+              <a:rPr lang="en-US" noProof="0" smtClean="0"/>
+              <a:pPr lvl="0"/>
+              <a:t>21</a:t>
+            </a:fld>
+            <a:endParaRPr lang="en-US" noProof="0" dirty="0"/>
+          </a:p>
+        </p:txBody>
+      </p:sp>
+    </p:spTree>
+    <p:extLst>
+      <p:ext uri="{BB962C8B-B14F-4D97-AF65-F5344CB8AC3E}">
+        <p14:creationId xmlns:p14="http://schemas.microsoft.com/office/powerpoint/2010/main" val="4039808263"/>
+      </p:ext>
+    </p:extLst>
+  </p:cSld>
+  <p:clrMapOvr>
+    <a:masterClrMapping/>
+  </p:clrMapOvr>
+</p:sld>
+</file>
+
+<file path=ppt/slides/slide22.xml><?xml version="1.0" encoding="utf-8"?>
+<p:sld xmlns:a="http://schemas.openxmlformats.org/drawingml/2006/main" xmlns:r="http://schemas.openxmlformats.org/officeDocument/2006/relationships" xmlns:p="http://schemas.openxmlformats.org/presentationml/2006/main">
+  <p:cSld>
+    <p:spTree>
+      <p:nvGrpSpPr>
+        <p:cNvPr id="1" name=""/>
+        <p:cNvGrpSpPr/>
+        <p:nvPr/>
+      </p:nvGrpSpPr>
+      <p:grpSpPr>
+        <a:xfrm>
+          <a:off x="0" y="0"/>
+          <a:ext cx="0" cy="0"/>
+          <a:chOff x="0" y="0"/>
+          <a:chExt cx="0" cy="0"/>
+        </a:xfrm>
+      </p:grpSpPr>
+      <p:sp>
+        <p:nvSpPr>
+          <p:cNvPr id="10" name="Title 9">
+            <a:extLst>
+              <a:ext uri="{FF2B5EF4-FFF2-40B4-BE49-F238E27FC236}">
+                <a16:creationId xmlns:a16="http://schemas.microsoft.com/office/drawing/2014/main" id="{21C5EA2A-10BF-4B5E-ACC8-8A766A0949A6}"/>
+              </a:ext>
+            </a:extLst>
+          </p:cNvPr>
+          <p:cNvSpPr>
+            <a:spLocks noGrp="1"/>
+          </p:cNvSpPr>
+          <p:nvPr>
+            <p:ph type="title"/>
+          </p:nvPr>
+        </p:nvSpPr>
+        <p:spPr/>
+        <p:txBody>
+          <a:bodyPr/>
+          <a:lstStyle/>
+          <a:p>
+            <a:r>
+              <a:rPr lang="en-US" dirty="0"/>
+              <a:t>Topic one</a:t>
+            </a:r>
+          </a:p>
+        </p:txBody>
+      </p:sp>
+      <p:sp>
+        <p:nvSpPr>
+          <p:cNvPr id="3" name="Footer Placeholder 2">
+            <a:extLst>
+              <a:ext uri="{FF2B5EF4-FFF2-40B4-BE49-F238E27FC236}">
+                <a16:creationId xmlns:a16="http://schemas.microsoft.com/office/drawing/2014/main" id="{E5932065-5BEE-4D45-A3A1-6F0559B48650}"/>
+              </a:ext>
+            </a:extLst>
+          </p:cNvPr>
+          <p:cNvSpPr>
+            <a:spLocks noGrp="1"/>
+          </p:cNvSpPr>
+          <p:nvPr>
+            <p:ph type="ftr" sz="quarter" idx="11"/>
+          </p:nvPr>
+        </p:nvSpPr>
+        <p:spPr/>
+        <p:txBody>
+          <a:bodyPr/>
+          <a:lstStyle/>
+          <a:p>
+            <a:pPr lvl="0"/>
+            <a:r>
+              <a:rPr lang="en-US" noProof="0" dirty="0"/>
+              <a:t>Presentation title</a:t>
+            </a:r>
+          </a:p>
+        </p:txBody>
+      </p:sp>
+      <p:sp>
+        <p:nvSpPr>
+          <p:cNvPr id="12" name="Subtitle 11">
+            <a:extLst>
+              <a:ext uri="{FF2B5EF4-FFF2-40B4-BE49-F238E27FC236}">
+                <a16:creationId xmlns:a16="http://schemas.microsoft.com/office/drawing/2014/main" id="{AEAC0465-1751-47C8-9200-CF24EEB5E133}"/>
+              </a:ext>
+            </a:extLst>
+          </p:cNvPr>
+          <p:cNvSpPr>
+            <a:spLocks noGrp="1"/>
+          </p:cNvSpPr>
+          <p:nvPr>
+            <p:ph sz="quarter" idx="14"/>
+          </p:nvPr>
+        </p:nvSpPr>
+        <p:spPr/>
+        <p:txBody>
+          <a:bodyPr/>
+          <a:lstStyle/>
+          <a:p>
+            <a:r>
+              <a:rPr lang="en-US" dirty="0"/>
+              <a:t>Subtitle</a:t>
+            </a:r>
+          </a:p>
+        </p:txBody>
+      </p:sp>
+      <p:sp>
+        <p:nvSpPr>
+          <p:cNvPr id="2" name="Date Placeholder 1">
+            <a:extLst>
+              <a:ext uri="{FF2B5EF4-FFF2-40B4-BE49-F238E27FC236}">
+                <a16:creationId xmlns:a16="http://schemas.microsoft.com/office/drawing/2014/main" id="{B8D2C1D6-521E-4B36-BBF3-F3613BE0A718}"/>
+              </a:ext>
+            </a:extLst>
+          </p:cNvPr>
+          <p:cNvSpPr>
+            <a:spLocks noGrp="1"/>
+          </p:cNvSpPr>
+          <p:nvPr>
+            <p:ph type="dt" sz="half" idx="10"/>
+          </p:nvPr>
+        </p:nvSpPr>
+        <p:spPr/>
+        <p:txBody>
+          <a:bodyPr/>
+          <a:lstStyle/>
+          <a:p>
+            <a:r>
+              <a:rPr lang="en-US" dirty="0"/>
+              <a:t>20XX</a:t>
+            </a:r>
+          </a:p>
+        </p:txBody>
+      </p:sp>
+      <p:sp>
+        <p:nvSpPr>
+          <p:cNvPr id="4" name="Slide Number Placeholder 3">
+            <a:extLst>
+              <a:ext uri="{FF2B5EF4-FFF2-40B4-BE49-F238E27FC236}">
+                <a16:creationId xmlns:a16="http://schemas.microsoft.com/office/drawing/2014/main" id="{7CCC3E1D-B7F8-47F6-A352-B757462BBBA7}"/>
+              </a:ext>
+            </a:extLst>
+          </p:cNvPr>
+          <p:cNvSpPr>
+            <a:spLocks noGrp="1"/>
+          </p:cNvSpPr>
+          <p:nvPr>
+            <p:ph type="sldNum" sz="quarter" idx="12"/>
+          </p:nvPr>
+        </p:nvSpPr>
+        <p:spPr/>
+        <p:txBody>
+          <a:bodyPr/>
+          <a:lstStyle/>
+          <a:p>
+            <a:pPr lvl="0"/>
+            <a:fld id="{2722F022-211C-4882-844C-086FEA6806AA}" type="slidenum">
+              <a:rPr lang="en-US" noProof="0" smtClean="0"/>
+              <a:pPr lvl="0"/>
+              <a:t>22</a:t>
+            </a:fld>
+            <a:endParaRPr lang="en-US" noProof="0" dirty="0"/>
+          </a:p>
+        </p:txBody>
+      </p:sp>
+      <p:pic>
+        <p:nvPicPr>
+          <p:cNvPr id="26" name="Picture Placeholder 25" descr="A person standing on a rock">
+            <a:extLst>
+              <a:ext uri="{FF2B5EF4-FFF2-40B4-BE49-F238E27FC236}">
+                <a16:creationId xmlns:a16="http://schemas.microsoft.com/office/drawing/2014/main" id="{5A11C124-E818-45E0-9F70-7F0C271DDC71}"/>
+              </a:ext>
+            </a:extLst>
+          </p:cNvPr>
+          <p:cNvPicPr>
+            <a:picLocks noGrp="1" noChangeAspect="1"/>
+          </p:cNvPicPr>
+          <p:nvPr>
+            <p:ph type="pic" sz="quarter" idx="4294967295"/>
+          </p:nvPr>
+        </p:nvPicPr>
+        <p:blipFill rotWithShape="1">
+          <a:blip r:embed="rId3">
+            <a:extLst>
+              <a:ext uri="{28A0092B-C50C-407E-A947-70E740481C1C}">
+                <a14:useLocalDpi xmlns:a14="http://schemas.microsoft.com/office/drawing/2010/main" val="0"/>
+              </a:ext>
+            </a:extLst>
+          </a:blip>
+          <a:srcRect/>
+          <a:stretch/>
+        </p:blipFill>
+        <p:spPr>
+          <a:xfrm>
+            <a:off x="0" y="4533900"/>
+            <a:ext cx="7086600" cy="2324100"/>
+          </a:xfrm>
+        </p:spPr>
+      </p:pic>
+      <p:pic>
+        <p:nvPicPr>
+          <p:cNvPr id="18" name="Picture Placeholder 17" descr="A picture containing outdoor, person, mountain">
+            <a:extLst>
+              <a:ext uri="{FF2B5EF4-FFF2-40B4-BE49-F238E27FC236}">
+                <a16:creationId xmlns:a16="http://schemas.microsoft.com/office/drawing/2014/main" id="{17AE28DB-6A67-4368-B973-0AF9753460B7}"/>
+              </a:ext>
+            </a:extLst>
+          </p:cNvPr>
+          <p:cNvPicPr>
+            <a:picLocks noGrp="1" noChangeAspect="1"/>
+          </p:cNvPicPr>
+          <p:nvPr>
+            <p:ph type="pic" sz="quarter" idx="4294967295"/>
+          </p:nvPr>
+        </p:nvPicPr>
+        <p:blipFill rotWithShape="1">
+          <a:blip r:embed="rId4">
+            <a:extLst>
+              <a:ext uri="{28A0092B-C50C-407E-A947-70E740481C1C}">
+                <a14:useLocalDpi xmlns:a14="http://schemas.microsoft.com/office/drawing/2010/main" val="0"/>
+              </a:ext>
+            </a:extLst>
+          </a:blip>
+          <a:srcRect/>
+          <a:stretch/>
+        </p:blipFill>
+        <p:spPr>
+          <a:xfrm>
+            <a:off x="7086600" y="0"/>
+            <a:ext cx="5105400" cy="4533900"/>
+          </a:xfrm>
+        </p:spPr>
+      </p:pic>
+      <p:pic>
+        <p:nvPicPr>
+          <p:cNvPr id="22" name="Picture Placeholder 21" descr="A picture containing nature, outdoor, snow, mountain">
+            <a:extLst>
+              <a:ext uri="{FF2B5EF4-FFF2-40B4-BE49-F238E27FC236}">
+                <a16:creationId xmlns:a16="http://schemas.microsoft.com/office/drawing/2014/main" id="{8A37E149-B64A-42E8-BB3A-1FD622CE5C95}"/>
+              </a:ext>
+            </a:extLst>
+          </p:cNvPr>
+          <p:cNvPicPr>
+            <a:picLocks noGrp="1" noChangeAspect="1"/>
+          </p:cNvPicPr>
+          <p:nvPr>
+            <p:ph type="pic" sz="quarter" idx="4294967295"/>
+          </p:nvPr>
+        </p:nvPicPr>
+        <p:blipFill rotWithShape="1">
+          <a:blip r:embed="rId5">
+            <a:extLst>
+              <a:ext uri="{28A0092B-C50C-407E-A947-70E740481C1C}">
+                <a14:useLocalDpi xmlns:a14="http://schemas.microsoft.com/office/drawing/2010/main" val="0"/>
+              </a:ext>
+            </a:extLst>
+          </a:blip>
+          <a:srcRect/>
+          <a:stretch/>
+        </p:blipFill>
+        <p:spPr>
+          <a:xfrm>
+            <a:off x="7086600" y="4533900"/>
+            <a:ext cx="5105400" cy="2324100"/>
+          </a:xfrm>
+        </p:spPr>
+      </p:pic>
+    </p:spTree>
+    <p:extLst>
+      <p:ext uri="{BB962C8B-B14F-4D97-AF65-F5344CB8AC3E}">
+        <p14:creationId xmlns:p14="http://schemas.microsoft.com/office/powerpoint/2010/main" val="2826028905"/>
+      </p:ext>
+    </p:extLst>
+  </p:cSld>
+  <p:clrMapOvr>
+    <a:masterClrMapping/>
+  </p:clrMapOvr>
+</p:sld>
+</file>
+
+<file path=ppt/slides/slide23.xml><?xml version="1.0" encoding="utf-8"?>
+<p:sld xmlns:a="http://schemas.openxmlformats.org/drawingml/2006/main" xmlns:r="http://schemas.openxmlformats.org/officeDocument/2006/relationships" xmlns:p="http://schemas.openxmlformats.org/presentationml/2006/main">
+  <p:cSld>
+    <p:spTree>
+      <p:nvGrpSpPr>
+        <p:cNvPr id="1" name=""/>
+        <p:cNvGrpSpPr/>
+        <p:nvPr/>
+      </p:nvGrpSpPr>
+      <p:grpSpPr>
+        <a:xfrm>
+          <a:off x="0" y="0"/>
+          <a:ext cx="0" cy="0"/>
+          <a:chOff x="0" y="0"/>
+          <a:chExt cx="0" cy="0"/>
+        </a:xfrm>
+      </p:grpSpPr>
+      <p:sp>
+        <p:nvSpPr>
           <p:cNvPr id="34" name="Title 33">
             <a:extLst>
               <a:ext uri="{FF2B5EF4-FFF2-40B4-BE49-F238E27FC236}">
@@ -18678,7 +21495,7 @@
             <a:fld id="{06B786C7-B8F9-4072-AAAA-17258464D730}" type="slidenum">
               <a:rPr lang="en-US" noProof="0" smtClean="0"/>
               <a:pPr lvl="0"/>
-              <a:t>17</a:t>
+              <a:t>23</a:t>
             </a:fld>
             <a:endParaRPr lang="en-US" noProof="0" dirty="0"/>
           </a:p>
@@ -18697,7 +21514,7 @@
 </p:sld>
 </file>
 
-<file path=ppt/slides/slide18.xml><?xml version="1.0" encoding="utf-8"?>
+<file path=ppt/slides/slide24.xml><?xml version="1.0" encoding="utf-8"?>
 <p:sld xmlns:a="http://schemas.openxmlformats.org/drawingml/2006/main" xmlns:r="http://schemas.openxmlformats.org/officeDocument/2006/relationships" xmlns:p="http://schemas.openxmlformats.org/presentationml/2006/main">
   <p:cSld>
     <p:spTree>
@@ -19333,7 +22150,7 @@
             <a:fld id="{06B786C7-B8F9-4072-AAAA-17258464D730}" type="slidenum">
               <a:rPr lang="en-US" noProof="0" smtClean="0"/>
               <a:pPr lvl="0"/>
-              <a:t>18</a:t>
+              <a:t>24</a:t>
             </a:fld>
             <a:endParaRPr lang="en-US" noProof="0" dirty="0"/>
           </a:p>
@@ -19343,1947 +22160,6 @@
     <p:extLst>
       <p:ext uri="{BB962C8B-B14F-4D97-AF65-F5344CB8AC3E}">
         <p14:creationId xmlns:p14="http://schemas.microsoft.com/office/powerpoint/2010/main" val="434641259"/>
-      </p:ext>
-    </p:extLst>
-  </p:cSld>
-  <p:clrMapOvr>
-    <a:masterClrMapping/>
-  </p:clrMapOvr>
-</p:sld>
-</file>
-
-<file path=ppt/slides/slide19.xml><?xml version="1.0" encoding="utf-8"?>
-<p:sld xmlns:a="http://schemas.openxmlformats.org/drawingml/2006/main" xmlns:r="http://schemas.openxmlformats.org/officeDocument/2006/relationships" xmlns:p="http://schemas.openxmlformats.org/presentationml/2006/main">
-  <p:cSld>
-    <p:spTree>
-      <p:nvGrpSpPr>
-        <p:cNvPr id="1" name=""/>
-        <p:cNvGrpSpPr/>
-        <p:nvPr/>
-      </p:nvGrpSpPr>
-      <p:grpSpPr>
-        <a:xfrm>
-          <a:off x="0" y="0"/>
-          <a:ext cx="0" cy="0"/>
-          <a:chOff x="0" y="0"/>
-          <a:chExt cx="0" cy="0"/>
-        </a:xfrm>
-      </p:grpSpPr>
-      <p:pic>
-        <p:nvPicPr>
-          <p:cNvPr id="14" name="Picture Placeholder 13" descr="A picture containing sky, outdoor, mountain, tent">
-            <a:extLst>
-              <a:ext uri="{FF2B5EF4-FFF2-40B4-BE49-F238E27FC236}">
-                <a16:creationId xmlns:a16="http://schemas.microsoft.com/office/drawing/2014/main" id="{284A1AA7-2E90-4B15-88DA-97825B64484E}"/>
-              </a:ext>
-            </a:extLst>
-          </p:cNvPr>
-          <p:cNvPicPr>
-            <a:picLocks noGrp="1" noChangeAspect="1"/>
-          </p:cNvPicPr>
-          <p:nvPr>
-            <p:ph type="pic" sz="quarter" idx="13"/>
-          </p:nvPr>
-        </p:nvPicPr>
-        <p:blipFill rotWithShape="1">
-          <a:blip r:embed="rId2">
-            <a:extLst>
-              <a:ext uri="{28A0092B-C50C-407E-A947-70E740481C1C}">
-                <a14:useLocalDpi xmlns:a14="http://schemas.microsoft.com/office/drawing/2010/main" val="0"/>
-              </a:ext>
-            </a:extLst>
-          </a:blip>
-          <a:srcRect/>
-          <a:stretch/>
-        </p:blipFill>
-        <p:spPr>
-          <a:xfrm>
-            <a:off x="-2" y="0"/>
-            <a:ext cx="12192000" cy="6858000"/>
-          </a:xfrm>
-        </p:spPr>
-      </p:pic>
-      <p:sp>
-        <p:nvSpPr>
-          <p:cNvPr id="3" name="Title 2">
-            <a:extLst>
-              <a:ext uri="{FF2B5EF4-FFF2-40B4-BE49-F238E27FC236}">
-                <a16:creationId xmlns:a16="http://schemas.microsoft.com/office/drawing/2014/main" id="{8AC7AC30-1251-40E1-9808-1FB902C4C199}"/>
-              </a:ext>
-            </a:extLst>
-          </p:cNvPr>
-          <p:cNvSpPr>
-            <a:spLocks noGrp="1"/>
-          </p:cNvSpPr>
-          <p:nvPr>
-            <p:ph type="ctrTitle"/>
-          </p:nvPr>
-        </p:nvSpPr>
-        <p:spPr>
-          <a:xfrm>
-            <a:off x="1177636" y="-2"/>
-            <a:ext cx="11014364" cy="4100947"/>
-          </a:xfrm>
-        </p:spPr>
-        <p:txBody>
-          <a:bodyPr>
-            <a:normAutofit/>
-          </a:bodyPr>
-          <a:lstStyle/>
-          <a:p>
-            <a:r>
-              <a:rPr lang="en-US" dirty="0"/>
-              <a:t>The way to get</a:t>
-            </a:r>
-            <a:br>
-              <a:rPr lang="en-US" dirty="0"/>
-            </a:br>
-            <a:r>
-              <a:rPr lang="en-US" dirty="0"/>
-              <a:t>started is to quit  talking and begin doing.</a:t>
-            </a:r>
-          </a:p>
-        </p:txBody>
-      </p:sp>
-      <p:sp>
-        <p:nvSpPr>
-          <p:cNvPr id="4" name="Subtitle 3">
-            <a:extLst>
-              <a:ext uri="{FF2B5EF4-FFF2-40B4-BE49-F238E27FC236}">
-                <a16:creationId xmlns:a16="http://schemas.microsoft.com/office/drawing/2014/main" id="{4154B60C-7CE6-4829-87C0-7B4B3E16851E}"/>
-              </a:ext>
-            </a:extLst>
-          </p:cNvPr>
-          <p:cNvSpPr>
-            <a:spLocks noGrp="1"/>
-          </p:cNvSpPr>
-          <p:nvPr>
-            <p:ph type="subTitle" idx="1"/>
-          </p:nvPr>
-        </p:nvSpPr>
-        <p:spPr>
-          <a:xfrm>
-            <a:off x="3241963" y="4089656"/>
-            <a:ext cx="8950035" cy="2796566"/>
-          </a:xfrm>
-        </p:spPr>
-        <p:txBody>
-          <a:bodyPr>
-            <a:normAutofit/>
-          </a:bodyPr>
-          <a:lstStyle/>
-          <a:p>
-            <a:r>
-              <a:rPr lang="en-US" dirty="0"/>
-              <a:t>Walt Disney</a:t>
-            </a:r>
-          </a:p>
-        </p:txBody>
-      </p:sp>
-      <p:sp>
-        <p:nvSpPr>
-          <p:cNvPr id="27" name="Footer Placeholder 26">
-            <a:extLst>
-              <a:ext uri="{FF2B5EF4-FFF2-40B4-BE49-F238E27FC236}">
-                <a16:creationId xmlns:a16="http://schemas.microsoft.com/office/drawing/2014/main" id="{292399BD-BD2E-4306-802E-64A79BA9774A}"/>
-              </a:ext>
-            </a:extLst>
-          </p:cNvPr>
-          <p:cNvSpPr>
-            <a:spLocks noGrp="1"/>
-          </p:cNvSpPr>
-          <p:nvPr>
-            <p:ph type="ftr" sz="quarter" idx="11"/>
-          </p:nvPr>
-        </p:nvSpPr>
-        <p:spPr>
-          <a:xfrm>
-            <a:off x="201168" y="6356350"/>
-            <a:ext cx="4837176" cy="365125"/>
-          </a:xfrm>
-        </p:spPr>
-        <p:txBody>
-          <a:bodyPr/>
-          <a:lstStyle/>
-          <a:p>
-            <a:pPr lvl="0"/>
-            <a:r>
-              <a:rPr lang="en-US" noProof="0" dirty="0"/>
-              <a:t>Presentation title</a:t>
-            </a:r>
-          </a:p>
-        </p:txBody>
-      </p:sp>
-      <p:sp>
-        <p:nvSpPr>
-          <p:cNvPr id="26" name="Date Placeholder 25">
-            <a:extLst>
-              <a:ext uri="{FF2B5EF4-FFF2-40B4-BE49-F238E27FC236}">
-                <a16:creationId xmlns:a16="http://schemas.microsoft.com/office/drawing/2014/main" id="{A98E8EB0-8988-42CF-80D1-7A2AB7D1F8AF}"/>
-              </a:ext>
-            </a:extLst>
-          </p:cNvPr>
-          <p:cNvSpPr>
-            <a:spLocks noGrp="1"/>
-          </p:cNvSpPr>
-          <p:nvPr>
-            <p:ph type="dt" sz="half" idx="10"/>
-          </p:nvPr>
-        </p:nvSpPr>
-        <p:spPr>
-          <a:xfrm>
-            <a:off x="7013448" y="6355080"/>
-            <a:ext cx="4352544" cy="365125"/>
-          </a:xfrm>
-        </p:spPr>
-        <p:txBody>
-          <a:bodyPr/>
-          <a:lstStyle/>
-          <a:p>
-            <a:pPr lvl="0"/>
-            <a:r>
-              <a:rPr lang="en-US" noProof="0" dirty="0"/>
-              <a:t>20XX</a:t>
-            </a:r>
-          </a:p>
-        </p:txBody>
-      </p:sp>
-      <p:sp>
-        <p:nvSpPr>
-          <p:cNvPr id="28" name="Slide Number Placeholder 27">
-            <a:extLst>
-              <a:ext uri="{FF2B5EF4-FFF2-40B4-BE49-F238E27FC236}">
-                <a16:creationId xmlns:a16="http://schemas.microsoft.com/office/drawing/2014/main" id="{F3FAC0BD-E5E7-4E36-B85D-0C1D0408A115}"/>
-              </a:ext>
-            </a:extLst>
-          </p:cNvPr>
-          <p:cNvSpPr>
-            <a:spLocks noGrp="1"/>
-          </p:cNvSpPr>
-          <p:nvPr>
-            <p:ph type="sldNum" sz="quarter" idx="12"/>
-          </p:nvPr>
-        </p:nvSpPr>
-        <p:spPr>
-          <a:xfrm>
-            <a:off x="11365992" y="6356350"/>
-            <a:ext cx="630936" cy="365125"/>
-          </a:xfrm>
-        </p:spPr>
-        <p:txBody>
-          <a:bodyPr/>
-          <a:lstStyle/>
-          <a:p>
-            <a:pPr lvl="0"/>
-            <a:fld id="{CD6D940D-6D44-4DF9-9322-B4B11F7EDCD0}" type="slidenum">
-              <a:rPr lang="en-US" noProof="0" smtClean="0"/>
-              <a:pPr lvl="0"/>
-              <a:t>19</a:t>
-            </a:fld>
-            <a:endParaRPr lang="en-US" noProof="0" dirty="0"/>
-          </a:p>
-        </p:txBody>
-      </p:sp>
-    </p:spTree>
-    <p:extLst>
-      <p:ext uri="{BB962C8B-B14F-4D97-AF65-F5344CB8AC3E}">
-        <p14:creationId xmlns:p14="http://schemas.microsoft.com/office/powerpoint/2010/main" val="3386475026"/>
-      </p:ext>
-    </p:extLst>
-  </p:cSld>
-  <p:clrMapOvr>
-    <a:masterClrMapping/>
-  </p:clrMapOvr>
-</p:sld>
-</file>
-
-<file path=ppt/slides/slide2.xml><?xml version="1.0" encoding="utf-8"?>
-<p:sld xmlns:a="http://schemas.openxmlformats.org/drawingml/2006/main" xmlns:r="http://schemas.openxmlformats.org/officeDocument/2006/relationships" xmlns:p="http://schemas.openxmlformats.org/presentationml/2006/main">
-  <p:cSld>
-    <p:spTree>
-      <p:nvGrpSpPr>
-        <p:cNvPr id="1" name=""/>
-        <p:cNvGrpSpPr/>
-        <p:nvPr/>
-      </p:nvGrpSpPr>
-      <p:grpSpPr>
-        <a:xfrm>
-          <a:off x="0" y="0"/>
-          <a:ext cx="0" cy="0"/>
-          <a:chOff x="0" y="0"/>
-          <a:chExt cx="0" cy="0"/>
-        </a:xfrm>
-      </p:grpSpPr>
-      <p:sp>
-        <p:nvSpPr>
-          <p:cNvPr id="18" name="Title 17">
-            <a:extLst>
-              <a:ext uri="{FF2B5EF4-FFF2-40B4-BE49-F238E27FC236}">
-                <a16:creationId xmlns:a16="http://schemas.microsoft.com/office/drawing/2014/main" id="{9F2FEA60-F900-4C56-9486-48EA30926F6E}"/>
-              </a:ext>
-            </a:extLst>
-          </p:cNvPr>
-          <p:cNvSpPr>
-            <a:spLocks noGrp="1"/>
-          </p:cNvSpPr>
-          <p:nvPr>
-            <p:ph type="title"/>
-          </p:nvPr>
-        </p:nvSpPr>
-        <p:spPr>
-          <a:xfrm>
-            <a:off x="649045" y="365124"/>
-            <a:ext cx="9523655" cy="1501327"/>
-          </a:xfrm>
-        </p:spPr>
-        <p:txBody>
-          <a:bodyPr/>
-          <a:lstStyle/>
-          <a:p>
-            <a:r>
-              <a:rPr lang="en-US" dirty="0"/>
-              <a:t>Introduction</a:t>
-            </a:r>
-          </a:p>
-        </p:txBody>
-      </p:sp>
-      <p:pic>
-        <p:nvPicPr>
-          <p:cNvPr id="8" name="Picture Placeholder 7" descr="A picture containing mountain, sky, outdoor, nature">
-            <a:extLst>
-              <a:ext uri="{FF2B5EF4-FFF2-40B4-BE49-F238E27FC236}">
-                <a16:creationId xmlns:a16="http://schemas.microsoft.com/office/drawing/2014/main" id="{7B7F6341-D9BE-4D3C-92A1-37FAA11DE63C}"/>
-              </a:ext>
-            </a:extLst>
-          </p:cNvPr>
-          <p:cNvPicPr>
-            <a:picLocks noGrp="1" noChangeAspect="1"/>
-          </p:cNvPicPr>
-          <p:nvPr>
-            <p:ph type="pic" sz="quarter" idx="13"/>
-          </p:nvPr>
-        </p:nvPicPr>
-        <p:blipFill rotWithShape="1">
-          <a:blip r:embed="rId2" cstate="screen">
-            <a:extLst>
-              <a:ext uri="{28A0092B-C50C-407E-A947-70E740481C1C}">
-                <a14:useLocalDpi xmlns:a14="http://schemas.microsoft.com/office/drawing/2010/main" val="0"/>
-              </a:ext>
-            </a:extLst>
-          </a:blip>
-          <a:srcRect/>
-          <a:stretch/>
-        </p:blipFill>
-        <p:spPr>
-          <a:xfrm>
-            <a:off x="0" y="2286000"/>
-            <a:ext cx="3511296" cy="4572000"/>
-          </a:xfrm>
-        </p:spPr>
-      </p:pic>
-      <p:sp>
-        <p:nvSpPr>
-          <p:cNvPr id="3" name="Footer Placeholder 2">
-            <a:extLst>
-              <a:ext uri="{FF2B5EF4-FFF2-40B4-BE49-F238E27FC236}">
-                <a16:creationId xmlns:a16="http://schemas.microsoft.com/office/drawing/2014/main" id="{88BDA17F-F303-4811-96C4-AD8A09ABEC11}"/>
-              </a:ext>
-            </a:extLst>
-          </p:cNvPr>
-          <p:cNvSpPr>
-            <a:spLocks noGrp="1"/>
-          </p:cNvSpPr>
-          <p:nvPr>
-            <p:ph type="ftr" sz="quarter" idx="11"/>
-          </p:nvPr>
-        </p:nvSpPr>
-        <p:spPr>
-          <a:xfrm>
-            <a:off x="201168" y="6356350"/>
-            <a:ext cx="4837176" cy="365125"/>
-          </a:xfrm>
-        </p:spPr>
-        <p:txBody>
-          <a:bodyPr/>
-          <a:lstStyle/>
-          <a:p>
-            <a:r>
-              <a:rPr lang="en-US" dirty="0"/>
-              <a:t>Presentation title</a:t>
-            </a:r>
-          </a:p>
-        </p:txBody>
-      </p:sp>
-      <p:sp>
-        <p:nvSpPr>
-          <p:cNvPr id="19" name="Content Placeholder 18">
-            <a:extLst>
-              <a:ext uri="{FF2B5EF4-FFF2-40B4-BE49-F238E27FC236}">
-                <a16:creationId xmlns:a16="http://schemas.microsoft.com/office/drawing/2014/main" id="{AB6583FE-B653-4C01-9ADF-EC8514A0B5ED}"/>
-              </a:ext>
-            </a:extLst>
-          </p:cNvPr>
-          <p:cNvSpPr>
-            <a:spLocks noGrp="1"/>
-          </p:cNvSpPr>
-          <p:nvPr>
-            <p:ph idx="1"/>
-          </p:nvPr>
-        </p:nvSpPr>
-        <p:spPr>
-          <a:xfrm>
-            <a:off x="5819887" y="2899186"/>
-            <a:ext cx="5610113" cy="3284359"/>
-          </a:xfrm>
-        </p:spPr>
-        <p:txBody>
-          <a:bodyPr>
-            <a:normAutofit/>
-          </a:bodyPr>
-          <a:lstStyle/>
-          <a:p>
-            <a:r>
-              <a:rPr lang="en-GB" dirty="0"/>
-              <a:t>We would like gain more understanding about our tourism data for Scotland.</a:t>
-            </a:r>
-            <a:endParaRPr lang="en-US" dirty="0"/>
-          </a:p>
-        </p:txBody>
-      </p:sp>
-      <p:sp>
-        <p:nvSpPr>
-          <p:cNvPr id="4" name="Date Placeholder 3">
-            <a:extLst>
-              <a:ext uri="{FF2B5EF4-FFF2-40B4-BE49-F238E27FC236}">
-                <a16:creationId xmlns:a16="http://schemas.microsoft.com/office/drawing/2014/main" id="{F6D5CF6D-DC44-4734-988C-0AAA60D5F7E2}"/>
-              </a:ext>
-            </a:extLst>
-          </p:cNvPr>
-          <p:cNvSpPr>
-            <a:spLocks noGrp="1"/>
-          </p:cNvSpPr>
-          <p:nvPr>
-            <p:ph type="dt" sz="half" idx="10"/>
-          </p:nvPr>
-        </p:nvSpPr>
-        <p:spPr>
-          <a:xfrm>
-            <a:off x="7013448" y="6355080"/>
-            <a:ext cx="4352544" cy="365125"/>
-          </a:xfrm>
-        </p:spPr>
-        <p:txBody>
-          <a:bodyPr/>
-          <a:lstStyle/>
-          <a:p>
-            <a:pPr lvl="0"/>
-            <a:r>
-              <a:rPr lang="en-US" noProof="0" dirty="0"/>
-              <a:t>20XX</a:t>
-            </a:r>
-          </a:p>
-        </p:txBody>
-      </p:sp>
-      <p:sp>
-        <p:nvSpPr>
-          <p:cNvPr id="5" name="Slide Number Placeholder 4">
-            <a:extLst>
-              <a:ext uri="{FF2B5EF4-FFF2-40B4-BE49-F238E27FC236}">
-                <a16:creationId xmlns:a16="http://schemas.microsoft.com/office/drawing/2014/main" id="{3E08B9AF-847F-4250-A53B-82D9036A5EBF}"/>
-              </a:ext>
-            </a:extLst>
-          </p:cNvPr>
-          <p:cNvSpPr>
-            <a:spLocks noGrp="1"/>
-          </p:cNvSpPr>
-          <p:nvPr>
-            <p:ph type="sldNum" sz="quarter" idx="12"/>
-          </p:nvPr>
-        </p:nvSpPr>
-        <p:spPr>
-          <a:xfrm>
-            <a:off x="11365992" y="6356350"/>
-            <a:ext cx="630936" cy="365125"/>
-          </a:xfrm>
-        </p:spPr>
-        <p:txBody>
-          <a:bodyPr/>
-          <a:lstStyle/>
-          <a:p>
-            <a:pPr lvl="0"/>
-            <a:fld id="{244D815C-8BF3-4ECF-A945-A2A7C2983AF9}" type="slidenum">
-              <a:rPr lang="en-US" noProof="0" smtClean="0"/>
-              <a:pPr lvl="0"/>
-              <a:t>2</a:t>
-            </a:fld>
-            <a:endParaRPr lang="en-US" noProof="0" dirty="0"/>
-          </a:p>
-        </p:txBody>
-      </p:sp>
-    </p:spTree>
-    <p:extLst>
-      <p:ext uri="{BB962C8B-B14F-4D97-AF65-F5344CB8AC3E}">
-        <p14:creationId xmlns:p14="http://schemas.microsoft.com/office/powerpoint/2010/main" val="1074753820"/>
-      </p:ext>
-    </p:extLst>
-  </p:cSld>
-  <p:clrMapOvr>
-    <a:masterClrMapping/>
-  </p:clrMapOvr>
-</p:sld>
-</file>
-
-<file path=ppt/slides/slide20.xml><?xml version="1.0" encoding="utf-8"?>
-<p:sld xmlns:a="http://schemas.openxmlformats.org/drawingml/2006/main" xmlns:r="http://schemas.openxmlformats.org/officeDocument/2006/relationships" xmlns:p="http://schemas.openxmlformats.org/presentationml/2006/main">
-  <p:cSld>
-    <p:spTree>
-      <p:nvGrpSpPr>
-        <p:cNvPr id="1" name=""/>
-        <p:cNvGrpSpPr/>
-        <p:nvPr/>
-      </p:nvGrpSpPr>
-      <p:grpSpPr>
-        <a:xfrm>
-          <a:off x="0" y="0"/>
-          <a:ext cx="0" cy="0"/>
-          <a:chOff x="0" y="0"/>
-          <a:chExt cx="0" cy="0"/>
-        </a:xfrm>
-      </p:grpSpPr>
-      <p:sp>
-        <p:nvSpPr>
-          <p:cNvPr id="22" name="Title 21">
-            <a:extLst>
-              <a:ext uri="{FF2B5EF4-FFF2-40B4-BE49-F238E27FC236}">
-                <a16:creationId xmlns:a16="http://schemas.microsoft.com/office/drawing/2014/main" id="{CBCA8D9B-86A6-46D0-8939-576472F48528}"/>
-              </a:ext>
-            </a:extLst>
-          </p:cNvPr>
-          <p:cNvSpPr>
-            <a:spLocks noGrp="1"/>
-          </p:cNvSpPr>
-          <p:nvPr>
-            <p:ph type="title"/>
-          </p:nvPr>
-        </p:nvSpPr>
-        <p:spPr>
-          <a:xfrm>
-            <a:off x="1002983" y="194783"/>
-            <a:ext cx="9421177" cy="769493"/>
-          </a:xfrm>
-        </p:spPr>
-        <p:txBody>
-          <a:bodyPr>
-            <a:normAutofit fontScale="90000"/>
-          </a:bodyPr>
-          <a:lstStyle/>
-          <a:p>
-            <a:r>
-              <a:rPr lang="en-US" dirty="0"/>
-              <a:t>Team</a:t>
-            </a:r>
-          </a:p>
-        </p:txBody>
-      </p:sp>
-      <p:graphicFrame>
-        <p:nvGraphicFramePr>
-          <p:cNvPr id="12" name="Content Placeholder 2">
-            <a:extLst>
-              <a:ext uri="{FF2B5EF4-FFF2-40B4-BE49-F238E27FC236}">
-                <a16:creationId xmlns:a16="http://schemas.microsoft.com/office/drawing/2014/main" id="{B92EBB33-86ED-44CD-B655-52737F569C50}"/>
-              </a:ext>
-              <a:ext uri="{C183D7F6-B498-43B3-948B-1728B52AA6E4}">
-                <adec:decorative xmlns:adec="http://schemas.microsoft.com/office/drawing/2017/decorative" val="1"/>
-              </a:ext>
-            </a:extLst>
-          </p:cNvPr>
-          <p:cNvGraphicFramePr>
-            <a:graphicFrameLocks noGrp="1"/>
-          </p:cNvGraphicFramePr>
-          <p:nvPr>
-            <p:ph sz="quarter" idx="14"/>
-            <p:extLst>
-              <p:ext uri="{D42A27DB-BD31-4B8C-83A1-F6EECF244321}">
-                <p14:modId xmlns:p14="http://schemas.microsoft.com/office/powerpoint/2010/main" val="2108788491"/>
-              </p:ext>
-            </p:extLst>
-          </p:nvPr>
-        </p:nvGraphicFramePr>
-        <p:xfrm>
-          <a:off x="931863" y="1695450"/>
-          <a:ext cx="10328275" cy="4314825"/>
-        </p:xfrm>
-        <a:graphic>
-          <a:graphicData uri="http://schemas.openxmlformats.org/drawingml/2006/diagram">
-            <dgm:relIds xmlns:dgm="http://schemas.openxmlformats.org/drawingml/2006/diagram" xmlns:r="http://schemas.openxmlformats.org/officeDocument/2006/relationships" r:dm="rId2" r:lo="rId3" r:qs="rId4" r:cs="rId5"/>
-          </a:graphicData>
-        </a:graphic>
-      </p:graphicFrame>
-      <p:sp>
-        <p:nvSpPr>
-          <p:cNvPr id="4" name="Footer Placeholder 3">
-            <a:extLst>
-              <a:ext uri="{FF2B5EF4-FFF2-40B4-BE49-F238E27FC236}">
-                <a16:creationId xmlns:a16="http://schemas.microsoft.com/office/drawing/2014/main" id="{1BA44D22-2C67-436D-AB47-1C91A69B29EE}"/>
-              </a:ext>
-            </a:extLst>
-          </p:cNvPr>
-          <p:cNvSpPr>
-            <a:spLocks noGrp="1"/>
-          </p:cNvSpPr>
-          <p:nvPr>
-            <p:ph type="ftr" sz="quarter" idx="11"/>
-          </p:nvPr>
-        </p:nvSpPr>
-        <p:spPr>
-          <a:xfrm>
-            <a:off x="201168" y="6356350"/>
-            <a:ext cx="4837176" cy="365125"/>
-          </a:xfrm>
-        </p:spPr>
-        <p:txBody>
-          <a:bodyPr/>
-          <a:lstStyle/>
-          <a:p>
-            <a:r>
-              <a:rPr lang="en-US" dirty="0"/>
-              <a:t>Presentation title</a:t>
-            </a:r>
-          </a:p>
-        </p:txBody>
-      </p:sp>
-      <p:sp>
-        <p:nvSpPr>
-          <p:cNvPr id="3" name="Date Placeholder 2">
-            <a:extLst>
-              <a:ext uri="{FF2B5EF4-FFF2-40B4-BE49-F238E27FC236}">
-                <a16:creationId xmlns:a16="http://schemas.microsoft.com/office/drawing/2014/main" id="{1167B644-3955-44BD-8140-FD5AD6294F09}"/>
-              </a:ext>
-            </a:extLst>
-          </p:cNvPr>
-          <p:cNvSpPr>
-            <a:spLocks noGrp="1"/>
-          </p:cNvSpPr>
-          <p:nvPr>
-            <p:ph type="dt" sz="half" idx="10"/>
-          </p:nvPr>
-        </p:nvSpPr>
-        <p:spPr>
-          <a:xfrm>
-            <a:off x="7013448" y="6355080"/>
-            <a:ext cx="4352544" cy="365125"/>
-          </a:xfrm>
-        </p:spPr>
-        <p:txBody>
-          <a:bodyPr/>
-          <a:lstStyle/>
-          <a:p>
-            <a:pPr lvl="0"/>
-            <a:r>
-              <a:rPr lang="en-US" noProof="0" dirty="0"/>
-              <a:t>20XX</a:t>
-            </a:r>
-          </a:p>
-        </p:txBody>
-      </p:sp>
-      <p:sp>
-        <p:nvSpPr>
-          <p:cNvPr id="5" name="Slide Number Placeholder 4">
-            <a:extLst>
-              <a:ext uri="{FF2B5EF4-FFF2-40B4-BE49-F238E27FC236}">
-                <a16:creationId xmlns:a16="http://schemas.microsoft.com/office/drawing/2014/main" id="{E673DB5F-1A43-441F-953F-DA8BBE7299D4}"/>
-              </a:ext>
-            </a:extLst>
-          </p:cNvPr>
-          <p:cNvSpPr>
-            <a:spLocks noGrp="1"/>
-          </p:cNvSpPr>
-          <p:nvPr>
-            <p:ph type="sldNum" sz="quarter" idx="12"/>
-          </p:nvPr>
-        </p:nvSpPr>
-        <p:spPr>
-          <a:xfrm>
-            <a:off x="11365992" y="6356350"/>
-            <a:ext cx="630936" cy="365125"/>
-          </a:xfrm>
-        </p:spPr>
-        <p:txBody>
-          <a:bodyPr/>
-          <a:lstStyle/>
-          <a:p>
-            <a:pPr lvl="0"/>
-            <a:fld id="{06B786C7-B8F9-4072-AAAA-17258464D730}" type="slidenum">
-              <a:rPr lang="en-US" noProof="0" smtClean="0"/>
-              <a:pPr lvl="0"/>
-              <a:t>20</a:t>
-            </a:fld>
-            <a:endParaRPr lang="en-US" noProof="0" dirty="0"/>
-          </a:p>
-        </p:txBody>
-      </p:sp>
-    </p:spTree>
-    <p:extLst>
-      <p:ext uri="{BB962C8B-B14F-4D97-AF65-F5344CB8AC3E}">
-        <p14:creationId xmlns:p14="http://schemas.microsoft.com/office/powerpoint/2010/main" val="2605548233"/>
-      </p:ext>
-    </p:extLst>
-  </p:cSld>
-  <p:clrMapOvr>
-    <a:masterClrMapping/>
-  </p:clrMapOvr>
-</p:sld>
-</file>
-
-<file path=ppt/slides/slide21.xml><?xml version="1.0" encoding="utf-8"?>
-<p:sld xmlns:a="http://schemas.openxmlformats.org/drawingml/2006/main" xmlns:r="http://schemas.openxmlformats.org/officeDocument/2006/relationships" xmlns:p="http://schemas.openxmlformats.org/presentationml/2006/main">
-  <p:cSld>
-    <p:spTree>
-      <p:nvGrpSpPr>
-        <p:cNvPr id="1" name=""/>
-        <p:cNvGrpSpPr/>
-        <p:nvPr/>
-      </p:nvGrpSpPr>
-      <p:grpSpPr>
-        <a:xfrm>
-          <a:off x="0" y="0"/>
-          <a:ext cx="0" cy="0"/>
-          <a:chOff x="0" y="0"/>
-          <a:chExt cx="0" cy="0"/>
-        </a:xfrm>
-      </p:grpSpPr>
-      <p:sp>
-        <p:nvSpPr>
-          <p:cNvPr id="25" name="Title 24">
-            <a:extLst>
-              <a:ext uri="{FF2B5EF4-FFF2-40B4-BE49-F238E27FC236}">
-                <a16:creationId xmlns:a16="http://schemas.microsoft.com/office/drawing/2014/main" id="{330F6403-11BB-440A-81D1-11DAFA7ABF5D}"/>
-              </a:ext>
-            </a:extLst>
-          </p:cNvPr>
-          <p:cNvSpPr>
-            <a:spLocks noGrp="1"/>
-          </p:cNvSpPr>
-          <p:nvPr>
-            <p:ph type="title"/>
-          </p:nvPr>
-        </p:nvSpPr>
-        <p:spPr>
-          <a:xfrm>
-            <a:off x="1000759" y="194783"/>
-            <a:ext cx="10022841" cy="760892"/>
-          </a:xfrm>
-        </p:spPr>
-        <p:txBody>
-          <a:bodyPr>
-            <a:normAutofit fontScale="90000"/>
-          </a:bodyPr>
-          <a:lstStyle/>
-          <a:p>
-            <a:r>
-              <a:rPr lang="en-US" dirty="0"/>
-              <a:t>Timeline</a:t>
-            </a:r>
-          </a:p>
-        </p:txBody>
-      </p:sp>
-      <p:graphicFrame>
-        <p:nvGraphicFramePr>
-          <p:cNvPr id="20" name="Content Placeholder 3">
-            <a:extLst>
-              <a:ext uri="{FF2B5EF4-FFF2-40B4-BE49-F238E27FC236}">
-                <a16:creationId xmlns:a16="http://schemas.microsoft.com/office/drawing/2014/main" id="{76386ECC-44D1-4D37-AF78-36503EACC84D}"/>
-              </a:ext>
-              <a:ext uri="{C183D7F6-B498-43B3-948B-1728B52AA6E4}">
-                <adec:decorative xmlns:adec="http://schemas.microsoft.com/office/drawing/2017/decorative" val="1"/>
-              </a:ext>
-            </a:extLst>
-          </p:cNvPr>
-          <p:cNvGraphicFramePr>
-            <a:graphicFrameLocks noGrp="1"/>
-          </p:cNvGraphicFramePr>
-          <p:nvPr>
-            <p:ph sz="quarter" idx="14"/>
-            <p:extLst>
-              <p:ext uri="{D42A27DB-BD31-4B8C-83A1-F6EECF244321}">
-                <p14:modId xmlns:p14="http://schemas.microsoft.com/office/powerpoint/2010/main" val="229255033"/>
-              </p:ext>
-            </p:extLst>
-          </p:nvPr>
-        </p:nvGraphicFramePr>
-        <p:xfrm>
-          <a:off x="646113" y="1560513"/>
-          <a:ext cx="10899775" cy="4341812"/>
-        </p:xfrm>
-        <a:graphic>
-          <a:graphicData uri="http://schemas.openxmlformats.org/drawingml/2006/diagram">
-            <dgm:relIds xmlns:dgm="http://schemas.openxmlformats.org/drawingml/2006/diagram" xmlns:r="http://schemas.openxmlformats.org/officeDocument/2006/relationships" r:dm="rId2" r:lo="rId3" r:qs="rId4" r:cs="rId5"/>
-          </a:graphicData>
-        </a:graphic>
-      </p:graphicFrame>
-      <p:sp>
-        <p:nvSpPr>
-          <p:cNvPr id="4" name="Footer Placeholder 3">
-            <a:extLst>
-              <a:ext uri="{FF2B5EF4-FFF2-40B4-BE49-F238E27FC236}">
-                <a16:creationId xmlns:a16="http://schemas.microsoft.com/office/drawing/2014/main" id="{1C63F48C-BFC1-4227-8BB0-C06C473D6F55}"/>
-              </a:ext>
-            </a:extLst>
-          </p:cNvPr>
-          <p:cNvSpPr>
-            <a:spLocks noGrp="1"/>
-          </p:cNvSpPr>
-          <p:nvPr>
-            <p:ph type="ftr" sz="quarter" idx="11"/>
-          </p:nvPr>
-        </p:nvSpPr>
-        <p:spPr>
-          <a:xfrm>
-            <a:off x="201168" y="6356350"/>
-            <a:ext cx="4837176" cy="365125"/>
-          </a:xfrm>
-        </p:spPr>
-        <p:txBody>
-          <a:bodyPr/>
-          <a:lstStyle/>
-          <a:p>
-            <a:r>
-              <a:rPr lang="en-US" dirty="0"/>
-              <a:t>Presentation title</a:t>
-            </a:r>
-          </a:p>
-        </p:txBody>
-      </p:sp>
-      <p:sp>
-        <p:nvSpPr>
-          <p:cNvPr id="3" name="Date Placeholder 2">
-            <a:extLst>
-              <a:ext uri="{FF2B5EF4-FFF2-40B4-BE49-F238E27FC236}">
-                <a16:creationId xmlns:a16="http://schemas.microsoft.com/office/drawing/2014/main" id="{1E532E67-6C01-41FF-AA5B-AEEE3DFA51CB}"/>
-              </a:ext>
-            </a:extLst>
-          </p:cNvPr>
-          <p:cNvSpPr>
-            <a:spLocks noGrp="1"/>
-          </p:cNvSpPr>
-          <p:nvPr>
-            <p:ph type="dt" sz="half" idx="10"/>
-          </p:nvPr>
-        </p:nvSpPr>
-        <p:spPr>
-          <a:xfrm>
-            <a:off x="7013448" y="6355080"/>
-            <a:ext cx="4352544" cy="365125"/>
-          </a:xfrm>
-        </p:spPr>
-        <p:txBody>
-          <a:bodyPr/>
-          <a:lstStyle/>
-          <a:p>
-            <a:pPr lvl="0"/>
-            <a:r>
-              <a:rPr lang="en-US" noProof="0" dirty="0"/>
-              <a:t>20XX</a:t>
-            </a:r>
-          </a:p>
-        </p:txBody>
-      </p:sp>
-      <p:sp>
-        <p:nvSpPr>
-          <p:cNvPr id="5" name="Slide Number Placeholder 4">
-            <a:extLst>
-              <a:ext uri="{FF2B5EF4-FFF2-40B4-BE49-F238E27FC236}">
-                <a16:creationId xmlns:a16="http://schemas.microsoft.com/office/drawing/2014/main" id="{AA33C4C9-9778-4A59-9001-6EC6F52349CA}"/>
-              </a:ext>
-            </a:extLst>
-          </p:cNvPr>
-          <p:cNvSpPr>
-            <a:spLocks noGrp="1"/>
-          </p:cNvSpPr>
-          <p:nvPr>
-            <p:ph type="sldNum" sz="quarter" idx="12"/>
-          </p:nvPr>
-        </p:nvSpPr>
-        <p:spPr>
-          <a:xfrm>
-            <a:off x="11365992" y="6356350"/>
-            <a:ext cx="630936" cy="365125"/>
-          </a:xfrm>
-        </p:spPr>
-        <p:txBody>
-          <a:bodyPr/>
-          <a:lstStyle/>
-          <a:p>
-            <a:pPr lvl="0"/>
-            <a:fld id="{06B786C7-B8F9-4072-AAAA-17258464D730}" type="slidenum">
-              <a:rPr lang="en-US" noProof="0" smtClean="0"/>
-              <a:pPr lvl="0"/>
-              <a:t>21</a:t>
-            </a:fld>
-            <a:endParaRPr lang="en-US" noProof="0" dirty="0"/>
-          </a:p>
-        </p:txBody>
-      </p:sp>
-    </p:spTree>
-    <p:extLst>
-      <p:ext uri="{BB962C8B-B14F-4D97-AF65-F5344CB8AC3E}">
-        <p14:creationId xmlns:p14="http://schemas.microsoft.com/office/powerpoint/2010/main" val="973145793"/>
-      </p:ext>
-    </p:extLst>
-  </p:cSld>
-  <p:clrMapOvr>
-    <a:masterClrMapping/>
-  </p:clrMapOvr>
-</p:sld>
-</file>
-
-<file path=ppt/slides/slide22.xml><?xml version="1.0" encoding="utf-8"?>
-<p:sld xmlns:a="http://schemas.openxmlformats.org/drawingml/2006/main" xmlns:r="http://schemas.openxmlformats.org/officeDocument/2006/relationships" xmlns:p="http://schemas.openxmlformats.org/presentationml/2006/main">
-  <p:cSld>
-    <p:spTree>
-      <p:nvGrpSpPr>
-        <p:cNvPr id="1" name=""/>
-        <p:cNvGrpSpPr/>
-        <p:nvPr/>
-      </p:nvGrpSpPr>
-      <p:grpSpPr>
-        <a:xfrm>
-          <a:off x="0" y="0"/>
-          <a:ext cx="0" cy="0"/>
-          <a:chOff x="0" y="0"/>
-          <a:chExt cx="0" cy="0"/>
-        </a:xfrm>
-      </p:grpSpPr>
-      <p:sp>
-        <p:nvSpPr>
-          <p:cNvPr id="33" name="Title 32">
-            <a:extLst>
-              <a:ext uri="{FF2B5EF4-FFF2-40B4-BE49-F238E27FC236}">
-                <a16:creationId xmlns:a16="http://schemas.microsoft.com/office/drawing/2014/main" id="{2D22322F-E79D-4BEF-8038-DE2C8F5CCA40}"/>
-              </a:ext>
-            </a:extLst>
-          </p:cNvPr>
-          <p:cNvSpPr>
-            <a:spLocks noGrp="1"/>
-          </p:cNvSpPr>
-          <p:nvPr>
-            <p:ph type="title"/>
-          </p:nvPr>
-        </p:nvSpPr>
-        <p:spPr>
-          <a:xfrm>
-            <a:off x="1249680" y="190500"/>
-            <a:ext cx="10036292" cy="773776"/>
-          </a:xfrm>
-        </p:spPr>
-        <p:txBody>
-          <a:bodyPr>
-            <a:normAutofit fontScale="90000"/>
-          </a:bodyPr>
-          <a:lstStyle/>
-          <a:p>
-            <a:r>
-              <a:rPr lang="en-US" dirty="0"/>
-              <a:t>Content</a:t>
-            </a:r>
-          </a:p>
-        </p:txBody>
-      </p:sp>
-      <p:sp>
-        <p:nvSpPr>
-          <p:cNvPr id="14" name="Text Placeholder 13">
-            <a:extLst>
-              <a:ext uri="{FF2B5EF4-FFF2-40B4-BE49-F238E27FC236}">
-                <a16:creationId xmlns:a16="http://schemas.microsoft.com/office/drawing/2014/main" id="{61A6601B-A3E2-47A2-B731-4FE03C43E2B0}"/>
-              </a:ext>
-            </a:extLst>
-          </p:cNvPr>
-          <p:cNvSpPr>
-            <a:spLocks noGrp="1"/>
-          </p:cNvSpPr>
-          <p:nvPr>
-            <p:ph type="body" sz="quarter" idx="14"/>
-          </p:nvPr>
-        </p:nvSpPr>
-        <p:spPr>
-          <a:xfrm>
-            <a:off x="1209243" y="1764139"/>
-            <a:ext cx="4756714" cy="597604"/>
-          </a:xfrm>
-        </p:spPr>
-        <p:txBody>
-          <a:bodyPr/>
-          <a:lstStyle/>
-          <a:p>
-            <a:r>
-              <a:rPr lang="en-US" dirty="0"/>
-              <a:t>Subtitle</a:t>
-            </a:r>
-          </a:p>
-        </p:txBody>
-      </p:sp>
-      <p:sp>
-        <p:nvSpPr>
-          <p:cNvPr id="13" name="Content Placeholder 12">
-            <a:extLst>
-              <a:ext uri="{FF2B5EF4-FFF2-40B4-BE49-F238E27FC236}">
-                <a16:creationId xmlns:a16="http://schemas.microsoft.com/office/drawing/2014/main" id="{ABAEE544-8FB3-4E56-91A9-A6964539DCB7}"/>
-              </a:ext>
-            </a:extLst>
-          </p:cNvPr>
-          <p:cNvSpPr>
-            <a:spLocks noGrp="1"/>
-          </p:cNvSpPr>
-          <p:nvPr>
-            <p:ph type="body" sz="quarter" idx="17"/>
-          </p:nvPr>
-        </p:nvSpPr>
-        <p:spPr>
-          <a:xfrm>
-            <a:off x="1209243" y="2374900"/>
-            <a:ext cx="4756714" cy="3365500"/>
-          </a:xfrm>
-        </p:spPr>
-        <p:txBody>
-          <a:bodyPr/>
-          <a:lstStyle/>
-          <a:p>
-            <a:r>
-              <a:rPr lang="en-US" dirty="0"/>
-              <a:t>Add text, images, art, and videos. </a:t>
-            </a:r>
-          </a:p>
-          <a:p>
-            <a:r>
-              <a:rPr lang="en-US" dirty="0"/>
-              <a:t>Add transitions, animations, and motion. </a:t>
-            </a:r>
-          </a:p>
-          <a:p>
-            <a:r>
-              <a:rPr lang="en-US" dirty="0"/>
-              <a:t>Save to OneDrive, to get to your presentations from your computer, tablet, or phone. </a:t>
-            </a:r>
-          </a:p>
-        </p:txBody>
-      </p:sp>
-      <p:sp>
-        <p:nvSpPr>
-          <p:cNvPr id="16" name="Text Placeholder 15">
-            <a:extLst>
-              <a:ext uri="{FF2B5EF4-FFF2-40B4-BE49-F238E27FC236}">
-                <a16:creationId xmlns:a16="http://schemas.microsoft.com/office/drawing/2014/main" id="{1ADD5DF7-575E-4C10-815E-CDBBFAB583BF}"/>
-              </a:ext>
-            </a:extLst>
-          </p:cNvPr>
-          <p:cNvSpPr>
-            <a:spLocks noGrp="1"/>
-          </p:cNvSpPr>
-          <p:nvPr>
-            <p:ph type="body" sz="quarter" idx="16"/>
-          </p:nvPr>
-        </p:nvSpPr>
-        <p:spPr>
-          <a:xfrm>
-            <a:off x="6257467" y="1764031"/>
-            <a:ext cx="4756714" cy="597604"/>
-          </a:xfrm>
-        </p:spPr>
-        <p:txBody>
-          <a:bodyPr/>
-          <a:lstStyle/>
-          <a:p>
-            <a:r>
-              <a:rPr lang="en-US" dirty="0"/>
-              <a:t>Subtitle</a:t>
-            </a:r>
-          </a:p>
-        </p:txBody>
-      </p:sp>
-      <p:sp>
-        <p:nvSpPr>
-          <p:cNvPr id="15" name="Content Placeholder 14">
-            <a:extLst>
-              <a:ext uri="{FF2B5EF4-FFF2-40B4-BE49-F238E27FC236}">
-                <a16:creationId xmlns:a16="http://schemas.microsoft.com/office/drawing/2014/main" id="{A13BE1C0-386B-47CB-BDCE-A24D9918AEEF}"/>
-              </a:ext>
-            </a:extLst>
-          </p:cNvPr>
-          <p:cNvSpPr>
-            <a:spLocks noGrp="1"/>
-          </p:cNvSpPr>
-          <p:nvPr>
-            <p:ph type="body" sz="quarter" idx="18"/>
-          </p:nvPr>
-        </p:nvSpPr>
-        <p:spPr>
-          <a:xfrm>
-            <a:off x="6257467" y="2374900"/>
-            <a:ext cx="4756714" cy="3365500"/>
-          </a:xfrm>
-        </p:spPr>
-        <p:txBody>
-          <a:bodyPr/>
-          <a:lstStyle/>
-          <a:p>
-            <a:r>
-              <a:rPr lang="en-US" dirty="0"/>
-              <a:t>Open the Design Ideas pane for instant slide makeovers. </a:t>
-            </a:r>
-          </a:p>
-          <a:p>
-            <a:r>
-              <a:rPr lang="en-US" dirty="0"/>
-              <a:t>When we have design ideas, we’ll show them to you right there. </a:t>
-            </a:r>
-          </a:p>
-        </p:txBody>
-      </p:sp>
-      <p:sp>
-        <p:nvSpPr>
-          <p:cNvPr id="7" name="Footer Placeholder 6">
-            <a:extLst>
-              <a:ext uri="{FF2B5EF4-FFF2-40B4-BE49-F238E27FC236}">
-                <a16:creationId xmlns:a16="http://schemas.microsoft.com/office/drawing/2014/main" id="{C4A3939E-B573-4FB2-AD69-18C1A75F947B}"/>
-              </a:ext>
-            </a:extLst>
-          </p:cNvPr>
-          <p:cNvSpPr>
-            <a:spLocks noGrp="1"/>
-          </p:cNvSpPr>
-          <p:nvPr>
-            <p:ph type="ftr" sz="quarter" idx="11"/>
-          </p:nvPr>
-        </p:nvSpPr>
-        <p:spPr>
-          <a:xfrm>
-            <a:off x="201168" y="6356350"/>
-            <a:ext cx="4837176" cy="365125"/>
-          </a:xfrm>
-        </p:spPr>
-        <p:txBody>
-          <a:bodyPr/>
-          <a:lstStyle/>
-          <a:p>
-            <a:pPr lvl="0"/>
-            <a:r>
-              <a:rPr lang="en-US" noProof="0" dirty="0"/>
-              <a:t>Presentation title</a:t>
-            </a:r>
-          </a:p>
-        </p:txBody>
-      </p:sp>
-      <p:sp>
-        <p:nvSpPr>
-          <p:cNvPr id="6" name="Date Placeholder 5">
-            <a:extLst>
-              <a:ext uri="{FF2B5EF4-FFF2-40B4-BE49-F238E27FC236}">
-                <a16:creationId xmlns:a16="http://schemas.microsoft.com/office/drawing/2014/main" id="{6EF65B39-4112-473E-B203-73AC0F564D47}"/>
-              </a:ext>
-            </a:extLst>
-          </p:cNvPr>
-          <p:cNvSpPr>
-            <a:spLocks noGrp="1"/>
-          </p:cNvSpPr>
-          <p:nvPr>
-            <p:ph type="dt" sz="half" idx="10"/>
-          </p:nvPr>
-        </p:nvSpPr>
-        <p:spPr>
-          <a:xfrm>
-            <a:off x="7013448" y="6355080"/>
-            <a:ext cx="4352544" cy="365125"/>
-          </a:xfrm>
-        </p:spPr>
-        <p:txBody>
-          <a:bodyPr/>
-          <a:lstStyle/>
-          <a:p>
-            <a:pPr lvl="0"/>
-            <a:r>
-              <a:rPr lang="en-US" noProof="0" dirty="0"/>
-              <a:t>20XX</a:t>
-            </a:r>
-          </a:p>
-        </p:txBody>
-      </p:sp>
-      <p:sp>
-        <p:nvSpPr>
-          <p:cNvPr id="8" name="Slide Number Placeholder 7">
-            <a:extLst>
-              <a:ext uri="{FF2B5EF4-FFF2-40B4-BE49-F238E27FC236}">
-                <a16:creationId xmlns:a16="http://schemas.microsoft.com/office/drawing/2014/main" id="{99800B7A-B486-4409-9EDD-0A7B9628EDE8}"/>
-              </a:ext>
-            </a:extLst>
-          </p:cNvPr>
-          <p:cNvSpPr>
-            <a:spLocks noGrp="1"/>
-          </p:cNvSpPr>
-          <p:nvPr>
-            <p:ph type="sldNum" sz="quarter" idx="12"/>
-          </p:nvPr>
-        </p:nvSpPr>
-        <p:spPr>
-          <a:xfrm>
-            <a:off x="11365992" y="6356350"/>
-            <a:ext cx="630936" cy="365125"/>
-          </a:xfrm>
-        </p:spPr>
-        <p:txBody>
-          <a:bodyPr/>
-          <a:lstStyle/>
-          <a:p>
-            <a:pPr lvl="0"/>
-            <a:fld id="{06B786C7-B8F9-4072-AAAA-17258464D730}" type="slidenum">
-              <a:rPr lang="en-US" noProof="0" smtClean="0"/>
-              <a:pPr lvl="0"/>
-              <a:t>22</a:t>
-            </a:fld>
-            <a:endParaRPr lang="en-US" noProof="0" dirty="0"/>
-          </a:p>
-        </p:txBody>
-      </p:sp>
-    </p:spTree>
-    <p:extLst>
-      <p:ext uri="{BB962C8B-B14F-4D97-AF65-F5344CB8AC3E}">
-        <p14:creationId xmlns:p14="http://schemas.microsoft.com/office/powerpoint/2010/main" val="2805428833"/>
-      </p:ext>
-    </p:extLst>
-  </p:cSld>
-  <p:clrMapOvr>
-    <a:masterClrMapping/>
-  </p:clrMapOvr>
-</p:sld>
-</file>
-
-<file path=ppt/slides/slide23.xml><?xml version="1.0" encoding="utf-8"?>
-<p:sld xmlns:a="http://schemas.openxmlformats.org/drawingml/2006/main" xmlns:r="http://schemas.openxmlformats.org/officeDocument/2006/relationships" xmlns:p="http://schemas.openxmlformats.org/presentationml/2006/main">
-  <p:cSld>
-    <p:spTree>
-      <p:nvGrpSpPr>
-        <p:cNvPr id="1" name=""/>
-        <p:cNvGrpSpPr/>
-        <p:nvPr/>
-      </p:nvGrpSpPr>
-      <p:grpSpPr>
-        <a:xfrm>
-          <a:off x="0" y="0"/>
-          <a:ext cx="0" cy="0"/>
-          <a:chOff x="0" y="0"/>
-          <a:chExt cx="0" cy="0"/>
-        </a:xfrm>
-      </p:grpSpPr>
-      <p:sp>
-        <p:nvSpPr>
-          <p:cNvPr id="41" name="Title 40">
-            <a:extLst>
-              <a:ext uri="{FF2B5EF4-FFF2-40B4-BE49-F238E27FC236}">
-                <a16:creationId xmlns:a16="http://schemas.microsoft.com/office/drawing/2014/main" id="{0622F47C-D986-4C50-BD14-2C1E537C27FB}"/>
-              </a:ext>
-            </a:extLst>
-          </p:cNvPr>
-          <p:cNvSpPr>
-            <a:spLocks noGrp="1"/>
-          </p:cNvSpPr>
-          <p:nvPr>
-            <p:ph type="title"/>
-          </p:nvPr>
-        </p:nvSpPr>
-        <p:spPr>
-          <a:xfrm>
-            <a:off x="1879600" y="183988"/>
-            <a:ext cx="9406372" cy="803380"/>
-          </a:xfrm>
-        </p:spPr>
-        <p:txBody>
-          <a:bodyPr>
-            <a:normAutofit fontScale="90000"/>
-          </a:bodyPr>
-          <a:lstStyle/>
-          <a:p>
-            <a:r>
-              <a:rPr lang="en-US"/>
-              <a:t>Additional content</a:t>
-            </a:r>
-            <a:endParaRPr lang="en-US" dirty="0"/>
-          </a:p>
-        </p:txBody>
-      </p:sp>
-      <p:sp>
-        <p:nvSpPr>
-          <p:cNvPr id="12" name="Text Placeholder 11">
-            <a:extLst>
-              <a:ext uri="{FF2B5EF4-FFF2-40B4-BE49-F238E27FC236}">
-                <a16:creationId xmlns:a16="http://schemas.microsoft.com/office/drawing/2014/main" id="{D05AC8F8-F459-42EB-AA23-F556AEDD721A}"/>
-              </a:ext>
-            </a:extLst>
-          </p:cNvPr>
-          <p:cNvSpPr>
-            <a:spLocks noGrp="1"/>
-          </p:cNvSpPr>
-          <p:nvPr>
-            <p:ph type="body" sz="quarter" idx="14"/>
-          </p:nvPr>
-        </p:nvSpPr>
-        <p:spPr>
-          <a:xfrm>
-            <a:off x="851300" y="1764193"/>
-            <a:ext cx="3327366" cy="597604"/>
-          </a:xfrm>
-        </p:spPr>
-        <p:txBody>
-          <a:bodyPr/>
-          <a:lstStyle/>
-          <a:p>
-            <a:r>
-              <a:rPr lang="en-US" dirty="0"/>
-              <a:t>Subtitle</a:t>
-            </a:r>
-          </a:p>
-        </p:txBody>
-      </p:sp>
-      <p:sp>
-        <p:nvSpPr>
-          <p:cNvPr id="11" name="Content Placeholder 10">
-            <a:extLst>
-              <a:ext uri="{FF2B5EF4-FFF2-40B4-BE49-F238E27FC236}">
-                <a16:creationId xmlns:a16="http://schemas.microsoft.com/office/drawing/2014/main" id="{DFFE8322-74A2-43C3-B71A-8DD6B2DC0DF8}"/>
-              </a:ext>
-            </a:extLst>
-          </p:cNvPr>
-          <p:cNvSpPr>
-            <a:spLocks noGrp="1"/>
-          </p:cNvSpPr>
-          <p:nvPr>
-            <p:ph type="body" sz="quarter" idx="19"/>
-          </p:nvPr>
-        </p:nvSpPr>
-        <p:spPr>
-          <a:xfrm>
-            <a:off x="851193" y="2374899"/>
-            <a:ext cx="3327366" cy="3485573"/>
-          </a:xfrm>
-        </p:spPr>
-        <p:txBody>
-          <a:bodyPr>
-            <a:normAutofit/>
-          </a:bodyPr>
-          <a:lstStyle/>
-          <a:p>
-            <a:pPr lvl="0"/>
-            <a:r>
-              <a:rPr lang="en-US" dirty="0"/>
-              <a:t>Add text, images, art, and videos. </a:t>
-            </a:r>
-          </a:p>
-          <a:p>
-            <a:pPr lvl="0"/>
-            <a:r>
-              <a:rPr lang="en-US" dirty="0"/>
-              <a:t>Add transitions, animations, and motion. </a:t>
-            </a:r>
-          </a:p>
-          <a:p>
-            <a:pPr lvl="0"/>
-            <a:r>
-              <a:rPr lang="en-US" dirty="0"/>
-              <a:t>Save to OneDrive, to get to your presentations from your computer, tablet, or phone. </a:t>
-            </a:r>
-          </a:p>
-        </p:txBody>
-      </p:sp>
-      <p:sp>
-        <p:nvSpPr>
-          <p:cNvPr id="16" name="Text Placeholder 15">
-            <a:extLst>
-              <a:ext uri="{FF2B5EF4-FFF2-40B4-BE49-F238E27FC236}">
-                <a16:creationId xmlns:a16="http://schemas.microsoft.com/office/drawing/2014/main" id="{88417E53-E35C-4BA6-B238-61D2C004A237}"/>
-              </a:ext>
-            </a:extLst>
-          </p:cNvPr>
-          <p:cNvSpPr>
-            <a:spLocks noGrp="1"/>
-          </p:cNvSpPr>
-          <p:nvPr>
-            <p:ph type="body" sz="quarter" idx="18"/>
-          </p:nvPr>
-        </p:nvSpPr>
-        <p:spPr>
-          <a:xfrm>
-            <a:off x="4432317" y="1764193"/>
-            <a:ext cx="3327366" cy="597604"/>
-          </a:xfrm>
-        </p:spPr>
-        <p:txBody>
-          <a:bodyPr/>
-          <a:lstStyle/>
-          <a:p>
-            <a:r>
-              <a:rPr lang="en-US" dirty="0"/>
-              <a:t>Subtitle</a:t>
-            </a:r>
-          </a:p>
-        </p:txBody>
-      </p:sp>
-      <p:sp>
-        <p:nvSpPr>
-          <p:cNvPr id="13" name="Content Placeholder 12">
-            <a:extLst>
-              <a:ext uri="{FF2B5EF4-FFF2-40B4-BE49-F238E27FC236}">
-                <a16:creationId xmlns:a16="http://schemas.microsoft.com/office/drawing/2014/main" id="{32AA922F-7FCE-49A0-92E0-60263B0E006A}"/>
-              </a:ext>
-            </a:extLst>
-          </p:cNvPr>
-          <p:cNvSpPr>
-            <a:spLocks noGrp="1"/>
-          </p:cNvSpPr>
-          <p:nvPr>
-            <p:ph type="body" sz="quarter" idx="20"/>
-          </p:nvPr>
-        </p:nvSpPr>
-        <p:spPr>
-          <a:xfrm>
-            <a:off x="4432317" y="2374899"/>
-            <a:ext cx="3327366" cy="3485573"/>
-          </a:xfrm>
-        </p:spPr>
-        <p:txBody>
-          <a:bodyPr>
-            <a:normAutofit/>
-          </a:bodyPr>
-          <a:lstStyle/>
-          <a:p>
-            <a:r>
-              <a:rPr lang="en-US" dirty="0"/>
-              <a:t>This PowerPoint theme uses its own unique set of colors, fonts, and effects to create the overall look and feel of these slides. </a:t>
-            </a:r>
-          </a:p>
-          <a:p>
-            <a:r>
-              <a:rPr lang="en-US" dirty="0"/>
-              <a:t>PowerPoint has tons of themes to give your presentation just the right personality. </a:t>
-            </a:r>
-          </a:p>
-        </p:txBody>
-      </p:sp>
-      <p:sp>
-        <p:nvSpPr>
-          <p:cNvPr id="14" name="Text Placeholder 13">
-            <a:extLst>
-              <a:ext uri="{FF2B5EF4-FFF2-40B4-BE49-F238E27FC236}">
-                <a16:creationId xmlns:a16="http://schemas.microsoft.com/office/drawing/2014/main" id="{94D68F73-4FB1-4145-BF89-FE36142E5100}"/>
-              </a:ext>
-            </a:extLst>
-          </p:cNvPr>
-          <p:cNvSpPr>
-            <a:spLocks noGrp="1"/>
-          </p:cNvSpPr>
-          <p:nvPr>
-            <p:ph type="body" sz="quarter" idx="16"/>
-          </p:nvPr>
-        </p:nvSpPr>
-        <p:spPr>
-          <a:xfrm>
-            <a:off x="8025393" y="1764193"/>
-            <a:ext cx="3327366" cy="597604"/>
-          </a:xfrm>
-        </p:spPr>
-        <p:txBody>
-          <a:bodyPr/>
-          <a:lstStyle/>
-          <a:p>
-            <a:r>
-              <a:rPr lang="en-US" dirty="0"/>
-              <a:t>Subtitle</a:t>
-            </a:r>
-          </a:p>
-        </p:txBody>
-      </p:sp>
-      <p:sp>
-        <p:nvSpPr>
-          <p:cNvPr id="15" name="Content Placeholder 14">
-            <a:extLst>
-              <a:ext uri="{FF2B5EF4-FFF2-40B4-BE49-F238E27FC236}">
-                <a16:creationId xmlns:a16="http://schemas.microsoft.com/office/drawing/2014/main" id="{967F3EB6-BBF7-400D-831B-2949763446D0}"/>
-              </a:ext>
-            </a:extLst>
-          </p:cNvPr>
-          <p:cNvSpPr>
-            <a:spLocks noGrp="1"/>
-          </p:cNvSpPr>
-          <p:nvPr>
-            <p:ph type="body" sz="quarter" idx="21"/>
-          </p:nvPr>
-        </p:nvSpPr>
-        <p:spPr>
-          <a:xfrm>
-            <a:off x="8025393" y="2374899"/>
-            <a:ext cx="3327366" cy="3485573"/>
-          </a:xfrm>
-        </p:spPr>
-        <p:txBody>
-          <a:bodyPr>
-            <a:normAutofit/>
-          </a:bodyPr>
-          <a:lstStyle/>
-          <a:p>
-            <a:r>
-              <a:rPr lang="en-US" dirty="0"/>
-              <a:t>Open the Design Ideas pane for instant slide makeovers. </a:t>
-            </a:r>
-          </a:p>
-          <a:p>
-            <a:r>
-              <a:rPr lang="en-US" dirty="0"/>
-              <a:t>When we have design ideas, we’ll show them to you right there.</a:t>
-            </a:r>
-          </a:p>
-        </p:txBody>
-      </p:sp>
-      <p:sp>
-        <p:nvSpPr>
-          <p:cNvPr id="2" name="Footer Placeholder 1">
-            <a:extLst>
-              <a:ext uri="{FF2B5EF4-FFF2-40B4-BE49-F238E27FC236}">
-                <a16:creationId xmlns:a16="http://schemas.microsoft.com/office/drawing/2014/main" id="{2C20C49D-5E38-4E7C-A240-4B2D015F3AC7}"/>
-              </a:ext>
-            </a:extLst>
-          </p:cNvPr>
-          <p:cNvSpPr>
-            <a:spLocks noGrp="1"/>
-          </p:cNvSpPr>
-          <p:nvPr>
-            <p:ph type="ftr" sz="quarter" idx="11"/>
-          </p:nvPr>
-        </p:nvSpPr>
-        <p:spPr>
-          <a:xfrm>
-            <a:off x="201168" y="6356350"/>
-            <a:ext cx="4837176" cy="365125"/>
-          </a:xfrm>
-        </p:spPr>
-        <p:txBody>
-          <a:bodyPr/>
-          <a:lstStyle/>
-          <a:p>
-            <a:pPr lvl="0"/>
-            <a:r>
-              <a:rPr lang="en-US" noProof="0" dirty="0"/>
-              <a:t>Presentation title</a:t>
-            </a:r>
-          </a:p>
-        </p:txBody>
-      </p:sp>
-      <p:sp>
-        <p:nvSpPr>
-          <p:cNvPr id="3" name="Date Placeholder 2">
-            <a:extLst>
-              <a:ext uri="{FF2B5EF4-FFF2-40B4-BE49-F238E27FC236}">
-                <a16:creationId xmlns:a16="http://schemas.microsoft.com/office/drawing/2014/main" id="{9CE6D34A-9686-45B2-97D0-AD20167B2D54}"/>
-              </a:ext>
-            </a:extLst>
-          </p:cNvPr>
-          <p:cNvSpPr>
-            <a:spLocks noGrp="1"/>
-          </p:cNvSpPr>
-          <p:nvPr>
-            <p:ph type="dt" sz="half" idx="10"/>
-          </p:nvPr>
-        </p:nvSpPr>
-        <p:spPr>
-          <a:xfrm>
-            <a:off x="7013448" y="6355080"/>
-            <a:ext cx="4352544" cy="365125"/>
-          </a:xfrm>
-        </p:spPr>
-        <p:txBody>
-          <a:bodyPr/>
-          <a:lstStyle/>
-          <a:p>
-            <a:pPr lvl="0"/>
-            <a:r>
-              <a:rPr lang="en-US" noProof="0" dirty="0"/>
-              <a:t>20XX</a:t>
-            </a:r>
-          </a:p>
-        </p:txBody>
-      </p:sp>
-      <p:sp>
-        <p:nvSpPr>
-          <p:cNvPr id="4" name="Slide Number Placeholder 3">
-            <a:extLst>
-              <a:ext uri="{FF2B5EF4-FFF2-40B4-BE49-F238E27FC236}">
-                <a16:creationId xmlns:a16="http://schemas.microsoft.com/office/drawing/2014/main" id="{AC0EC6D8-4D66-4B16-AD3F-2850D613518A}"/>
-              </a:ext>
-            </a:extLst>
-          </p:cNvPr>
-          <p:cNvSpPr>
-            <a:spLocks noGrp="1"/>
-          </p:cNvSpPr>
-          <p:nvPr>
-            <p:ph type="sldNum" sz="quarter" idx="12"/>
-          </p:nvPr>
-        </p:nvSpPr>
-        <p:spPr>
-          <a:xfrm>
-            <a:off x="11365992" y="6356350"/>
-            <a:ext cx="630936" cy="365125"/>
-          </a:xfrm>
-        </p:spPr>
-        <p:txBody>
-          <a:bodyPr/>
-          <a:lstStyle/>
-          <a:p>
-            <a:pPr lvl="0"/>
-            <a:fld id="{06B786C7-B8F9-4072-AAAA-17258464D730}" type="slidenum">
-              <a:rPr lang="en-US" noProof="0" smtClean="0"/>
-              <a:pPr lvl="0"/>
-              <a:t>23</a:t>
-            </a:fld>
-            <a:endParaRPr lang="en-US" noProof="0" dirty="0"/>
-          </a:p>
-        </p:txBody>
-      </p:sp>
-    </p:spTree>
-    <p:extLst>
-      <p:ext uri="{BB962C8B-B14F-4D97-AF65-F5344CB8AC3E}">
-        <p14:creationId xmlns:p14="http://schemas.microsoft.com/office/powerpoint/2010/main" val="338249949"/>
-      </p:ext>
-    </p:extLst>
-  </p:cSld>
-  <p:clrMapOvr>
-    <a:masterClrMapping/>
-  </p:clrMapOvr>
-</p:sld>
-</file>
-
-<file path=ppt/slides/slide24.xml><?xml version="1.0" encoding="utf-8"?>
-<p:sld xmlns:a="http://schemas.openxmlformats.org/drawingml/2006/main" xmlns:r="http://schemas.openxmlformats.org/officeDocument/2006/relationships" xmlns:p="http://schemas.openxmlformats.org/presentationml/2006/main">
-  <p:cSld>
-    <p:spTree>
-      <p:nvGrpSpPr>
-        <p:cNvPr id="1" name=""/>
-        <p:cNvGrpSpPr/>
-        <p:nvPr/>
-      </p:nvGrpSpPr>
-      <p:grpSpPr>
-        <a:xfrm>
-          <a:off x="0" y="0"/>
-          <a:ext cx="0" cy="0"/>
-          <a:chOff x="0" y="0"/>
-          <a:chExt cx="0" cy="0"/>
-        </a:xfrm>
-      </p:grpSpPr>
-      <p:sp>
-        <p:nvSpPr>
-          <p:cNvPr id="9" name="Title 8">
-            <a:extLst>
-              <a:ext uri="{FF2B5EF4-FFF2-40B4-BE49-F238E27FC236}">
-                <a16:creationId xmlns:a16="http://schemas.microsoft.com/office/drawing/2014/main" id="{9A92E93D-8BFB-4A21-A47E-78B6DCA21146}"/>
-              </a:ext>
-            </a:extLst>
-          </p:cNvPr>
-          <p:cNvSpPr>
-            <a:spLocks noGrp="1"/>
-          </p:cNvSpPr>
-          <p:nvPr>
-            <p:ph type="title"/>
-          </p:nvPr>
-        </p:nvSpPr>
-        <p:spPr>
-          <a:xfrm>
-            <a:off x="647698" y="484494"/>
-            <a:ext cx="5800867" cy="1569493"/>
-          </a:xfrm>
-        </p:spPr>
-        <p:txBody>
-          <a:bodyPr/>
-          <a:lstStyle/>
-          <a:p>
-            <a:r>
-              <a:rPr lang="en-US" dirty="0"/>
-              <a:t>Summary</a:t>
-            </a:r>
-          </a:p>
-        </p:txBody>
-      </p:sp>
-      <p:sp>
-        <p:nvSpPr>
-          <p:cNvPr id="10" name="Content Placeholder 9">
-            <a:extLst>
-              <a:ext uri="{FF2B5EF4-FFF2-40B4-BE49-F238E27FC236}">
-                <a16:creationId xmlns:a16="http://schemas.microsoft.com/office/drawing/2014/main" id="{C69C1BDB-253B-4642-94A7-F84048E562F7}"/>
-              </a:ext>
-            </a:extLst>
-          </p:cNvPr>
-          <p:cNvSpPr>
-            <a:spLocks noGrp="1"/>
-          </p:cNvSpPr>
-          <p:nvPr>
-            <p:ph idx="1"/>
-          </p:nvPr>
-        </p:nvSpPr>
-        <p:spPr>
-          <a:xfrm>
-            <a:off x="647702" y="2156346"/>
-            <a:ext cx="5800866" cy="3963937"/>
-          </a:xfrm>
-        </p:spPr>
-        <p:txBody>
-          <a:bodyPr/>
-          <a:lstStyle/>
-          <a:p>
-            <a:r>
-              <a:rPr lang="en-US" dirty="0"/>
-              <a:t>With PowerPoint, you can create presentations and share your work with others, wherever they are. Type the text you want here to get started. You can also add images, art, and videos on this template. Save to OneDrive and access your presentations from your computer, tablet, or phone. </a:t>
-            </a:r>
-          </a:p>
-        </p:txBody>
-      </p:sp>
-      <p:sp>
-        <p:nvSpPr>
-          <p:cNvPr id="16" name="Footer Placeholder 15">
-            <a:extLst>
-              <a:ext uri="{FF2B5EF4-FFF2-40B4-BE49-F238E27FC236}">
-                <a16:creationId xmlns:a16="http://schemas.microsoft.com/office/drawing/2014/main" id="{C394FA6A-80EA-46C1-8A4C-B4D8E90A7BCE}"/>
-              </a:ext>
-            </a:extLst>
-          </p:cNvPr>
-          <p:cNvSpPr>
-            <a:spLocks noGrp="1"/>
-          </p:cNvSpPr>
-          <p:nvPr>
-            <p:ph type="ftr" sz="quarter" idx="11"/>
-          </p:nvPr>
-        </p:nvSpPr>
-        <p:spPr>
-          <a:xfrm>
-            <a:off x="199277" y="6356350"/>
-            <a:ext cx="3877423" cy="365125"/>
-          </a:xfrm>
-        </p:spPr>
-        <p:txBody>
-          <a:bodyPr/>
-          <a:lstStyle/>
-          <a:p>
-            <a:pPr lvl="0"/>
-            <a:r>
-              <a:rPr lang="en-US" noProof="0" dirty="0"/>
-              <a:t>Presentation title</a:t>
-            </a:r>
-          </a:p>
-        </p:txBody>
-      </p:sp>
-      <p:pic>
-        <p:nvPicPr>
-          <p:cNvPr id="23" name="Picture Placeholder 22" descr="A picture containing mountain, outdoor, sky, rock, tent">
-            <a:extLst>
-              <a:ext uri="{FF2B5EF4-FFF2-40B4-BE49-F238E27FC236}">
-                <a16:creationId xmlns:a16="http://schemas.microsoft.com/office/drawing/2014/main" id="{37330047-BDCE-48AE-A7A5-A6A79A7D2923}"/>
-              </a:ext>
-            </a:extLst>
-          </p:cNvPr>
-          <p:cNvPicPr>
-            <a:picLocks noGrp="1" noChangeAspect="1"/>
-          </p:cNvPicPr>
-          <p:nvPr>
-            <p:ph type="pic" sz="quarter" idx="13"/>
-          </p:nvPr>
-        </p:nvPicPr>
-        <p:blipFill rotWithShape="1">
-          <a:blip r:embed="rId2" cstate="screen">
-            <a:extLst>
-              <a:ext uri="{28A0092B-C50C-407E-A947-70E740481C1C}">
-                <a14:useLocalDpi xmlns:a14="http://schemas.microsoft.com/office/drawing/2010/main" val="0"/>
-              </a:ext>
-            </a:extLst>
-          </a:blip>
-          <a:srcRect/>
-          <a:stretch/>
-        </p:blipFill>
-        <p:spPr>
-          <a:xfrm>
-            <a:off x="6700838" y="665163"/>
-            <a:ext cx="2214562" cy="2513012"/>
-          </a:xfrm>
-        </p:spPr>
-      </p:pic>
-      <p:pic>
-        <p:nvPicPr>
-          <p:cNvPr id="53" name="Picture Placeholder 52" descr="A picture containing mountain, sky, snow, outdoor">
-            <a:extLst>
-              <a:ext uri="{FF2B5EF4-FFF2-40B4-BE49-F238E27FC236}">
-                <a16:creationId xmlns:a16="http://schemas.microsoft.com/office/drawing/2014/main" id="{9AFE6654-29BC-4F7D-9F69-C78DCCF2A7AC}"/>
-              </a:ext>
-            </a:extLst>
-          </p:cNvPr>
-          <p:cNvPicPr>
-            <a:picLocks noGrp="1" noChangeAspect="1"/>
-          </p:cNvPicPr>
-          <p:nvPr>
-            <p:ph type="pic" sz="quarter" idx="14"/>
-          </p:nvPr>
-        </p:nvPicPr>
-        <p:blipFill rotWithShape="1">
-          <a:blip r:embed="rId3" cstate="screen">
-            <a:extLst>
-              <a:ext uri="{28A0092B-C50C-407E-A947-70E740481C1C}">
-                <a14:useLocalDpi xmlns:a14="http://schemas.microsoft.com/office/drawing/2010/main" val="0"/>
-              </a:ext>
-            </a:extLst>
-          </a:blip>
-          <a:srcRect/>
-          <a:stretch/>
-        </p:blipFill>
-        <p:spPr>
-          <a:xfrm>
-            <a:off x="9329737" y="665579"/>
-            <a:ext cx="2214562" cy="2513012"/>
-          </a:xfrm>
-        </p:spPr>
-      </p:pic>
-      <p:pic>
-        <p:nvPicPr>
-          <p:cNvPr id="19" name="Picture Placeholder 18" descr="A picture containing outdoor, mountain, sky, nature">
-            <a:extLst>
-              <a:ext uri="{FF2B5EF4-FFF2-40B4-BE49-F238E27FC236}">
-                <a16:creationId xmlns:a16="http://schemas.microsoft.com/office/drawing/2014/main" id="{AA7C515C-968D-4E0E-AE9F-2B4791B73F84}"/>
-              </a:ext>
-            </a:extLst>
-          </p:cNvPr>
-          <p:cNvPicPr>
-            <a:picLocks noGrp="1" noChangeAspect="1"/>
-          </p:cNvPicPr>
-          <p:nvPr>
-            <p:ph type="pic" sz="quarter" idx="15"/>
-          </p:nvPr>
-        </p:nvPicPr>
-        <p:blipFill rotWithShape="1">
-          <a:blip r:embed="rId4" cstate="screen">
-            <a:extLst>
-              <a:ext uri="{28A0092B-C50C-407E-A947-70E740481C1C}">
-                <a14:useLocalDpi xmlns:a14="http://schemas.microsoft.com/office/drawing/2010/main" val="0"/>
-              </a:ext>
-            </a:extLst>
-          </a:blip>
-          <a:srcRect/>
-          <a:stretch/>
-        </p:blipFill>
-        <p:spPr>
-          <a:xfrm>
-            <a:off x="6700854" y="3607271"/>
-            <a:ext cx="2214562" cy="2513012"/>
-          </a:xfrm>
-        </p:spPr>
-      </p:pic>
-      <p:pic>
-        <p:nvPicPr>
-          <p:cNvPr id="25" name="Picture Placeholder 24" descr="A picture containing nature, outdoor, mountain, night sky">
-            <a:extLst>
-              <a:ext uri="{FF2B5EF4-FFF2-40B4-BE49-F238E27FC236}">
-                <a16:creationId xmlns:a16="http://schemas.microsoft.com/office/drawing/2014/main" id="{74AF03B6-7ED2-47DC-A5B8-3F7DB422CEA5}"/>
-              </a:ext>
-            </a:extLst>
-          </p:cNvPr>
-          <p:cNvPicPr>
-            <a:picLocks noGrp="1" noChangeAspect="1"/>
-          </p:cNvPicPr>
-          <p:nvPr>
-            <p:ph type="pic" sz="quarter" idx="16"/>
-          </p:nvPr>
-        </p:nvPicPr>
-        <p:blipFill rotWithShape="1">
-          <a:blip r:embed="rId5" cstate="screen">
-            <a:extLst>
-              <a:ext uri="{28A0092B-C50C-407E-A947-70E740481C1C}">
-                <a14:useLocalDpi xmlns:a14="http://schemas.microsoft.com/office/drawing/2010/main" val="0"/>
-              </a:ext>
-            </a:extLst>
-          </a:blip>
-          <a:srcRect/>
-          <a:stretch/>
-        </p:blipFill>
-        <p:spPr>
-          <a:xfrm>
-            <a:off x="9324845" y="3607271"/>
-            <a:ext cx="2214562" cy="2513012"/>
-          </a:xfrm>
-        </p:spPr>
-      </p:pic>
-      <p:sp>
-        <p:nvSpPr>
-          <p:cNvPr id="15" name="Date Placeholder 14">
-            <a:extLst>
-              <a:ext uri="{FF2B5EF4-FFF2-40B4-BE49-F238E27FC236}">
-                <a16:creationId xmlns:a16="http://schemas.microsoft.com/office/drawing/2014/main" id="{1AEB8108-A042-4614-9BE5-EA75E8653D79}"/>
-              </a:ext>
-            </a:extLst>
-          </p:cNvPr>
-          <p:cNvSpPr>
-            <a:spLocks noGrp="1"/>
-          </p:cNvSpPr>
-          <p:nvPr>
-            <p:ph type="dt" sz="half" idx="10"/>
-          </p:nvPr>
-        </p:nvSpPr>
-        <p:spPr>
-          <a:xfrm>
-            <a:off x="7013448" y="6355080"/>
-            <a:ext cx="4352544" cy="365125"/>
-          </a:xfrm>
-        </p:spPr>
-        <p:txBody>
-          <a:bodyPr/>
-          <a:lstStyle/>
-          <a:p>
-            <a:pPr lvl="0"/>
-            <a:r>
-              <a:rPr lang="en-US" noProof="0" dirty="0"/>
-              <a:t>20XX</a:t>
-            </a:r>
-          </a:p>
-        </p:txBody>
-      </p:sp>
-      <p:sp>
-        <p:nvSpPr>
-          <p:cNvPr id="17" name="Slide Number Placeholder 16">
-            <a:extLst>
-              <a:ext uri="{FF2B5EF4-FFF2-40B4-BE49-F238E27FC236}">
-                <a16:creationId xmlns:a16="http://schemas.microsoft.com/office/drawing/2014/main" id="{3F88522D-FC32-4BD0-B916-ED439025B734}"/>
-              </a:ext>
-            </a:extLst>
-          </p:cNvPr>
-          <p:cNvSpPr>
-            <a:spLocks noGrp="1"/>
-          </p:cNvSpPr>
-          <p:nvPr>
-            <p:ph type="sldNum" sz="quarter" idx="12"/>
-          </p:nvPr>
-        </p:nvSpPr>
-        <p:spPr>
-          <a:xfrm>
-            <a:off x="11365992" y="6356350"/>
-            <a:ext cx="630936" cy="365125"/>
-          </a:xfrm>
-        </p:spPr>
-        <p:txBody>
-          <a:bodyPr/>
-          <a:lstStyle/>
-          <a:p>
-            <a:pPr lvl="0"/>
-            <a:fld id="{D39F39FF-F5CB-4ACA-9B46-4CCF89ECA75F}" type="slidenum">
-              <a:rPr lang="en-US" noProof="0" smtClean="0"/>
-              <a:pPr lvl="0"/>
-              <a:t>24</a:t>
-            </a:fld>
-            <a:endParaRPr lang="en-US" noProof="0" dirty="0"/>
-          </a:p>
-        </p:txBody>
-      </p:sp>
-    </p:spTree>
-    <p:extLst>
-      <p:ext uri="{BB962C8B-B14F-4D97-AF65-F5344CB8AC3E}">
-        <p14:creationId xmlns:p14="http://schemas.microsoft.com/office/powerpoint/2010/main" val="4039808263"/>
       </p:ext>
     </p:extLst>
   </p:cSld>
@@ -21310,96 +22186,12 @@
           <a:chExt cx="0" cy="0"/>
         </a:xfrm>
       </p:grpSpPr>
-      <p:sp>
-        <p:nvSpPr>
-          <p:cNvPr id="32" name="Title 31">
-            <a:extLst>
-              <a:ext uri="{FF2B5EF4-FFF2-40B4-BE49-F238E27FC236}">
-                <a16:creationId xmlns:a16="http://schemas.microsoft.com/office/drawing/2014/main" id="{30761B21-88ED-449E-B2B9-3FC40844C36D}"/>
-              </a:ext>
-            </a:extLst>
-          </p:cNvPr>
-          <p:cNvSpPr>
-            <a:spLocks noGrp="1"/>
-          </p:cNvSpPr>
-          <p:nvPr>
-            <p:ph type="ctrTitle"/>
-          </p:nvPr>
-        </p:nvSpPr>
-        <p:spPr>
-          <a:xfrm>
-            <a:off x="877001" y="4947313"/>
-            <a:ext cx="7700617" cy="1409037"/>
-          </a:xfrm>
-        </p:spPr>
-        <p:txBody>
-          <a:bodyPr/>
-          <a:lstStyle/>
-          <a:p>
-            <a:r>
-              <a:rPr lang="en-US" dirty="0"/>
-              <a:t>Thank you</a:t>
-            </a:r>
-          </a:p>
-        </p:txBody>
-      </p:sp>
-      <p:sp>
-        <p:nvSpPr>
-          <p:cNvPr id="33" name="Subtitle 32">
-            <a:extLst>
-              <a:ext uri="{FF2B5EF4-FFF2-40B4-BE49-F238E27FC236}">
-                <a16:creationId xmlns:a16="http://schemas.microsoft.com/office/drawing/2014/main" id="{0EEAA874-288B-4330-9FA4-F1144ACD46DE}"/>
-              </a:ext>
-            </a:extLst>
-          </p:cNvPr>
-          <p:cNvSpPr>
-            <a:spLocks noGrp="1"/>
-          </p:cNvSpPr>
-          <p:nvPr>
-            <p:ph type="subTitle" idx="1"/>
-          </p:nvPr>
-        </p:nvSpPr>
-        <p:spPr>
-          <a:xfrm>
-            <a:off x="9446252" y="386989"/>
-            <a:ext cx="2443495" cy="3758334"/>
-          </a:xfrm>
-        </p:spPr>
-        <p:txBody>
-          <a:bodyPr/>
-          <a:lstStyle/>
-          <a:p>
-            <a:r>
-              <a:rPr lang="en-US" dirty="0"/>
-              <a:t>Presenter name</a:t>
-            </a:r>
-          </a:p>
-          <a:p>
-            <a:endParaRPr lang="en-US" dirty="0"/>
-          </a:p>
-          <a:p>
-            <a:r>
-              <a:rPr lang="en-US" dirty="0"/>
-              <a:t>Email address</a:t>
-            </a:r>
-          </a:p>
-          <a:p>
-            <a:endParaRPr lang="en-US" dirty="0"/>
-          </a:p>
-          <a:p>
-            <a:r>
-              <a:rPr lang="en-US" dirty="0"/>
-              <a:t>Website</a:t>
-            </a:r>
-          </a:p>
-        </p:txBody>
-      </p:sp>
       <p:pic>
         <p:nvPicPr>
-          <p:cNvPr id="52" name="Picture Placeholder 51" descr="A picture containing sky, outdoor, mountain, nature, stars">
-            <a:extLst>
-              <a:ext uri="{FF2B5EF4-FFF2-40B4-BE49-F238E27FC236}">
-                <a16:creationId xmlns:a16="http://schemas.microsoft.com/office/drawing/2014/main" id="{45DFCBF0-F91E-40C0-A4E6-24E8250C3BAC}"/>
+          <p:cNvPr id="14" name="Picture Placeholder 13" descr="A picture containing sky, outdoor, mountain, tent">
+            <a:extLst>
+              <a:ext uri="{FF2B5EF4-FFF2-40B4-BE49-F238E27FC236}">
+                <a16:creationId xmlns:a16="http://schemas.microsoft.com/office/drawing/2014/main" id="{284A1AA7-2E90-4B15-88DA-97825B64484E}"/>
               </a:ext>
             </a:extLst>
           </p:cNvPr>
@@ -21411,7 +22203,7 @@
           </p:nvPr>
         </p:nvPicPr>
         <p:blipFill rotWithShape="1">
-          <a:blip r:embed="rId2" cstate="screen">
+          <a:blip r:embed="rId2">
             <a:extLst>
               <a:ext uri="{28A0092B-C50C-407E-A947-70E740481C1C}">
                 <a14:useLocalDpi xmlns:a14="http://schemas.microsoft.com/office/drawing/2010/main" val="0"/>
@@ -21423,17 +22215,94 @@
         </p:blipFill>
         <p:spPr>
           <a:xfrm>
-            <a:off x="0" y="0"/>
-            <a:ext cx="9144000" cy="4532313"/>
+            <a:off x="-2" y="0"/>
+            <a:ext cx="12192000" cy="6858000"/>
           </a:xfrm>
         </p:spPr>
       </p:pic>
       <p:sp>
         <p:nvSpPr>
-          <p:cNvPr id="4" name="Footer Placeholder 3">
-            <a:extLst>
-              <a:ext uri="{FF2B5EF4-FFF2-40B4-BE49-F238E27FC236}">
-                <a16:creationId xmlns:a16="http://schemas.microsoft.com/office/drawing/2014/main" id="{BBA09E0B-CEBC-425D-8A86-1F858D8DE9AD}"/>
+          <p:cNvPr id="3" name="Title 2">
+            <a:extLst>
+              <a:ext uri="{FF2B5EF4-FFF2-40B4-BE49-F238E27FC236}">
+                <a16:creationId xmlns:a16="http://schemas.microsoft.com/office/drawing/2014/main" id="{8AC7AC30-1251-40E1-9808-1FB902C4C199}"/>
+              </a:ext>
+            </a:extLst>
+          </p:cNvPr>
+          <p:cNvSpPr>
+            <a:spLocks noGrp="1"/>
+          </p:cNvSpPr>
+          <p:nvPr>
+            <p:ph type="ctrTitle"/>
+          </p:nvPr>
+        </p:nvSpPr>
+        <p:spPr>
+          <a:xfrm>
+            <a:off x="1177636" y="-2"/>
+            <a:ext cx="11014364" cy="4100947"/>
+          </a:xfrm>
+        </p:spPr>
+        <p:txBody>
+          <a:bodyPr>
+            <a:normAutofit/>
+          </a:bodyPr>
+          <a:lstStyle/>
+          <a:p>
+            <a:r>
+              <a:rPr lang="en-US" dirty="0"/>
+              <a:t>The way to get</a:t>
+            </a:r>
+            <a:br>
+              <a:rPr lang="en-US" dirty="0"/>
+            </a:br>
+            <a:r>
+              <a:rPr lang="en-US" dirty="0"/>
+              <a:t>started is to quit  talking and begin doing.</a:t>
+            </a:r>
+          </a:p>
+        </p:txBody>
+      </p:sp>
+      <p:sp>
+        <p:nvSpPr>
+          <p:cNvPr id="4" name="Subtitle 3">
+            <a:extLst>
+              <a:ext uri="{FF2B5EF4-FFF2-40B4-BE49-F238E27FC236}">
+                <a16:creationId xmlns:a16="http://schemas.microsoft.com/office/drawing/2014/main" id="{4154B60C-7CE6-4829-87C0-7B4B3E16851E}"/>
+              </a:ext>
+            </a:extLst>
+          </p:cNvPr>
+          <p:cNvSpPr>
+            <a:spLocks noGrp="1"/>
+          </p:cNvSpPr>
+          <p:nvPr>
+            <p:ph type="subTitle" idx="1"/>
+          </p:nvPr>
+        </p:nvSpPr>
+        <p:spPr>
+          <a:xfrm>
+            <a:off x="3241963" y="4089656"/>
+            <a:ext cx="8950035" cy="2796566"/>
+          </a:xfrm>
+        </p:spPr>
+        <p:txBody>
+          <a:bodyPr>
+            <a:normAutofit/>
+          </a:bodyPr>
+          <a:lstStyle/>
+          <a:p>
+            <a:r>
+              <a:rPr lang="en-US" dirty="0"/>
+              <a:t>Walt Disney</a:t>
+            </a:r>
+          </a:p>
+        </p:txBody>
+      </p:sp>
+      <p:sp>
+        <p:nvSpPr>
+          <p:cNvPr id="27" name="Footer Placeholder 26">
+            <a:extLst>
+              <a:ext uri="{FF2B5EF4-FFF2-40B4-BE49-F238E27FC236}">
+                <a16:creationId xmlns:a16="http://schemas.microsoft.com/office/drawing/2014/main" id="{292399BD-BD2E-4306-802E-64A79BA9774A}"/>
               </a:ext>
             </a:extLst>
           </p:cNvPr>
@@ -21462,46 +22331,12 @@
           </a:p>
         </p:txBody>
       </p:sp>
-      <p:pic>
-        <p:nvPicPr>
-          <p:cNvPr id="58" name="Picture Placeholder 57" descr="A picture containing mountain, sky, outdoor, nature">
-            <a:extLst>
-              <a:ext uri="{FF2B5EF4-FFF2-40B4-BE49-F238E27FC236}">
-                <a16:creationId xmlns:a16="http://schemas.microsoft.com/office/drawing/2014/main" id="{A51C462C-6D3B-4554-9CDC-86D00D0EA07A}"/>
-              </a:ext>
-            </a:extLst>
-          </p:cNvPr>
-          <p:cNvPicPr>
-            <a:picLocks noGrp="1" noChangeAspect="1"/>
-          </p:cNvPicPr>
-          <p:nvPr>
-            <p:ph type="pic" sz="quarter" idx="14"/>
-          </p:nvPr>
-        </p:nvPicPr>
-        <p:blipFill rotWithShape="1">
-          <a:blip r:embed="rId3" cstate="screen">
-            <a:extLst>
-              <a:ext uri="{28A0092B-C50C-407E-A947-70E740481C1C}">
-                <a14:useLocalDpi xmlns:a14="http://schemas.microsoft.com/office/drawing/2010/main" val="0"/>
-              </a:ext>
-            </a:extLst>
-          </a:blip>
-          <a:srcRect/>
-          <a:stretch/>
-        </p:blipFill>
-        <p:spPr>
-          <a:xfrm>
-            <a:off x="9144000" y="4532313"/>
-            <a:ext cx="3048000" cy="2325687"/>
-          </a:xfrm>
-        </p:spPr>
-      </p:pic>
-      <p:sp>
-        <p:nvSpPr>
-          <p:cNvPr id="5" name="Date Placeholder 4">
-            <a:extLst>
-              <a:ext uri="{FF2B5EF4-FFF2-40B4-BE49-F238E27FC236}">
-                <a16:creationId xmlns:a16="http://schemas.microsoft.com/office/drawing/2014/main" id="{4DBAEA19-91BF-48E8-A1D4-8FB745EA44D0}"/>
+      <p:sp>
+        <p:nvSpPr>
+          <p:cNvPr id="26" name="Date Placeholder 25">
+            <a:extLst>
+              <a:ext uri="{FF2B5EF4-FFF2-40B4-BE49-F238E27FC236}">
+                <a16:creationId xmlns:a16="http://schemas.microsoft.com/office/drawing/2014/main" id="{A98E8EB0-8988-42CF-80D1-7A2AB7D1F8AF}"/>
               </a:ext>
             </a:extLst>
           </p:cNvPr>
@@ -21532,10 +22367,10 @@
       </p:sp>
       <p:sp>
         <p:nvSpPr>
-          <p:cNvPr id="6" name="Slide Number Placeholder 5">
-            <a:extLst>
-              <a:ext uri="{FF2B5EF4-FFF2-40B4-BE49-F238E27FC236}">
-                <a16:creationId xmlns:a16="http://schemas.microsoft.com/office/drawing/2014/main" id="{9E887279-B48F-43C3-91FA-09BD7EA33A25}"/>
+          <p:cNvPr id="28" name="Slide Number Placeholder 27">
+            <a:extLst>
+              <a:ext uri="{FF2B5EF4-FFF2-40B4-BE49-F238E27FC236}">
+                <a16:creationId xmlns:a16="http://schemas.microsoft.com/office/drawing/2014/main" id="{F3FAC0BD-E5E7-4E36-B85D-0C1D0408A115}"/>
               </a:ext>
             </a:extLst>
           </p:cNvPr>
@@ -21557,7 +22392,7 @@
           <a:lstStyle/>
           <a:p>
             <a:pPr lvl="0"/>
-            <a:fld id="{D39F39FF-F5CB-4ACA-9B46-4CCF89ECA75F}" type="slidenum">
+            <a:fld id="{CD6D940D-6D44-4DF9-9322-B4B11F7EDCD0}" type="slidenum">
               <a:rPr lang="en-US" noProof="0" smtClean="0"/>
               <a:pPr lvl="0"/>
               <a:t>25</a:t>
@@ -21569,7 +22404,1131 @@
     </p:spTree>
     <p:extLst>
       <p:ext uri="{BB962C8B-B14F-4D97-AF65-F5344CB8AC3E}">
-        <p14:creationId xmlns:p14="http://schemas.microsoft.com/office/powerpoint/2010/main" val="767611276"/>
+        <p14:creationId xmlns:p14="http://schemas.microsoft.com/office/powerpoint/2010/main" val="3386475026"/>
+      </p:ext>
+    </p:extLst>
+  </p:cSld>
+  <p:clrMapOvr>
+    <a:masterClrMapping/>
+  </p:clrMapOvr>
+</p:sld>
+</file>
+
+<file path=ppt/slides/slide26.xml><?xml version="1.0" encoding="utf-8"?>
+<p:sld xmlns:a="http://schemas.openxmlformats.org/drawingml/2006/main" xmlns:r="http://schemas.openxmlformats.org/officeDocument/2006/relationships" xmlns:p="http://schemas.openxmlformats.org/presentationml/2006/main">
+  <p:cSld>
+    <p:spTree>
+      <p:nvGrpSpPr>
+        <p:cNvPr id="1" name=""/>
+        <p:cNvGrpSpPr/>
+        <p:nvPr/>
+      </p:nvGrpSpPr>
+      <p:grpSpPr>
+        <a:xfrm>
+          <a:off x="0" y="0"/>
+          <a:ext cx="0" cy="0"/>
+          <a:chOff x="0" y="0"/>
+          <a:chExt cx="0" cy="0"/>
+        </a:xfrm>
+      </p:grpSpPr>
+      <p:sp>
+        <p:nvSpPr>
+          <p:cNvPr id="22" name="Title 21">
+            <a:extLst>
+              <a:ext uri="{FF2B5EF4-FFF2-40B4-BE49-F238E27FC236}">
+                <a16:creationId xmlns:a16="http://schemas.microsoft.com/office/drawing/2014/main" id="{CBCA8D9B-86A6-46D0-8939-576472F48528}"/>
+              </a:ext>
+            </a:extLst>
+          </p:cNvPr>
+          <p:cNvSpPr>
+            <a:spLocks noGrp="1"/>
+          </p:cNvSpPr>
+          <p:nvPr>
+            <p:ph type="title"/>
+          </p:nvPr>
+        </p:nvSpPr>
+        <p:spPr>
+          <a:xfrm>
+            <a:off x="1002983" y="194783"/>
+            <a:ext cx="9421177" cy="769493"/>
+          </a:xfrm>
+        </p:spPr>
+        <p:txBody>
+          <a:bodyPr>
+            <a:normAutofit fontScale="90000"/>
+          </a:bodyPr>
+          <a:lstStyle/>
+          <a:p>
+            <a:r>
+              <a:rPr lang="en-US" dirty="0"/>
+              <a:t>Team</a:t>
+            </a:r>
+          </a:p>
+        </p:txBody>
+      </p:sp>
+      <p:graphicFrame>
+        <p:nvGraphicFramePr>
+          <p:cNvPr id="12" name="Content Placeholder 2">
+            <a:extLst>
+              <a:ext uri="{FF2B5EF4-FFF2-40B4-BE49-F238E27FC236}">
+                <a16:creationId xmlns:a16="http://schemas.microsoft.com/office/drawing/2014/main" id="{B92EBB33-86ED-44CD-B655-52737F569C50}"/>
+              </a:ext>
+              <a:ext uri="{C183D7F6-B498-43B3-948B-1728B52AA6E4}">
+                <adec:decorative xmlns:adec="http://schemas.microsoft.com/office/drawing/2017/decorative" val="1"/>
+              </a:ext>
+            </a:extLst>
+          </p:cNvPr>
+          <p:cNvGraphicFramePr>
+            <a:graphicFrameLocks noGrp="1"/>
+          </p:cNvGraphicFramePr>
+          <p:nvPr>
+            <p:ph sz="quarter" idx="14"/>
+            <p:extLst>
+              <p:ext uri="{D42A27DB-BD31-4B8C-83A1-F6EECF244321}">
+                <p14:modId xmlns:p14="http://schemas.microsoft.com/office/powerpoint/2010/main" val="2108788491"/>
+              </p:ext>
+            </p:extLst>
+          </p:nvPr>
+        </p:nvGraphicFramePr>
+        <p:xfrm>
+          <a:off x="931863" y="1695450"/>
+          <a:ext cx="10328275" cy="4314825"/>
+        </p:xfrm>
+        <a:graphic>
+          <a:graphicData uri="http://schemas.openxmlformats.org/drawingml/2006/diagram">
+            <dgm:relIds xmlns:dgm="http://schemas.openxmlformats.org/drawingml/2006/diagram" xmlns:r="http://schemas.openxmlformats.org/officeDocument/2006/relationships" r:dm="rId2" r:lo="rId3" r:qs="rId4" r:cs="rId5"/>
+          </a:graphicData>
+        </a:graphic>
+      </p:graphicFrame>
+      <p:sp>
+        <p:nvSpPr>
+          <p:cNvPr id="4" name="Footer Placeholder 3">
+            <a:extLst>
+              <a:ext uri="{FF2B5EF4-FFF2-40B4-BE49-F238E27FC236}">
+                <a16:creationId xmlns:a16="http://schemas.microsoft.com/office/drawing/2014/main" id="{1BA44D22-2C67-436D-AB47-1C91A69B29EE}"/>
+              </a:ext>
+            </a:extLst>
+          </p:cNvPr>
+          <p:cNvSpPr>
+            <a:spLocks noGrp="1"/>
+          </p:cNvSpPr>
+          <p:nvPr>
+            <p:ph type="ftr" sz="quarter" idx="11"/>
+          </p:nvPr>
+        </p:nvSpPr>
+        <p:spPr>
+          <a:xfrm>
+            <a:off x="201168" y="6356350"/>
+            <a:ext cx="4837176" cy="365125"/>
+          </a:xfrm>
+        </p:spPr>
+        <p:txBody>
+          <a:bodyPr/>
+          <a:lstStyle/>
+          <a:p>
+            <a:r>
+              <a:rPr lang="en-US" dirty="0"/>
+              <a:t>Presentation title</a:t>
+            </a:r>
+          </a:p>
+        </p:txBody>
+      </p:sp>
+      <p:sp>
+        <p:nvSpPr>
+          <p:cNvPr id="3" name="Date Placeholder 2">
+            <a:extLst>
+              <a:ext uri="{FF2B5EF4-FFF2-40B4-BE49-F238E27FC236}">
+                <a16:creationId xmlns:a16="http://schemas.microsoft.com/office/drawing/2014/main" id="{1167B644-3955-44BD-8140-FD5AD6294F09}"/>
+              </a:ext>
+            </a:extLst>
+          </p:cNvPr>
+          <p:cNvSpPr>
+            <a:spLocks noGrp="1"/>
+          </p:cNvSpPr>
+          <p:nvPr>
+            <p:ph type="dt" sz="half" idx="10"/>
+          </p:nvPr>
+        </p:nvSpPr>
+        <p:spPr>
+          <a:xfrm>
+            <a:off x="7013448" y="6355080"/>
+            <a:ext cx="4352544" cy="365125"/>
+          </a:xfrm>
+        </p:spPr>
+        <p:txBody>
+          <a:bodyPr/>
+          <a:lstStyle/>
+          <a:p>
+            <a:pPr lvl="0"/>
+            <a:r>
+              <a:rPr lang="en-US" noProof="0" dirty="0"/>
+              <a:t>20XX</a:t>
+            </a:r>
+          </a:p>
+        </p:txBody>
+      </p:sp>
+      <p:sp>
+        <p:nvSpPr>
+          <p:cNvPr id="5" name="Slide Number Placeholder 4">
+            <a:extLst>
+              <a:ext uri="{FF2B5EF4-FFF2-40B4-BE49-F238E27FC236}">
+                <a16:creationId xmlns:a16="http://schemas.microsoft.com/office/drawing/2014/main" id="{E673DB5F-1A43-441F-953F-DA8BBE7299D4}"/>
+              </a:ext>
+            </a:extLst>
+          </p:cNvPr>
+          <p:cNvSpPr>
+            <a:spLocks noGrp="1"/>
+          </p:cNvSpPr>
+          <p:nvPr>
+            <p:ph type="sldNum" sz="quarter" idx="12"/>
+          </p:nvPr>
+        </p:nvSpPr>
+        <p:spPr>
+          <a:xfrm>
+            <a:off x="11365992" y="6356350"/>
+            <a:ext cx="630936" cy="365125"/>
+          </a:xfrm>
+        </p:spPr>
+        <p:txBody>
+          <a:bodyPr/>
+          <a:lstStyle/>
+          <a:p>
+            <a:pPr lvl="0"/>
+            <a:fld id="{06B786C7-B8F9-4072-AAAA-17258464D730}" type="slidenum">
+              <a:rPr lang="en-US" noProof="0" smtClean="0"/>
+              <a:pPr lvl="0"/>
+              <a:t>26</a:t>
+            </a:fld>
+            <a:endParaRPr lang="en-US" noProof="0" dirty="0"/>
+          </a:p>
+        </p:txBody>
+      </p:sp>
+    </p:spTree>
+    <p:extLst>
+      <p:ext uri="{BB962C8B-B14F-4D97-AF65-F5344CB8AC3E}">
+        <p14:creationId xmlns:p14="http://schemas.microsoft.com/office/powerpoint/2010/main" val="2605548233"/>
+      </p:ext>
+    </p:extLst>
+  </p:cSld>
+  <p:clrMapOvr>
+    <a:masterClrMapping/>
+  </p:clrMapOvr>
+</p:sld>
+</file>
+
+<file path=ppt/slides/slide27.xml><?xml version="1.0" encoding="utf-8"?>
+<p:sld xmlns:a="http://schemas.openxmlformats.org/drawingml/2006/main" xmlns:r="http://schemas.openxmlformats.org/officeDocument/2006/relationships" xmlns:p="http://schemas.openxmlformats.org/presentationml/2006/main">
+  <p:cSld>
+    <p:spTree>
+      <p:nvGrpSpPr>
+        <p:cNvPr id="1" name=""/>
+        <p:cNvGrpSpPr/>
+        <p:nvPr/>
+      </p:nvGrpSpPr>
+      <p:grpSpPr>
+        <a:xfrm>
+          <a:off x="0" y="0"/>
+          <a:ext cx="0" cy="0"/>
+          <a:chOff x="0" y="0"/>
+          <a:chExt cx="0" cy="0"/>
+        </a:xfrm>
+      </p:grpSpPr>
+      <p:sp>
+        <p:nvSpPr>
+          <p:cNvPr id="25" name="Title 24">
+            <a:extLst>
+              <a:ext uri="{FF2B5EF4-FFF2-40B4-BE49-F238E27FC236}">
+                <a16:creationId xmlns:a16="http://schemas.microsoft.com/office/drawing/2014/main" id="{330F6403-11BB-440A-81D1-11DAFA7ABF5D}"/>
+              </a:ext>
+            </a:extLst>
+          </p:cNvPr>
+          <p:cNvSpPr>
+            <a:spLocks noGrp="1"/>
+          </p:cNvSpPr>
+          <p:nvPr>
+            <p:ph type="title"/>
+          </p:nvPr>
+        </p:nvSpPr>
+        <p:spPr>
+          <a:xfrm>
+            <a:off x="1000759" y="194783"/>
+            <a:ext cx="10022841" cy="760892"/>
+          </a:xfrm>
+        </p:spPr>
+        <p:txBody>
+          <a:bodyPr>
+            <a:normAutofit fontScale="90000"/>
+          </a:bodyPr>
+          <a:lstStyle/>
+          <a:p>
+            <a:r>
+              <a:rPr lang="en-US" dirty="0"/>
+              <a:t>Timeline</a:t>
+            </a:r>
+          </a:p>
+        </p:txBody>
+      </p:sp>
+      <p:graphicFrame>
+        <p:nvGraphicFramePr>
+          <p:cNvPr id="20" name="Content Placeholder 3">
+            <a:extLst>
+              <a:ext uri="{FF2B5EF4-FFF2-40B4-BE49-F238E27FC236}">
+                <a16:creationId xmlns:a16="http://schemas.microsoft.com/office/drawing/2014/main" id="{76386ECC-44D1-4D37-AF78-36503EACC84D}"/>
+              </a:ext>
+              <a:ext uri="{C183D7F6-B498-43B3-948B-1728B52AA6E4}">
+                <adec:decorative xmlns:adec="http://schemas.microsoft.com/office/drawing/2017/decorative" val="1"/>
+              </a:ext>
+            </a:extLst>
+          </p:cNvPr>
+          <p:cNvGraphicFramePr>
+            <a:graphicFrameLocks noGrp="1"/>
+          </p:cNvGraphicFramePr>
+          <p:nvPr>
+            <p:ph sz="quarter" idx="14"/>
+            <p:extLst>
+              <p:ext uri="{D42A27DB-BD31-4B8C-83A1-F6EECF244321}">
+                <p14:modId xmlns:p14="http://schemas.microsoft.com/office/powerpoint/2010/main" val="229255033"/>
+              </p:ext>
+            </p:extLst>
+          </p:nvPr>
+        </p:nvGraphicFramePr>
+        <p:xfrm>
+          <a:off x="646113" y="1560513"/>
+          <a:ext cx="10899775" cy="4341812"/>
+        </p:xfrm>
+        <a:graphic>
+          <a:graphicData uri="http://schemas.openxmlformats.org/drawingml/2006/diagram">
+            <dgm:relIds xmlns:dgm="http://schemas.openxmlformats.org/drawingml/2006/diagram" xmlns:r="http://schemas.openxmlformats.org/officeDocument/2006/relationships" r:dm="rId2" r:lo="rId3" r:qs="rId4" r:cs="rId5"/>
+          </a:graphicData>
+        </a:graphic>
+      </p:graphicFrame>
+      <p:sp>
+        <p:nvSpPr>
+          <p:cNvPr id="4" name="Footer Placeholder 3">
+            <a:extLst>
+              <a:ext uri="{FF2B5EF4-FFF2-40B4-BE49-F238E27FC236}">
+                <a16:creationId xmlns:a16="http://schemas.microsoft.com/office/drawing/2014/main" id="{1C63F48C-BFC1-4227-8BB0-C06C473D6F55}"/>
+              </a:ext>
+            </a:extLst>
+          </p:cNvPr>
+          <p:cNvSpPr>
+            <a:spLocks noGrp="1"/>
+          </p:cNvSpPr>
+          <p:nvPr>
+            <p:ph type="ftr" sz="quarter" idx="11"/>
+          </p:nvPr>
+        </p:nvSpPr>
+        <p:spPr>
+          <a:xfrm>
+            <a:off x="201168" y="6356350"/>
+            <a:ext cx="4837176" cy="365125"/>
+          </a:xfrm>
+        </p:spPr>
+        <p:txBody>
+          <a:bodyPr/>
+          <a:lstStyle/>
+          <a:p>
+            <a:r>
+              <a:rPr lang="en-US" dirty="0"/>
+              <a:t>Presentation title</a:t>
+            </a:r>
+          </a:p>
+        </p:txBody>
+      </p:sp>
+      <p:sp>
+        <p:nvSpPr>
+          <p:cNvPr id="3" name="Date Placeholder 2">
+            <a:extLst>
+              <a:ext uri="{FF2B5EF4-FFF2-40B4-BE49-F238E27FC236}">
+                <a16:creationId xmlns:a16="http://schemas.microsoft.com/office/drawing/2014/main" id="{1E532E67-6C01-41FF-AA5B-AEEE3DFA51CB}"/>
+              </a:ext>
+            </a:extLst>
+          </p:cNvPr>
+          <p:cNvSpPr>
+            <a:spLocks noGrp="1"/>
+          </p:cNvSpPr>
+          <p:nvPr>
+            <p:ph type="dt" sz="half" idx="10"/>
+          </p:nvPr>
+        </p:nvSpPr>
+        <p:spPr>
+          <a:xfrm>
+            <a:off x="7013448" y="6355080"/>
+            <a:ext cx="4352544" cy="365125"/>
+          </a:xfrm>
+        </p:spPr>
+        <p:txBody>
+          <a:bodyPr/>
+          <a:lstStyle/>
+          <a:p>
+            <a:pPr lvl="0"/>
+            <a:r>
+              <a:rPr lang="en-US" noProof="0" dirty="0"/>
+              <a:t>20XX</a:t>
+            </a:r>
+          </a:p>
+        </p:txBody>
+      </p:sp>
+      <p:sp>
+        <p:nvSpPr>
+          <p:cNvPr id="5" name="Slide Number Placeholder 4">
+            <a:extLst>
+              <a:ext uri="{FF2B5EF4-FFF2-40B4-BE49-F238E27FC236}">
+                <a16:creationId xmlns:a16="http://schemas.microsoft.com/office/drawing/2014/main" id="{AA33C4C9-9778-4A59-9001-6EC6F52349CA}"/>
+              </a:ext>
+            </a:extLst>
+          </p:cNvPr>
+          <p:cNvSpPr>
+            <a:spLocks noGrp="1"/>
+          </p:cNvSpPr>
+          <p:nvPr>
+            <p:ph type="sldNum" sz="quarter" idx="12"/>
+          </p:nvPr>
+        </p:nvSpPr>
+        <p:spPr>
+          <a:xfrm>
+            <a:off x="11365992" y="6356350"/>
+            <a:ext cx="630936" cy="365125"/>
+          </a:xfrm>
+        </p:spPr>
+        <p:txBody>
+          <a:bodyPr/>
+          <a:lstStyle/>
+          <a:p>
+            <a:pPr lvl="0"/>
+            <a:fld id="{06B786C7-B8F9-4072-AAAA-17258464D730}" type="slidenum">
+              <a:rPr lang="en-US" noProof="0" smtClean="0"/>
+              <a:pPr lvl="0"/>
+              <a:t>27</a:t>
+            </a:fld>
+            <a:endParaRPr lang="en-US" noProof="0" dirty="0"/>
+          </a:p>
+        </p:txBody>
+      </p:sp>
+    </p:spTree>
+    <p:extLst>
+      <p:ext uri="{BB962C8B-B14F-4D97-AF65-F5344CB8AC3E}">
+        <p14:creationId xmlns:p14="http://schemas.microsoft.com/office/powerpoint/2010/main" val="973145793"/>
+      </p:ext>
+    </p:extLst>
+  </p:cSld>
+  <p:clrMapOvr>
+    <a:masterClrMapping/>
+  </p:clrMapOvr>
+</p:sld>
+</file>
+
+<file path=ppt/slides/slide28.xml><?xml version="1.0" encoding="utf-8"?>
+<p:sld xmlns:a="http://schemas.openxmlformats.org/drawingml/2006/main" xmlns:r="http://schemas.openxmlformats.org/officeDocument/2006/relationships" xmlns:p="http://schemas.openxmlformats.org/presentationml/2006/main">
+  <p:cSld>
+    <p:spTree>
+      <p:nvGrpSpPr>
+        <p:cNvPr id="1" name=""/>
+        <p:cNvGrpSpPr/>
+        <p:nvPr/>
+      </p:nvGrpSpPr>
+      <p:grpSpPr>
+        <a:xfrm>
+          <a:off x="0" y="0"/>
+          <a:ext cx="0" cy="0"/>
+          <a:chOff x="0" y="0"/>
+          <a:chExt cx="0" cy="0"/>
+        </a:xfrm>
+      </p:grpSpPr>
+      <p:sp>
+        <p:nvSpPr>
+          <p:cNvPr id="33" name="Title 32">
+            <a:extLst>
+              <a:ext uri="{FF2B5EF4-FFF2-40B4-BE49-F238E27FC236}">
+                <a16:creationId xmlns:a16="http://schemas.microsoft.com/office/drawing/2014/main" id="{2D22322F-E79D-4BEF-8038-DE2C8F5CCA40}"/>
+              </a:ext>
+            </a:extLst>
+          </p:cNvPr>
+          <p:cNvSpPr>
+            <a:spLocks noGrp="1"/>
+          </p:cNvSpPr>
+          <p:nvPr>
+            <p:ph type="title"/>
+          </p:nvPr>
+        </p:nvSpPr>
+        <p:spPr>
+          <a:xfrm>
+            <a:off x="1249680" y="190500"/>
+            <a:ext cx="10036292" cy="773776"/>
+          </a:xfrm>
+        </p:spPr>
+        <p:txBody>
+          <a:bodyPr>
+            <a:normAutofit fontScale="90000"/>
+          </a:bodyPr>
+          <a:lstStyle/>
+          <a:p>
+            <a:r>
+              <a:rPr lang="en-US" dirty="0"/>
+              <a:t>Content</a:t>
+            </a:r>
+          </a:p>
+        </p:txBody>
+      </p:sp>
+      <p:sp>
+        <p:nvSpPr>
+          <p:cNvPr id="14" name="Text Placeholder 13">
+            <a:extLst>
+              <a:ext uri="{FF2B5EF4-FFF2-40B4-BE49-F238E27FC236}">
+                <a16:creationId xmlns:a16="http://schemas.microsoft.com/office/drawing/2014/main" id="{61A6601B-A3E2-47A2-B731-4FE03C43E2B0}"/>
+              </a:ext>
+            </a:extLst>
+          </p:cNvPr>
+          <p:cNvSpPr>
+            <a:spLocks noGrp="1"/>
+          </p:cNvSpPr>
+          <p:nvPr>
+            <p:ph type="body" sz="quarter" idx="14"/>
+          </p:nvPr>
+        </p:nvSpPr>
+        <p:spPr>
+          <a:xfrm>
+            <a:off x="1209243" y="1764139"/>
+            <a:ext cx="4756714" cy="597604"/>
+          </a:xfrm>
+        </p:spPr>
+        <p:txBody>
+          <a:bodyPr/>
+          <a:lstStyle/>
+          <a:p>
+            <a:r>
+              <a:rPr lang="en-US" dirty="0"/>
+              <a:t>Subtitle</a:t>
+            </a:r>
+          </a:p>
+        </p:txBody>
+      </p:sp>
+      <p:sp>
+        <p:nvSpPr>
+          <p:cNvPr id="13" name="Content Placeholder 12">
+            <a:extLst>
+              <a:ext uri="{FF2B5EF4-FFF2-40B4-BE49-F238E27FC236}">
+                <a16:creationId xmlns:a16="http://schemas.microsoft.com/office/drawing/2014/main" id="{ABAEE544-8FB3-4E56-91A9-A6964539DCB7}"/>
+              </a:ext>
+            </a:extLst>
+          </p:cNvPr>
+          <p:cNvSpPr>
+            <a:spLocks noGrp="1"/>
+          </p:cNvSpPr>
+          <p:nvPr>
+            <p:ph type="body" sz="quarter" idx="17"/>
+          </p:nvPr>
+        </p:nvSpPr>
+        <p:spPr>
+          <a:xfrm>
+            <a:off x="1209243" y="2374900"/>
+            <a:ext cx="4756714" cy="3365500"/>
+          </a:xfrm>
+        </p:spPr>
+        <p:txBody>
+          <a:bodyPr/>
+          <a:lstStyle/>
+          <a:p>
+            <a:r>
+              <a:rPr lang="en-US" dirty="0"/>
+              <a:t>Add text, images, art, and videos. </a:t>
+            </a:r>
+          </a:p>
+          <a:p>
+            <a:r>
+              <a:rPr lang="en-US" dirty="0"/>
+              <a:t>Add transitions, animations, and motion. </a:t>
+            </a:r>
+          </a:p>
+          <a:p>
+            <a:r>
+              <a:rPr lang="en-US" dirty="0"/>
+              <a:t>Save to OneDrive, to get to your presentations from your computer, tablet, or phone. </a:t>
+            </a:r>
+          </a:p>
+        </p:txBody>
+      </p:sp>
+      <p:sp>
+        <p:nvSpPr>
+          <p:cNvPr id="16" name="Text Placeholder 15">
+            <a:extLst>
+              <a:ext uri="{FF2B5EF4-FFF2-40B4-BE49-F238E27FC236}">
+                <a16:creationId xmlns:a16="http://schemas.microsoft.com/office/drawing/2014/main" id="{1ADD5DF7-575E-4C10-815E-CDBBFAB583BF}"/>
+              </a:ext>
+            </a:extLst>
+          </p:cNvPr>
+          <p:cNvSpPr>
+            <a:spLocks noGrp="1"/>
+          </p:cNvSpPr>
+          <p:nvPr>
+            <p:ph type="body" sz="quarter" idx="16"/>
+          </p:nvPr>
+        </p:nvSpPr>
+        <p:spPr>
+          <a:xfrm>
+            <a:off x="6257467" y="1764031"/>
+            <a:ext cx="4756714" cy="597604"/>
+          </a:xfrm>
+        </p:spPr>
+        <p:txBody>
+          <a:bodyPr/>
+          <a:lstStyle/>
+          <a:p>
+            <a:r>
+              <a:rPr lang="en-US" dirty="0"/>
+              <a:t>Subtitle</a:t>
+            </a:r>
+          </a:p>
+        </p:txBody>
+      </p:sp>
+      <p:sp>
+        <p:nvSpPr>
+          <p:cNvPr id="15" name="Content Placeholder 14">
+            <a:extLst>
+              <a:ext uri="{FF2B5EF4-FFF2-40B4-BE49-F238E27FC236}">
+                <a16:creationId xmlns:a16="http://schemas.microsoft.com/office/drawing/2014/main" id="{A13BE1C0-386B-47CB-BDCE-A24D9918AEEF}"/>
+              </a:ext>
+            </a:extLst>
+          </p:cNvPr>
+          <p:cNvSpPr>
+            <a:spLocks noGrp="1"/>
+          </p:cNvSpPr>
+          <p:nvPr>
+            <p:ph type="body" sz="quarter" idx="18"/>
+          </p:nvPr>
+        </p:nvSpPr>
+        <p:spPr>
+          <a:xfrm>
+            <a:off x="6257467" y="2374900"/>
+            <a:ext cx="4756714" cy="3365500"/>
+          </a:xfrm>
+        </p:spPr>
+        <p:txBody>
+          <a:bodyPr/>
+          <a:lstStyle/>
+          <a:p>
+            <a:r>
+              <a:rPr lang="en-US" dirty="0"/>
+              <a:t>Open the Design Ideas pane for instant slide makeovers. </a:t>
+            </a:r>
+          </a:p>
+          <a:p>
+            <a:r>
+              <a:rPr lang="en-US" dirty="0"/>
+              <a:t>When we have design ideas, we’ll show them to you right there. </a:t>
+            </a:r>
+          </a:p>
+        </p:txBody>
+      </p:sp>
+      <p:sp>
+        <p:nvSpPr>
+          <p:cNvPr id="7" name="Footer Placeholder 6">
+            <a:extLst>
+              <a:ext uri="{FF2B5EF4-FFF2-40B4-BE49-F238E27FC236}">
+                <a16:creationId xmlns:a16="http://schemas.microsoft.com/office/drawing/2014/main" id="{C4A3939E-B573-4FB2-AD69-18C1A75F947B}"/>
+              </a:ext>
+            </a:extLst>
+          </p:cNvPr>
+          <p:cNvSpPr>
+            <a:spLocks noGrp="1"/>
+          </p:cNvSpPr>
+          <p:nvPr>
+            <p:ph type="ftr" sz="quarter" idx="11"/>
+          </p:nvPr>
+        </p:nvSpPr>
+        <p:spPr>
+          <a:xfrm>
+            <a:off x="201168" y="6356350"/>
+            <a:ext cx="4837176" cy="365125"/>
+          </a:xfrm>
+        </p:spPr>
+        <p:txBody>
+          <a:bodyPr/>
+          <a:lstStyle/>
+          <a:p>
+            <a:pPr lvl="0"/>
+            <a:r>
+              <a:rPr lang="en-US" noProof="0" dirty="0"/>
+              <a:t>Presentation title</a:t>
+            </a:r>
+          </a:p>
+        </p:txBody>
+      </p:sp>
+      <p:sp>
+        <p:nvSpPr>
+          <p:cNvPr id="6" name="Date Placeholder 5">
+            <a:extLst>
+              <a:ext uri="{FF2B5EF4-FFF2-40B4-BE49-F238E27FC236}">
+                <a16:creationId xmlns:a16="http://schemas.microsoft.com/office/drawing/2014/main" id="{6EF65B39-4112-473E-B203-73AC0F564D47}"/>
+              </a:ext>
+            </a:extLst>
+          </p:cNvPr>
+          <p:cNvSpPr>
+            <a:spLocks noGrp="1"/>
+          </p:cNvSpPr>
+          <p:nvPr>
+            <p:ph type="dt" sz="half" idx="10"/>
+          </p:nvPr>
+        </p:nvSpPr>
+        <p:spPr>
+          <a:xfrm>
+            <a:off x="7013448" y="6355080"/>
+            <a:ext cx="4352544" cy="365125"/>
+          </a:xfrm>
+        </p:spPr>
+        <p:txBody>
+          <a:bodyPr/>
+          <a:lstStyle/>
+          <a:p>
+            <a:pPr lvl="0"/>
+            <a:r>
+              <a:rPr lang="en-US" noProof="0" dirty="0"/>
+              <a:t>20XX</a:t>
+            </a:r>
+          </a:p>
+        </p:txBody>
+      </p:sp>
+      <p:sp>
+        <p:nvSpPr>
+          <p:cNvPr id="8" name="Slide Number Placeholder 7">
+            <a:extLst>
+              <a:ext uri="{FF2B5EF4-FFF2-40B4-BE49-F238E27FC236}">
+                <a16:creationId xmlns:a16="http://schemas.microsoft.com/office/drawing/2014/main" id="{99800B7A-B486-4409-9EDD-0A7B9628EDE8}"/>
+              </a:ext>
+            </a:extLst>
+          </p:cNvPr>
+          <p:cNvSpPr>
+            <a:spLocks noGrp="1"/>
+          </p:cNvSpPr>
+          <p:nvPr>
+            <p:ph type="sldNum" sz="quarter" idx="12"/>
+          </p:nvPr>
+        </p:nvSpPr>
+        <p:spPr>
+          <a:xfrm>
+            <a:off x="11365992" y="6356350"/>
+            <a:ext cx="630936" cy="365125"/>
+          </a:xfrm>
+        </p:spPr>
+        <p:txBody>
+          <a:bodyPr/>
+          <a:lstStyle/>
+          <a:p>
+            <a:pPr lvl="0"/>
+            <a:fld id="{06B786C7-B8F9-4072-AAAA-17258464D730}" type="slidenum">
+              <a:rPr lang="en-US" noProof="0" smtClean="0"/>
+              <a:pPr lvl="0"/>
+              <a:t>28</a:t>
+            </a:fld>
+            <a:endParaRPr lang="en-US" noProof="0" dirty="0"/>
+          </a:p>
+        </p:txBody>
+      </p:sp>
+    </p:spTree>
+    <p:extLst>
+      <p:ext uri="{BB962C8B-B14F-4D97-AF65-F5344CB8AC3E}">
+        <p14:creationId xmlns:p14="http://schemas.microsoft.com/office/powerpoint/2010/main" val="2805428833"/>
+      </p:ext>
+    </p:extLst>
+  </p:cSld>
+  <p:clrMapOvr>
+    <a:masterClrMapping/>
+  </p:clrMapOvr>
+</p:sld>
+</file>
+
+<file path=ppt/slides/slide29.xml><?xml version="1.0" encoding="utf-8"?>
+<p:sld xmlns:a="http://schemas.openxmlformats.org/drawingml/2006/main" xmlns:r="http://schemas.openxmlformats.org/officeDocument/2006/relationships" xmlns:p="http://schemas.openxmlformats.org/presentationml/2006/main">
+  <p:cSld>
+    <p:spTree>
+      <p:nvGrpSpPr>
+        <p:cNvPr id="1" name=""/>
+        <p:cNvGrpSpPr/>
+        <p:nvPr/>
+      </p:nvGrpSpPr>
+      <p:grpSpPr>
+        <a:xfrm>
+          <a:off x="0" y="0"/>
+          <a:ext cx="0" cy="0"/>
+          <a:chOff x="0" y="0"/>
+          <a:chExt cx="0" cy="0"/>
+        </a:xfrm>
+      </p:grpSpPr>
+      <p:sp>
+        <p:nvSpPr>
+          <p:cNvPr id="41" name="Title 40">
+            <a:extLst>
+              <a:ext uri="{FF2B5EF4-FFF2-40B4-BE49-F238E27FC236}">
+                <a16:creationId xmlns:a16="http://schemas.microsoft.com/office/drawing/2014/main" id="{0622F47C-D986-4C50-BD14-2C1E537C27FB}"/>
+              </a:ext>
+            </a:extLst>
+          </p:cNvPr>
+          <p:cNvSpPr>
+            <a:spLocks noGrp="1"/>
+          </p:cNvSpPr>
+          <p:nvPr>
+            <p:ph type="title"/>
+          </p:nvPr>
+        </p:nvSpPr>
+        <p:spPr>
+          <a:xfrm>
+            <a:off x="1879600" y="183988"/>
+            <a:ext cx="9406372" cy="803380"/>
+          </a:xfrm>
+        </p:spPr>
+        <p:txBody>
+          <a:bodyPr>
+            <a:normAutofit fontScale="90000"/>
+          </a:bodyPr>
+          <a:lstStyle/>
+          <a:p>
+            <a:r>
+              <a:rPr lang="en-US"/>
+              <a:t>Additional content</a:t>
+            </a:r>
+            <a:endParaRPr lang="en-US" dirty="0"/>
+          </a:p>
+        </p:txBody>
+      </p:sp>
+      <p:sp>
+        <p:nvSpPr>
+          <p:cNvPr id="12" name="Text Placeholder 11">
+            <a:extLst>
+              <a:ext uri="{FF2B5EF4-FFF2-40B4-BE49-F238E27FC236}">
+                <a16:creationId xmlns:a16="http://schemas.microsoft.com/office/drawing/2014/main" id="{D05AC8F8-F459-42EB-AA23-F556AEDD721A}"/>
+              </a:ext>
+            </a:extLst>
+          </p:cNvPr>
+          <p:cNvSpPr>
+            <a:spLocks noGrp="1"/>
+          </p:cNvSpPr>
+          <p:nvPr>
+            <p:ph type="body" sz="quarter" idx="14"/>
+          </p:nvPr>
+        </p:nvSpPr>
+        <p:spPr>
+          <a:xfrm>
+            <a:off x="851300" y="1764193"/>
+            <a:ext cx="3327366" cy="597604"/>
+          </a:xfrm>
+        </p:spPr>
+        <p:txBody>
+          <a:bodyPr/>
+          <a:lstStyle/>
+          <a:p>
+            <a:r>
+              <a:rPr lang="en-US" dirty="0"/>
+              <a:t>Subtitle</a:t>
+            </a:r>
+          </a:p>
+        </p:txBody>
+      </p:sp>
+      <p:sp>
+        <p:nvSpPr>
+          <p:cNvPr id="11" name="Content Placeholder 10">
+            <a:extLst>
+              <a:ext uri="{FF2B5EF4-FFF2-40B4-BE49-F238E27FC236}">
+                <a16:creationId xmlns:a16="http://schemas.microsoft.com/office/drawing/2014/main" id="{DFFE8322-74A2-43C3-B71A-8DD6B2DC0DF8}"/>
+              </a:ext>
+            </a:extLst>
+          </p:cNvPr>
+          <p:cNvSpPr>
+            <a:spLocks noGrp="1"/>
+          </p:cNvSpPr>
+          <p:nvPr>
+            <p:ph type="body" sz="quarter" idx="19"/>
+          </p:nvPr>
+        </p:nvSpPr>
+        <p:spPr>
+          <a:xfrm>
+            <a:off x="851193" y="2374899"/>
+            <a:ext cx="3327366" cy="3485573"/>
+          </a:xfrm>
+        </p:spPr>
+        <p:txBody>
+          <a:bodyPr>
+            <a:normAutofit/>
+          </a:bodyPr>
+          <a:lstStyle/>
+          <a:p>
+            <a:pPr lvl="0"/>
+            <a:r>
+              <a:rPr lang="en-US" dirty="0"/>
+              <a:t>Add text, images, art, and videos. </a:t>
+            </a:r>
+          </a:p>
+          <a:p>
+            <a:pPr lvl="0"/>
+            <a:r>
+              <a:rPr lang="en-US" dirty="0"/>
+              <a:t>Add transitions, animations, and motion. </a:t>
+            </a:r>
+          </a:p>
+          <a:p>
+            <a:pPr lvl="0"/>
+            <a:r>
+              <a:rPr lang="en-US" dirty="0"/>
+              <a:t>Save to OneDrive, to get to your presentations from your computer, tablet, or phone. </a:t>
+            </a:r>
+          </a:p>
+        </p:txBody>
+      </p:sp>
+      <p:sp>
+        <p:nvSpPr>
+          <p:cNvPr id="16" name="Text Placeholder 15">
+            <a:extLst>
+              <a:ext uri="{FF2B5EF4-FFF2-40B4-BE49-F238E27FC236}">
+                <a16:creationId xmlns:a16="http://schemas.microsoft.com/office/drawing/2014/main" id="{88417E53-E35C-4BA6-B238-61D2C004A237}"/>
+              </a:ext>
+            </a:extLst>
+          </p:cNvPr>
+          <p:cNvSpPr>
+            <a:spLocks noGrp="1"/>
+          </p:cNvSpPr>
+          <p:nvPr>
+            <p:ph type="body" sz="quarter" idx="18"/>
+          </p:nvPr>
+        </p:nvSpPr>
+        <p:spPr>
+          <a:xfrm>
+            <a:off x="4432317" y="1764193"/>
+            <a:ext cx="3327366" cy="597604"/>
+          </a:xfrm>
+        </p:spPr>
+        <p:txBody>
+          <a:bodyPr/>
+          <a:lstStyle/>
+          <a:p>
+            <a:r>
+              <a:rPr lang="en-US" dirty="0"/>
+              <a:t>Subtitle</a:t>
+            </a:r>
+          </a:p>
+        </p:txBody>
+      </p:sp>
+      <p:sp>
+        <p:nvSpPr>
+          <p:cNvPr id="13" name="Content Placeholder 12">
+            <a:extLst>
+              <a:ext uri="{FF2B5EF4-FFF2-40B4-BE49-F238E27FC236}">
+                <a16:creationId xmlns:a16="http://schemas.microsoft.com/office/drawing/2014/main" id="{32AA922F-7FCE-49A0-92E0-60263B0E006A}"/>
+              </a:ext>
+            </a:extLst>
+          </p:cNvPr>
+          <p:cNvSpPr>
+            <a:spLocks noGrp="1"/>
+          </p:cNvSpPr>
+          <p:nvPr>
+            <p:ph type="body" sz="quarter" idx="20"/>
+          </p:nvPr>
+        </p:nvSpPr>
+        <p:spPr>
+          <a:xfrm>
+            <a:off x="4432317" y="2374899"/>
+            <a:ext cx="3327366" cy="3485573"/>
+          </a:xfrm>
+        </p:spPr>
+        <p:txBody>
+          <a:bodyPr>
+            <a:normAutofit/>
+          </a:bodyPr>
+          <a:lstStyle/>
+          <a:p>
+            <a:r>
+              <a:rPr lang="en-US" dirty="0"/>
+              <a:t>This PowerPoint theme uses its own unique set of colors, fonts, and effects to create the overall look and feel of these slides. </a:t>
+            </a:r>
+          </a:p>
+          <a:p>
+            <a:r>
+              <a:rPr lang="en-US" dirty="0"/>
+              <a:t>PowerPoint has tons of themes to give your presentation just the right personality. </a:t>
+            </a:r>
+          </a:p>
+        </p:txBody>
+      </p:sp>
+      <p:sp>
+        <p:nvSpPr>
+          <p:cNvPr id="14" name="Text Placeholder 13">
+            <a:extLst>
+              <a:ext uri="{FF2B5EF4-FFF2-40B4-BE49-F238E27FC236}">
+                <a16:creationId xmlns:a16="http://schemas.microsoft.com/office/drawing/2014/main" id="{94D68F73-4FB1-4145-BF89-FE36142E5100}"/>
+              </a:ext>
+            </a:extLst>
+          </p:cNvPr>
+          <p:cNvSpPr>
+            <a:spLocks noGrp="1"/>
+          </p:cNvSpPr>
+          <p:nvPr>
+            <p:ph type="body" sz="quarter" idx="16"/>
+          </p:nvPr>
+        </p:nvSpPr>
+        <p:spPr>
+          <a:xfrm>
+            <a:off x="8025393" y="1764193"/>
+            <a:ext cx="3327366" cy="597604"/>
+          </a:xfrm>
+        </p:spPr>
+        <p:txBody>
+          <a:bodyPr/>
+          <a:lstStyle/>
+          <a:p>
+            <a:r>
+              <a:rPr lang="en-US" dirty="0"/>
+              <a:t>Subtitle</a:t>
+            </a:r>
+          </a:p>
+        </p:txBody>
+      </p:sp>
+      <p:sp>
+        <p:nvSpPr>
+          <p:cNvPr id="15" name="Content Placeholder 14">
+            <a:extLst>
+              <a:ext uri="{FF2B5EF4-FFF2-40B4-BE49-F238E27FC236}">
+                <a16:creationId xmlns:a16="http://schemas.microsoft.com/office/drawing/2014/main" id="{967F3EB6-BBF7-400D-831B-2949763446D0}"/>
+              </a:ext>
+            </a:extLst>
+          </p:cNvPr>
+          <p:cNvSpPr>
+            <a:spLocks noGrp="1"/>
+          </p:cNvSpPr>
+          <p:nvPr>
+            <p:ph type="body" sz="quarter" idx="21"/>
+          </p:nvPr>
+        </p:nvSpPr>
+        <p:spPr>
+          <a:xfrm>
+            <a:off x="8025393" y="2374899"/>
+            <a:ext cx="3327366" cy="3485573"/>
+          </a:xfrm>
+        </p:spPr>
+        <p:txBody>
+          <a:bodyPr>
+            <a:normAutofit/>
+          </a:bodyPr>
+          <a:lstStyle/>
+          <a:p>
+            <a:r>
+              <a:rPr lang="en-US" dirty="0"/>
+              <a:t>Open the Design Ideas pane for instant slide makeovers. </a:t>
+            </a:r>
+          </a:p>
+          <a:p>
+            <a:r>
+              <a:rPr lang="en-US" dirty="0"/>
+              <a:t>When we have design ideas, we’ll show them to you right there.</a:t>
+            </a:r>
+          </a:p>
+        </p:txBody>
+      </p:sp>
+      <p:sp>
+        <p:nvSpPr>
+          <p:cNvPr id="2" name="Footer Placeholder 1">
+            <a:extLst>
+              <a:ext uri="{FF2B5EF4-FFF2-40B4-BE49-F238E27FC236}">
+                <a16:creationId xmlns:a16="http://schemas.microsoft.com/office/drawing/2014/main" id="{2C20C49D-5E38-4E7C-A240-4B2D015F3AC7}"/>
+              </a:ext>
+            </a:extLst>
+          </p:cNvPr>
+          <p:cNvSpPr>
+            <a:spLocks noGrp="1"/>
+          </p:cNvSpPr>
+          <p:nvPr>
+            <p:ph type="ftr" sz="quarter" idx="11"/>
+          </p:nvPr>
+        </p:nvSpPr>
+        <p:spPr>
+          <a:xfrm>
+            <a:off x="201168" y="6356350"/>
+            <a:ext cx="4837176" cy="365125"/>
+          </a:xfrm>
+        </p:spPr>
+        <p:txBody>
+          <a:bodyPr/>
+          <a:lstStyle/>
+          <a:p>
+            <a:pPr lvl="0"/>
+            <a:r>
+              <a:rPr lang="en-US" noProof="0" dirty="0"/>
+              <a:t>Presentation title</a:t>
+            </a:r>
+          </a:p>
+        </p:txBody>
+      </p:sp>
+      <p:sp>
+        <p:nvSpPr>
+          <p:cNvPr id="3" name="Date Placeholder 2">
+            <a:extLst>
+              <a:ext uri="{FF2B5EF4-FFF2-40B4-BE49-F238E27FC236}">
+                <a16:creationId xmlns:a16="http://schemas.microsoft.com/office/drawing/2014/main" id="{9CE6D34A-9686-45B2-97D0-AD20167B2D54}"/>
+              </a:ext>
+            </a:extLst>
+          </p:cNvPr>
+          <p:cNvSpPr>
+            <a:spLocks noGrp="1"/>
+          </p:cNvSpPr>
+          <p:nvPr>
+            <p:ph type="dt" sz="half" idx="10"/>
+          </p:nvPr>
+        </p:nvSpPr>
+        <p:spPr>
+          <a:xfrm>
+            <a:off x="7013448" y="6355080"/>
+            <a:ext cx="4352544" cy="365125"/>
+          </a:xfrm>
+        </p:spPr>
+        <p:txBody>
+          <a:bodyPr/>
+          <a:lstStyle/>
+          <a:p>
+            <a:pPr lvl="0"/>
+            <a:r>
+              <a:rPr lang="en-US" noProof="0" dirty="0"/>
+              <a:t>20XX</a:t>
+            </a:r>
+          </a:p>
+        </p:txBody>
+      </p:sp>
+      <p:sp>
+        <p:nvSpPr>
+          <p:cNvPr id="4" name="Slide Number Placeholder 3">
+            <a:extLst>
+              <a:ext uri="{FF2B5EF4-FFF2-40B4-BE49-F238E27FC236}">
+                <a16:creationId xmlns:a16="http://schemas.microsoft.com/office/drawing/2014/main" id="{AC0EC6D8-4D66-4B16-AD3F-2850D613518A}"/>
+              </a:ext>
+            </a:extLst>
+          </p:cNvPr>
+          <p:cNvSpPr>
+            <a:spLocks noGrp="1"/>
+          </p:cNvSpPr>
+          <p:nvPr>
+            <p:ph type="sldNum" sz="quarter" idx="12"/>
+          </p:nvPr>
+        </p:nvSpPr>
+        <p:spPr>
+          <a:xfrm>
+            <a:off x="11365992" y="6356350"/>
+            <a:ext cx="630936" cy="365125"/>
+          </a:xfrm>
+        </p:spPr>
+        <p:txBody>
+          <a:bodyPr/>
+          <a:lstStyle/>
+          <a:p>
+            <a:pPr lvl="0"/>
+            <a:fld id="{06B786C7-B8F9-4072-AAAA-17258464D730}" type="slidenum">
+              <a:rPr lang="en-US" noProof="0" smtClean="0"/>
+              <a:pPr lvl="0"/>
+              <a:t>29</a:t>
+            </a:fld>
+            <a:endParaRPr lang="en-US" noProof="0" dirty="0"/>
+          </a:p>
+        </p:txBody>
+      </p:sp>
+    </p:spTree>
+    <p:extLst>
+      <p:ext uri="{BB962C8B-B14F-4D97-AF65-F5344CB8AC3E}">
+        <p14:creationId xmlns:p14="http://schemas.microsoft.com/office/powerpoint/2010/main" val="338249949"/>
       </p:ext>
     </p:extLst>
   </p:cSld>
@@ -22012,7 +23971,293 @@
     </p:spTree>
     <p:extLst>
       <p:ext uri="{BB962C8B-B14F-4D97-AF65-F5344CB8AC3E}">
-        <p14:creationId xmlns:p14="http://schemas.microsoft.com/office/powerpoint/2010/main" val="2106347884"/>
+        <p14:creationId xmlns:p14="http://schemas.microsoft.com/office/powerpoint/2010/main" val="1921936879"/>
+      </p:ext>
+    </p:extLst>
+  </p:cSld>
+  <p:clrMapOvr>
+    <a:masterClrMapping/>
+  </p:clrMapOvr>
+</p:sld>
+</file>
+
+<file path=ppt/slides/slide30.xml><?xml version="1.0" encoding="utf-8"?>
+<p:sld xmlns:a="http://schemas.openxmlformats.org/drawingml/2006/main" xmlns:r="http://schemas.openxmlformats.org/officeDocument/2006/relationships" xmlns:p="http://schemas.openxmlformats.org/presentationml/2006/main">
+  <p:cSld>
+    <p:spTree>
+      <p:nvGrpSpPr>
+        <p:cNvPr id="1" name=""/>
+        <p:cNvGrpSpPr/>
+        <p:nvPr/>
+      </p:nvGrpSpPr>
+      <p:grpSpPr>
+        <a:xfrm>
+          <a:off x="0" y="0"/>
+          <a:ext cx="0" cy="0"/>
+          <a:chOff x="0" y="0"/>
+          <a:chExt cx="0" cy="0"/>
+        </a:xfrm>
+      </p:grpSpPr>
+      <p:sp>
+        <p:nvSpPr>
+          <p:cNvPr id="32" name="Title 31">
+            <a:extLst>
+              <a:ext uri="{FF2B5EF4-FFF2-40B4-BE49-F238E27FC236}">
+                <a16:creationId xmlns:a16="http://schemas.microsoft.com/office/drawing/2014/main" id="{30761B21-88ED-449E-B2B9-3FC40844C36D}"/>
+              </a:ext>
+            </a:extLst>
+          </p:cNvPr>
+          <p:cNvSpPr>
+            <a:spLocks noGrp="1"/>
+          </p:cNvSpPr>
+          <p:nvPr>
+            <p:ph type="ctrTitle"/>
+          </p:nvPr>
+        </p:nvSpPr>
+        <p:spPr>
+          <a:xfrm>
+            <a:off x="877001" y="4947313"/>
+            <a:ext cx="7700617" cy="1409037"/>
+          </a:xfrm>
+        </p:spPr>
+        <p:txBody>
+          <a:bodyPr/>
+          <a:lstStyle/>
+          <a:p>
+            <a:r>
+              <a:rPr lang="en-US" dirty="0"/>
+              <a:t>Thank you</a:t>
+            </a:r>
+          </a:p>
+        </p:txBody>
+      </p:sp>
+      <p:sp>
+        <p:nvSpPr>
+          <p:cNvPr id="33" name="Subtitle 32">
+            <a:extLst>
+              <a:ext uri="{FF2B5EF4-FFF2-40B4-BE49-F238E27FC236}">
+                <a16:creationId xmlns:a16="http://schemas.microsoft.com/office/drawing/2014/main" id="{0EEAA874-288B-4330-9FA4-F1144ACD46DE}"/>
+              </a:ext>
+            </a:extLst>
+          </p:cNvPr>
+          <p:cNvSpPr>
+            <a:spLocks noGrp="1"/>
+          </p:cNvSpPr>
+          <p:nvPr>
+            <p:ph type="subTitle" idx="1"/>
+          </p:nvPr>
+        </p:nvSpPr>
+        <p:spPr>
+          <a:xfrm>
+            <a:off x="9446252" y="386989"/>
+            <a:ext cx="2443495" cy="3758334"/>
+          </a:xfrm>
+        </p:spPr>
+        <p:txBody>
+          <a:bodyPr/>
+          <a:lstStyle/>
+          <a:p>
+            <a:r>
+              <a:rPr lang="en-US" dirty="0"/>
+              <a:t>Presenter name</a:t>
+            </a:r>
+          </a:p>
+          <a:p>
+            <a:endParaRPr lang="en-US" dirty="0"/>
+          </a:p>
+          <a:p>
+            <a:r>
+              <a:rPr lang="en-US" dirty="0"/>
+              <a:t>Email address</a:t>
+            </a:r>
+          </a:p>
+          <a:p>
+            <a:endParaRPr lang="en-US" dirty="0"/>
+          </a:p>
+          <a:p>
+            <a:r>
+              <a:rPr lang="en-US" dirty="0"/>
+              <a:t>Website</a:t>
+            </a:r>
+          </a:p>
+        </p:txBody>
+      </p:sp>
+      <p:pic>
+        <p:nvPicPr>
+          <p:cNvPr id="52" name="Picture Placeholder 51" descr="A picture containing sky, outdoor, mountain, nature, stars">
+            <a:extLst>
+              <a:ext uri="{FF2B5EF4-FFF2-40B4-BE49-F238E27FC236}">
+                <a16:creationId xmlns:a16="http://schemas.microsoft.com/office/drawing/2014/main" id="{45DFCBF0-F91E-40C0-A4E6-24E8250C3BAC}"/>
+              </a:ext>
+            </a:extLst>
+          </p:cNvPr>
+          <p:cNvPicPr>
+            <a:picLocks noGrp="1" noChangeAspect="1"/>
+          </p:cNvPicPr>
+          <p:nvPr>
+            <p:ph type="pic" sz="quarter" idx="13"/>
+          </p:nvPr>
+        </p:nvPicPr>
+        <p:blipFill rotWithShape="1">
+          <a:blip r:embed="rId2" cstate="screen">
+            <a:extLst>
+              <a:ext uri="{28A0092B-C50C-407E-A947-70E740481C1C}">
+                <a14:useLocalDpi xmlns:a14="http://schemas.microsoft.com/office/drawing/2010/main" val="0"/>
+              </a:ext>
+            </a:extLst>
+          </a:blip>
+          <a:srcRect/>
+          <a:stretch/>
+        </p:blipFill>
+        <p:spPr>
+          <a:xfrm>
+            <a:off x="0" y="0"/>
+            <a:ext cx="9144000" cy="4532313"/>
+          </a:xfrm>
+        </p:spPr>
+      </p:pic>
+      <p:sp>
+        <p:nvSpPr>
+          <p:cNvPr id="4" name="Footer Placeholder 3">
+            <a:extLst>
+              <a:ext uri="{FF2B5EF4-FFF2-40B4-BE49-F238E27FC236}">
+                <a16:creationId xmlns:a16="http://schemas.microsoft.com/office/drawing/2014/main" id="{BBA09E0B-CEBC-425D-8A86-1F858D8DE9AD}"/>
+              </a:ext>
+            </a:extLst>
+          </p:cNvPr>
+          <p:cNvSpPr>
+            <a:spLocks noGrp="1"/>
+          </p:cNvSpPr>
+          <p:nvPr>
+            <p:ph type="ftr" sz="quarter" idx="11"/>
+          </p:nvPr>
+        </p:nvSpPr>
+        <p:spPr>
+          <a:xfrm>
+            <a:off x="201168" y="6356350"/>
+            <a:ext cx="4837176" cy="365125"/>
+          </a:xfrm>
+        </p:spPr>
+        <p:txBody>
+          <a:bodyPr/>
+          <a:lstStyle/>
+          <a:p>
+            <a:pPr lvl="0"/>
+            <a:r>
+              <a:rPr lang="en-US" noProof="0" dirty="0"/>
+              <a:t>Presentation title</a:t>
+            </a:r>
+          </a:p>
+        </p:txBody>
+      </p:sp>
+      <p:pic>
+        <p:nvPicPr>
+          <p:cNvPr id="58" name="Picture Placeholder 57" descr="A picture containing mountain, sky, outdoor, nature">
+            <a:extLst>
+              <a:ext uri="{FF2B5EF4-FFF2-40B4-BE49-F238E27FC236}">
+                <a16:creationId xmlns:a16="http://schemas.microsoft.com/office/drawing/2014/main" id="{A51C462C-6D3B-4554-9CDC-86D00D0EA07A}"/>
+              </a:ext>
+            </a:extLst>
+          </p:cNvPr>
+          <p:cNvPicPr>
+            <a:picLocks noGrp="1" noChangeAspect="1"/>
+          </p:cNvPicPr>
+          <p:nvPr>
+            <p:ph type="pic" sz="quarter" idx="14"/>
+          </p:nvPr>
+        </p:nvPicPr>
+        <p:blipFill rotWithShape="1">
+          <a:blip r:embed="rId3" cstate="screen">
+            <a:extLst>
+              <a:ext uri="{28A0092B-C50C-407E-A947-70E740481C1C}">
+                <a14:useLocalDpi xmlns:a14="http://schemas.microsoft.com/office/drawing/2010/main" val="0"/>
+              </a:ext>
+            </a:extLst>
+          </a:blip>
+          <a:srcRect/>
+          <a:stretch/>
+        </p:blipFill>
+        <p:spPr>
+          <a:xfrm>
+            <a:off x="9144000" y="4532313"/>
+            <a:ext cx="3048000" cy="2325687"/>
+          </a:xfrm>
+        </p:spPr>
+      </p:pic>
+      <p:sp>
+        <p:nvSpPr>
+          <p:cNvPr id="5" name="Date Placeholder 4">
+            <a:extLst>
+              <a:ext uri="{FF2B5EF4-FFF2-40B4-BE49-F238E27FC236}">
+                <a16:creationId xmlns:a16="http://schemas.microsoft.com/office/drawing/2014/main" id="{4DBAEA19-91BF-48E8-A1D4-8FB745EA44D0}"/>
+              </a:ext>
+            </a:extLst>
+          </p:cNvPr>
+          <p:cNvSpPr>
+            <a:spLocks noGrp="1"/>
+          </p:cNvSpPr>
+          <p:nvPr>
+            <p:ph type="dt" sz="half" idx="10"/>
+          </p:nvPr>
+        </p:nvSpPr>
+        <p:spPr>
+          <a:xfrm>
+            <a:off x="7013448" y="6355080"/>
+            <a:ext cx="4352544" cy="365125"/>
+          </a:xfrm>
+        </p:spPr>
+        <p:txBody>
+          <a:bodyPr/>
+          <a:lstStyle/>
+          <a:p>
+            <a:pPr lvl="0"/>
+            <a:r>
+              <a:rPr lang="en-US" noProof="0" dirty="0"/>
+              <a:t>20XX</a:t>
+            </a:r>
+          </a:p>
+        </p:txBody>
+      </p:sp>
+      <p:sp>
+        <p:nvSpPr>
+          <p:cNvPr id="6" name="Slide Number Placeholder 5">
+            <a:extLst>
+              <a:ext uri="{FF2B5EF4-FFF2-40B4-BE49-F238E27FC236}">
+                <a16:creationId xmlns:a16="http://schemas.microsoft.com/office/drawing/2014/main" id="{9E887279-B48F-43C3-91FA-09BD7EA33A25}"/>
+              </a:ext>
+            </a:extLst>
+          </p:cNvPr>
+          <p:cNvSpPr>
+            <a:spLocks noGrp="1"/>
+          </p:cNvSpPr>
+          <p:nvPr>
+            <p:ph type="sldNum" sz="quarter" idx="12"/>
+          </p:nvPr>
+        </p:nvSpPr>
+        <p:spPr>
+          <a:xfrm>
+            <a:off x="11365992" y="6356350"/>
+            <a:ext cx="630936" cy="365125"/>
+          </a:xfrm>
+        </p:spPr>
+        <p:txBody>
+          <a:bodyPr/>
+          <a:lstStyle/>
+          <a:p>
+            <a:pPr lvl="0"/>
+            <a:fld id="{D39F39FF-F5CB-4ACA-9B46-4CCF89ECA75F}" type="slidenum">
+              <a:rPr lang="en-US" noProof="0" smtClean="0"/>
+              <a:pPr lvl="0"/>
+              <a:t>30</a:t>
+            </a:fld>
+            <a:endParaRPr lang="en-US" noProof="0" dirty="0"/>
+          </a:p>
+        </p:txBody>
+      </p:sp>
+    </p:spTree>
+    <p:extLst>
+      <p:ext uri="{BB962C8B-B14F-4D97-AF65-F5344CB8AC3E}">
+        <p14:creationId xmlns:p14="http://schemas.microsoft.com/office/powerpoint/2010/main" val="767611276"/>
       </p:ext>
     </p:extLst>
   </p:cSld>
@@ -23515,12 +25760,6 @@
             <a:r>
               <a:rPr lang="en-GB" dirty="0"/>
               <a:t>Age group 45-54, social group C2 both under represented</a:t>
-            </a:r>
-          </a:p>
-          <a:p>
-            <a:r>
-              <a:rPr lang="en-GB" dirty="0"/>
-              <a:t>Social group C2 under represented</a:t>
             </a:r>
           </a:p>
         </p:txBody>
@@ -24999,15 +27238,6 @@
 </file>
 
 <file path=customXml/item1.xml><?xml version="1.0" encoding="utf-8"?>
-<?mso-contentType ?>
-<FormTemplates xmlns="http://schemas.microsoft.com/sharepoint/v3/contenttype/forms">
-  <Display>DocumentLibraryForm</Display>
-  <Edit>DocumentLibraryForm</Edit>
-  <New>DocumentLibraryForm</New>
-</FormTemplates>
-</file>
-
-<file path=customXml/item2.xml><?xml version="1.0" encoding="utf-8"?>
 <p:properties xmlns:p="http://schemas.microsoft.com/office/2006/metadata/properties" xmlns:xsi="http://www.w3.org/2001/XMLSchema-instance" xmlns:pc="http://schemas.microsoft.com/office/infopath/2007/PartnerControls">
   <documentManagement>
     <Status xmlns="71af3243-3dd4-4a8d-8c0d-dd76da1f02a5">Not started</Status>
@@ -25024,6 +27254,15 @@
     <MediaServiceKeyPoints xmlns="71af3243-3dd4-4a8d-8c0d-dd76da1f02a5" xsi:nil="true"/>
   </documentManagement>
 </p:properties>
+</file>
+
+<file path=customXml/item2.xml><?xml version="1.0" encoding="utf-8"?>
+<?mso-contentType ?>
+<FormTemplates xmlns="http://schemas.microsoft.com/sharepoint/v3/contenttype/forms">
+  <Display>DocumentLibraryForm</Display>
+  <Edit>DocumentLibraryForm</Edit>
+  <New>DocumentLibraryForm</New>
+</FormTemplates>
 </file>
 
 <file path=customXml/item3.xml><?xml version="1.0" encoding="utf-8"?>
@@ -25303,14 +27542,6 @@
 </file>
 
 <file path=customXml/itemProps1.xml><?xml version="1.0" encoding="utf-8"?>
-<ds:datastoreItem xmlns:ds="http://schemas.openxmlformats.org/officeDocument/2006/customXml" ds:itemID="{A5CCB28C-7D26-4A36-9CFC-D739C28F3D18}">
-  <ds:schemaRefs>
-    <ds:schemaRef ds:uri="http://schemas.microsoft.com/sharepoint/v3/contenttype/forms"/>
-  </ds:schemaRefs>
-</ds:datastoreItem>
-</file>
-
-<file path=customXml/itemProps2.xml><?xml version="1.0" encoding="utf-8"?>
 <ds:datastoreItem xmlns:ds="http://schemas.openxmlformats.org/officeDocument/2006/customXml" ds:itemID="{08757C30-AE9A-4680-90EB-19D282EC2B7C}">
   <ds:schemaRefs>
     <ds:schemaRef ds:uri="http://schemas.microsoft.com/office/2006/metadata/properties"/>
@@ -25318,6 +27549,14 @@
     <ds:schemaRef ds:uri="71af3243-3dd4-4a8d-8c0d-dd76da1f02a5"/>
     <ds:schemaRef ds:uri="http://schemas.microsoft.com/sharepoint/v3"/>
     <ds:schemaRef ds:uri="230e9df3-be65-4c73-a93b-d1236ebd677e"/>
+  </ds:schemaRefs>
+</ds:datastoreItem>
+</file>
+
+<file path=customXml/itemProps2.xml><?xml version="1.0" encoding="utf-8"?>
+<ds:datastoreItem xmlns:ds="http://schemas.openxmlformats.org/officeDocument/2006/customXml" ds:itemID="{A5CCB28C-7D26-4A36-9CFC-D739C28F3D18}">
+  <ds:schemaRefs>
+    <ds:schemaRef ds:uri="http://schemas.microsoft.com/sharepoint/v3/contenttype/forms"/>
   </ds:schemaRefs>
 </ds:datastoreItem>
 </file>

--- a/Presentation/final_project_presentation.pptx
+++ b/Presentation/final_project_presentation.pptx
@@ -742,7 +742,7 @@
             </a:pPr>
             <a:r>
               <a:rPr lang="en-US" dirty="0"/>
-              <a:t>Fairly large set of Business Questions hope I have enough time to do them justice.</a:t>
+              <a:t>Fairly large set of Business Questions.</a:t>
             </a:r>
           </a:p>
           <a:p>
@@ -829,49 +829,6 @@
             <a:r>
               <a:rPr lang="en-US" dirty="0"/>
               <a:t>Question 9 is more about modelling and will be dealt with last. An extra section on additional international data will be also discussed</a:t>
-            </a:r>
-          </a:p>
-          <a:p>
-            <a:pPr marL="0" marR="0" lvl="0" indent="0" algn="l" defTabSz="914400" rtl="0" eaLnBrk="1" fontAlgn="auto" latinLnBrk="0" hangingPunct="1">
-              <a:lnSpc>
-                <a:spcPct val="100000"/>
-              </a:lnSpc>
-              <a:spcBef>
-                <a:spcPts val="0"/>
-              </a:spcBef>
-              <a:spcAft>
-                <a:spcPts val="0"/>
-              </a:spcAft>
-              <a:buClrTx/>
-              <a:buSzTx/>
-              <a:buFontTx/>
-              <a:buNone/>
-              <a:tabLst/>
-              <a:defRPr/>
-            </a:pPr>
-            <a:endParaRPr lang="en-US" dirty="0"/>
-          </a:p>
-          <a:p>
-            <a:pPr marL="0" marR="0" lvl="0" indent="0" algn="l" defTabSz="914400" rtl="0" eaLnBrk="1" fontAlgn="auto" latinLnBrk="0" hangingPunct="1">
-              <a:lnSpc>
-                <a:spcPct val="100000"/>
-              </a:lnSpc>
-              <a:spcBef>
-                <a:spcPts val="0"/>
-              </a:spcBef>
-              <a:spcAft>
-                <a:spcPts val="0"/>
-              </a:spcAft>
-              <a:buClrTx/>
-              <a:buSzTx/>
-              <a:buFontTx/>
-              <a:buNone/>
-              <a:tabLst/>
-              <a:defRPr/>
-            </a:pPr>
-            <a:r>
-              <a:rPr lang="en-US" dirty="0"/>
-              <a:t>Quick note – Data is pre-summarized?</a:t>
             </a:r>
           </a:p>
         </p:txBody>
@@ -1018,7 +975,13 @@
           <a:p>
             <a:r>
               <a:rPr lang="en-GB" dirty="0"/>
-              <a:t>Flipped this round and done visits first.</a:t>
+              <a:t>Have not posted number of visits. These are roughly equal between England and Scotland</a:t>
+            </a:r>
+          </a:p>
+          <a:p>
+            <a:r>
+              <a:rPr lang="en-GB" dirty="0"/>
+              <a:t>English stay longer and spend more</a:t>
             </a:r>
           </a:p>
         </p:txBody>
@@ -1040,7 +1003,7 @@
           <a:p>
             <a:fld id="{798C5307-140F-447F-BCBA-BB92E3A2906B}" type="slidenum">
               <a:rPr lang="en-US" smtClean="0"/>
-              <a:t>15</a:t>
+              <a:t>13</a:t>
             </a:fld>
             <a:endParaRPr lang="en-US" dirty="0"/>
           </a:p>
@@ -1049,7 +1012,7 @@
     </p:spTree>
     <p:extLst>
       <p:ext uri="{BB962C8B-B14F-4D97-AF65-F5344CB8AC3E}">
-        <p14:creationId xmlns:p14="http://schemas.microsoft.com/office/powerpoint/2010/main" val="1598997502"/>
+        <p14:creationId xmlns:p14="http://schemas.microsoft.com/office/powerpoint/2010/main" val="1567159087"/>
       </p:ext>
     </p:extLst>
   </p:cSld>
@@ -1127,7 +1090,7 @@
           <a:p>
             <a:fld id="{798C5307-140F-447F-BCBA-BB92E3A2906B}" type="slidenum">
               <a:rPr lang="en-US" smtClean="0"/>
-              <a:t>16</a:t>
+              <a:t>14</a:t>
             </a:fld>
             <a:endParaRPr lang="en-US" dirty="0"/>
           </a:p>
@@ -1136,7 +1099,7 @@
     </p:spTree>
     <p:extLst>
       <p:ext uri="{BB962C8B-B14F-4D97-AF65-F5344CB8AC3E}">
-        <p14:creationId xmlns:p14="http://schemas.microsoft.com/office/powerpoint/2010/main" val="462393000"/>
+        <p14:creationId xmlns:p14="http://schemas.microsoft.com/office/powerpoint/2010/main" val="1037635188"/>
       </p:ext>
     </p:extLst>
   </p:cSld>
@@ -1214,7 +1177,7 @@
           <a:p>
             <a:fld id="{798C5307-140F-447F-BCBA-BB92E3A2906B}" type="slidenum">
               <a:rPr lang="en-US" smtClean="0"/>
-              <a:t>17</a:t>
+              <a:t>15</a:t>
             </a:fld>
             <a:endParaRPr lang="en-US" dirty="0"/>
           </a:p>
@@ -1223,7 +1186,7 @@
     </p:spTree>
     <p:extLst>
       <p:ext uri="{BB962C8B-B14F-4D97-AF65-F5344CB8AC3E}">
-        <p14:creationId xmlns:p14="http://schemas.microsoft.com/office/powerpoint/2010/main" val="2900810829"/>
+        <p14:creationId xmlns:p14="http://schemas.microsoft.com/office/powerpoint/2010/main" val="1598997502"/>
       </p:ext>
     </p:extLst>
   </p:cSld>
@@ -1301,7 +1264,7 @@
           <a:p>
             <a:fld id="{798C5307-140F-447F-BCBA-BB92E3A2906B}" type="slidenum">
               <a:rPr lang="en-US" smtClean="0"/>
-              <a:t>18</a:t>
+              <a:t>16</a:t>
             </a:fld>
             <a:endParaRPr lang="en-US" dirty="0"/>
           </a:p>
@@ -1310,7 +1273,7 @@
     </p:spTree>
     <p:extLst>
       <p:ext uri="{BB962C8B-B14F-4D97-AF65-F5344CB8AC3E}">
-        <p14:creationId xmlns:p14="http://schemas.microsoft.com/office/powerpoint/2010/main" val="433641963"/>
+        <p14:creationId xmlns:p14="http://schemas.microsoft.com/office/powerpoint/2010/main" val="462393000"/>
       </p:ext>
     </p:extLst>
   </p:cSld>
@@ -1366,6 +1329,180 @@
           <a:p>
             <a:r>
               <a:rPr lang="en-GB" dirty="0"/>
+              <a:t>Flipped this round and done visits first.</a:t>
+            </a:r>
+          </a:p>
+        </p:txBody>
+      </p:sp>
+      <p:sp>
+        <p:nvSpPr>
+          <p:cNvPr id="4" name="Slide Number Placeholder 3"/>
+          <p:cNvSpPr>
+            <a:spLocks noGrp="1"/>
+          </p:cNvSpPr>
+          <p:nvPr>
+            <p:ph type="sldNum" sz="quarter" idx="5"/>
+          </p:nvPr>
+        </p:nvSpPr>
+        <p:spPr/>
+        <p:txBody>
+          <a:bodyPr/>
+          <a:lstStyle/>
+          <a:p>
+            <a:fld id="{798C5307-140F-447F-BCBA-BB92E3A2906B}" type="slidenum">
+              <a:rPr lang="en-US" smtClean="0"/>
+              <a:t>17</a:t>
+            </a:fld>
+            <a:endParaRPr lang="en-US" dirty="0"/>
+          </a:p>
+        </p:txBody>
+      </p:sp>
+    </p:spTree>
+    <p:extLst>
+      <p:ext uri="{BB962C8B-B14F-4D97-AF65-F5344CB8AC3E}">
+        <p14:creationId xmlns:p14="http://schemas.microsoft.com/office/powerpoint/2010/main" val="2900810829"/>
+      </p:ext>
+    </p:extLst>
+  </p:cSld>
+  <p:clrMapOvr>
+    <a:masterClrMapping/>
+  </p:clrMapOvr>
+</p:notes>
+</file>
+
+<file path=ppt/notesSlides/notesSlide15.xml><?xml version="1.0" encoding="utf-8"?>
+<p:notes xmlns:a="http://schemas.openxmlformats.org/drawingml/2006/main" xmlns:r="http://schemas.openxmlformats.org/officeDocument/2006/relationships" xmlns:p="http://schemas.openxmlformats.org/presentationml/2006/main">
+  <p:cSld>
+    <p:spTree>
+      <p:nvGrpSpPr>
+        <p:cNvPr id="1" name=""/>
+        <p:cNvGrpSpPr/>
+        <p:nvPr/>
+      </p:nvGrpSpPr>
+      <p:grpSpPr>
+        <a:xfrm>
+          <a:off x="0" y="0"/>
+          <a:ext cx="0" cy="0"/>
+          <a:chOff x="0" y="0"/>
+          <a:chExt cx="0" cy="0"/>
+        </a:xfrm>
+      </p:grpSpPr>
+      <p:sp>
+        <p:nvSpPr>
+          <p:cNvPr id="2" name="Slide Image Placeholder 1"/>
+          <p:cNvSpPr>
+            <a:spLocks noGrp="1" noRot="1" noChangeAspect="1"/>
+          </p:cNvSpPr>
+          <p:nvPr>
+            <p:ph type="sldImg"/>
+          </p:nvPr>
+        </p:nvSpPr>
+        <p:spPr/>
+      </p:sp>
+      <p:sp>
+        <p:nvSpPr>
+          <p:cNvPr id="3" name="Notes Placeholder 2"/>
+          <p:cNvSpPr>
+            <a:spLocks noGrp="1"/>
+          </p:cNvSpPr>
+          <p:nvPr>
+            <p:ph type="body" idx="1"/>
+          </p:nvPr>
+        </p:nvSpPr>
+        <p:spPr/>
+        <p:txBody>
+          <a:bodyPr/>
+          <a:lstStyle/>
+          <a:p>
+            <a:r>
+              <a:rPr lang="en-GB" dirty="0"/>
+              <a:t>Flipped this round and done visits first.</a:t>
+            </a:r>
+          </a:p>
+        </p:txBody>
+      </p:sp>
+      <p:sp>
+        <p:nvSpPr>
+          <p:cNvPr id="4" name="Slide Number Placeholder 3"/>
+          <p:cNvSpPr>
+            <a:spLocks noGrp="1"/>
+          </p:cNvSpPr>
+          <p:nvPr>
+            <p:ph type="sldNum" sz="quarter" idx="5"/>
+          </p:nvPr>
+        </p:nvSpPr>
+        <p:spPr/>
+        <p:txBody>
+          <a:bodyPr/>
+          <a:lstStyle/>
+          <a:p>
+            <a:fld id="{798C5307-140F-447F-BCBA-BB92E3A2906B}" type="slidenum">
+              <a:rPr lang="en-US" smtClean="0"/>
+              <a:t>18</a:t>
+            </a:fld>
+            <a:endParaRPr lang="en-US" dirty="0"/>
+          </a:p>
+        </p:txBody>
+      </p:sp>
+    </p:spTree>
+    <p:extLst>
+      <p:ext uri="{BB962C8B-B14F-4D97-AF65-F5344CB8AC3E}">
+        <p14:creationId xmlns:p14="http://schemas.microsoft.com/office/powerpoint/2010/main" val="433641963"/>
+      </p:ext>
+    </p:extLst>
+  </p:cSld>
+  <p:clrMapOvr>
+    <a:masterClrMapping/>
+  </p:clrMapOvr>
+</p:notes>
+</file>
+
+<file path=ppt/notesSlides/notesSlide16.xml><?xml version="1.0" encoding="utf-8"?>
+<p:notes xmlns:a="http://schemas.openxmlformats.org/drawingml/2006/main" xmlns:r="http://schemas.openxmlformats.org/officeDocument/2006/relationships" xmlns:p="http://schemas.openxmlformats.org/presentationml/2006/main">
+  <p:cSld>
+    <p:spTree>
+      <p:nvGrpSpPr>
+        <p:cNvPr id="1" name=""/>
+        <p:cNvGrpSpPr/>
+        <p:nvPr/>
+      </p:nvGrpSpPr>
+      <p:grpSpPr>
+        <a:xfrm>
+          <a:off x="0" y="0"/>
+          <a:ext cx="0" cy="0"/>
+          <a:chOff x="0" y="0"/>
+          <a:chExt cx="0" cy="0"/>
+        </a:xfrm>
+      </p:grpSpPr>
+      <p:sp>
+        <p:nvSpPr>
+          <p:cNvPr id="2" name="Slide Image Placeholder 1"/>
+          <p:cNvSpPr>
+            <a:spLocks noGrp="1" noRot="1" noChangeAspect="1"/>
+          </p:cNvSpPr>
+          <p:nvPr>
+            <p:ph type="sldImg"/>
+          </p:nvPr>
+        </p:nvSpPr>
+        <p:spPr/>
+      </p:sp>
+      <p:sp>
+        <p:nvSpPr>
+          <p:cNvPr id="3" name="Notes Placeholder 2"/>
+          <p:cNvSpPr>
+            <a:spLocks noGrp="1"/>
+          </p:cNvSpPr>
+          <p:nvPr>
+            <p:ph type="body" idx="1"/>
+          </p:nvPr>
+        </p:nvSpPr>
+        <p:spPr/>
+        <p:txBody>
+          <a:bodyPr/>
+          <a:lstStyle/>
+          <a:p>
+            <a:r>
+              <a:rPr lang="en-GB" dirty="0"/>
               <a:t>Domestic tourism statistics by region and year. All figures come from the Great Britain Tourism Survey (GBTS) and represent 3-year annual averages due to small sample sizes on regional level.</a:t>
             </a:r>
           </a:p>
@@ -1407,7 +1544,7 @@
 </p:notes>
 </file>
 
-<file path=ppt/notesSlides/notesSlide15.xml><?xml version="1.0" encoding="utf-8"?>
+<file path=ppt/notesSlides/notesSlide17.xml><?xml version="1.0" encoding="utf-8"?>
 <p:notes xmlns:a="http://schemas.openxmlformats.org/drawingml/2006/main" xmlns:r="http://schemas.openxmlformats.org/officeDocument/2006/relationships" xmlns:p="http://schemas.openxmlformats.org/presentationml/2006/main">
   <p:cSld>
     <p:spTree>
@@ -1571,7 +1708,7 @@
 </p:notes>
 </file>
 
-<file path=ppt/notesSlides/notesSlide16.xml><?xml version="1.0" encoding="utf-8"?>
+<file path=ppt/notesSlides/notesSlide18.xml><?xml version="1.0" encoding="utf-8"?>
 <p:notes xmlns:a="http://schemas.openxmlformats.org/drawingml/2006/main" xmlns:r="http://schemas.openxmlformats.org/officeDocument/2006/relationships" xmlns:p="http://schemas.openxmlformats.org/presentationml/2006/main">
   <p:cSld>
     <p:spTree>
@@ -1781,24 +1918,40 @@
           <a:p>
             <a:r>
               <a:rPr lang="en-GB" dirty="0"/>
-              <a:t>All of these trend upwards over time. Massive jump in visiting friends and family 2016 – 2017 of </a:t>
-            </a:r>
-            <a:r>
-              <a:rPr lang="en-GB" dirty="0" err="1"/>
-              <a:t>approx</a:t>
-            </a:r>
-            <a:r>
-              <a:rPr lang="en-GB" dirty="0"/>
-              <a:t> 1 billion! Look at </a:t>
-            </a:r>
-            <a:r>
-              <a:rPr lang="en-GB" dirty="0" err="1"/>
-              <a:t>unsummarised</a:t>
-            </a:r>
-            <a:r>
-              <a:rPr lang="en-GB" dirty="0"/>
-              <a:t> data, ideally by region to see where this occurred.</a:t>
-            </a:r>
+              <a:t>Q1 - </a:t>
+            </a:r>
+            <a:r>
+              <a:rPr lang="en-GB" sz="1200" dirty="0"/>
+              <a:t>What kind of tourism activity generates the highest income for Scotland</a:t>
+            </a:r>
+          </a:p>
+          <a:p>
+            <a:endParaRPr lang="en-GB" sz="1200" dirty="0"/>
+          </a:p>
+          <a:p>
+            <a:r>
+              <a:rPr lang="en-GB" sz="1200" dirty="0"/>
+              <a:t>I've listed all Tourism activities for 2019 here to get an idea of the overall tourism picture.</a:t>
+            </a:r>
+          </a:p>
+          <a:p>
+            <a:endParaRPr lang="en-GB" sz="1200" dirty="0"/>
+          </a:p>
+          <a:p>
+            <a:r>
+              <a:rPr lang="en-GB" sz="1200" dirty="0"/>
+              <a:t>I've highlighted the “Top 6” as the most popular. Namely going out for a meal, visiting, shopping, nights out, leisure activities, general day out.</a:t>
+            </a:r>
+          </a:p>
+          <a:p>
+            <a:endParaRPr lang="en-GB" sz="1200" dirty="0"/>
+          </a:p>
+          <a:p>
+            <a:r>
+              <a:rPr lang="en-GB" sz="1200" dirty="0"/>
+              <a:t>Lets move on to looking at the change of these over time</a:t>
+            </a:r>
+            <a:endParaRPr lang="en-GB" dirty="0"/>
           </a:p>
         </p:txBody>
       </p:sp>
@@ -1819,7 +1972,7 @@
           <a:p>
             <a:fld id="{798C5307-140F-447F-BCBA-BB92E3A2906B}" type="slidenum">
               <a:rPr lang="en-US" smtClean="0"/>
-              <a:t>5</a:t>
+              <a:t>4</a:t>
             </a:fld>
             <a:endParaRPr lang="en-US" dirty="0"/>
           </a:p>
@@ -1828,7 +1981,7 @@
     </p:spTree>
     <p:extLst>
       <p:ext uri="{BB962C8B-B14F-4D97-AF65-F5344CB8AC3E}">
-        <p14:creationId xmlns:p14="http://schemas.microsoft.com/office/powerpoint/2010/main" val="185117941"/>
+        <p14:creationId xmlns:p14="http://schemas.microsoft.com/office/powerpoint/2010/main" val="360256"/>
       </p:ext>
     </p:extLst>
   </p:cSld>
@@ -1884,35 +2037,33 @@
           <a:p>
             <a:r>
               <a:rPr lang="en-GB" dirty="0"/>
-              <a:t>All of these trend upwards over time</a:t>
-            </a:r>
+              <a:t>All of these trend upwards over time. </a:t>
+            </a:r>
+          </a:p>
+          <a:p>
+            <a:endParaRPr lang="en-GB" dirty="0"/>
           </a:p>
           <a:p>
             <a:r>
               <a:rPr lang="en-GB" dirty="0"/>
-              <a:t>Visits on all but nights out at bars are going up over time so the increase </a:t>
+              <a:t>Massive jump in visiting friends and family 2016 – 2017 of nearly 1 billion! In fact most of them peak for 2017 . </a:t>
+            </a:r>
+          </a:p>
+          <a:p>
+            <a:endParaRPr lang="en-GB" dirty="0"/>
+          </a:p>
+          <a:p>
+            <a:r>
+              <a:rPr lang="en-GB" dirty="0"/>
+              <a:t>Good to Look at </a:t>
             </a:r>
             <a:r>
               <a:rPr lang="en-GB" dirty="0" err="1"/>
-              <a:t>expensiture</a:t>
+              <a:t>unsummarised</a:t>
             </a:r>
             <a:r>
               <a:rPr lang="en-GB" dirty="0"/>
-              <a:t> we saw cant all be associated with inflation. Big drop (10m!) in Outdoor </a:t>
-            </a:r>
-            <a:r>
-              <a:rPr lang="en-GB" dirty="0" err="1"/>
-              <a:t>leaisure</a:t>
-            </a:r>
-            <a:r>
-              <a:rPr lang="en-GB" dirty="0"/>
-              <a:t> activities 2017-2018 despite was the UK’s warmest summer since 2006,</a:t>
-            </a:r>
-          </a:p>
-          <a:p>
-            <a:r>
-              <a:rPr lang="en-GB" dirty="0"/>
-              <a:t>the driest since 2003 and the sunniest since 1995.Was it too nice a summer? Look at non - summarised data would be good.</a:t>
+              <a:t> data, ideally by region to see where this occurred.</a:t>
             </a:r>
           </a:p>
         </p:txBody>
@@ -1934,7 +2085,7 @@
           <a:p>
             <a:fld id="{798C5307-140F-447F-BCBA-BB92E3A2906B}" type="slidenum">
               <a:rPr lang="en-US" smtClean="0"/>
-              <a:t>7</a:t>
+              <a:t>5</a:t>
             </a:fld>
             <a:endParaRPr lang="en-US" dirty="0"/>
           </a:p>
@@ -1943,7 +2094,7 @@
     </p:spTree>
     <p:extLst>
       <p:ext uri="{BB962C8B-B14F-4D97-AF65-F5344CB8AC3E}">
-        <p14:creationId xmlns:p14="http://schemas.microsoft.com/office/powerpoint/2010/main" val="817912987"/>
+        <p14:creationId xmlns:p14="http://schemas.microsoft.com/office/powerpoint/2010/main" val="185117941"/>
       </p:ext>
     </p:extLst>
   </p:cSld>
@@ -1999,8 +2150,43 @@
           <a:p>
             <a:r>
               <a:rPr lang="en-GB" dirty="0"/>
-              <a:t>Flipped this round and done visits first.</a:t>
-            </a:r>
+              <a:t>Q2 </a:t>
+            </a:r>
+            <a:r>
+              <a:rPr lang="en-GB" sz="1200" dirty="0"/>
+              <a:t>. Which kind of activity generates the most visits to sites</a:t>
+            </a:r>
+          </a:p>
+          <a:p>
+            <a:endParaRPr lang="en-GB" sz="1200" dirty="0"/>
+          </a:p>
+          <a:p>
+            <a:r>
+              <a:rPr lang="en-GB" sz="1200" dirty="0"/>
+              <a:t>Again we have our “top 6” as we saw on the expenditure chart. Shows the correlation between visits and expenditure. </a:t>
+            </a:r>
+          </a:p>
+          <a:p>
+            <a:endParaRPr lang="en-GB" sz="1200" dirty="0"/>
+          </a:p>
+          <a:p>
+            <a:r>
+              <a:rPr lang="en-GB" sz="1200"/>
+              <a:t>Lets </a:t>
+            </a:r>
+            <a:r>
+              <a:rPr lang="en-GB" sz="1200" dirty="0"/>
+              <a:t>have a look at these </a:t>
+            </a:r>
+            <a:r>
+              <a:rPr lang="en-GB" sz="1200"/>
+              <a:t>over time as wel</a:t>
+            </a:r>
+            <a:r>
+              <a:rPr lang="en-GB" sz="1200" dirty="0"/>
+              <a:t>l</a:t>
+            </a:r>
+            <a:endParaRPr lang="en-GB" dirty="0"/>
           </a:p>
         </p:txBody>
       </p:sp>
@@ -2021,7 +2207,7 @@
           <a:p>
             <a:fld id="{798C5307-140F-447F-BCBA-BB92E3A2906B}" type="slidenum">
               <a:rPr lang="en-US" smtClean="0"/>
-              <a:t>8</a:t>
+              <a:t>6</a:t>
             </a:fld>
             <a:endParaRPr lang="en-US" dirty="0"/>
           </a:p>
@@ -2030,7 +2216,7 @@
     </p:spTree>
     <p:extLst>
       <p:ext uri="{BB962C8B-B14F-4D97-AF65-F5344CB8AC3E}">
-        <p14:creationId xmlns:p14="http://schemas.microsoft.com/office/powerpoint/2010/main" val="4041522624"/>
+        <p14:creationId xmlns:p14="http://schemas.microsoft.com/office/powerpoint/2010/main" val="1990198691"/>
       </p:ext>
     </p:extLst>
   </p:cSld>
@@ -2085,29 +2271,37 @@
           <a:lstStyle/>
           <a:p>
             <a:r>
-              <a:rPr lang="en-GB" b="0" i="0" u="none" strike="noStrike" dirty="0">
-                <a:solidFill>
-                  <a:srgbClr val="0645AD"/>
-                </a:solidFill>
-                <a:effectLst/>
-                <a:latin typeface="Arial" panose="020B0604020202020204" pitchFamily="34" charset="0"/>
-                <a:hlinkClick r:id="rId3" tooltip="Rough Guides"/>
-              </a:rPr>
-              <a:t>Rough Guides</a:t>
-            </a:r>
-            <a:r>
-              <a:rPr lang="en-GB" b="0" i="0" dirty="0">
-                <a:solidFill>
-                  <a:srgbClr val="202122"/>
-                </a:solidFill>
-                <a:effectLst/>
-                <a:latin typeface="Arial" panose="020B0604020202020204" pitchFamily="34" charset="0"/>
-              </a:rPr>
-              <a:t> names Scotland as the world's most beautiful country in 2017 – could this be a reason for the increase in city visits? Nearly a 10m increase? Worth a further look at non summarised data</a:t>
-            </a:r>
-          </a:p>
-          <a:p>
-            <a:endParaRPr lang="en-GB" dirty="0"/>
+              <a:rPr lang="en-GB" dirty="0"/>
+              <a:t>All of these trend upwards over time</a:t>
+            </a:r>
+          </a:p>
+          <a:p>
+            <a:r>
+              <a:rPr lang="en-GB" dirty="0"/>
+              <a:t>Visits on all but nights out at bars are going up over time so the increase </a:t>
+            </a:r>
+            <a:r>
+              <a:rPr lang="en-GB" dirty="0" err="1"/>
+              <a:t>expensiture</a:t>
+            </a:r>
+            <a:r>
+              <a:rPr lang="en-GB" dirty="0"/>
+              <a:t> we saw cant all be associated with inflation. Big drop (10m!) in Outdoor </a:t>
+            </a:r>
+            <a:r>
+              <a:rPr lang="en-GB" dirty="0" err="1"/>
+              <a:t>leaisure</a:t>
+            </a:r>
+            <a:r>
+              <a:rPr lang="en-GB" dirty="0"/>
+              <a:t> activities 2017-2018 despite was the UK’s warmest summer since 2006,</a:t>
+            </a:r>
+          </a:p>
+          <a:p>
+            <a:r>
+              <a:rPr lang="en-GB" dirty="0"/>
+              <a:t>the driest since 2003 and the sunniest since 1995.Was it too nice a summer? Look at non - summarised data would be good.</a:t>
+            </a:r>
           </a:p>
         </p:txBody>
       </p:sp>
@@ -2128,7 +2322,7 @@
           <a:p>
             <a:fld id="{798C5307-140F-447F-BCBA-BB92E3A2906B}" type="slidenum">
               <a:rPr lang="en-US" smtClean="0"/>
-              <a:t>10</a:t>
+              <a:t>7</a:t>
             </a:fld>
             <a:endParaRPr lang="en-US" dirty="0"/>
           </a:p>
@@ -2137,7 +2331,7 @@
     </p:spTree>
     <p:extLst>
       <p:ext uri="{BB962C8B-B14F-4D97-AF65-F5344CB8AC3E}">
-        <p14:creationId xmlns:p14="http://schemas.microsoft.com/office/powerpoint/2010/main" val="3053291020"/>
+        <p14:creationId xmlns:p14="http://schemas.microsoft.com/office/powerpoint/2010/main" val="817912987"/>
       </p:ext>
     </p:extLst>
   </p:cSld>
@@ -2215,7 +2409,7 @@
           <a:p>
             <a:fld id="{798C5307-140F-447F-BCBA-BB92E3A2906B}" type="slidenum">
               <a:rPr lang="en-US" smtClean="0"/>
-              <a:t>11</a:t>
+              <a:t>8</a:t>
             </a:fld>
             <a:endParaRPr lang="en-US" dirty="0"/>
           </a:p>
@@ -2224,7 +2418,7 @@
     </p:spTree>
     <p:extLst>
       <p:ext uri="{BB962C8B-B14F-4D97-AF65-F5344CB8AC3E}">
-        <p14:creationId xmlns:p14="http://schemas.microsoft.com/office/powerpoint/2010/main" val="3472897843"/>
+        <p14:creationId xmlns:p14="http://schemas.microsoft.com/office/powerpoint/2010/main" val="4041522624"/>
       </p:ext>
     </p:extLst>
   </p:cSld>
@@ -2279,9 +2473,29 @@
           <a:lstStyle/>
           <a:p>
             <a:r>
-              <a:rPr lang="en-GB" dirty="0"/>
-              <a:t>Flipped this round and done visits first.</a:t>
-            </a:r>
+              <a:rPr lang="en-GB" b="0" i="0" u="none" strike="noStrike" dirty="0">
+                <a:solidFill>
+                  <a:srgbClr val="0645AD"/>
+                </a:solidFill>
+                <a:effectLst/>
+                <a:latin typeface="Arial" panose="020B0604020202020204" pitchFamily="34" charset="0"/>
+                <a:hlinkClick r:id="rId3" tooltip="Rough Guides"/>
+              </a:rPr>
+              <a:t>Rough Guides</a:t>
+            </a:r>
+            <a:r>
+              <a:rPr lang="en-GB" b="0" i="0" dirty="0">
+                <a:solidFill>
+                  <a:srgbClr val="202122"/>
+                </a:solidFill>
+                <a:effectLst/>
+                <a:latin typeface="Arial" panose="020B0604020202020204" pitchFamily="34" charset="0"/>
+              </a:rPr>
+              <a:t> names Scotland as the world's most beautiful country in 2017 – could this be a reason for the increase in city visits? Nearly a 10m increase? Worth a further look at non summarised data</a:t>
+            </a:r>
+          </a:p>
+          <a:p>
+            <a:endParaRPr lang="en-GB" dirty="0"/>
           </a:p>
         </p:txBody>
       </p:sp>
@@ -2302,7 +2516,7 @@
           <a:p>
             <a:fld id="{798C5307-140F-447F-BCBA-BB92E3A2906B}" type="slidenum">
               <a:rPr lang="en-US" smtClean="0"/>
-              <a:t>12</a:t>
+              <a:t>10</a:t>
             </a:fld>
             <a:endParaRPr lang="en-US" dirty="0"/>
           </a:p>
@@ -2311,7 +2525,7 @@
     </p:spTree>
     <p:extLst>
       <p:ext uri="{BB962C8B-B14F-4D97-AF65-F5344CB8AC3E}">
-        <p14:creationId xmlns:p14="http://schemas.microsoft.com/office/powerpoint/2010/main" val="1774610018"/>
+        <p14:creationId xmlns:p14="http://schemas.microsoft.com/office/powerpoint/2010/main" val="3053291020"/>
       </p:ext>
     </p:extLst>
   </p:cSld>
@@ -2367,13 +2581,7 @@
           <a:p>
             <a:r>
               <a:rPr lang="en-GB" dirty="0"/>
-              <a:t>Have not posted number of visits. These are roughly equal between England and Scotland</a:t>
-            </a:r>
-          </a:p>
-          <a:p>
-            <a:r>
-              <a:rPr lang="en-GB" dirty="0"/>
-              <a:t>English stay longer and spend more</a:t>
+              <a:t>Flipped this round and done visits first.</a:t>
             </a:r>
           </a:p>
         </p:txBody>
@@ -2395,7 +2603,7 @@
           <a:p>
             <a:fld id="{798C5307-140F-447F-BCBA-BB92E3A2906B}" type="slidenum">
               <a:rPr lang="en-US" smtClean="0"/>
-              <a:t>13</a:t>
+              <a:t>11</a:t>
             </a:fld>
             <a:endParaRPr lang="en-US" dirty="0"/>
           </a:p>
@@ -2404,7 +2612,7 @@
     </p:spTree>
     <p:extLst>
       <p:ext uri="{BB962C8B-B14F-4D97-AF65-F5344CB8AC3E}">
-        <p14:creationId xmlns:p14="http://schemas.microsoft.com/office/powerpoint/2010/main" val="1567159087"/>
+        <p14:creationId xmlns:p14="http://schemas.microsoft.com/office/powerpoint/2010/main" val="3472897843"/>
       </p:ext>
     </p:extLst>
   </p:cSld>
@@ -2482,7 +2690,7 @@
           <a:p>
             <a:fld id="{798C5307-140F-447F-BCBA-BB92E3A2906B}" type="slidenum">
               <a:rPr lang="en-US" smtClean="0"/>
-              <a:t>14</a:t>
+              <a:t>12</a:t>
             </a:fld>
             <a:endParaRPr lang="en-US" dirty="0"/>
           </a:p>
@@ -2491,7 +2699,7 @@
     </p:spTree>
     <p:extLst>
       <p:ext uri="{BB962C8B-B14F-4D97-AF65-F5344CB8AC3E}">
-        <p14:creationId xmlns:p14="http://schemas.microsoft.com/office/powerpoint/2010/main" val="1037635188"/>
+        <p14:creationId xmlns:p14="http://schemas.microsoft.com/office/powerpoint/2010/main" val="1774610018"/>
       </p:ext>
     </p:extLst>
   </p:cSld>
@@ -11681,6 +11889,12 @@
             </a:r>
             <a:endParaRPr lang="en-GB" dirty="0"/>
           </a:p>
+          <a:p>
+            <a:r>
+              <a:rPr lang="en-GB" dirty="0"/>
+              <a:t>1 additional dataset - international</a:t>
+            </a:r>
+          </a:p>
         </p:txBody>
       </p:sp>
       <p:sp>
@@ -11971,72 +12185,37 @@
         </p:spPr>
         <p:txBody>
           <a:bodyPr>
-            <a:normAutofit fontScale="62500" lnSpcReduction="20000"/>
+            <a:normAutofit fontScale="85000" lnSpcReduction="10000"/>
           </a:bodyPr>
           <a:lstStyle/>
+          <a:p>
+            <a:r>
+              <a:rPr lang="en-US" dirty="0"/>
+              <a:t>The summarized data did not lend itself brilliantly to model building (is this the equivalent of a bad workman blaming his tools?)</a:t>
+            </a:r>
+          </a:p>
+          <a:p>
+            <a:r>
+              <a:rPr lang="en-US" dirty="0"/>
+              <a:t>I tried a number of models in python.</a:t>
+            </a:r>
+          </a:p>
+          <a:p>
+            <a:r>
+              <a:rPr lang="en-US" dirty="0"/>
+              <a:t>Had limited success with Linear Regression with the location dataset – was limited by the number of rows and the model was overfit. Meaning that it would be useless on other data as it was trained ‘too well’ with the meagre data we had.  </a:t>
+            </a:r>
+          </a:p>
+          <a:p>
+            <a:r>
+              <a:rPr lang="en-US" dirty="0"/>
+              <a:t>I had slightly better success with the international dataset and achieved an R2 value of 68, meaning that the model could explain 68% of the data. This was with Lasso regression. Again, not brilliant but it’s a start. Perhaps with more work this could be improved but It may also be the case that its difficult to predict exactly the visitor numbers on a year-by-year basis based on available data.</a:t>
+            </a:r>
+          </a:p>
           <a:p>
             <a:pPr marL="0" indent="0">
               <a:buNone/>
             </a:pPr>
-            <a:r>
-              <a:rPr lang="en-US" dirty="0"/>
-              <a:t>The summarized data did not lend itself brilliantly to model building (is this the equivalent of a bad workman blaming his tools?)</a:t>
-            </a:r>
-          </a:p>
-          <a:p>
-            <a:pPr marL="0" indent="0">
-              <a:buNone/>
-            </a:pPr>
-            <a:r>
-              <a:rPr lang="en-US" dirty="0"/>
-              <a:t>I tried a number of models in python.</a:t>
-            </a:r>
-          </a:p>
-          <a:p>
-            <a:pPr marL="0" indent="0">
-              <a:buNone/>
-            </a:pPr>
-            <a:r>
-              <a:rPr lang="en-US" dirty="0"/>
-              <a:t>Had limited success with the location dataset – was limited by the number of rows and the model was overfit – meaning that it would be useless on other data as it was trained ‘too well’ with the meagre data we had.  </a:t>
-            </a:r>
-          </a:p>
-          <a:p>
-            <a:pPr marL="0" indent="0">
-              <a:buNone/>
-            </a:pPr>
-            <a:r>
-              <a:rPr lang="en-US" dirty="0"/>
-              <a:t>I had slightly better success with the international dataset and achieved an R2 value of 68, meaning that the model could explain 68% of the data. Again, not brilliant but it’s a start. Perhaps with more work this could be improved but It may also be the case that its difficult to predict exactly the visitor numbers on a year-by-year basis based on available data.</a:t>
-            </a:r>
-          </a:p>
-          <a:p>
-            <a:pPr marL="0" indent="0">
-              <a:buNone/>
-            </a:pPr>
-            <a:endParaRPr lang="en-US" dirty="0"/>
-          </a:p>
-          <a:p>
-            <a:pPr marL="0" indent="0">
-              <a:buNone/>
-            </a:pPr>
-            <a:r>
-              <a:rPr lang="en-GB" b="0" i="0" dirty="0">
-                <a:solidFill>
-                  <a:srgbClr val="1D1C1D"/>
-                </a:solidFill>
-                <a:effectLst/>
-                <a:latin typeface="Slack-Lato"/>
-              </a:rPr>
-              <a:t>Presentation-wise, just refer to what you tried to do with the models, why they weren’t successful, how the data could be collected to make model building better, and maybe an anecdotal example of an explanatory model, e.g. the location model is not good for predicting future visits and expenditure, but as an explanatory model it shows that visits to a City increase by x-amount if all other factors were held constant</a:t>
-            </a:r>
-            <a:r>
-              <a:rPr lang="en-GB" b="0" i="0" dirty="0">
-                <a:effectLst/>
-                <a:latin typeface="Slack-Lato"/>
-              </a:rPr>
-              <a:t> (edited) </a:t>
-            </a:r>
             <a:endParaRPr lang="en-US" dirty="0"/>
           </a:p>
         </p:txBody>
@@ -12988,7 +13167,7 @@
           <p:nvPr/>
         </p:nvPicPr>
         <p:blipFill>
-          <a:blip r:embed="rId2"/>
+          <a:blip r:embed="rId3"/>
           <a:stretch>
             <a:fillRect/>
           </a:stretch>
@@ -13851,7 +14030,7 @@
           <p:nvPr/>
         </p:nvPicPr>
         <p:blipFill>
-          <a:blip r:embed="rId2"/>
+          <a:blip r:embed="rId3"/>
           <a:stretch>
             <a:fillRect/>
           </a:stretch>

--- a/Presentation/final_project_presentation.pptx
+++ b/Presentation/final_project_presentation.pptx
@@ -5,10 +5,10 @@
     <p:sldMasterId id="2147483648" r:id="rId4"/>
   </p:sldMasterIdLst>
   <p:notesMasterIdLst>
-    <p:notesMasterId r:id="rId26"/>
+    <p:notesMasterId r:id="rId25"/>
   </p:notesMasterIdLst>
   <p:handoutMasterIdLst>
-    <p:handoutMasterId r:id="rId27"/>
+    <p:handoutMasterId r:id="rId26"/>
   </p:handoutMasterIdLst>
   <p:sldIdLst>
     <p:sldId id="256" r:id="rId5"/>
@@ -27,11 +27,10 @@
     <p:sldId id="287" r:id="rId18"/>
     <p:sldId id="288" r:id="rId19"/>
     <p:sldId id="289" r:id="rId20"/>
-    <p:sldId id="290" r:id="rId21"/>
-    <p:sldId id="291" r:id="rId22"/>
-    <p:sldId id="292" r:id="rId23"/>
-    <p:sldId id="266" r:id="rId24"/>
-    <p:sldId id="294" r:id="rId25"/>
+    <p:sldId id="291" r:id="rId21"/>
+    <p:sldId id="292" r:id="rId22"/>
+    <p:sldId id="266" r:id="rId23"/>
+    <p:sldId id="294" r:id="rId24"/>
   </p:sldIdLst>
   <p:sldSz cx="12192000" cy="6858000"/>
   <p:notesSz cx="6858000" cy="9144000"/>
@@ -975,14 +974,11 @@
           <a:p>
             <a:r>
               <a:rPr lang="en-GB" dirty="0"/>
-              <a:t>Have not posted number of visits. These are roughly equal between England and Scotland</a:t>
-            </a:r>
-          </a:p>
-          <a:p>
-            <a:r>
-              <a:rPr lang="en-GB" dirty="0"/>
-              <a:t>English stay longer and spend more</a:t>
-            </a:r>
+              <a:t>Part of the Scottish Governments journey towards net zero by 2045 as a country there is a dilemma here about transport use and carbon neutral commitments.</a:t>
+            </a:r>
+          </a:p>
+          <a:p>
+            <a:endParaRPr lang="en-GB" dirty="0"/>
           </a:p>
         </p:txBody>
       </p:sp>
@@ -1003,7 +999,7 @@
           <a:p>
             <a:fld id="{798C5307-140F-447F-BCBA-BB92E3A2906B}" type="slidenum">
               <a:rPr lang="en-US" smtClean="0"/>
-              <a:t>13</a:t>
+              <a:t>12</a:t>
             </a:fld>
             <a:endParaRPr lang="en-US" dirty="0"/>
           </a:p>
@@ -1012,7 +1008,7 @@
     </p:spTree>
     <p:extLst>
       <p:ext uri="{BB962C8B-B14F-4D97-AF65-F5344CB8AC3E}">
-        <p14:creationId xmlns:p14="http://schemas.microsoft.com/office/powerpoint/2010/main" val="1567159087"/>
+        <p14:creationId xmlns:p14="http://schemas.microsoft.com/office/powerpoint/2010/main" val="1774610018"/>
       </p:ext>
     </p:extLst>
   </p:cSld>
@@ -1066,9 +1062,56 @@
           <a:bodyPr/>
           <a:lstStyle/>
           <a:p>
+            <a:pPr marL="0" marR="0" lvl="0" indent="0" algn="l" defTabSz="914400" rtl="0" eaLnBrk="1" fontAlgn="auto" latinLnBrk="0" hangingPunct="1">
+              <a:lnSpc>
+                <a:spcPct val="100000"/>
+              </a:lnSpc>
+              <a:spcBef>
+                <a:spcPts val="0"/>
+              </a:spcBef>
+              <a:spcAft>
+                <a:spcPts val="0"/>
+              </a:spcAft>
+              <a:buClrTx/>
+              <a:buSzTx/>
+              <a:buFontTx/>
+              <a:buNone/>
+              <a:tabLst/>
+              <a:defRPr/>
+            </a:pPr>
+            <a:r>
+              <a:rPr lang="en-GB" sz="1200" dirty="0"/>
+              <a:t>6. When looking at </a:t>
+            </a:r>
+            <a:r>
+              <a:rPr lang="en-GB" sz="1200" b="1" dirty="0"/>
+              <a:t>regional tourism</a:t>
+            </a:r>
+            <a:r>
+              <a:rPr lang="en-GB" sz="1200" dirty="0"/>
+              <a:t>, what insights can we gain? </a:t>
+            </a:r>
             <a:r>
               <a:rPr lang="en-GB" dirty="0"/>
-              <a:t>Flipped this round and done visits first.</a:t>
+              <a:t>Where are our visitors from? How do they differ in the money they spend, nights they spend in Scotland, or number of visits they do? </a:t>
+            </a:r>
+          </a:p>
+          <a:p>
+            <a:endParaRPr lang="en-GB" b="1" dirty="0"/>
+          </a:p>
+          <a:p>
+            <a:r>
+              <a:rPr lang="en-GB" dirty="0"/>
+              <a:t>Have not posted number of visits. These are roughly equal between England and Scotland</a:t>
+            </a:r>
+          </a:p>
+          <a:p>
+            <a:endParaRPr lang="en-GB" dirty="0"/>
+          </a:p>
+          <a:p>
+            <a:r>
+              <a:rPr lang="en-GB" dirty="0"/>
+              <a:t>As you can see English tourists stay longer and spend more. This makes sense, more Scottish visits will be day trips whereas English are more likely to stay overnight.</a:t>
             </a:r>
           </a:p>
         </p:txBody>
@@ -1090,7 +1133,7 @@
           <a:p>
             <a:fld id="{798C5307-140F-447F-BCBA-BB92E3A2906B}" type="slidenum">
               <a:rPr lang="en-US" smtClean="0"/>
-              <a:t>14</a:t>
+              <a:t>13</a:t>
             </a:fld>
             <a:endParaRPr lang="en-US" dirty="0"/>
           </a:p>
@@ -1099,7 +1142,7 @@
     </p:spTree>
     <p:extLst>
       <p:ext uri="{BB962C8B-B14F-4D97-AF65-F5344CB8AC3E}">
-        <p14:creationId xmlns:p14="http://schemas.microsoft.com/office/powerpoint/2010/main" val="1037635188"/>
+        <p14:creationId xmlns:p14="http://schemas.microsoft.com/office/powerpoint/2010/main" val="1567159087"/>
       </p:ext>
     </p:extLst>
   </p:cSld>
@@ -1154,9 +1197,85 @@
           <a:lstStyle/>
           <a:p>
             <a:r>
+              <a:rPr lang="en-GB" dirty="0" err="1"/>
+              <a:t>Ie</a:t>
+            </a:r>
+            <a:r>
               <a:rPr lang="en-GB" dirty="0"/>
-              <a:t>Flipped this round and done visits first.</a:t>
-            </a:r>
+              <a:t> listed here all regions to get the broad picture </a:t>
+            </a:r>
+          </a:p>
+          <a:p>
+            <a:endParaRPr lang="en-GB" dirty="0"/>
+          </a:p>
+          <a:p>
+            <a:r>
+              <a:rPr lang="en-GB" dirty="0"/>
+              <a:t>Largely skewed towards Cities of Edinburgh and Glasgow</a:t>
+            </a:r>
+          </a:p>
+          <a:p>
+            <a:endParaRPr lang="en-GB" dirty="0"/>
+          </a:p>
+          <a:p>
+            <a:r>
+              <a:rPr lang="en-GB" dirty="0"/>
+              <a:t>Visit Scotland I know a big part of their events strategy is putting money into big international events such as </a:t>
+            </a:r>
+            <a:r>
+              <a:rPr lang="en-GB" dirty="0" err="1"/>
+              <a:t>Glasgows</a:t>
+            </a:r>
+            <a:r>
+              <a:rPr lang="en-GB" dirty="0"/>
+              <a:t> Celtic connections and </a:t>
+            </a:r>
+            <a:r>
+              <a:rPr lang="en-GB" dirty="0" err="1"/>
+              <a:t>Edinburghs</a:t>
+            </a:r>
+            <a:r>
+              <a:rPr lang="en-GB" dirty="0"/>
+              <a:t> International Festival.</a:t>
+            </a:r>
+          </a:p>
+          <a:p>
+            <a:endParaRPr lang="en-GB" dirty="0"/>
+          </a:p>
+          <a:p>
+            <a:r>
+              <a:rPr lang="en-GB" dirty="0"/>
+              <a:t>Highland and Argyll largely rural areas also popular</a:t>
+            </a:r>
+          </a:p>
+          <a:p>
+            <a:endParaRPr lang="en-GB" dirty="0"/>
+          </a:p>
+          <a:p>
+            <a:r>
+              <a:rPr lang="en-GB" dirty="0"/>
+              <a:t>Some regions especially East Ren and East Dumbarton almost zero visits.</a:t>
+            </a:r>
+          </a:p>
+          <a:p>
+            <a:endParaRPr lang="en-GB" dirty="0"/>
+          </a:p>
+          <a:p>
+            <a:r>
+              <a:rPr lang="en-GB" dirty="0"/>
+              <a:t>Expenditure almost a mirror image of this graph so </a:t>
+            </a:r>
+            <a:r>
+              <a:rPr lang="en-GB" dirty="0" err="1"/>
+              <a:t>ive</a:t>
+            </a:r>
+            <a:r>
+              <a:rPr lang="en-GB" dirty="0"/>
+              <a:t> excluded it.</a:t>
+            </a:r>
+          </a:p>
+          <a:p>
+            <a:endParaRPr lang="en-GB" dirty="0"/>
           </a:p>
         </p:txBody>
       </p:sp>
@@ -1177,7 +1296,7 @@
           <a:p>
             <a:fld id="{798C5307-140F-447F-BCBA-BB92E3A2906B}" type="slidenum">
               <a:rPr lang="en-US" smtClean="0"/>
-              <a:t>15</a:t>
+              <a:t>14</a:t>
             </a:fld>
             <a:endParaRPr lang="en-US" dirty="0"/>
           </a:p>
@@ -1186,7 +1305,7 @@
     </p:spTree>
     <p:extLst>
       <p:ext uri="{BB962C8B-B14F-4D97-AF65-F5344CB8AC3E}">
-        <p14:creationId xmlns:p14="http://schemas.microsoft.com/office/powerpoint/2010/main" val="1598997502"/>
+        <p14:creationId xmlns:p14="http://schemas.microsoft.com/office/powerpoint/2010/main" val="1037635188"/>
       </p:ext>
     </p:extLst>
   </p:cSld>
@@ -1242,7 +1361,25 @@
           <a:p>
             <a:r>
               <a:rPr lang="en-GB" dirty="0"/>
-              <a:t>Flipped this round and done visits first.</a:t>
+              <a:t>For nights stayed, Highland overtakes the cities, Argyll and Bute also moves up</a:t>
+            </a:r>
+          </a:p>
+          <a:p>
+            <a:endParaRPr lang="en-GB" dirty="0"/>
+          </a:p>
+          <a:p>
+            <a:r>
+              <a:rPr lang="en-GB" dirty="0"/>
+              <a:t>Seems more remote areas invite longer stays from visitors.</a:t>
+            </a:r>
+          </a:p>
+          <a:p>
+            <a:endParaRPr lang="en-GB" dirty="0"/>
+          </a:p>
+          <a:p>
+            <a:r>
+              <a:rPr lang="en-GB" dirty="0"/>
+              <a:t>Some regions especially East Ren and East Dumbarton again almost zero nights stayed.</a:t>
             </a:r>
           </a:p>
         </p:txBody>
@@ -1264,7 +1401,7 @@
           <a:p>
             <a:fld id="{798C5307-140F-447F-BCBA-BB92E3A2906B}" type="slidenum">
               <a:rPr lang="en-US" smtClean="0"/>
-              <a:t>16</a:t>
+              <a:t>15</a:t>
             </a:fld>
             <a:endParaRPr lang="en-US" dirty="0"/>
           </a:p>
@@ -1273,7 +1410,7 @@
     </p:spTree>
     <p:extLst>
       <p:ext uri="{BB962C8B-B14F-4D97-AF65-F5344CB8AC3E}">
-        <p14:creationId xmlns:p14="http://schemas.microsoft.com/office/powerpoint/2010/main" val="462393000"/>
+        <p14:creationId xmlns:p14="http://schemas.microsoft.com/office/powerpoint/2010/main" val="1598997502"/>
       </p:ext>
     </p:extLst>
   </p:cSld>
@@ -1328,9 +1465,39 @@
           <a:lstStyle/>
           <a:p>
             <a:r>
+              <a:rPr lang="en-GB" sz="1200" dirty="0"/>
+              <a:t>7. What type of </a:t>
+            </a:r>
+            <a:r>
+              <a:rPr lang="en-GB" sz="1200" b="1" dirty="0"/>
+              <a:t>accommodation</a:t>
+            </a:r>
+            <a:r>
+              <a:rPr lang="en-GB" sz="1200" dirty="0"/>
+              <a:t> is most popular? Is there a difference by location? </a:t>
+            </a:r>
+            <a:endParaRPr lang="en-GB" dirty="0"/>
+          </a:p>
+          <a:p>
+            <a:endParaRPr lang="en-GB" dirty="0"/>
+          </a:p>
+          <a:p>
+            <a:r>
               <a:rPr lang="en-GB" dirty="0"/>
-              <a:t>Flipped this round and done visits first.</a:t>
-            </a:r>
+              <a:t>Hotels most popular accommodation across the board.</a:t>
+            </a:r>
+          </a:p>
+          <a:p>
+            <a:endParaRPr lang="en-GB" dirty="0"/>
+          </a:p>
+          <a:p>
+            <a:r>
+              <a:rPr lang="en-GB" dirty="0"/>
+              <a:t>Other types vary according to location, e.g. the more remote the more popular camping and caravanning. </a:t>
+            </a:r>
+          </a:p>
+          <a:p>
+            <a:endParaRPr lang="en-GB" dirty="0"/>
           </a:p>
         </p:txBody>
       </p:sp>
@@ -1351,7 +1518,7 @@
           <a:p>
             <a:fld id="{798C5307-140F-447F-BCBA-BB92E3A2906B}" type="slidenum">
               <a:rPr lang="en-US" smtClean="0"/>
-              <a:t>17</a:t>
+              <a:t>16</a:t>
             </a:fld>
             <a:endParaRPr lang="en-US" dirty="0"/>
           </a:p>
@@ -1360,7 +1527,7 @@
     </p:spTree>
     <p:extLst>
       <p:ext uri="{BB962C8B-B14F-4D97-AF65-F5344CB8AC3E}">
-        <p14:creationId xmlns:p14="http://schemas.microsoft.com/office/powerpoint/2010/main" val="2900810829"/>
+        <p14:creationId xmlns:p14="http://schemas.microsoft.com/office/powerpoint/2010/main" val="462393000"/>
       </p:ext>
     </p:extLst>
   </p:cSld>
@@ -1416,7 +1583,59 @@
           <a:p>
             <a:r>
               <a:rPr lang="en-GB" dirty="0"/>
-              <a:t>Flipped this round and done visits first.</a:t>
+              <a:t>Again all tourism types generally trend upwards.</a:t>
+            </a:r>
+          </a:p>
+          <a:p>
+            <a:endParaRPr lang="en-GB" dirty="0"/>
+          </a:p>
+          <a:p>
+            <a:r>
+              <a:rPr lang="en-GB" dirty="0"/>
+              <a:t>Still have the 2017 spike here – camping and </a:t>
+            </a:r>
+            <a:r>
+              <a:rPr lang="en-GB" dirty="0" err="1"/>
+              <a:t>carvanning</a:t>
+            </a:r>
+            <a:r>
+              <a:rPr lang="en-GB" dirty="0"/>
+              <a:t> seeing a massive drop in favour of guest houses and B&amp;Bs</a:t>
+            </a:r>
+          </a:p>
+          <a:p>
+            <a:endParaRPr lang="en-GB" dirty="0"/>
+          </a:p>
+          <a:p>
+            <a:r>
+              <a:rPr lang="en-GB" dirty="0"/>
+              <a:t>It would be interesting to look at the rise of Air B&amp;B use and if this could be a factor for this spike. </a:t>
+            </a:r>
+          </a:p>
+          <a:p>
+            <a:endParaRPr lang="en-GB" dirty="0"/>
+          </a:p>
+          <a:p>
+            <a:r>
+              <a:rPr lang="en-GB" dirty="0"/>
+              <a:t>This also raises the question of the rise of second homes as air </a:t>
+            </a:r>
+            <a:r>
+              <a:rPr lang="en-GB" dirty="0" err="1"/>
+              <a:t>b&amp;b</a:t>
+            </a:r>
+            <a:r>
+              <a:rPr lang="en-GB" dirty="0"/>
+              <a:t> and the affordability for local residents to won homes.</a:t>
+            </a:r>
+          </a:p>
+          <a:p>
+            <a:endParaRPr lang="en-GB" dirty="0"/>
+          </a:p>
+          <a:p>
+            <a:r>
+              <a:rPr lang="en-GB" dirty="0"/>
+              <a:t>I know form my experience of staying in Tobermory on the Isle of Mull for 4 years some streets were largely deserted outside of peak tourist times as they were second homes.</a:t>
             </a:r>
           </a:p>
         </p:txBody>
@@ -1438,7 +1657,7 @@
           <a:p>
             <a:fld id="{798C5307-140F-447F-BCBA-BB92E3A2906B}" type="slidenum">
               <a:rPr lang="en-US" smtClean="0"/>
-              <a:t>18</a:t>
+              <a:t>17</a:t>
             </a:fld>
             <a:endParaRPr lang="en-US" dirty="0"/>
           </a:p>
@@ -1503,7 +1722,51 @@
           <a:p>
             <a:r>
               <a:rPr lang="en-GB" dirty="0"/>
-              <a:t>Domestic tourism statistics by region and year. All figures come from the Great Britain Tourism Survey (GBTS) and represent 3-year annual averages due to small sample sizes on regional level.</a:t>
+              <a:t>This shows us our additional international visits data.  </a:t>
+            </a:r>
+            <a:r>
+              <a:rPr lang="en-GB" dirty="0" err="1"/>
+              <a:t>Ive</a:t>
+            </a:r>
+            <a:r>
+              <a:rPr lang="en-GB" dirty="0"/>
+              <a:t> done the top 6 countries.</a:t>
+            </a:r>
+          </a:p>
+          <a:p>
+            <a:endParaRPr lang="en-GB" dirty="0"/>
+          </a:p>
+          <a:p>
+            <a:r>
+              <a:rPr lang="en-GB" dirty="0"/>
+              <a:t>All figures come from the Great Britain Tourism Survey (GBTS) and represent 3-year annual averages due to small sample sizes on regional level.</a:t>
+            </a:r>
+          </a:p>
+          <a:p>
+            <a:endParaRPr lang="en-GB" dirty="0"/>
+          </a:p>
+          <a:p>
+            <a:r>
+              <a:rPr lang="en-GB" dirty="0"/>
+              <a:t>You can see that the American visitors have more than doubled since 2010 – Has there been targeted marketing at this.</a:t>
+            </a:r>
+          </a:p>
+          <a:p>
+            <a:endParaRPr lang="en-GB" dirty="0"/>
+          </a:p>
+          <a:p>
+            <a:r>
+              <a:rPr lang="en-GB" dirty="0"/>
+              <a:t>I know Visit Scotland have concentrated some marketing work on Scottish Clans and the Scottish Diaspora which may explain some of this increase in US visits.</a:t>
+            </a:r>
+          </a:p>
+          <a:p>
+            <a:endParaRPr lang="en-GB" dirty="0"/>
+          </a:p>
+          <a:p>
+            <a:r>
+              <a:rPr lang="en-GB" dirty="0"/>
+              <a:t>There are no noticeable downward trends from Brexit vote of 2016, perhaps visit Scotland had a targeted campaign in Europe to maintain visits into Scotland.</a:t>
             </a:r>
           </a:p>
         </p:txBody>
@@ -1525,7 +1788,7 @@
           <a:p>
             <a:fld id="{798C5307-140F-447F-BCBA-BB92E3A2906B}" type="slidenum">
               <a:rPr lang="en-US" smtClean="0"/>
-              <a:t>19</a:t>
+              <a:t>18</a:t>
             </a:fld>
             <a:endParaRPr lang="en-US" dirty="0"/>
           </a:p>
@@ -1545,6 +1808,170 @@
 </file>
 
 <file path=ppt/notesSlides/notesSlide17.xml><?xml version="1.0" encoding="utf-8"?>
+<p:notes xmlns:a="http://schemas.openxmlformats.org/drawingml/2006/main" xmlns:r="http://schemas.openxmlformats.org/officeDocument/2006/relationships" xmlns:p="http://schemas.openxmlformats.org/presentationml/2006/main">
+  <p:cSld>
+    <p:spTree>
+      <p:nvGrpSpPr>
+        <p:cNvPr id="1" name=""/>
+        <p:cNvGrpSpPr/>
+        <p:nvPr/>
+      </p:nvGrpSpPr>
+      <p:grpSpPr>
+        <a:xfrm>
+          <a:off x="0" y="0"/>
+          <a:ext cx="0" cy="0"/>
+          <a:chOff x="0" y="0"/>
+          <a:chExt cx="0" cy="0"/>
+        </a:xfrm>
+      </p:grpSpPr>
+      <p:sp>
+        <p:nvSpPr>
+          <p:cNvPr id="2" name="Slide Image Placeholder 1"/>
+          <p:cNvSpPr>
+            <a:spLocks noGrp="1" noRot="1" noChangeAspect="1"/>
+          </p:cNvSpPr>
+          <p:nvPr>
+            <p:ph type="sldImg"/>
+          </p:nvPr>
+        </p:nvSpPr>
+        <p:spPr/>
+      </p:sp>
+      <p:sp>
+        <p:nvSpPr>
+          <p:cNvPr id="3" name="Notes Placeholder 2"/>
+          <p:cNvSpPr>
+            <a:spLocks noGrp="1"/>
+          </p:cNvSpPr>
+          <p:nvPr>
+            <p:ph type="body" idx="1"/>
+          </p:nvPr>
+        </p:nvSpPr>
+        <p:spPr/>
+        <p:txBody>
+          <a:bodyPr/>
+          <a:lstStyle/>
+          <a:p>
+            <a:pPr marL="0" marR="0" lvl="0" indent="0" algn="l" defTabSz="914400" rtl="0" eaLnBrk="1" fontAlgn="auto" latinLnBrk="0" hangingPunct="1">
+              <a:lnSpc>
+                <a:spcPct val="100000"/>
+              </a:lnSpc>
+              <a:spcBef>
+                <a:spcPts val="0"/>
+              </a:spcBef>
+              <a:spcAft>
+                <a:spcPts val="0"/>
+              </a:spcAft>
+              <a:buClrTx/>
+              <a:buSzTx/>
+              <a:buFontTx/>
+              <a:buNone/>
+              <a:tabLst/>
+              <a:defRPr/>
+            </a:pPr>
+            <a:r>
+              <a:rPr lang="en-US" dirty="0"/>
+              <a:t>I will look at 1-7 individually. Question 8 regarding change over time will be dealt with in my answers to questions 1-7. Question 9 is more about modelling and will be dealt with last. An extra section on additional international data will be also discussed</a:t>
+            </a:r>
+          </a:p>
+        </p:txBody>
+      </p:sp>
+      <p:sp>
+        <p:nvSpPr>
+          <p:cNvPr id="4" name="Slide Number Placeholder 3"/>
+          <p:cNvSpPr>
+            <a:spLocks noGrp="1"/>
+          </p:cNvSpPr>
+          <p:nvPr>
+            <p:ph type="sldNum" sz="quarter" idx="5"/>
+          </p:nvPr>
+        </p:nvSpPr>
+        <p:spPr/>
+        <p:txBody>
+          <a:bodyPr/>
+          <a:lstStyle/>
+          <a:p>
+            <a:pPr marL="0" marR="0" lvl="0" indent="0" algn="r" defTabSz="914400" rtl="0" eaLnBrk="1" fontAlgn="auto" latinLnBrk="0" hangingPunct="1">
+              <a:lnSpc>
+                <a:spcPct val="100000"/>
+              </a:lnSpc>
+              <a:spcBef>
+                <a:spcPts val="0"/>
+              </a:spcBef>
+              <a:spcAft>
+                <a:spcPts val="0"/>
+              </a:spcAft>
+              <a:buClrTx/>
+              <a:buSzTx/>
+              <a:buFontTx/>
+              <a:buNone/>
+              <a:tabLst/>
+              <a:defRPr/>
+            </a:pPr>
+            <a:fld id="{F129094F-44ED-46E6-A51E-52761DD3C888}" type="slidenum">
+              <a:rPr kumimoji="0" lang="en-US" sz="1200" b="0" i="0" u="none" strike="noStrike" kern="1200" cap="none" spc="0" normalizeH="0" baseline="0" noProof="0" smtClean="0">
+                <a:ln>
+                  <a:noFill/>
+                </a:ln>
+                <a:solidFill>
+                  <a:prstClr val="black"/>
+                </a:solidFill>
+                <a:effectLst/>
+                <a:uLnTx/>
+                <a:uFillTx/>
+                <a:latin typeface="Calibri" panose="020F0502020204030204"/>
+                <a:ea typeface="+mn-ea"/>
+                <a:cs typeface="+mn-cs"/>
+              </a:rPr>
+              <a:pPr marL="0" marR="0" lvl="0" indent="0" algn="r" defTabSz="914400" rtl="0" eaLnBrk="1" fontAlgn="auto" latinLnBrk="0" hangingPunct="1">
+                <a:lnSpc>
+                  <a:spcPct val="100000"/>
+                </a:lnSpc>
+                <a:spcBef>
+                  <a:spcPts val="0"/>
+                </a:spcBef>
+                <a:spcAft>
+                  <a:spcPts val="0"/>
+                </a:spcAft>
+                <a:buClrTx/>
+                <a:buSzTx/>
+                <a:buFontTx/>
+                <a:buNone/>
+                <a:tabLst/>
+                <a:defRPr/>
+              </a:pPr>
+              <a:t>19</a:t>
+            </a:fld>
+            <a:endParaRPr kumimoji="0" lang="en-US" sz="1200" b="0" i="0" u="none" strike="noStrike" kern="1200" cap="none" spc="0" normalizeH="0" baseline="0" noProof="0" dirty="0">
+              <a:ln>
+                <a:noFill/>
+              </a:ln>
+              <a:solidFill>
+                <a:prstClr val="black"/>
+              </a:solidFill>
+              <a:effectLst/>
+              <a:uLnTx/>
+              <a:uFillTx/>
+              <a:latin typeface="Calibri" panose="020F0502020204030204"/>
+              <a:ea typeface="+mn-ea"/>
+              <a:cs typeface="+mn-cs"/>
+            </a:endParaRPr>
+          </a:p>
+        </p:txBody>
+      </p:sp>
+    </p:spTree>
+    <p:extLst>
+      <p:ext uri="{BB962C8B-B14F-4D97-AF65-F5344CB8AC3E}">
+        <p14:creationId xmlns:p14="http://schemas.microsoft.com/office/powerpoint/2010/main" val="704907707"/>
+      </p:ext>
+    </p:extLst>
+  </p:cSld>
+  <p:clrMapOvr>
+    <a:masterClrMapping/>
+  </p:clrMapOvr>
+</p:notes>
+</file>
+
+<file path=ppt/notesSlides/notesSlide18.xml><?xml version="1.0" encoding="utf-8"?>
 <p:notes xmlns:a="http://schemas.openxmlformats.org/drawingml/2006/main" xmlns:r="http://schemas.openxmlformats.org/officeDocument/2006/relationships" xmlns:p="http://schemas.openxmlformats.org/presentationml/2006/main">
   <p:cSld>
     <p:spTree>
@@ -1698,170 +2125,6 @@
     </p:spTree>
     <p:extLst>
       <p:ext uri="{BB962C8B-B14F-4D97-AF65-F5344CB8AC3E}">
-        <p14:creationId xmlns:p14="http://schemas.microsoft.com/office/powerpoint/2010/main" val="704907707"/>
-      </p:ext>
-    </p:extLst>
-  </p:cSld>
-  <p:clrMapOvr>
-    <a:masterClrMapping/>
-  </p:clrMapOvr>
-</p:notes>
-</file>
-
-<file path=ppt/notesSlides/notesSlide18.xml><?xml version="1.0" encoding="utf-8"?>
-<p:notes xmlns:a="http://schemas.openxmlformats.org/drawingml/2006/main" xmlns:r="http://schemas.openxmlformats.org/officeDocument/2006/relationships" xmlns:p="http://schemas.openxmlformats.org/presentationml/2006/main">
-  <p:cSld>
-    <p:spTree>
-      <p:nvGrpSpPr>
-        <p:cNvPr id="1" name=""/>
-        <p:cNvGrpSpPr/>
-        <p:nvPr/>
-      </p:nvGrpSpPr>
-      <p:grpSpPr>
-        <a:xfrm>
-          <a:off x="0" y="0"/>
-          <a:ext cx="0" cy="0"/>
-          <a:chOff x="0" y="0"/>
-          <a:chExt cx="0" cy="0"/>
-        </a:xfrm>
-      </p:grpSpPr>
-      <p:sp>
-        <p:nvSpPr>
-          <p:cNvPr id="2" name="Slide Image Placeholder 1"/>
-          <p:cNvSpPr>
-            <a:spLocks noGrp="1" noRot="1" noChangeAspect="1"/>
-          </p:cNvSpPr>
-          <p:nvPr>
-            <p:ph type="sldImg"/>
-          </p:nvPr>
-        </p:nvSpPr>
-        <p:spPr/>
-      </p:sp>
-      <p:sp>
-        <p:nvSpPr>
-          <p:cNvPr id="3" name="Notes Placeholder 2"/>
-          <p:cNvSpPr>
-            <a:spLocks noGrp="1"/>
-          </p:cNvSpPr>
-          <p:nvPr>
-            <p:ph type="body" idx="1"/>
-          </p:nvPr>
-        </p:nvSpPr>
-        <p:spPr/>
-        <p:txBody>
-          <a:bodyPr/>
-          <a:lstStyle/>
-          <a:p>
-            <a:pPr marL="0" marR="0" lvl="0" indent="0" algn="l" defTabSz="914400" rtl="0" eaLnBrk="1" fontAlgn="auto" latinLnBrk="0" hangingPunct="1">
-              <a:lnSpc>
-                <a:spcPct val="100000"/>
-              </a:lnSpc>
-              <a:spcBef>
-                <a:spcPts val="0"/>
-              </a:spcBef>
-              <a:spcAft>
-                <a:spcPts val="0"/>
-              </a:spcAft>
-              <a:buClrTx/>
-              <a:buSzTx/>
-              <a:buFontTx/>
-              <a:buNone/>
-              <a:tabLst/>
-              <a:defRPr/>
-            </a:pPr>
-            <a:r>
-              <a:rPr lang="en-US" dirty="0"/>
-              <a:t>I will look at 1-7 individually. Question 8 regarding change over time will be dealt with in my answers to questions 1-7. Question 9 is more about modelling and will be dealt with last. An extra section on additional international data will be also discussed</a:t>
-            </a:r>
-          </a:p>
-        </p:txBody>
-      </p:sp>
-      <p:sp>
-        <p:nvSpPr>
-          <p:cNvPr id="4" name="Slide Number Placeholder 3"/>
-          <p:cNvSpPr>
-            <a:spLocks noGrp="1"/>
-          </p:cNvSpPr>
-          <p:nvPr>
-            <p:ph type="sldNum" sz="quarter" idx="5"/>
-          </p:nvPr>
-        </p:nvSpPr>
-        <p:spPr/>
-        <p:txBody>
-          <a:bodyPr/>
-          <a:lstStyle/>
-          <a:p>
-            <a:pPr marL="0" marR="0" lvl="0" indent="0" algn="r" defTabSz="914400" rtl="0" eaLnBrk="1" fontAlgn="auto" latinLnBrk="0" hangingPunct="1">
-              <a:lnSpc>
-                <a:spcPct val="100000"/>
-              </a:lnSpc>
-              <a:spcBef>
-                <a:spcPts val="0"/>
-              </a:spcBef>
-              <a:spcAft>
-                <a:spcPts val="0"/>
-              </a:spcAft>
-              <a:buClrTx/>
-              <a:buSzTx/>
-              <a:buFontTx/>
-              <a:buNone/>
-              <a:tabLst/>
-              <a:defRPr/>
-            </a:pPr>
-            <a:fld id="{F129094F-44ED-46E6-A51E-52761DD3C888}" type="slidenum">
-              <a:rPr kumimoji="0" lang="en-US" sz="1200" b="0" i="0" u="none" strike="noStrike" kern="1200" cap="none" spc="0" normalizeH="0" baseline="0" noProof="0" smtClean="0">
-                <a:ln>
-                  <a:noFill/>
-                </a:ln>
-                <a:solidFill>
-                  <a:prstClr val="black"/>
-                </a:solidFill>
-                <a:effectLst/>
-                <a:uLnTx/>
-                <a:uFillTx/>
-                <a:latin typeface="Calibri" panose="020F0502020204030204"/>
-                <a:ea typeface="+mn-ea"/>
-                <a:cs typeface="+mn-cs"/>
-              </a:rPr>
-              <a:pPr marL="0" marR="0" lvl="0" indent="0" algn="r" defTabSz="914400" rtl="0" eaLnBrk="1" fontAlgn="auto" latinLnBrk="0" hangingPunct="1">
-                <a:lnSpc>
-                  <a:spcPct val="100000"/>
-                </a:lnSpc>
-                <a:spcBef>
-                  <a:spcPts val="0"/>
-                </a:spcBef>
-                <a:spcAft>
-                  <a:spcPts val="0"/>
-                </a:spcAft>
-                <a:buClrTx/>
-                <a:buSzTx/>
-                <a:buFontTx/>
-                <a:buNone/>
-                <a:tabLst/>
-                <a:defRPr/>
-              </a:pPr>
-              <a:t>21</a:t>
-            </a:fld>
-            <a:endParaRPr kumimoji="0" lang="en-US" sz="1200" b="0" i="0" u="none" strike="noStrike" kern="1200" cap="none" spc="0" normalizeH="0" baseline="0" noProof="0" dirty="0">
-              <a:ln>
-                <a:noFill/>
-              </a:ln>
-              <a:solidFill>
-                <a:prstClr val="black"/>
-              </a:solidFill>
-              <a:effectLst/>
-              <a:uLnTx/>
-              <a:uFillTx/>
-              <a:latin typeface="Calibri" panose="020F0502020204030204"/>
-              <a:ea typeface="+mn-ea"/>
-              <a:cs typeface="+mn-cs"/>
-            </a:endParaRPr>
-          </a:p>
-        </p:txBody>
-      </p:sp>
-    </p:spTree>
-    <p:extLst>
-      <p:ext uri="{BB962C8B-B14F-4D97-AF65-F5344CB8AC3E}">
         <p14:creationId xmlns:p14="http://schemas.microsoft.com/office/powerpoint/2010/main" val="1253781897"/>
       </p:ext>
     </p:extLst>
@@ -1915,16 +2178,6 @@
         <p:txBody>
           <a:bodyPr/>
           <a:lstStyle/>
-          <a:p>
-            <a:r>
-              <a:rPr lang="en-GB" dirty="0"/>
-              <a:t>Q1 - </a:t>
-            </a:r>
-            <a:r>
-              <a:rPr lang="en-GB" sz="1200" dirty="0"/>
-              <a:t>What kind of tourism activity generates the highest income for Scotland</a:t>
-            </a:r>
-          </a:p>
           <a:p>
             <a:endParaRPr lang="en-GB" sz="1200" dirty="0"/>
           </a:p>
@@ -2046,7 +2299,16 @@
           <a:p>
             <a:r>
               <a:rPr lang="en-GB" dirty="0"/>
-              <a:t>Massive jump in visiting friends and family 2016 – 2017 of nearly 1 billion! In fact most of them peak for 2017 . </a:t>
+              <a:t>Massive jump in visiting friends and family 2016 – 2017 of nearly 1 billion pounds in expenditure! In fact most of the activities peak for 2017 . </a:t>
+            </a:r>
+          </a:p>
+          <a:p>
+            <a:endParaRPr lang="en-GB" dirty="0"/>
+          </a:p>
+          <a:p>
+            <a:r>
+              <a:rPr lang="en-GB" dirty="0"/>
+              <a:t>Will have a look at this later.</a:t>
             </a:r>
           </a:p>
           <a:p>
@@ -2171,20 +2433,8 @@
           </a:p>
           <a:p>
             <a:r>
-              <a:rPr lang="en-GB" sz="1200"/>
-              <a:t>Lets </a:t>
-            </a:r>
-            <a:r>
               <a:rPr lang="en-GB" sz="1200" dirty="0"/>
-              <a:t>have a look at these </a:t>
-            </a:r>
-            <a:r>
-              <a:rPr lang="en-GB" sz="1200"/>
-              <a:t>over time as wel</a:t>
-            </a:r>
-            <a:r>
-              <a:rPr lang="en-GB" sz="1200" dirty="0"/>
-              <a:t>l</a:t>
+              <a:t>Lets have a look at these over time as well</a:t>
             </a:r>
             <a:endParaRPr lang="en-GB" dirty="0"/>
           </a:p>
@@ -2272,21 +2522,16 @@
           <a:p>
             <a:r>
               <a:rPr lang="en-GB" dirty="0"/>
-              <a:t>All of these trend upwards over time</a:t>
-            </a:r>
+              <a:t>Visits on all but nights out at bars are going up over time so the increase expenditure we saw cant all be associated with inflation.</a:t>
+            </a:r>
+          </a:p>
+          <a:p>
+            <a:endParaRPr lang="en-GB" dirty="0"/>
           </a:p>
           <a:p>
             <a:r>
               <a:rPr lang="en-GB" dirty="0"/>
-              <a:t>Visits on all but nights out at bars are going up over time so the increase </a:t>
-            </a:r>
-            <a:r>
-              <a:rPr lang="en-GB" dirty="0" err="1"/>
-              <a:t>expensiture</a:t>
-            </a:r>
-            <a:r>
-              <a:rPr lang="en-GB" dirty="0"/>
-              <a:t> we saw cant all be associated with inflation. Big drop (10m!) in Outdoor </a:t>
+              <a:t>Big drop (10m!) in Outdoor </a:t>
             </a:r>
             <a:r>
               <a:rPr lang="en-GB" dirty="0" err="1"/>
@@ -2300,7 +2545,16 @@
           <a:p>
             <a:r>
               <a:rPr lang="en-GB" dirty="0"/>
-              <a:t>the driest since 2003 and the sunniest since 1995.Was it too nice a summer? Look at non - summarised data would be good.</a:t>
+              <a:t>the driest since 2003 and the sunniest since 1995.</a:t>
+            </a:r>
+          </a:p>
+          <a:p>
+            <a:endParaRPr lang="en-GB" dirty="0"/>
+          </a:p>
+          <a:p>
+            <a:r>
+              <a:rPr lang="en-GB" dirty="0"/>
+              <a:t>Was it too nice a summer? </a:t>
             </a:r>
           </a:p>
         </p:txBody>
@@ -2387,7 +2641,39 @@
           <a:p>
             <a:r>
               <a:rPr lang="en-GB" dirty="0"/>
-              <a:t>Flipped this round and done visits first.</a:t>
+              <a:t>Q3. </a:t>
+            </a:r>
+            <a:r>
+              <a:rPr lang="en-GB" sz="1200" dirty="0"/>
+              <a:t>Is there a particular key demographic of visitors we should be focusing on?</a:t>
+            </a:r>
+            <a:endParaRPr lang="en-GB" dirty="0"/>
+          </a:p>
+          <a:p>
+            <a:endParaRPr lang="en-GB" dirty="0"/>
+          </a:p>
+          <a:p>
+            <a:r>
+              <a:rPr lang="en-GB" dirty="0"/>
+              <a:t>Here I have listed all of the demographics so we get a broad picture.</a:t>
+            </a:r>
+          </a:p>
+          <a:p>
+            <a:endParaRPr lang="en-GB" dirty="0"/>
+          </a:p>
+          <a:p>
+            <a:r>
+              <a:rPr lang="en-GB" dirty="0"/>
+              <a:t>Can see our top 4 – our primary market namely people with a car, no kids, married, employed in some way.</a:t>
+            </a:r>
+          </a:p>
+          <a:p>
+            <a:endParaRPr lang="en-GB" dirty="0"/>
+          </a:p>
+          <a:p>
+            <a:r>
+              <a:rPr lang="en-GB" dirty="0"/>
+              <a:t>Under represented groups would be 45-54 age bracket and social grade of C2 Skilled manual occupations</a:t>
             </a:r>
           </a:p>
         </p:txBody>
@@ -2473,29 +2759,18 @@
           <a:lstStyle/>
           <a:p>
             <a:r>
-              <a:rPr lang="en-GB" b="0" i="0" u="none" strike="noStrike" dirty="0">
-                <a:solidFill>
-                  <a:srgbClr val="0645AD"/>
-                </a:solidFill>
-                <a:effectLst/>
-                <a:latin typeface="Arial" panose="020B0604020202020204" pitchFamily="34" charset="0"/>
-                <a:hlinkClick r:id="rId3" tooltip="Rough Guides"/>
-              </a:rPr>
-              <a:t>Rough Guides</a:t>
-            </a:r>
-            <a:r>
-              <a:rPr lang="en-GB" b="0" i="0" dirty="0">
-                <a:solidFill>
-                  <a:srgbClr val="202122"/>
-                </a:solidFill>
-                <a:effectLst/>
-                <a:latin typeface="Arial" panose="020B0604020202020204" pitchFamily="34" charset="0"/>
-              </a:rPr>
-              <a:t> names Scotland as the world's most beautiful country in 2017 – could this be a reason for the increase in city visits? Nearly a 10m increase? Worth a further look at non summarised data</a:t>
+              <a:rPr lang="en-GB" dirty="0"/>
+              <a:t>Here we have the expenditure graph which is broadly similar to the last  - we can see our same top 4 quite clearly</a:t>
             </a:r>
           </a:p>
           <a:p>
             <a:endParaRPr lang="en-GB" dirty="0"/>
+          </a:p>
+          <a:p>
+            <a:r>
+              <a:rPr lang="en-GB" dirty="0"/>
+              <a:t>But we can see that social grade AB has moved up perhaps showing more disposable income</a:t>
+            </a:r>
           </a:p>
         </p:txBody>
       </p:sp>
@@ -2516,7 +2791,7 @@
           <a:p>
             <a:fld id="{798C5307-140F-447F-BCBA-BB92E3A2906B}" type="slidenum">
               <a:rPr lang="en-US" smtClean="0"/>
-              <a:t>10</a:t>
+              <a:t>9</a:t>
             </a:fld>
             <a:endParaRPr lang="en-US" dirty="0"/>
           </a:p>
@@ -2525,7 +2800,7 @@
     </p:spTree>
     <p:extLst>
       <p:ext uri="{BB962C8B-B14F-4D97-AF65-F5344CB8AC3E}">
-        <p14:creationId xmlns:p14="http://schemas.microsoft.com/office/powerpoint/2010/main" val="3053291020"/>
+        <p14:creationId xmlns:p14="http://schemas.microsoft.com/office/powerpoint/2010/main" val="2798737795"/>
       </p:ext>
     </p:extLst>
   </p:cSld>
@@ -2580,9 +2855,68 @@
           <a:lstStyle/>
           <a:p>
             <a:r>
-              <a:rPr lang="en-GB" dirty="0"/>
-              <a:t>Flipped this round and done visits first.</a:t>
-            </a:r>
+              <a:rPr lang="en-GB" sz="1200" dirty="0"/>
+              <a:t>4. What type of locations receive the most visits? </a:t>
+            </a:r>
+            <a:br>
+              <a:rPr lang="en-GB" sz="1200" dirty="0"/>
+            </a:br>
+            <a:r>
+              <a:rPr lang="en-GB" sz="1200" dirty="0"/>
+              <a:t>	What kinds of locations do people spend the most in? </a:t>
+            </a:r>
+          </a:p>
+          <a:p>
+            <a:r>
+              <a:rPr lang="en-GB" sz="1200" dirty="0"/>
+              <a:t>We can see the peak in 2017 again.</a:t>
+            </a:r>
+          </a:p>
+          <a:p>
+            <a:endParaRPr lang="en-GB" sz="1200" b="0" i="0" u="none" strike="noStrike" dirty="0">
+              <a:solidFill>
+                <a:srgbClr val="0645AD"/>
+              </a:solidFill>
+              <a:effectLst/>
+              <a:latin typeface="Arial" panose="020B0604020202020204" pitchFamily="34" charset="0"/>
+              <a:hlinkClick r:id="rId3" tooltip="Rough Guides"/>
+            </a:endParaRPr>
+          </a:p>
+          <a:p>
+            <a:endParaRPr lang="en-GB" sz="1200" b="0" i="0" u="none" strike="noStrike" dirty="0">
+              <a:solidFill>
+                <a:srgbClr val="0645AD"/>
+              </a:solidFill>
+              <a:effectLst/>
+              <a:latin typeface="Arial" panose="020B0604020202020204" pitchFamily="34" charset="0"/>
+              <a:hlinkClick r:id="rId3" tooltip="Rough Guides"/>
+            </a:endParaRPr>
+          </a:p>
+          <a:p>
+            <a:r>
+              <a:rPr lang="en-GB" b="0" i="0" u="none" strike="noStrike" dirty="0">
+                <a:solidFill>
+                  <a:srgbClr val="0645AD"/>
+                </a:solidFill>
+                <a:effectLst/>
+                <a:latin typeface="Arial" panose="020B0604020202020204" pitchFamily="34" charset="0"/>
+                <a:hlinkClick r:id="rId3" tooltip="Rough Guides"/>
+              </a:rPr>
+              <a:t>Rough Guides</a:t>
+            </a:r>
+            <a:r>
+              <a:rPr lang="en-GB" b="0" i="0" dirty="0">
+                <a:solidFill>
+                  <a:srgbClr val="202122"/>
+                </a:solidFill>
+                <a:effectLst/>
+                <a:latin typeface="Arial" panose="020B0604020202020204" pitchFamily="34" charset="0"/>
+              </a:rPr>
+              <a:t> names Scotland as the world's most beautiful country in 2017 – could this be a reason for the increase in city visits? Nearly a 10m increase? Worth a further look at non summarised data</a:t>
+            </a:r>
+          </a:p>
+          <a:p>
+            <a:endParaRPr lang="en-GB" dirty="0"/>
           </a:p>
         </p:txBody>
       </p:sp>
@@ -2603,7 +2937,7 @@
           <a:p>
             <a:fld id="{798C5307-140F-447F-BCBA-BB92E3A2906B}" type="slidenum">
               <a:rPr lang="en-US" smtClean="0"/>
-              <a:t>11</a:t>
+              <a:t>10</a:t>
             </a:fld>
             <a:endParaRPr lang="en-US" dirty="0"/>
           </a:p>
@@ -2612,7 +2946,7 @@
     </p:spTree>
     <p:extLst>
       <p:ext uri="{BB962C8B-B14F-4D97-AF65-F5344CB8AC3E}">
-        <p14:creationId xmlns:p14="http://schemas.microsoft.com/office/powerpoint/2010/main" val="3472897843"/>
+        <p14:creationId xmlns:p14="http://schemas.microsoft.com/office/powerpoint/2010/main" val="3053291020"/>
       </p:ext>
     </p:extLst>
   </p:cSld>
@@ -2667,8 +3001,44 @@
           <a:lstStyle/>
           <a:p>
             <a:r>
+              <a:rPr lang="en-GB" sz="1200" dirty="0"/>
+              <a:t>5. Is there a particular </a:t>
+            </a:r>
+            <a:r>
+              <a:rPr lang="en-GB" sz="1200" b="1" dirty="0"/>
+              <a:t>method of travel</a:t>
+            </a:r>
+            <a:r>
+              <a:rPr lang="en-GB" sz="1200" dirty="0"/>
+              <a:t> our visitors arrive by? </a:t>
+            </a:r>
+            <a:endParaRPr lang="en-GB" dirty="0"/>
+          </a:p>
+          <a:p>
+            <a:endParaRPr lang="en-GB" dirty="0"/>
+          </a:p>
+          <a:p>
+            <a:r>
               <a:rPr lang="en-GB" dirty="0"/>
-              <a:t>Flipped this round and done visits first.</a:t>
+              <a:t>Car massively predominant means of transport – 2/3 of all visits.</a:t>
+            </a:r>
+          </a:p>
+          <a:p>
+            <a:endParaRPr lang="en-GB" dirty="0"/>
+          </a:p>
+          <a:p>
+            <a:r>
+              <a:rPr lang="en-GB" dirty="0"/>
+              <a:t>Don’t need to worry about remote sites!</a:t>
+            </a:r>
+          </a:p>
+          <a:p>
+            <a:endParaRPr lang="en-GB" dirty="0"/>
+          </a:p>
+          <a:p>
+            <a:r>
+              <a:rPr lang="en-GB" dirty="0"/>
+              <a:t>Grouped “Other” category includes planes, ferries, tube, bike, tram etc.</a:t>
             </a:r>
           </a:p>
         </p:txBody>
@@ -2690,7 +3060,7 @@
           <a:p>
             <a:fld id="{798C5307-140F-447F-BCBA-BB92E3A2906B}" type="slidenum">
               <a:rPr lang="en-US" smtClean="0"/>
-              <a:t>12</a:t>
+              <a:t>11</a:t>
             </a:fld>
             <a:endParaRPr lang="en-US" dirty="0"/>
           </a:p>
@@ -2699,7 +3069,7 @@
     </p:spTree>
     <p:extLst>
       <p:ext uri="{BB962C8B-B14F-4D97-AF65-F5344CB8AC3E}">
-        <p14:creationId xmlns:p14="http://schemas.microsoft.com/office/powerpoint/2010/main" val="1774610018"/>
+        <p14:creationId xmlns:p14="http://schemas.microsoft.com/office/powerpoint/2010/main" val="3472897843"/>
       </p:ext>
     </p:extLst>
   </p:cSld>
@@ -8382,78 +8752,6 @@
       </p:sp>
       <p:sp>
         <p:nvSpPr>
-          <p:cNvPr id="3" name="Footer Placeholder 2">
-            <a:extLst>
-              <a:ext uri="{FF2B5EF4-FFF2-40B4-BE49-F238E27FC236}">
-                <a16:creationId xmlns:a16="http://schemas.microsoft.com/office/drawing/2014/main" id="{EECC0E9B-6686-4AA4-E450-60D48C23437A}"/>
-              </a:ext>
-            </a:extLst>
-          </p:cNvPr>
-          <p:cNvSpPr>
-            <a:spLocks noGrp="1"/>
-          </p:cNvSpPr>
-          <p:nvPr>
-            <p:ph type="ftr" sz="quarter" idx="11"/>
-          </p:nvPr>
-        </p:nvSpPr>
-        <p:spPr/>
-        <p:txBody>
-          <a:bodyPr/>
-          <a:lstStyle/>
-          <a:p>
-            <a:pPr>
-              <a:defRPr/>
-            </a:pPr>
-            <a:r>
-              <a:rPr lang="en-US"/>
-              <a:t>Presentation title</a:t>
-            </a:r>
-            <a:endParaRPr lang="en-US" dirty="0"/>
-          </a:p>
-        </p:txBody>
-      </p:sp>
-      <p:sp>
-        <p:nvSpPr>
-          <p:cNvPr id="5" name="Date Placeholder 4">
-            <a:extLst>
-              <a:ext uri="{FF2B5EF4-FFF2-40B4-BE49-F238E27FC236}">
-                <a16:creationId xmlns:a16="http://schemas.microsoft.com/office/drawing/2014/main" id="{BE2095D8-C0A2-D1C3-012E-23A2CCF5FD5B}"/>
-              </a:ext>
-            </a:extLst>
-          </p:cNvPr>
-          <p:cNvSpPr>
-            <a:spLocks noGrp="1"/>
-          </p:cNvSpPr>
-          <p:nvPr>
-            <p:ph type="dt" sz="half" idx="10"/>
-          </p:nvPr>
-        </p:nvSpPr>
-        <p:spPr/>
-        <p:txBody>
-          <a:bodyPr/>
-          <a:lstStyle/>
-          <a:p>
-            <a:pPr>
-              <a:defRPr/>
-            </a:pPr>
-            <a:r>
-              <a:rPr lang="en-US">
-                <a:solidFill>
-                  <a:prstClr val="black"/>
-                </a:solidFill>
-              </a:rPr>
-              <a:t>20XX</a:t>
-            </a:r>
-            <a:endParaRPr lang="en-US" dirty="0">
-              <a:solidFill>
-                <a:prstClr val="black"/>
-              </a:solidFill>
-            </a:endParaRPr>
-          </a:p>
-        </p:txBody>
-      </p:sp>
-      <p:sp>
-        <p:nvSpPr>
           <p:cNvPr id="6" name="Slide Number Placeholder 5">
             <a:extLst>
               <a:ext uri="{FF2B5EF4-FFF2-40B4-BE49-F238E27FC236}">
@@ -8809,77 +9107,6 @@
       </p:sp>
       <p:sp>
         <p:nvSpPr>
-          <p:cNvPr id="3" name="Footer Placeholder 2">
-            <a:extLst>
-              <a:ext uri="{FF2B5EF4-FFF2-40B4-BE49-F238E27FC236}">
-                <a16:creationId xmlns:a16="http://schemas.microsoft.com/office/drawing/2014/main" id="{EECC0E9B-6686-4AA4-E450-60D48C23437A}"/>
-              </a:ext>
-            </a:extLst>
-          </p:cNvPr>
-          <p:cNvSpPr>
-            <a:spLocks noGrp="1"/>
-          </p:cNvSpPr>
-          <p:nvPr>
-            <p:ph type="ftr" sz="quarter" idx="11"/>
-          </p:nvPr>
-        </p:nvSpPr>
-        <p:spPr/>
-        <p:txBody>
-          <a:bodyPr/>
-          <a:lstStyle/>
-          <a:p>
-            <a:pPr>
-              <a:defRPr/>
-            </a:pPr>
-            <a:r>
-              <a:rPr lang="en-US" dirty="0"/>
-              <a:t>Presentation title</a:t>
-            </a:r>
-          </a:p>
-        </p:txBody>
-      </p:sp>
-      <p:sp>
-        <p:nvSpPr>
-          <p:cNvPr id="5" name="Date Placeholder 4">
-            <a:extLst>
-              <a:ext uri="{FF2B5EF4-FFF2-40B4-BE49-F238E27FC236}">
-                <a16:creationId xmlns:a16="http://schemas.microsoft.com/office/drawing/2014/main" id="{BE2095D8-C0A2-D1C3-012E-23A2CCF5FD5B}"/>
-              </a:ext>
-            </a:extLst>
-          </p:cNvPr>
-          <p:cNvSpPr>
-            <a:spLocks noGrp="1"/>
-          </p:cNvSpPr>
-          <p:nvPr>
-            <p:ph type="dt" sz="half" idx="10"/>
-          </p:nvPr>
-        </p:nvSpPr>
-        <p:spPr/>
-        <p:txBody>
-          <a:bodyPr/>
-          <a:lstStyle/>
-          <a:p>
-            <a:pPr>
-              <a:defRPr/>
-            </a:pPr>
-            <a:r>
-              <a:rPr lang="en-US">
-                <a:solidFill>
-                  <a:prstClr val="black"/>
-                </a:solidFill>
-              </a:rPr>
-              <a:t>20XX</a:t>
-            </a:r>
-            <a:endParaRPr lang="en-US" dirty="0">
-              <a:solidFill>
-                <a:prstClr val="black"/>
-              </a:solidFill>
-            </a:endParaRPr>
-          </a:p>
-        </p:txBody>
-      </p:sp>
-      <p:sp>
-        <p:nvSpPr>
           <p:cNvPr id="6" name="Slide Number Placeholder 5">
             <a:extLst>
               <a:ext uri="{FF2B5EF4-FFF2-40B4-BE49-F238E27FC236}">
@@ -9150,77 +9377,6 @@
       </p:sp>
       <p:sp>
         <p:nvSpPr>
-          <p:cNvPr id="3" name="Footer Placeholder 2">
-            <a:extLst>
-              <a:ext uri="{FF2B5EF4-FFF2-40B4-BE49-F238E27FC236}">
-                <a16:creationId xmlns:a16="http://schemas.microsoft.com/office/drawing/2014/main" id="{EECC0E9B-6686-4AA4-E450-60D48C23437A}"/>
-              </a:ext>
-            </a:extLst>
-          </p:cNvPr>
-          <p:cNvSpPr>
-            <a:spLocks noGrp="1"/>
-          </p:cNvSpPr>
-          <p:nvPr>
-            <p:ph type="ftr" sz="quarter" idx="11"/>
-          </p:nvPr>
-        </p:nvSpPr>
-        <p:spPr/>
-        <p:txBody>
-          <a:bodyPr/>
-          <a:lstStyle/>
-          <a:p>
-            <a:pPr>
-              <a:defRPr/>
-            </a:pPr>
-            <a:r>
-              <a:rPr lang="en-US" dirty="0"/>
-              <a:t>Presentation title</a:t>
-            </a:r>
-          </a:p>
-        </p:txBody>
-      </p:sp>
-      <p:sp>
-        <p:nvSpPr>
-          <p:cNvPr id="5" name="Date Placeholder 4">
-            <a:extLst>
-              <a:ext uri="{FF2B5EF4-FFF2-40B4-BE49-F238E27FC236}">
-                <a16:creationId xmlns:a16="http://schemas.microsoft.com/office/drawing/2014/main" id="{BE2095D8-C0A2-D1C3-012E-23A2CCF5FD5B}"/>
-              </a:ext>
-            </a:extLst>
-          </p:cNvPr>
-          <p:cNvSpPr>
-            <a:spLocks noGrp="1"/>
-          </p:cNvSpPr>
-          <p:nvPr>
-            <p:ph type="dt" sz="half" idx="10"/>
-          </p:nvPr>
-        </p:nvSpPr>
-        <p:spPr/>
-        <p:txBody>
-          <a:bodyPr/>
-          <a:lstStyle/>
-          <a:p>
-            <a:pPr>
-              <a:defRPr/>
-            </a:pPr>
-            <a:r>
-              <a:rPr lang="en-US">
-                <a:solidFill>
-                  <a:prstClr val="black"/>
-                </a:solidFill>
-              </a:rPr>
-              <a:t>20XX</a:t>
-            </a:r>
-            <a:endParaRPr lang="en-US" dirty="0">
-              <a:solidFill>
-                <a:prstClr val="black"/>
-              </a:solidFill>
-            </a:endParaRPr>
-          </a:p>
-        </p:txBody>
-      </p:sp>
-      <p:sp>
-        <p:nvSpPr>
           <p:cNvPr id="6" name="Slide Number Placeholder 5">
             <a:extLst>
               <a:ext uri="{FF2B5EF4-FFF2-40B4-BE49-F238E27FC236}">
@@ -9450,77 +9606,6 @@
       </p:sp>
       <p:sp>
         <p:nvSpPr>
-          <p:cNvPr id="3" name="Footer Placeholder 2">
-            <a:extLst>
-              <a:ext uri="{FF2B5EF4-FFF2-40B4-BE49-F238E27FC236}">
-                <a16:creationId xmlns:a16="http://schemas.microsoft.com/office/drawing/2014/main" id="{EECC0E9B-6686-4AA4-E450-60D48C23437A}"/>
-              </a:ext>
-            </a:extLst>
-          </p:cNvPr>
-          <p:cNvSpPr>
-            <a:spLocks noGrp="1"/>
-          </p:cNvSpPr>
-          <p:nvPr>
-            <p:ph type="ftr" sz="quarter" idx="11"/>
-          </p:nvPr>
-        </p:nvSpPr>
-        <p:spPr/>
-        <p:txBody>
-          <a:bodyPr/>
-          <a:lstStyle/>
-          <a:p>
-            <a:pPr>
-              <a:defRPr/>
-            </a:pPr>
-            <a:r>
-              <a:rPr lang="en-US" dirty="0"/>
-              <a:t>Presentation title</a:t>
-            </a:r>
-          </a:p>
-        </p:txBody>
-      </p:sp>
-      <p:sp>
-        <p:nvSpPr>
-          <p:cNvPr id="5" name="Date Placeholder 4">
-            <a:extLst>
-              <a:ext uri="{FF2B5EF4-FFF2-40B4-BE49-F238E27FC236}">
-                <a16:creationId xmlns:a16="http://schemas.microsoft.com/office/drawing/2014/main" id="{BE2095D8-C0A2-D1C3-012E-23A2CCF5FD5B}"/>
-              </a:ext>
-            </a:extLst>
-          </p:cNvPr>
-          <p:cNvSpPr>
-            <a:spLocks noGrp="1"/>
-          </p:cNvSpPr>
-          <p:nvPr>
-            <p:ph type="dt" sz="half" idx="10"/>
-          </p:nvPr>
-        </p:nvSpPr>
-        <p:spPr/>
-        <p:txBody>
-          <a:bodyPr/>
-          <a:lstStyle/>
-          <a:p>
-            <a:pPr>
-              <a:defRPr/>
-            </a:pPr>
-            <a:r>
-              <a:rPr lang="en-US">
-                <a:solidFill>
-                  <a:prstClr val="black"/>
-                </a:solidFill>
-              </a:rPr>
-              <a:t>20XX</a:t>
-            </a:r>
-            <a:endParaRPr lang="en-US" dirty="0">
-              <a:solidFill>
-                <a:prstClr val="black"/>
-              </a:solidFill>
-            </a:endParaRPr>
-          </a:p>
-        </p:txBody>
-      </p:sp>
-      <p:sp>
-        <p:nvSpPr>
           <p:cNvPr id="6" name="Slide Number Placeholder 5">
             <a:extLst>
               <a:ext uri="{FF2B5EF4-FFF2-40B4-BE49-F238E27FC236}">
@@ -9790,77 +9875,6 @@
       </p:sp>
       <p:sp>
         <p:nvSpPr>
-          <p:cNvPr id="3" name="Footer Placeholder 2">
-            <a:extLst>
-              <a:ext uri="{FF2B5EF4-FFF2-40B4-BE49-F238E27FC236}">
-                <a16:creationId xmlns:a16="http://schemas.microsoft.com/office/drawing/2014/main" id="{EECC0E9B-6686-4AA4-E450-60D48C23437A}"/>
-              </a:ext>
-            </a:extLst>
-          </p:cNvPr>
-          <p:cNvSpPr>
-            <a:spLocks noGrp="1"/>
-          </p:cNvSpPr>
-          <p:nvPr>
-            <p:ph type="ftr" sz="quarter" idx="11"/>
-          </p:nvPr>
-        </p:nvSpPr>
-        <p:spPr/>
-        <p:txBody>
-          <a:bodyPr/>
-          <a:lstStyle/>
-          <a:p>
-            <a:pPr>
-              <a:defRPr/>
-            </a:pPr>
-            <a:r>
-              <a:rPr lang="en-US" dirty="0"/>
-              <a:t>Presentation title</a:t>
-            </a:r>
-          </a:p>
-        </p:txBody>
-      </p:sp>
-      <p:sp>
-        <p:nvSpPr>
-          <p:cNvPr id="5" name="Date Placeholder 4">
-            <a:extLst>
-              <a:ext uri="{FF2B5EF4-FFF2-40B4-BE49-F238E27FC236}">
-                <a16:creationId xmlns:a16="http://schemas.microsoft.com/office/drawing/2014/main" id="{BE2095D8-C0A2-D1C3-012E-23A2CCF5FD5B}"/>
-              </a:ext>
-            </a:extLst>
-          </p:cNvPr>
-          <p:cNvSpPr>
-            <a:spLocks noGrp="1"/>
-          </p:cNvSpPr>
-          <p:nvPr>
-            <p:ph type="dt" sz="half" idx="10"/>
-          </p:nvPr>
-        </p:nvSpPr>
-        <p:spPr/>
-        <p:txBody>
-          <a:bodyPr/>
-          <a:lstStyle/>
-          <a:p>
-            <a:pPr>
-              <a:defRPr/>
-            </a:pPr>
-            <a:r>
-              <a:rPr lang="en-US">
-                <a:solidFill>
-                  <a:prstClr val="black"/>
-                </a:solidFill>
-              </a:rPr>
-              <a:t>20XX</a:t>
-            </a:r>
-            <a:endParaRPr lang="en-US" dirty="0">
-              <a:solidFill>
-                <a:prstClr val="black"/>
-              </a:solidFill>
-            </a:endParaRPr>
-          </a:p>
-        </p:txBody>
-      </p:sp>
-      <p:sp>
-        <p:nvSpPr>
           <p:cNvPr id="6" name="Slide Number Placeholder 5">
             <a:extLst>
               <a:ext uri="{FF2B5EF4-FFF2-40B4-BE49-F238E27FC236}">
@@ -10135,77 +10149,6 @@
       </p:sp>
       <p:sp>
         <p:nvSpPr>
-          <p:cNvPr id="3" name="Footer Placeholder 2">
-            <a:extLst>
-              <a:ext uri="{FF2B5EF4-FFF2-40B4-BE49-F238E27FC236}">
-                <a16:creationId xmlns:a16="http://schemas.microsoft.com/office/drawing/2014/main" id="{EECC0E9B-6686-4AA4-E450-60D48C23437A}"/>
-              </a:ext>
-            </a:extLst>
-          </p:cNvPr>
-          <p:cNvSpPr>
-            <a:spLocks noGrp="1"/>
-          </p:cNvSpPr>
-          <p:nvPr>
-            <p:ph type="ftr" sz="quarter" idx="11"/>
-          </p:nvPr>
-        </p:nvSpPr>
-        <p:spPr/>
-        <p:txBody>
-          <a:bodyPr/>
-          <a:lstStyle/>
-          <a:p>
-            <a:pPr>
-              <a:defRPr/>
-            </a:pPr>
-            <a:r>
-              <a:rPr lang="en-US" dirty="0"/>
-              <a:t>Presentation title</a:t>
-            </a:r>
-          </a:p>
-        </p:txBody>
-      </p:sp>
-      <p:sp>
-        <p:nvSpPr>
-          <p:cNvPr id="5" name="Date Placeholder 4">
-            <a:extLst>
-              <a:ext uri="{FF2B5EF4-FFF2-40B4-BE49-F238E27FC236}">
-                <a16:creationId xmlns:a16="http://schemas.microsoft.com/office/drawing/2014/main" id="{BE2095D8-C0A2-D1C3-012E-23A2CCF5FD5B}"/>
-              </a:ext>
-            </a:extLst>
-          </p:cNvPr>
-          <p:cNvSpPr>
-            <a:spLocks noGrp="1"/>
-          </p:cNvSpPr>
-          <p:nvPr>
-            <p:ph type="dt" sz="half" idx="10"/>
-          </p:nvPr>
-        </p:nvSpPr>
-        <p:spPr/>
-        <p:txBody>
-          <a:bodyPr/>
-          <a:lstStyle/>
-          <a:p>
-            <a:pPr>
-              <a:defRPr/>
-            </a:pPr>
-            <a:r>
-              <a:rPr lang="en-US">
-                <a:solidFill>
-                  <a:prstClr val="black"/>
-                </a:solidFill>
-              </a:rPr>
-              <a:t>20XX</a:t>
-            </a:r>
-            <a:endParaRPr lang="en-US" dirty="0">
-              <a:solidFill>
-                <a:prstClr val="black"/>
-              </a:solidFill>
-            </a:endParaRPr>
-          </a:p>
-        </p:txBody>
-      </p:sp>
-      <p:sp>
-        <p:nvSpPr>
           <p:cNvPr id="6" name="Slide Number Placeholder 5">
             <a:extLst>
               <a:ext uri="{FF2B5EF4-FFF2-40B4-BE49-F238E27FC236}">
@@ -10474,77 +10417,6 @@
       </p:sp>
       <p:sp>
         <p:nvSpPr>
-          <p:cNvPr id="3" name="Footer Placeholder 2">
-            <a:extLst>
-              <a:ext uri="{FF2B5EF4-FFF2-40B4-BE49-F238E27FC236}">
-                <a16:creationId xmlns:a16="http://schemas.microsoft.com/office/drawing/2014/main" id="{EECC0E9B-6686-4AA4-E450-60D48C23437A}"/>
-              </a:ext>
-            </a:extLst>
-          </p:cNvPr>
-          <p:cNvSpPr>
-            <a:spLocks noGrp="1"/>
-          </p:cNvSpPr>
-          <p:nvPr>
-            <p:ph type="ftr" sz="quarter" idx="11"/>
-          </p:nvPr>
-        </p:nvSpPr>
-        <p:spPr/>
-        <p:txBody>
-          <a:bodyPr/>
-          <a:lstStyle/>
-          <a:p>
-            <a:pPr>
-              <a:defRPr/>
-            </a:pPr>
-            <a:r>
-              <a:rPr lang="en-US" dirty="0"/>
-              <a:t>Presentation title</a:t>
-            </a:r>
-          </a:p>
-        </p:txBody>
-      </p:sp>
-      <p:sp>
-        <p:nvSpPr>
-          <p:cNvPr id="5" name="Date Placeholder 4">
-            <a:extLst>
-              <a:ext uri="{FF2B5EF4-FFF2-40B4-BE49-F238E27FC236}">
-                <a16:creationId xmlns:a16="http://schemas.microsoft.com/office/drawing/2014/main" id="{BE2095D8-C0A2-D1C3-012E-23A2CCF5FD5B}"/>
-              </a:ext>
-            </a:extLst>
-          </p:cNvPr>
-          <p:cNvSpPr>
-            <a:spLocks noGrp="1"/>
-          </p:cNvSpPr>
-          <p:nvPr>
-            <p:ph type="dt" sz="half" idx="10"/>
-          </p:nvPr>
-        </p:nvSpPr>
-        <p:spPr/>
-        <p:txBody>
-          <a:bodyPr/>
-          <a:lstStyle/>
-          <a:p>
-            <a:pPr>
-              <a:defRPr/>
-            </a:pPr>
-            <a:r>
-              <a:rPr lang="en-US">
-                <a:solidFill>
-                  <a:prstClr val="black"/>
-                </a:solidFill>
-              </a:rPr>
-              <a:t>20XX</a:t>
-            </a:r>
-            <a:endParaRPr lang="en-US" dirty="0">
-              <a:solidFill>
-                <a:prstClr val="black"/>
-              </a:solidFill>
-            </a:endParaRPr>
-          </a:p>
-        </p:txBody>
-      </p:sp>
-      <p:sp>
-        <p:nvSpPr>
           <p:cNvPr id="6" name="Slide Number Placeholder 5">
             <a:extLst>
               <a:ext uri="{FF2B5EF4-FFF2-40B4-BE49-F238E27FC236}">
@@ -10800,93 +10672,17 @@
           <a:p>
             <a:r>
               <a:rPr lang="en-GB" dirty="0"/>
-              <a:t>Hotel mean occupancy rises with hotel size. </a:t>
+              <a:t>Again all tourism trends are generally upwards for each accommodation type.</a:t>
             </a:r>
           </a:p>
           <a:p>
             <a:r>
               <a:rPr lang="en-GB" dirty="0"/>
-              <a:t>Guest house and B&amp;B </a:t>
-            </a:r>
-            <a:r>
-              <a:rPr lang="en-GB" dirty="0" err="1"/>
-              <a:t>occupany</a:t>
-            </a:r>
-            <a:r>
-              <a:rPr lang="en-GB" dirty="0"/>
-              <a:t> follows same trend</a:t>
-            </a:r>
-          </a:p>
-        </p:txBody>
-      </p:sp>
-      <p:sp>
-        <p:nvSpPr>
-          <p:cNvPr id="3" name="Footer Placeholder 2">
-            <a:extLst>
-              <a:ext uri="{FF2B5EF4-FFF2-40B4-BE49-F238E27FC236}">
-                <a16:creationId xmlns:a16="http://schemas.microsoft.com/office/drawing/2014/main" id="{EECC0E9B-6686-4AA4-E450-60D48C23437A}"/>
-              </a:ext>
-            </a:extLst>
-          </p:cNvPr>
-          <p:cNvSpPr>
-            <a:spLocks noGrp="1"/>
-          </p:cNvSpPr>
-          <p:nvPr>
-            <p:ph type="ftr" sz="quarter" idx="11"/>
-          </p:nvPr>
-        </p:nvSpPr>
-        <p:spPr/>
-        <p:txBody>
-          <a:bodyPr/>
-          <a:lstStyle/>
-          <a:p>
-            <a:pPr>
-              <a:defRPr/>
-            </a:pPr>
-            <a:r>
-              <a:rPr lang="en-US" dirty="0"/>
-              <a:t>Presentation title</a:t>
-            </a:r>
-          </a:p>
-        </p:txBody>
-      </p:sp>
-      <p:sp>
-        <p:nvSpPr>
-          <p:cNvPr id="5" name="Date Placeholder 4">
-            <a:extLst>
-              <a:ext uri="{FF2B5EF4-FFF2-40B4-BE49-F238E27FC236}">
-                <a16:creationId xmlns:a16="http://schemas.microsoft.com/office/drawing/2014/main" id="{BE2095D8-C0A2-D1C3-012E-23A2CCF5FD5B}"/>
-              </a:ext>
-            </a:extLst>
-          </p:cNvPr>
-          <p:cNvSpPr>
-            <a:spLocks noGrp="1"/>
-          </p:cNvSpPr>
-          <p:nvPr>
-            <p:ph type="dt" sz="half" idx="10"/>
-          </p:nvPr>
-        </p:nvSpPr>
-        <p:spPr/>
-        <p:txBody>
-          <a:bodyPr/>
-          <a:lstStyle/>
-          <a:p>
-            <a:pPr>
-              <a:defRPr/>
-            </a:pPr>
-            <a:r>
-              <a:rPr lang="en-US">
-                <a:solidFill>
-                  <a:prstClr val="black"/>
-                </a:solidFill>
-              </a:rPr>
-              <a:t>20XX</a:t>
-            </a:r>
-            <a:endParaRPr lang="en-US" dirty="0">
-              <a:solidFill>
-                <a:prstClr val="black"/>
-              </a:solidFill>
-            </a:endParaRPr>
+              <a:t>Hostel use increase 20% since 2011.</a:t>
+            </a:r>
+          </a:p>
+          <a:p>
+            <a:endParaRPr lang="en-GB" dirty="0"/>
           </a:p>
         </p:txBody>
       </p:sp>
@@ -11015,7 +10811,7 @@
                   </a:schemeClr>
                 </a:solidFill>
               </a:rPr>
-              <a:t>Accommodation by Location and Mean Occupancy</a:t>
+              <a:t>Accommodation by Type and Mean Occupancy over Time</a:t>
             </a:r>
           </a:p>
         </p:txBody>
@@ -11025,7 +10821,7 @@
           <p:cNvPr id="4" name="Picture 3">
             <a:extLst>
               <a:ext uri="{FF2B5EF4-FFF2-40B4-BE49-F238E27FC236}">
-                <a16:creationId xmlns:a16="http://schemas.microsoft.com/office/drawing/2014/main" id="{21329DBC-CA0A-F232-5A4C-BBBED031C6AC}"/>
+                <a16:creationId xmlns:a16="http://schemas.microsoft.com/office/drawing/2014/main" id="{44E3130E-9272-C9AA-1137-A973EB5621B2}"/>
               </a:ext>
             </a:extLst>
           </p:cNvPr>
@@ -11042,8 +10838,8 @@
         </p:blipFill>
         <p:spPr>
           <a:xfrm>
-            <a:off x="4453248" y="1264629"/>
-            <a:ext cx="7635834" cy="5089181"/>
+            <a:off x="4441371" y="1199406"/>
+            <a:ext cx="7549461" cy="5258223"/>
           </a:xfrm>
           <a:prstGeom prst="rect">
             <a:avLst/>
@@ -11053,7 +10849,7 @@
     </p:spTree>
     <p:extLst>
       <p:ext uri="{BB962C8B-B14F-4D97-AF65-F5344CB8AC3E}">
-        <p14:creationId xmlns:p14="http://schemas.microsoft.com/office/powerpoint/2010/main" val="2129817122"/>
+        <p14:creationId xmlns:p14="http://schemas.microsoft.com/office/powerpoint/2010/main" val="3489612270"/>
       </p:ext>
     </p:extLst>
   </p:cSld>
@@ -11106,15 +10902,7 @@
             <a:pPr algn="ctr"/>
             <a:r>
               <a:rPr lang="en-GB" sz="2400" dirty="0"/>
-              <a:t>7. What type of </a:t>
-            </a:r>
-            <a:r>
-              <a:rPr lang="en-GB" sz="2400" b="1" dirty="0"/>
-              <a:t>accommodation</a:t>
-            </a:r>
-            <a:r>
-              <a:rPr lang="en-GB" sz="2400" dirty="0"/>
-              <a:t> is most popular? Is there a difference by location? </a:t>
+              <a:t>8. Additional International Data</a:t>
             </a:r>
           </a:p>
         </p:txBody>
@@ -11138,85 +10926,29 @@
         <p:spPr>
           <a:xfrm>
             <a:off x="512775" y="2027238"/>
-            <a:ext cx="4012310" cy="3979545"/>
+            <a:ext cx="3922500" cy="3979545"/>
           </a:xfrm>
         </p:spPr>
         <p:txBody>
           <a:bodyPr/>
           <a:lstStyle/>
           <a:p>
-            <a:endParaRPr lang="en-GB" dirty="0"/>
-          </a:p>
-        </p:txBody>
-      </p:sp>
-      <p:sp>
-        <p:nvSpPr>
-          <p:cNvPr id="3" name="Footer Placeholder 2">
-            <a:extLst>
-              <a:ext uri="{FF2B5EF4-FFF2-40B4-BE49-F238E27FC236}">
-                <a16:creationId xmlns:a16="http://schemas.microsoft.com/office/drawing/2014/main" id="{EECC0E9B-6686-4AA4-E450-60D48C23437A}"/>
-              </a:ext>
-            </a:extLst>
-          </p:cNvPr>
-          <p:cNvSpPr>
-            <a:spLocks noGrp="1"/>
-          </p:cNvSpPr>
-          <p:nvPr>
-            <p:ph type="ftr" sz="quarter" idx="11"/>
-          </p:nvPr>
-        </p:nvSpPr>
-        <p:spPr/>
-        <p:txBody>
-          <a:bodyPr/>
-          <a:lstStyle/>
-          <a:p>
-            <a:pPr>
-              <a:defRPr/>
-            </a:pPr>
-            <a:r>
-              <a:rPr lang="en-US" dirty="0"/>
-              <a:t>Presentation title</a:t>
-            </a:r>
-          </a:p>
-        </p:txBody>
-      </p:sp>
-      <p:sp>
-        <p:nvSpPr>
-          <p:cNvPr id="5" name="Date Placeholder 4">
-            <a:extLst>
-              <a:ext uri="{FF2B5EF4-FFF2-40B4-BE49-F238E27FC236}">
-                <a16:creationId xmlns:a16="http://schemas.microsoft.com/office/drawing/2014/main" id="{BE2095D8-C0A2-D1C3-012E-23A2CCF5FD5B}"/>
-              </a:ext>
-            </a:extLst>
-          </p:cNvPr>
-          <p:cNvSpPr>
-            <a:spLocks noGrp="1"/>
-          </p:cNvSpPr>
-          <p:nvPr>
-            <p:ph type="dt" sz="half" idx="10"/>
-          </p:nvPr>
-        </p:nvSpPr>
-        <p:spPr/>
-        <p:txBody>
-          <a:bodyPr/>
-          <a:lstStyle/>
-          <a:p>
-            <a:pPr>
-              <a:defRPr/>
-            </a:pPr>
-            <a:r>
-              <a:rPr lang="en-US">
-                <a:solidFill>
-                  <a:prstClr val="black"/>
-                </a:solidFill>
-              </a:rPr>
-              <a:t>20XX</a:t>
-            </a:r>
-            <a:endParaRPr lang="en-US" dirty="0">
-              <a:solidFill>
-                <a:prstClr val="black"/>
-              </a:solidFill>
-            </a:endParaRPr>
+            <a:r>
+              <a:rPr lang="en-GB" dirty="0"/>
+              <a:t>American visits have more than doubled in 12 years!</a:t>
+            </a:r>
+          </a:p>
+          <a:p>
+            <a:r>
+              <a:rPr lang="en-GB" dirty="0"/>
+              <a:t>All other nationalities trending upwards but more slowly.</a:t>
+            </a:r>
+          </a:p>
+          <a:p>
+            <a:r>
+              <a:rPr lang="en-GB" dirty="0"/>
+              <a:t>Marketing campaign for Americans be mirrored with other nations?</a:t>
+            </a:r>
           </a:p>
         </p:txBody>
       </p:sp>
@@ -11333,7 +11065,7 @@
         </p:spPr>
         <p:txBody>
           <a:bodyPr>
-            <a:normAutofit fontScale="70000" lnSpcReduction="20000"/>
+            <a:normAutofit/>
           </a:bodyPr>
           <a:lstStyle/>
           <a:p>
@@ -11345,17 +11077,17 @@
                   </a:schemeClr>
                 </a:solidFill>
               </a:rPr>
-              <a:t>Accommodation by Location and Mean Occupancy</a:t>
+              <a:t>International Visits</a:t>
             </a:r>
           </a:p>
         </p:txBody>
       </p:sp>
       <p:pic>
         <p:nvPicPr>
-          <p:cNvPr id="4" name="Picture 3">
-            <a:extLst>
-              <a:ext uri="{FF2B5EF4-FFF2-40B4-BE49-F238E27FC236}">
-                <a16:creationId xmlns:a16="http://schemas.microsoft.com/office/drawing/2014/main" id="{44E3130E-9272-C9AA-1137-A973EB5621B2}"/>
+          <p:cNvPr id="12" name="Picture 11">
+            <a:extLst>
+              <a:ext uri="{FF2B5EF4-FFF2-40B4-BE49-F238E27FC236}">
+                <a16:creationId xmlns:a16="http://schemas.microsoft.com/office/drawing/2014/main" id="{78519731-CD04-7A09-7AB9-EC89B21EC1CF}"/>
               </a:ext>
             </a:extLst>
           </p:cNvPr>
@@ -11372,8 +11104,8 @@
         </p:blipFill>
         <p:spPr>
           <a:xfrm>
-            <a:off x="4441371" y="1199406"/>
-            <a:ext cx="7549461" cy="5258223"/>
+            <a:off x="4684816" y="1214815"/>
+            <a:ext cx="7355278" cy="5044317"/>
           </a:xfrm>
           <a:prstGeom prst="rect">
             <a:avLst/>
@@ -11383,7 +11115,7 @@
     </p:spTree>
     <p:extLst>
       <p:ext uri="{BB962C8B-B14F-4D97-AF65-F5344CB8AC3E}">
-        <p14:creationId xmlns:p14="http://schemas.microsoft.com/office/powerpoint/2010/main" val="3489612270"/>
+        <p14:creationId xmlns:p14="http://schemas.microsoft.com/office/powerpoint/2010/main" val="2827072745"/>
       </p:ext>
     </p:extLst>
   </p:cSld>
@@ -11412,10 +11144,10 @@
       </p:grpSpPr>
       <p:sp>
         <p:nvSpPr>
-          <p:cNvPr id="7" name="Title 6">
-            <a:extLst>
-              <a:ext uri="{FF2B5EF4-FFF2-40B4-BE49-F238E27FC236}">
-                <a16:creationId xmlns:a16="http://schemas.microsoft.com/office/drawing/2014/main" id="{CDA38B78-9BCA-02A5-CC2C-6473F5145906}"/>
+          <p:cNvPr id="15" name="Title 14">
+            <a:extLst>
+              <a:ext uri="{FF2B5EF4-FFF2-40B4-BE49-F238E27FC236}">
+                <a16:creationId xmlns:a16="http://schemas.microsoft.com/office/drawing/2014/main" id="{8DED76B9-5273-4139-ACC9-B6E36ADE2385}"/>
               </a:ext>
             </a:extLst>
           </p:cNvPr>
@@ -11427,241 +11159,6 @@
           </p:nvPr>
         </p:nvSpPr>
         <p:spPr/>
-        <p:txBody>
-          <a:bodyPr>
-            <a:noAutofit/>
-          </a:bodyPr>
-          <a:lstStyle/>
-          <a:p>
-            <a:pPr algn="ctr"/>
-            <a:r>
-              <a:rPr lang="en-GB" sz="2400" dirty="0"/>
-              <a:t>8. Additional International Data</a:t>
-            </a:r>
-          </a:p>
-        </p:txBody>
-      </p:sp>
-      <p:sp>
-        <p:nvSpPr>
-          <p:cNvPr id="10" name="Text Placeholder 9">
-            <a:extLst>
-              <a:ext uri="{FF2B5EF4-FFF2-40B4-BE49-F238E27FC236}">
-                <a16:creationId xmlns:a16="http://schemas.microsoft.com/office/drawing/2014/main" id="{B28232F7-7CAA-896A-742C-2332190C00A0}"/>
-              </a:ext>
-            </a:extLst>
-          </p:cNvPr>
-          <p:cNvSpPr>
-            <a:spLocks noGrp="1"/>
-          </p:cNvSpPr>
-          <p:nvPr>
-            <p:ph type="body" sz="quarter" idx="17"/>
-          </p:nvPr>
-        </p:nvSpPr>
-        <p:spPr>
-          <a:xfrm>
-            <a:off x="512775" y="2027238"/>
-            <a:ext cx="3922500" cy="3979545"/>
-          </a:xfrm>
-        </p:spPr>
-        <p:txBody>
-          <a:bodyPr/>
-          <a:lstStyle/>
-          <a:p>
-            <a:r>
-              <a:rPr lang="en-GB" dirty="0"/>
-              <a:t>American visits have more than doubled in 12 years!</a:t>
-            </a:r>
-          </a:p>
-          <a:p>
-            <a:r>
-              <a:rPr lang="en-GB" dirty="0"/>
-              <a:t>All other nationalities trending upwards but more slowly.</a:t>
-            </a:r>
-          </a:p>
-        </p:txBody>
-      </p:sp>
-      <p:sp>
-        <p:nvSpPr>
-          <p:cNvPr id="3" name="Footer Placeholder 2">
-            <a:extLst>
-              <a:ext uri="{FF2B5EF4-FFF2-40B4-BE49-F238E27FC236}">
-                <a16:creationId xmlns:a16="http://schemas.microsoft.com/office/drawing/2014/main" id="{EECC0E9B-6686-4AA4-E450-60D48C23437A}"/>
-              </a:ext>
-            </a:extLst>
-          </p:cNvPr>
-          <p:cNvSpPr>
-            <a:spLocks noGrp="1"/>
-          </p:cNvSpPr>
-          <p:nvPr>
-            <p:ph type="ftr" sz="quarter" idx="11"/>
-          </p:nvPr>
-        </p:nvSpPr>
-        <p:spPr/>
-        <p:txBody>
-          <a:bodyPr/>
-          <a:lstStyle/>
-          <a:p>
-            <a:pPr>
-              <a:defRPr/>
-            </a:pPr>
-            <a:r>
-              <a:rPr lang="en-US" dirty="0"/>
-              <a:t>Presentation title</a:t>
-            </a:r>
-          </a:p>
-        </p:txBody>
-      </p:sp>
-      <p:sp>
-        <p:nvSpPr>
-          <p:cNvPr id="5" name="Date Placeholder 4">
-            <a:extLst>
-              <a:ext uri="{FF2B5EF4-FFF2-40B4-BE49-F238E27FC236}">
-                <a16:creationId xmlns:a16="http://schemas.microsoft.com/office/drawing/2014/main" id="{BE2095D8-C0A2-D1C3-012E-23A2CCF5FD5B}"/>
-              </a:ext>
-            </a:extLst>
-          </p:cNvPr>
-          <p:cNvSpPr>
-            <a:spLocks noGrp="1"/>
-          </p:cNvSpPr>
-          <p:nvPr>
-            <p:ph type="dt" sz="half" idx="10"/>
-          </p:nvPr>
-        </p:nvSpPr>
-        <p:spPr/>
-        <p:txBody>
-          <a:bodyPr/>
-          <a:lstStyle/>
-          <a:p>
-            <a:pPr>
-              <a:defRPr/>
-            </a:pPr>
-            <a:r>
-              <a:rPr lang="en-US">
-                <a:solidFill>
-                  <a:prstClr val="black"/>
-                </a:solidFill>
-              </a:rPr>
-              <a:t>20XX</a:t>
-            </a:r>
-            <a:endParaRPr lang="en-US" dirty="0">
-              <a:solidFill>
-                <a:prstClr val="black"/>
-              </a:solidFill>
-            </a:endParaRPr>
-          </a:p>
-        </p:txBody>
-      </p:sp>
-      <p:sp>
-        <p:nvSpPr>
-          <p:cNvPr id="6" name="Slide Number Placeholder 5">
-            <a:extLst>
-              <a:ext uri="{FF2B5EF4-FFF2-40B4-BE49-F238E27FC236}">
-                <a16:creationId xmlns:a16="http://schemas.microsoft.com/office/drawing/2014/main" id="{594C54A4-7E70-3852-8F24-591084F197BA}"/>
-              </a:ext>
-            </a:extLst>
-          </p:cNvPr>
-          <p:cNvSpPr>
-            <a:spLocks noGrp="1"/>
-          </p:cNvSpPr>
-          <p:nvPr>
-            <p:ph type="sldNum" sz="quarter" idx="12"/>
-          </p:nvPr>
-        </p:nvSpPr>
-        <p:spPr/>
-        <p:txBody>
-          <a:bodyPr/>
-          <a:lstStyle/>
-          <a:p>
-            <a:pPr marL="0" marR="0" lvl="0" indent="0" algn="r" defTabSz="914400" rtl="0" eaLnBrk="1" fontAlgn="auto" latinLnBrk="0" hangingPunct="1">
-              <a:lnSpc>
-                <a:spcPct val="100000"/>
-              </a:lnSpc>
-              <a:spcBef>
-                <a:spcPts val="0"/>
-              </a:spcBef>
-              <a:spcAft>
-                <a:spcPts val="0"/>
-              </a:spcAft>
-              <a:buClrTx/>
-              <a:buSzTx/>
-              <a:buFontTx/>
-              <a:buNone/>
-              <a:tabLst/>
-              <a:defRPr/>
-            </a:pPr>
-            <a:fld id="{06B786C7-B8F9-4072-AAAA-17258464D730}" type="slidenum">
-              <a:rPr kumimoji="0" lang="en-US" sz="1050" b="0" i="0" u="none" strike="noStrike" kern="1200" cap="none" spc="0" normalizeH="0" baseline="0" noProof="0" smtClean="0">
-                <a:ln>
-                  <a:noFill/>
-                </a:ln>
-                <a:solidFill>
-                  <a:prstClr val="black"/>
-                </a:solidFill>
-                <a:effectLst/>
-                <a:uLnTx/>
-                <a:uFillTx/>
-                <a:latin typeface="Avenir Next LT Pro"/>
-                <a:ea typeface="+mn-ea"/>
-                <a:cs typeface="+mn-cs"/>
-              </a:rPr>
-              <a:pPr marL="0" marR="0" lvl="0" indent="0" algn="r" defTabSz="914400" rtl="0" eaLnBrk="1" fontAlgn="auto" latinLnBrk="0" hangingPunct="1">
-                <a:lnSpc>
-                  <a:spcPct val="100000"/>
-                </a:lnSpc>
-                <a:spcBef>
-                  <a:spcPts val="0"/>
-                </a:spcBef>
-                <a:spcAft>
-                  <a:spcPts val="0"/>
-                </a:spcAft>
-                <a:buClrTx/>
-                <a:buSzTx/>
-                <a:buFontTx/>
-                <a:buNone/>
-                <a:tabLst/>
-                <a:defRPr/>
-              </a:pPr>
-              <a:t>19</a:t>
-            </a:fld>
-            <a:endParaRPr kumimoji="0" lang="en-US" sz="1050" b="0" i="0" u="none" strike="noStrike" kern="1200" cap="none" spc="0" normalizeH="0" baseline="0" noProof="0" dirty="0">
-              <a:ln>
-                <a:noFill/>
-              </a:ln>
-              <a:solidFill>
-                <a:prstClr val="black"/>
-              </a:solidFill>
-              <a:effectLst/>
-              <a:uLnTx/>
-              <a:uFillTx/>
-              <a:latin typeface="Avenir Next LT Pro"/>
-              <a:ea typeface="+mn-ea"/>
-              <a:cs typeface="+mn-cs"/>
-            </a:endParaRPr>
-          </a:p>
-        </p:txBody>
-      </p:sp>
-      <p:sp>
-        <p:nvSpPr>
-          <p:cNvPr id="8" name="Text Placeholder 7">
-            <a:extLst>
-              <a:ext uri="{FF2B5EF4-FFF2-40B4-BE49-F238E27FC236}">
-                <a16:creationId xmlns:a16="http://schemas.microsoft.com/office/drawing/2014/main" id="{D7FE465C-939D-A626-C43A-B1152679D798}"/>
-              </a:ext>
-            </a:extLst>
-          </p:cNvPr>
-          <p:cNvSpPr>
-            <a:spLocks noGrp="1"/>
-          </p:cNvSpPr>
-          <p:nvPr>
-            <p:ph type="body" sz="quarter" idx="14"/>
-          </p:nvPr>
-        </p:nvSpPr>
-        <p:spPr>
-          <a:xfrm>
-            <a:off x="512774" y="1477540"/>
-            <a:ext cx="3491886" cy="597604"/>
-          </a:xfrm>
-        </p:spPr>
         <p:txBody>
           <a:bodyPr>
             <a:normAutofit/>
@@ -11669,24 +11166,182 @@
           <a:lstStyle/>
           <a:p>
             <a:r>
-              <a:rPr lang="en-GB" dirty="0">
-                <a:solidFill>
-                  <a:schemeClr val="bg2">
-                    <a:lumMod val="50000"/>
-                  </a:schemeClr>
-                </a:solidFill>
-              </a:rPr>
-              <a:t>International Visits</a:t>
-            </a:r>
+              <a:rPr lang="en-US" sz="2000" dirty="0"/>
+              <a:t>9. Modelling - </a:t>
+            </a:r>
+            <a:r>
+              <a:rPr lang="en-GB" sz="2000" dirty="0"/>
+              <a:t>Is there any way to</a:t>
+            </a:r>
+            <a:r>
+              <a:rPr lang="en-GB" sz="2000" b="1" dirty="0"/>
+              <a:t> predict </a:t>
+            </a:r>
+            <a:r>
+              <a:rPr lang="en-GB" sz="2000" dirty="0"/>
+              <a:t>spending and visits for Visit Scotland? </a:t>
+            </a:r>
+            <a:endParaRPr lang="en-US" sz="2000" dirty="0"/>
           </a:p>
         </p:txBody>
       </p:sp>
       <p:pic>
         <p:nvPicPr>
-          <p:cNvPr id="12" name="Picture 11">
-            <a:extLst>
-              <a:ext uri="{FF2B5EF4-FFF2-40B4-BE49-F238E27FC236}">
-                <a16:creationId xmlns:a16="http://schemas.microsoft.com/office/drawing/2014/main" id="{78519731-CD04-7A09-7AB9-EC89B21EC1CF}"/>
+          <p:cNvPr id="5" name="Picture Placeholder 4" descr="A person standing on a rock">
+            <a:extLst>
+              <a:ext uri="{FF2B5EF4-FFF2-40B4-BE49-F238E27FC236}">
+                <a16:creationId xmlns:a16="http://schemas.microsoft.com/office/drawing/2014/main" id="{633DBDDF-94F3-4001-919E-B56D62CE7A09}"/>
+              </a:ext>
+            </a:extLst>
+          </p:cNvPr>
+          <p:cNvPicPr>
+            <a:picLocks noGrp="1" noChangeAspect="1"/>
+          </p:cNvPicPr>
+          <p:nvPr>
+            <p:ph sz="quarter" idx="14"/>
+          </p:nvPr>
+        </p:nvPicPr>
+        <p:blipFill rotWithShape="1">
+          <a:blip r:embed="rId3" cstate="screen">
+            <a:extLst>
+              <a:ext uri="{28A0092B-C50C-407E-A947-70E740481C1C}">
+                <a14:useLocalDpi xmlns:a14="http://schemas.microsoft.com/office/drawing/2010/main" val="0"/>
+              </a:ext>
+            </a:extLst>
+          </a:blip>
+          <a:stretch/>
+        </p:blipFill>
+        <p:spPr>
+          <a:xfrm>
+            <a:off x="0" y="1150457"/>
+            <a:ext cx="3243072" cy="2861311"/>
+          </a:xfrm>
+        </p:spPr>
+      </p:pic>
+      <p:sp>
+        <p:nvSpPr>
+          <p:cNvPr id="20" name="Footer Placeholder 19">
+            <a:extLst>
+              <a:ext uri="{FF2B5EF4-FFF2-40B4-BE49-F238E27FC236}">
+                <a16:creationId xmlns:a16="http://schemas.microsoft.com/office/drawing/2014/main" id="{6DB8AAF6-0D0C-4F4F-A10E-6A66E4A7BEC3}"/>
+              </a:ext>
+            </a:extLst>
+          </p:cNvPr>
+          <p:cNvSpPr>
+            <a:spLocks noGrp="1"/>
+          </p:cNvSpPr>
+          <p:nvPr>
+            <p:ph type="ftr" sz="quarter" idx="11"/>
+          </p:nvPr>
+        </p:nvSpPr>
+        <p:spPr/>
+        <p:txBody>
+          <a:bodyPr/>
+          <a:lstStyle/>
+          <a:p>
+            <a:r>
+              <a:rPr lang="en-US" dirty="0"/>
+              <a:t>Presentation title</a:t>
+            </a:r>
+          </a:p>
+        </p:txBody>
+      </p:sp>
+      <p:sp>
+        <p:nvSpPr>
+          <p:cNvPr id="21" name="Slide Number Placeholder 20">
+            <a:extLst>
+              <a:ext uri="{FF2B5EF4-FFF2-40B4-BE49-F238E27FC236}">
+                <a16:creationId xmlns:a16="http://schemas.microsoft.com/office/drawing/2014/main" id="{C19BFBA5-3E41-40F8-9EFB-9DF730F5B6E4}"/>
+              </a:ext>
+            </a:extLst>
+          </p:cNvPr>
+          <p:cNvSpPr>
+            <a:spLocks noGrp="1"/>
+          </p:cNvSpPr>
+          <p:nvPr>
+            <p:ph type="sldNum" sz="quarter" idx="12"/>
+          </p:nvPr>
+        </p:nvSpPr>
+        <p:spPr/>
+        <p:txBody>
+          <a:bodyPr/>
+          <a:lstStyle/>
+          <a:p>
+            <a:pPr lvl="0"/>
+            <a:fld id="{244D815C-8BF3-4ECF-A945-A2A7C2983AF9}" type="slidenum">
+              <a:rPr lang="en-US" noProof="0" smtClean="0"/>
+              <a:pPr lvl="0"/>
+              <a:t>19</a:t>
+            </a:fld>
+            <a:endParaRPr lang="en-US" noProof="0" dirty="0"/>
+          </a:p>
+        </p:txBody>
+      </p:sp>
+      <p:sp>
+        <p:nvSpPr>
+          <p:cNvPr id="18" name="Text Placeholder 17">
+            <a:extLst>
+              <a:ext uri="{FF2B5EF4-FFF2-40B4-BE49-F238E27FC236}">
+                <a16:creationId xmlns:a16="http://schemas.microsoft.com/office/drawing/2014/main" id="{87F2C169-25EA-4609-BC8A-BCA7C433EEE4}"/>
+              </a:ext>
+            </a:extLst>
+          </p:cNvPr>
+          <p:cNvSpPr>
+            <a:spLocks noGrp="1"/>
+          </p:cNvSpPr>
+          <p:nvPr>
+            <p:ph type="body" sz="quarter" idx="4294967295"/>
+          </p:nvPr>
+        </p:nvSpPr>
+        <p:spPr>
+          <a:xfrm>
+            <a:off x="3700273" y="1621536"/>
+            <a:ext cx="8491728" cy="4515739"/>
+          </a:xfrm>
+        </p:spPr>
+        <p:txBody>
+          <a:bodyPr>
+            <a:normAutofit fontScale="85000" lnSpcReduction="10000"/>
+          </a:bodyPr>
+          <a:lstStyle/>
+          <a:p>
+            <a:r>
+              <a:rPr lang="en-US" dirty="0"/>
+              <a:t>The summarized data did not lend itself brilliantly to model building </a:t>
+            </a:r>
+          </a:p>
+          <a:p>
+            <a:r>
+              <a:rPr lang="en-US" dirty="0"/>
+              <a:t>I tried a number of models in python.</a:t>
+            </a:r>
+          </a:p>
+          <a:p>
+            <a:r>
+              <a:rPr lang="en-US" dirty="0"/>
+              <a:t>Had limited success with Linear Regression with the location dataset – was limited by the number of rows and the model was overfit. Meaning that it would be useless on other data as it was trained ‘too well’ with the meagre data we had.  </a:t>
+            </a:r>
+          </a:p>
+          <a:p>
+            <a:r>
+              <a:rPr lang="en-US" dirty="0"/>
+              <a:t>I had slightly better success with the international dataset and achieved an R2 value of 68, meaning that the model could explain 68% of the data. This was with Lasso regression. Again, not brilliant but it’s a start. Perhaps with more work this could be improved but It may also be the case that its difficult to predict exactly the visitor numbers on a year-by-year basis based on available data.</a:t>
+            </a:r>
+          </a:p>
+          <a:p>
+            <a:pPr marL="0" indent="0">
+              <a:buNone/>
+            </a:pPr>
+            <a:endParaRPr lang="en-US" dirty="0"/>
+          </a:p>
+        </p:txBody>
+      </p:sp>
+      <p:pic>
+        <p:nvPicPr>
+          <p:cNvPr id="7" name="Picture 6">
+            <a:extLst>
+              <a:ext uri="{FF2B5EF4-FFF2-40B4-BE49-F238E27FC236}">
+                <a16:creationId xmlns:a16="http://schemas.microsoft.com/office/drawing/2014/main" id="{879B7126-0742-B559-05F4-13DD322EED2B}"/>
               </a:ext>
             </a:extLst>
           </p:cNvPr>
@@ -11696,15 +11351,15 @@
           <p:nvPr/>
         </p:nvPicPr>
         <p:blipFill>
-          <a:blip r:embed="rId3"/>
+          <a:blip r:embed="rId4"/>
           <a:stretch>
             <a:fillRect/>
           </a:stretch>
         </p:blipFill>
         <p:spPr>
           <a:xfrm>
-            <a:off x="4684816" y="1214815"/>
-            <a:ext cx="7355278" cy="5044317"/>
+            <a:off x="0" y="4011768"/>
+            <a:ext cx="3243916" cy="2861311"/>
           </a:xfrm>
           <a:prstGeom prst="rect">
             <a:avLst/>
@@ -11714,7 +11369,7 @@
     </p:spTree>
     <p:extLst>
       <p:ext uri="{BB962C8B-B14F-4D97-AF65-F5344CB8AC3E}">
-        <p14:creationId xmlns:p14="http://schemas.microsoft.com/office/powerpoint/2010/main" val="2827072745"/>
+        <p14:creationId xmlns:p14="http://schemas.microsoft.com/office/powerpoint/2010/main" val="2106347884"/>
       </p:ext>
     </p:extLst>
   </p:cSld>
@@ -11810,39 +11465,6 @@
       </p:pic>
       <p:sp>
         <p:nvSpPr>
-          <p:cNvPr id="3" name="Footer Placeholder 2">
-            <a:extLst>
-              <a:ext uri="{FF2B5EF4-FFF2-40B4-BE49-F238E27FC236}">
-                <a16:creationId xmlns:a16="http://schemas.microsoft.com/office/drawing/2014/main" id="{88BDA17F-F303-4811-96C4-AD8A09ABEC11}"/>
-              </a:ext>
-            </a:extLst>
-          </p:cNvPr>
-          <p:cNvSpPr>
-            <a:spLocks noGrp="1"/>
-          </p:cNvSpPr>
-          <p:nvPr>
-            <p:ph type="ftr" sz="quarter" idx="11"/>
-          </p:nvPr>
-        </p:nvSpPr>
-        <p:spPr>
-          <a:xfrm>
-            <a:off x="201168" y="6356350"/>
-            <a:ext cx="4837176" cy="365125"/>
-          </a:xfrm>
-        </p:spPr>
-        <p:txBody>
-          <a:bodyPr/>
-          <a:lstStyle/>
-          <a:p>
-            <a:r>
-              <a:rPr lang="en-US" dirty="0"/>
-              <a:t>Presentation title</a:t>
-            </a:r>
-          </a:p>
-        </p:txBody>
-      </p:sp>
-      <p:sp>
-        <p:nvSpPr>
           <p:cNvPr id="19" name="Content Placeholder 18">
             <a:extLst>
               <a:ext uri="{FF2B5EF4-FFF2-40B4-BE49-F238E27FC236}">
@@ -11893,40 +11515,6 @@
             <a:r>
               <a:rPr lang="en-GB" dirty="0"/>
               <a:t>1 additional dataset - international</a:t>
-            </a:r>
-          </a:p>
-        </p:txBody>
-      </p:sp>
-      <p:sp>
-        <p:nvSpPr>
-          <p:cNvPr id="4" name="Date Placeholder 3">
-            <a:extLst>
-              <a:ext uri="{FF2B5EF4-FFF2-40B4-BE49-F238E27FC236}">
-                <a16:creationId xmlns:a16="http://schemas.microsoft.com/office/drawing/2014/main" id="{F6D5CF6D-DC44-4734-988C-0AAA60D5F7E2}"/>
-              </a:ext>
-            </a:extLst>
-          </p:cNvPr>
-          <p:cNvSpPr>
-            <a:spLocks noGrp="1"/>
-          </p:cNvSpPr>
-          <p:nvPr>
-            <p:ph type="dt" sz="half" idx="10"/>
-          </p:nvPr>
-        </p:nvSpPr>
-        <p:spPr>
-          <a:xfrm>
-            <a:off x="7013448" y="6355080"/>
-            <a:ext cx="4352544" cy="365125"/>
-          </a:xfrm>
-        </p:spPr>
-        <p:txBody>
-          <a:bodyPr/>
-          <a:lstStyle/>
-          <a:p>
-            <a:pPr lvl="0"/>
-            <a:r>
-              <a:rPr lang="en-US" noProof="0" dirty="0"/>
-              <a:t>20XX</a:t>
             </a:r>
           </a:p>
         </p:txBody>
@@ -12016,27 +11604,15 @@
         <p:spPr/>
         <p:txBody>
           <a:bodyPr>
-            <a:normAutofit/>
+            <a:noAutofit/>
           </a:bodyPr>
           <a:lstStyle/>
           <a:p>
             <a:r>
-              <a:rPr lang="en-US" sz="2000" dirty="0"/>
-              <a:t>9. Modelling - </a:t>
-            </a:r>
-            <a:r>
-              <a:rPr lang="en-GB" sz="2000" dirty="0"/>
-              <a:t>Is there any way to</a:t>
-            </a:r>
-            <a:r>
-              <a:rPr lang="en-GB" sz="2000" b="1" dirty="0"/>
-              <a:t> predict </a:t>
-            </a:r>
-            <a:r>
-              <a:rPr lang="en-GB" sz="2000" dirty="0"/>
-              <a:t>spending and visits for Visit Scotland? </a:t>
-            </a:r>
-            <a:endParaRPr lang="en-US" sz="2000" dirty="0"/>
+              <a:rPr lang="en-GB" sz="4400" dirty="0"/>
+              <a:t>Summary</a:t>
+            </a:r>
+            <a:endParaRPr lang="en-US" sz="4400" dirty="0"/>
           </a:p>
         </p:txBody>
       </p:sp>
@@ -12097,35 +11673,6 @@
             <a:r>
               <a:rPr lang="en-US" dirty="0"/>
               <a:t>Presentation title</a:t>
-            </a:r>
-          </a:p>
-        </p:txBody>
-      </p:sp>
-      <p:sp>
-        <p:nvSpPr>
-          <p:cNvPr id="19" name="Date Placeholder 18">
-            <a:extLst>
-              <a:ext uri="{FF2B5EF4-FFF2-40B4-BE49-F238E27FC236}">
-                <a16:creationId xmlns:a16="http://schemas.microsoft.com/office/drawing/2014/main" id="{CE93697D-BFA2-4D84-A860-BA620414419D}"/>
-              </a:ext>
-            </a:extLst>
-          </p:cNvPr>
-          <p:cNvSpPr>
-            <a:spLocks noGrp="1"/>
-          </p:cNvSpPr>
-          <p:nvPr>
-            <p:ph type="dt" sz="half" idx="10"/>
-          </p:nvPr>
-        </p:nvSpPr>
-        <p:spPr/>
-        <p:txBody>
-          <a:bodyPr/>
-          <a:lstStyle/>
-          <a:p>
-            <a:pPr lvl="0"/>
-            <a:r>
-              <a:rPr lang="en-US" noProof="0" dirty="0"/>
-              <a:t>20XX</a:t>
             </a:r>
           </a:p>
         </p:txBody>
@@ -12156,277 +11703,6 @@
               <a:rPr lang="en-US" noProof="0" smtClean="0"/>
               <a:pPr lvl="0"/>
               <a:t>20</a:t>
-            </a:fld>
-            <a:endParaRPr lang="en-US" noProof="0" dirty="0"/>
-          </a:p>
-        </p:txBody>
-      </p:sp>
-      <p:sp>
-        <p:nvSpPr>
-          <p:cNvPr id="18" name="Text Placeholder 17">
-            <a:extLst>
-              <a:ext uri="{FF2B5EF4-FFF2-40B4-BE49-F238E27FC236}">
-                <a16:creationId xmlns:a16="http://schemas.microsoft.com/office/drawing/2014/main" id="{87F2C169-25EA-4609-BC8A-BCA7C433EEE4}"/>
-              </a:ext>
-            </a:extLst>
-          </p:cNvPr>
-          <p:cNvSpPr>
-            <a:spLocks noGrp="1"/>
-          </p:cNvSpPr>
-          <p:nvPr>
-            <p:ph type="body" sz="quarter" idx="4294967295"/>
-          </p:nvPr>
-        </p:nvSpPr>
-        <p:spPr>
-          <a:xfrm>
-            <a:off x="3700273" y="1621536"/>
-            <a:ext cx="8491728" cy="4515739"/>
-          </a:xfrm>
-        </p:spPr>
-        <p:txBody>
-          <a:bodyPr>
-            <a:normAutofit fontScale="85000" lnSpcReduction="10000"/>
-          </a:bodyPr>
-          <a:lstStyle/>
-          <a:p>
-            <a:r>
-              <a:rPr lang="en-US" dirty="0"/>
-              <a:t>The summarized data did not lend itself brilliantly to model building (is this the equivalent of a bad workman blaming his tools?)</a:t>
-            </a:r>
-          </a:p>
-          <a:p>
-            <a:r>
-              <a:rPr lang="en-US" dirty="0"/>
-              <a:t>I tried a number of models in python.</a:t>
-            </a:r>
-          </a:p>
-          <a:p>
-            <a:r>
-              <a:rPr lang="en-US" dirty="0"/>
-              <a:t>Had limited success with Linear Regression with the location dataset – was limited by the number of rows and the model was overfit. Meaning that it would be useless on other data as it was trained ‘too well’ with the meagre data we had.  </a:t>
-            </a:r>
-          </a:p>
-          <a:p>
-            <a:r>
-              <a:rPr lang="en-US" dirty="0"/>
-              <a:t>I had slightly better success with the international dataset and achieved an R2 value of 68, meaning that the model could explain 68% of the data. This was with Lasso regression. Again, not brilliant but it’s a start. Perhaps with more work this could be improved but It may also be the case that its difficult to predict exactly the visitor numbers on a year-by-year basis based on available data.</a:t>
-            </a:r>
-          </a:p>
-          <a:p>
-            <a:pPr marL="0" indent="0">
-              <a:buNone/>
-            </a:pPr>
-            <a:endParaRPr lang="en-US" dirty="0"/>
-          </a:p>
-        </p:txBody>
-      </p:sp>
-      <p:pic>
-        <p:nvPicPr>
-          <p:cNvPr id="7" name="Picture 6">
-            <a:extLst>
-              <a:ext uri="{FF2B5EF4-FFF2-40B4-BE49-F238E27FC236}">
-                <a16:creationId xmlns:a16="http://schemas.microsoft.com/office/drawing/2014/main" id="{879B7126-0742-B559-05F4-13DD322EED2B}"/>
-              </a:ext>
-            </a:extLst>
-          </p:cNvPr>
-          <p:cNvPicPr>
-            <a:picLocks noChangeAspect="1"/>
-          </p:cNvPicPr>
-          <p:nvPr/>
-        </p:nvPicPr>
-        <p:blipFill>
-          <a:blip r:embed="rId4"/>
-          <a:stretch>
-            <a:fillRect/>
-          </a:stretch>
-        </p:blipFill>
-        <p:spPr>
-          <a:xfrm>
-            <a:off x="0" y="4011768"/>
-            <a:ext cx="3243916" cy="2861311"/>
-          </a:xfrm>
-          <a:prstGeom prst="rect">
-            <a:avLst/>
-          </a:prstGeom>
-        </p:spPr>
-      </p:pic>
-    </p:spTree>
-    <p:extLst>
-      <p:ext uri="{BB962C8B-B14F-4D97-AF65-F5344CB8AC3E}">
-        <p14:creationId xmlns:p14="http://schemas.microsoft.com/office/powerpoint/2010/main" val="2106347884"/>
-      </p:ext>
-    </p:extLst>
-  </p:cSld>
-  <p:clrMapOvr>
-    <a:masterClrMapping/>
-  </p:clrMapOvr>
-</p:sld>
-</file>
-
-<file path=ppt/slides/slide21.xml><?xml version="1.0" encoding="utf-8"?>
-<p:sld xmlns:a="http://schemas.openxmlformats.org/drawingml/2006/main" xmlns:r="http://schemas.openxmlformats.org/officeDocument/2006/relationships" xmlns:p="http://schemas.openxmlformats.org/presentationml/2006/main">
-  <p:cSld>
-    <p:spTree>
-      <p:nvGrpSpPr>
-        <p:cNvPr id="1" name=""/>
-        <p:cNvGrpSpPr/>
-        <p:nvPr/>
-      </p:nvGrpSpPr>
-      <p:grpSpPr>
-        <a:xfrm>
-          <a:off x="0" y="0"/>
-          <a:ext cx="0" cy="0"/>
-          <a:chOff x="0" y="0"/>
-          <a:chExt cx="0" cy="0"/>
-        </a:xfrm>
-      </p:grpSpPr>
-      <p:sp>
-        <p:nvSpPr>
-          <p:cNvPr id="15" name="Title 14">
-            <a:extLst>
-              <a:ext uri="{FF2B5EF4-FFF2-40B4-BE49-F238E27FC236}">
-                <a16:creationId xmlns:a16="http://schemas.microsoft.com/office/drawing/2014/main" id="{8DED76B9-5273-4139-ACC9-B6E36ADE2385}"/>
-              </a:ext>
-            </a:extLst>
-          </p:cNvPr>
-          <p:cNvSpPr>
-            <a:spLocks noGrp="1"/>
-          </p:cNvSpPr>
-          <p:nvPr>
-            <p:ph type="title"/>
-          </p:nvPr>
-        </p:nvSpPr>
-        <p:spPr/>
-        <p:txBody>
-          <a:bodyPr>
-            <a:noAutofit/>
-          </a:bodyPr>
-          <a:lstStyle/>
-          <a:p>
-            <a:r>
-              <a:rPr lang="en-GB" sz="4400" dirty="0"/>
-              <a:t>Summary</a:t>
-            </a:r>
-            <a:endParaRPr lang="en-US" sz="4400" dirty="0"/>
-          </a:p>
-        </p:txBody>
-      </p:sp>
-      <p:pic>
-        <p:nvPicPr>
-          <p:cNvPr id="5" name="Picture Placeholder 4" descr="A person standing on a rock">
-            <a:extLst>
-              <a:ext uri="{FF2B5EF4-FFF2-40B4-BE49-F238E27FC236}">
-                <a16:creationId xmlns:a16="http://schemas.microsoft.com/office/drawing/2014/main" id="{633DBDDF-94F3-4001-919E-B56D62CE7A09}"/>
-              </a:ext>
-            </a:extLst>
-          </p:cNvPr>
-          <p:cNvPicPr>
-            <a:picLocks noGrp="1" noChangeAspect="1"/>
-          </p:cNvPicPr>
-          <p:nvPr>
-            <p:ph sz="quarter" idx="14"/>
-          </p:nvPr>
-        </p:nvPicPr>
-        <p:blipFill rotWithShape="1">
-          <a:blip r:embed="rId3" cstate="screen">
-            <a:extLst>
-              <a:ext uri="{28A0092B-C50C-407E-A947-70E740481C1C}">
-                <a14:useLocalDpi xmlns:a14="http://schemas.microsoft.com/office/drawing/2010/main" val="0"/>
-              </a:ext>
-            </a:extLst>
-          </a:blip>
-          <a:stretch/>
-        </p:blipFill>
-        <p:spPr>
-          <a:xfrm>
-            <a:off x="0" y="1150457"/>
-            <a:ext cx="3243072" cy="2861311"/>
-          </a:xfrm>
-        </p:spPr>
-      </p:pic>
-      <p:sp>
-        <p:nvSpPr>
-          <p:cNvPr id="20" name="Footer Placeholder 19">
-            <a:extLst>
-              <a:ext uri="{FF2B5EF4-FFF2-40B4-BE49-F238E27FC236}">
-                <a16:creationId xmlns:a16="http://schemas.microsoft.com/office/drawing/2014/main" id="{6DB8AAF6-0D0C-4F4F-A10E-6A66E4A7BEC3}"/>
-              </a:ext>
-            </a:extLst>
-          </p:cNvPr>
-          <p:cNvSpPr>
-            <a:spLocks noGrp="1"/>
-          </p:cNvSpPr>
-          <p:nvPr>
-            <p:ph type="ftr" sz="quarter" idx="11"/>
-          </p:nvPr>
-        </p:nvSpPr>
-        <p:spPr/>
-        <p:txBody>
-          <a:bodyPr/>
-          <a:lstStyle/>
-          <a:p>
-            <a:r>
-              <a:rPr lang="en-US" dirty="0"/>
-              <a:t>Presentation title</a:t>
-            </a:r>
-          </a:p>
-        </p:txBody>
-      </p:sp>
-      <p:sp>
-        <p:nvSpPr>
-          <p:cNvPr id="19" name="Date Placeholder 18">
-            <a:extLst>
-              <a:ext uri="{FF2B5EF4-FFF2-40B4-BE49-F238E27FC236}">
-                <a16:creationId xmlns:a16="http://schemas.microsoft.com/office/drawing/2014/main" id="{CE93697D-BFA2-4D84-A860-BA620414419D}"/>
-              </a:ext>
-            </a:extLst>
-          </p:cNvPr>
-          <p:cNvSpPr>
-            <a:spLocks noGrp="1"/>
-          </p:cNvSpPr>
-          <p:nvPr>
-            <p:ph type="dt" sz="half" idx="10"/>
-          </p:nvPr>
-        </p:nvSpPr>
-        <p:spPr/>
-        <p:txBody>
-          <a:bodyPr/>
-          <a:lstStyle/>
-          <a:p>
-            <a:pPr lvl="0"/>
-            <a:r>
-              <a:rPr lang="en-US" noProof="0" dirty="0"/>
-              <a:t>20XX</a:t>
-            </a:r>
-          </a:p>
-        </p:txBody>
-      </p:sp>
-      <p:sp>
-        <p:nvSpPr>
-          <p:cNvPr id="21" name="Slide Number Placeholder 20">
-            <a:extLst>
-              <a:ext uri="{FF2B5EF4-FFF2-40B4-BE49-F238E27FC236}">
-                <a16:creationId xmlns:a16="http://schemas.microsoft.com/office/drawing/2014/main" id="{C19BFBA5-3E41-40F8-9EFB-9DF730F5B6E4}"/>
-              </a:ext>
-            </a:extLst>
-          </p:cNvPr>
-          <p:cNvSpPr>
-            <a:spLocks noGrp="1"/>
-          </p:cNvSpPr>
-          <p:nvPr>
-            <p:ph type="sldNum" sz="quarter" idx="12"/>
-          </p:nvPr>
-        </p:nvSpPr>
-        <p:spPr/>
-        <p:txBody>
-          <a:bodyPr/>
-          <a:lstStyle/>
-          <a:p>
-            <a:pPr lvl="0"/>
-            <a:fld id="{244D815C-8BF3-4ECF-A945-A2A7C2983AF9}" type="slidenum">
-              <a:rPr lang="en-US" noProof="0" smtClean="0"/>
-              <a:pPr lvl="0"/>
-              <a:t>21</a:t>
             </a:fld>
             <a:endParaRPr lang="en-US" noProof="0" dirty="0"/>
           </a:p>
@@ -12728,35 +12004,6 @@
       </p:sp>
       <p:sp>
         <p:nvSpPr>
-          <p:cNvPr id="19" name="Date Placeholder 18">
-            <a:extLst>
-              <a:ext uri="{FF2B5EF4-FFF2-40B4-BE49-F238E27FC236}">
-                <a16:creationId xmlns:a16="http://schemas.microsoft.com/office/drawing/2014/main" id="{CE93697D-BFA2-4D84-A860-BA620414419D}"/>
-              </a:ext>
-            </a:extLst>
-          </p:cNvPr>
-          <p:cNvSpPr>
-            <a:spLocks noGrp="1"/>
-          </p:cNvSpPr>
-          <p:nvPr>
-            <p:ph type="dt" sz="half" idx="10"/>
-          </p:nvPr>
-        </p:nvSpPr>
-        <p:spPr/>
-        <p:txBody>
-          <a:bodyPr/>
-          <a:lstStyle/>
-          <a:p>
-            <a:pPr lvl="0"/>
-            <a:r>
-              <a:rPr lang="en-US" noProof="0" dirty="0"/>
-              <a:t>20XX</a:t>
-            </a:r>
-          </a:p>
-        </p:txBody>
-      </p:sp>
-      <p:sp>
-        <p:nvSpPr>
           <p:cNvPr id="21" name="Slide Number Placeholder 20">
             <a:extLst>
               <a:ext uri="{FF2B5EF4-FFF2-40B4-BE49-F238E27FC236}">
@@ -13218,78 +12465,6 @@
               <a:rPr lang="en-GB" dirty="0"/>
               <a:t>Appear to be a ‘top 6’</a:t>
             </a:r>
-          </a:p>
-        </p:txBody>
-      </p:sp>
-      <p:sp>
-        <p:nvSpPr>
-          <p:cNvPr id="3" name="Footer Placeholder 2">
-            <a:extLst>
-              <a:ext uri="{FF2B5EF4-FFF2-40B4-BE49-F238E27FC236}">
-                <a16:creationId xmlns:a16="http://schemas.microsoft.com/office/drawing/2014/main" id="{EECC0E9B-6686-4AA4-E450-60D48C23437A}"/>
-              </a:ext>
-            </a:extLst>
-          </p:cNvPr>
-          <p:cNvSpPr>
-            <a:spLocks noGrp="1"/>
-          </p:cNvSpPr>
-          <p:nvPr>
-            <p:ph type="ftr" sz="quarter" idx="11"/>
-          </p:nvPr>
-        </p:nvSpPr>
-        <p:spPr/>
-        <p:txBody>
-          <a:bodyPr/>
-          <a:lstStyle/>
-          <a:p>
-            <a:pPr>
-              <a:defRPr/>
-            </a:pPr>
-            <a:r>
-              <a:rPr lang="en-US"/>
-              <a:t>Presentation title</a:t>
-            </a:r>
-            <a:endParaRPr lang="en-US" dirty="0"/>
-          </a:p>
-        </p:txBody>
-      </p:sp>
-      <p:sp>
-        <p:nvSpPr>
-          <p:cNvPr id="5" name="Date Placeholder 4">
-            <a:extLst>
-              <a:ext uri="{FF2B5EF4-FFF2-40B4-BE49-F238E27FC236}">
-                <a16:creationId xmlns:a16="http://schemas.microsoft.com/office/drawing/2014/main" id="{BE2095D8-C0A2-D1C3-012E-23A2CCF5FD5B}"/>
-              </a:ext>
-            </a:extLst>
-          </p:cNvPr>
-          <p:cNvSpPr>
-            <a:spLocks noGrp="1"/>
-          </p:cNvSpPr>
-          <p:nvPr>
-            <p:ph type="dt" sz="half" idx="10"/>
-          </p:nvPr>
-        </p:nvSpPr>
-        <p:spPr/>
-        <p:txBody>
-          <a:bodyPr/>
-          <a:lstStyle/>
-          <a:p>
-            <a:pPr>
-              <a:defRPr/>
-            </a:pPr>
-            <a:r>
-              <a:rPr lang="en-US">
-                <a:solidFill>
-                  <a:prstClr val="black"/>
-                </a:solidFill>
-              </a:rPr>
-              <a:t>20XX</a:t>
-            </a:r>
-            <a:endParaRPr lang="en-US" dirty="0">
-              <a:solidFill>
-                <a:prstClr val="black"/>
-              </a:solidFill>
-            </a:endParaRPr>
           </a:p>
         </p:txBody>
       </p:sp>
@@ -13565,78 +12740,6 @@
       </p:sp>
       <p:sp>
         <p:nvSpPr>
-          <p:cNvPr id="3" name="Footer Placeholder 2">
-            <a:extLst>
-              <a:ext uri="{FF2B5EF4-FFF2-40B4-BE49-F238E27FC236}">
-                <a16:creationId xmlns:a16="http://schemas.microsoft.com/office/drawing/2014/main" id="{EECC0E9B-6686-4AA4-E450-60D48C23437A}"/>
-              </a:ext>
-            </a:extLst>
-          </p:cNvPr>
-          <p:cNvSpPr>
-            <a:spLocks noGrp="1"/>
-          </p:cNvSpPr>
-          <p:nvPr>
-            <p:ph type="ftr" sz="quarter" idx="11"/>
-          </p:nvPr>
-        </p:nvSpPr>
-        <p:spPr/>
-        <p:txBody>
-          <a:bodyPr/>
-          <a:lstStyle/>
-          <a:p>
-            <a:pPr>
-              <a:defRPr/>
-            </a:pPr>
-            <a:r>
-              <a:rPr lang="en-US"/>
-              <a:t>Presentation title</a:t>
-            </a:r>
-            <a:endParaRPr lang="en-US" dirty="0"/>
-          </a:p>
-        </p:txBody>
-      </p:sp>
-      <p:sp>
-        <p:nvSpPr>
-          <p:cNvPr id="5" name="Date Placeholder 4">
-            <a:extLst>
-              <a:ext uri="{FF2B5EF4-FFF2-40B4-BE49-F238E27FC236}">
-                <a16:creationId xmlns:a16="http://schemas.microsoft.com/office/drawing/2014/main" id="{BE2095D8-C0A2-D1C3-012E-23A2CCF5FD5B}"/>
-              </a:ext>
-            </a:extLst>
-          </p:cNvPr>
-          <p:cNvSpPr>
-            <a:spLocks noGrp="1"/>
-          </p:cNvSpPr>
-          <p:nvPr>
-            <p:ph type="dt" sz="half" idx="10"/>
-          </p:nvPr>
-        </p:nvSpPr>
-        <p:spPr/>
-        <p:txBody>
-          <a:bodyPr/>
-          <a:lstStyle/>
-          <a:p>
-            <a:pPr>
-              <a:defRPr/>
-            </a:pPr>
-            <a:r>
-              <a:rPr lang="en-US">
-                <a:solidFill>
-                  <a:prstClr val="black"/>
-                </a:solidFill>
-              </a:rPr>
-              <a:t>20XX</a:t>
-            </a:r>
-            <a:endParaRPr lang="en-US" dirty="0">
-              <a:solidFill>
-                <a:prstClr val="black"/>
-              </a:solidFill>
-            </a:endParaRPr>
-          </a:p>
-        </p:txBody>
-      </p:sp>
-      <p:sp>
-        <p:nvSpPr>
           <p:cNvPr id="6" name="Slide Number Placeholder 5">
             <a:extLst>
               <a:ext uri="{FF2B5EF4-FFF2-40B4-BE49-F238E27FC236}">
@@ -13856,78 +12959,6 @@
       </p:sp>
       <p:sp>
         <p:nvSpPr>
-          <p:cNvPr id="3" name="Footer Placeholder 2">
-            <a:extLst>
-              <a:ext uri="{FF2B5EF4-FFF2-40B4-BE49-F238E27FC236}">
-                <a16:creationId xmlns:a16="http://schemas.microsoft.com/office/drawing/2014/main" id="{EECC0E9B-6686-4AA4-E450-60D48C23437A}"/>
-              </a:ext>
-            </a:extLst>
-          </p:cNvPr>
-          <p:cNvSpPr>
-            <a:spLocks noGrp="1"/>
-          </p:cNvSpPr>
-          <p:nvPr>
-            <p:ph type="ftr" sz="quarter" idx="11"/>
-          </p:nvPr>
-        </p:nvSpPr>
-        <p:spPr/>
-        <p:txBody>
-          <a:bodyPr/>
-          <a:lstStyle/>
-          <a:p>
-            <a:pPr>
-              <a:defRPr/>
-            </a:pPr>
-            <a:r>
-              <a:rPr lang="en-US"/>
-              <a:t>Presentation title</a:t>
-            </a:r>
-            <a:endParaRPr lang="en-US" dirty="0"/>
-          </a:p>
-        </p:txBody>
-      </p:sp>
-      <p:sp>
-        <p:nvSpPr>
-          <p:cNvPr id="5" name="Date Placeholder 4">
-            <a:extLst>
-              <a:ext uri="{FF2B5EF4-FFF2-40B4-BE49-F238E27FC236}">
-                <a16:creationId xmlns:a16="http://schemas.microsoft.com/office/drawing/2014/main" id="{BE2095D8-C0A2-D1C3-012E-23A2CCF5FD5B}"/>
-              </a:ext>
-            </a:extLst>
-          </p:cNvPr>
-          <p:cNvSpPr>
-            <a:spLocks noGrp="1"/>
-          </p:cNvSpPr>
-          <p:nvPr>
-            <p:ph type="dt" sz="half" idx="10"/>
-          </p:nvPr>
-        </p:nvSpPr>
-        <p:spPr/>
-        <p:txBody>
-          <a:bodyPr/>
-          <a:lstStyle/>
-          <a:p>
-            <a:pPr>
-              <a:defRPr/>
-            </a:pPr>
-            <a:r>
-              <a:rPr lang="en-US">
-                <a:solidFill>
-                  <a:prstClr val="black"/>
-                </a:solidFill>
-              </a:rPr>
-              <a:t>20XX</a:t>
-            </a:r>
-            <a:endParaRPr lang="en-US" dirty="0">
-              <a:solidFill>
-                <a:prstClr val="black"/>
-              </a:solidFill>
-            </a:endParaRPr>
-          </a:p>
-        </p:txBody>
-      </p:sp>
-      <p:sp>
-        <p:nvSpPr>
           <p:cNvPr id="6" name="Slide Number Placeholder 5">
             <a:extLst>
               <a:ext uri="{FF2B5EF4-FFF2-40B4-BE49-F238E27FC236}">
@@ -14263,78 +13294,6 @@
       </p:sp>
       <p:sp>
         <p:nvSpPr>
-          <p:cNvPr id="3" name="Footer Placeholder 2">
-            <a:extLst>
-              <a:ext uri="{FF2B5EF4-FFF2-40B4-BE49-F238E27FC236}">
-                <a16:creationId xmlns:a16="http://schemas.microsoft.com/office/drawing/2014/main" id="{EECC0E9B-6686-4AA4-E450-60D48C23437A}"/>
-              </a:ext>
-            </a:extLst>
-          </p:cNvPr>
-          <p:cNvSpPr>
-            <a:spLocks noGrp="1"/>
-          </p:cNvSpPr>
-          <p:nvPr>
-            <p:ph type="ftr" sz="quarter" idx="11"/>
-          </p:nvPr>
-        </p:nvSpPr>
-        <p:spPr/>
-        <p:txBody>
-          <a:bodyPr/>
-          <a:lstStyle/>
-          <a:p>
-            <a:pPr>
-              <a:defRPr/>
-            </a:pPr>
-            <a:r>
-              <a:rPr lang="en-US"/>
-              <a:t>Presentation title</a:t>
-            </a:r>
-            <a:endParaRPr lang="en-US" dirty="0"/>
-          </a:p>
-        </p:txBody>
-      </p:sp>
-      <p:sp>
-        <p:nvSpPr>
-          <p:cNvPr id="5" name="Date Placeholder 4">
-            <a:extLst>
-              <a:ext uri="{FF2B5EF4-FFF2-40B4-BE49-F238E27FC236}">
-                <a16:creationId xmlns:a16="http://schemas.microsoft.com/office/drawing/2014/main" id="{BE2095D8-C0A2-D1C3-012E-23A2CCF5FD5B}"/>
-              </a:ext>
-            </a:extLst>
-          </p:cNvPr>
-          <p:cNvSpPr>
-            <a:spLocks noGrp="1"/>
-          </p:cNvSpPr>
-          <p:nvPr>
-            <p:ph type="dt" sz="half" idx="10"/>
-          </p:nvPr>
-        </p:nvSpPr>
-        <p:spPr/>
-        <p:txBody>
-          <a:bodyPr/>
-          <a:lstStyle/>
-          <a:p>
-            <a:pPr>
-              <a:defRPr/>
-            </a:pPr>
-            <a:r>
-              <a:rPr lang="en-US">
-                <a:solidFill>
-                  <a:prstClr val="black"/>
-                </a:solidFill>
-              </a:rPr>
-              <a:t>20XX</a:t>
-            </a:r>
-            <a:endParaRPr lang="en-US" dirty="0">
-              <a:solidFill>
-                <a:prstClr val="black"/>
-              </a:solidFill>
-            </a:endParaRPr>
-          </a:p>
-        </p:txBody>
-      </p:sp>
-      <p:sp>
-        <p:nvSpPr>
           <p:cNvPr id="6" name="Slide Number Placeholder 5">
             <a:extLst>
               <a:ext uri="{FF2B5EF4-FFF2-40B4-BE49-F238E27FC236}">
@@ -14553,80 +13512,8 @@
           <a:p>
             <a:r>
               <a:rPr lang="en-GB" dirty="0"/>
-              <a:t>Age group 45-54, social group C2 both under represented</a:t>
-            </a:r>
-          </a:p>
-        </p:txBody>
-      </p:sp>
-      <p:sp>
-        <p:nvSpPr>
-          <p:cNvPr id="3" name="Footer Placeholder 2">
-            <a:extLst>
-              <a:ext uri="{FF2B5EF4-FFF2-40B4-BE49-F238E27FC236}">
-                <a16:creationId xmlns:a16="http://schemas.microsoft.com/office/drawing/2014/main" id="{EECC0E9B-6686-4AA4-E450-60D48C23437A}"/>
-              </a:ext>
-            </a:extLst>
-          </p:cNvPr>
-          <p:cNvSpPr>
-            <a:spLocks noGrp="1"/>
-          </p:cNvSpPr>
-          <p:nvPr>
-            <p:ph type="ftr" sz="quarter" idx="11"/>
-          </p:nvPr>
-        </p:nvSpPr>
-        <p:spPr/>
-        <p:txBody>
-          <a:bodyPr/>
-          <a:lstStyle/>
-          <a:p>
-            <a:pPr>
-              <a:defRPr/>
-            </a:pPr>
-            <a:r>
-              <a:rPr lang="en-US"/>
-              <a:t>Presentation title</a:t>
-            </a:r>
-            <a:endParaRPr lang="en-US" dirty="0"/>
-          </a:p>
-        </p:txBody>
-      </p:sp>
-      <p:sp>
-        <p:nvSpPr>
-          <p:cNvPr id="5" name="Date Placeholder 4">
-            <a:extLst>
-              <a:ext uri="{FF2B5EF4-FFF2-40B4-BE49-F238E27FC236}">
-                <a16:creationId xmlns:a16="http://schemas.microsoft.com/office/drawing/2014/main" id="{BE2095D8-C0A2-D1C3-012E-23A2CCF5FD5B}"/>
-              </a:ext>
-            </a:extLst>
-          </p:cNvPr>
-          <p:cNvSpPr>
-            <a:spLocks noGrp="1"/>
-          </p:cNvSpPr>
-          <p:nvPr>
-            <p:ph type="dt" sz="half" idx="10"/>
-          </p:nvPr>
-        </p:nvSpPr>
-        <p:spPr/>
-        <p:txBody>
-          <a:bodyPr/>
-          <a:lstStyle/>
-          <a:p>
-            <a:pPr>
-              <a:defRPr/>
-            </a:pPr>
-            <a:r>
-              <a:rPr lang="en-US">
-                <a:solidFill>
-                  <a:prstClr val="black"/>
-                </a:solidFill>
-              </a:rPr>
-              <a:t>20XX</a:t>
-            </a:r>
-            <a:endParaRPr lang="en-US" dirty="0">
-              <a:solidFill>
-                <a:prstClr val="black"/>
-              </a:solidFill>
-            </a:endParaRPr>
+              <a:t>Age group 45-54, social group C2 (Skilled manual occupations) both under represented</a:t>
+            </a:r>
           </a:p>
         </p:txBody>
       </p:sp>
@@ -14948,77 +13835,6 @@
       </p:sp>
       <p:sp>
         <p:nvSpPr>
-          <p:cNvPr id="3" name="Footer Placeholder 2">
-            <a:extLst>
-              <a:ext uri="{FF2B5EF4-FFF2-40B4-BE49-F238E27FC236}">
-                <a16:creationId xmlns:a16="http://schemas.microsoft.com/office/drawing/2014/main" id="{EECC0E9B-6686-4AA4-E450-60D48C23437A}"/>
-              </a:ext>
-            </a:extLst>
-          </p:cNvPr>
-          <p:cNvSpPr>
-            <a:spLocks noGrp="1"/>
-          </p:cNvSpPr>
-          <p:nvPr>
-            <p:ph type="ftr" sz="quarter" idx="11"/>
-          </p:nvPr>
-        </p:nvSpPr>
-        <p:spPr/>
-        <p:txBody>
-          <a:bodyPr/>
-          <a:lstStyle/>
-          <a:p>
-            <a:pPr>
-              <a:defRPr/>
-            </a:pPr>
-            <a:r>
-              <a:rPr lang="en-US" dirty="0"/>
-              <a:t>Presentation title</a:t>
-            </a:r>
-          </a:p>
-        </p:txBody>
-      </p:sp>
-      <p:sp>
-        <p:nvSpPr>
-          <p:cNvPr id="5" name="Date Placeholder 4">
-            <a:extLst>
-              <a:ext uri="{FF2B5EF4-FFF2-40B4-BE49-F238E27FC236}">
-                <a16:creationId xmlns:a16="http://schemas.microsoft.com/office/drawing/2014/main" id="{BE2095D8-C0A2-D1C3-012E-23A2CCF5FD5B}"/>
-              </a:ext>
-            </a:extLst>
-          </p:cNvPr>
-          <p:cNvSpPr>
-            <a:spLocks noGrp="1"/>
-          </p:cNvSpPr>
-          <p:nvPr>
-            <p:ph type="dt" sz="half" idx="10"/>
-          </p:nvPr>
-        </p:nvSpPr>
-        <p:spPr/>
-        <p:txBody>
-          <a:bodyPr/>
-          <a:lstStyle/>
-          <a:p>
-            <a:pPr>
-              <a:defRPr/>
-            </a:pPr>
-            <a:r>
-              <a:rPr lang="en-US">
-                <a:solidFill>
-                  <a:prstClr val="black"/>
-                </a:solidFill>
-              </a:rPr>
-              <a:t>20XX</a:t>
-            </a:r>
-            <a:endParaRPr lang="en-US" dirty="0">
-              <a:solidFill>
-                <a:prstClr val="black"/>
-              </a:solidFill>
-            </a:endParaRPr>
-          </a:p>
-        </p:txBody>
-      </p:sp>
-      <p:sp>
-        <p:nvSpPr>
           <p:cNvPr id="6" name="Slide Number Placeholder 5">
             <a:extLst>
               <a:ext uri="{FF2B5EF4-FFF2-40B4-BE49-F238E27FC236}">
@@ -15160,7 +13976,7 @@
           <p:nvPr/>
         </p:nvPicPr>
         <p:blipFill>
-          <a:blip r:embed="rId2"/>
+          <a:blip r:embed="rId3"/>
           <a:stretch>
             <a:fillRect/>
           </a:stretch>
